--- a/Documentation/1st presentation.pptx
+++ b/Documentation/1st presentation.pptx
@@ -1,29 +1,30 @@
 
 <file path=ppt/presentation.xml><?xml version="1.0" encoding="utf-8"?>
-<p:presentation xmlns:a="http://schemas.openxmlformats.org/drawingml/2006/main" xmlns:r="http://schemas.openxmlformats.org/officeDocument/2006/relationships" xmlns:p="http://schemas.openxmlformats.org/presentationml/2006/main" strictFirstAndLastChars="0" saveSubsetFonts="1" autoCompressPictures="0">
+<p:presentation xmlns:a="http://schemas.openxmlformats.org/drawingml/2006/main" xmlns:r="http://schemas.openxmlformats.org/officeDocument/2006/relationships" xmlns:mc="http://schemas.openxmlformats.org/markup-compatibility/2006" xmlns:mv="urn:schemas-microsoft-com:mac:vml" xmlns:p="http://schemas.openxmlformats.org/presentationml/2006/main" xmlns:c="http://schemas.openxmlformats.org/drawingml/2006/chart" xmlns:dgm="http://schemas.openxmlformats.org/drawingml/2006/diagram" xmlns:o="urn:schemas-microsoft-com:office:office" xmlns:v="urn:schemas-microsoft-com:vml" xmlns:pvml="urn:schemas-microsoft-com:office:powerpoint" xmlns:com="http://schemas.openxmlformats.org/drawingml/2006/compatibility" xmlns:p14="http://schemas.microsoft.com/office/powerpoint/2010/main" xmlns:p15="http://schemas.microsoft.com/office/powerpoint/2012/main" xmlns:ahyp="http://schemas.microsoft.com/office/drawing/2018/hyperlinkcolor" autoCompressPictures="0" strictFirstAndLastChars="0" saveSubsetFonts="1">
   <p:sldMasterIdLst>
-    <p:sldMasterId id="2147483651" r:id="rId1"/>
+    <p:sldMasterId id="2147483651" r:id="rId5"/>
   </p:sldMasterIdLst>
   <p:notesMasterIdLst>
-    <p:notesMasterId r:id="rId13"/>
+    <p:notesMasterId r:id="rId6"/>
   </p:notesMasterIdLst>
   <p:sldIdLst>
-    <p:sldId id="256" r:id="rId2"/>
-    <p:sldId id="257" r:id="rId3"/>
-    <p:sldId id="258" r:id="rId4"/>
-    <p:sldId id="259" r:id="rId5"/>
-    <p:sldId id="260" r:id="rId6"/>
-    <p:sldId id="261" r:id="rId7"/>
-    <p:sldId id="262" r:id="rId8"/>
-    <p:sldId id="263" r:id="rId9"/>
-    <p:sldId id="264" r:id="rId10"/>
-    <p:sldId id="265" r:id="rId11"/>
-    <p:sldId id="266" r:id="rId12"/>
+    <p:sldId id="256" r:id="rId7"/>
+    <p:sldId id="257" r:id="rId8"/>
+    <p:sldId id="258" r:id="rId9"/>
+    <p:sldId id="259" r:id="rId10"/>
+    <p:sldId id="260" r:id="rId11"/>
+    <p:sldId id="261" r:id="rId12"/>
+    <p:sldId id="262" r:id="rId13"/>
+    <p:sldId id="263" r:id="rId14"/>
+    <p:sldId id="264" r:id="rId15"/>
+    <p:sldId id="265" r:id="rId16"/>
+    <p:sldId id="266" r:id="rId17"/>
+    <p:sldId id="267" r:id="rId18"/>
   </p:sldIdLst>
-  <p:sldSz cx="12192000" cy="6858000"/>
+  <p:sldSz cy="6858000" cx="12192000"/>
   <p:notesSz cx="6858000" cy="9144000"/>
   <p:defaultTextStyle>
-    <a:defPPr marR="0" lvl="0" algn="l" rtl="0">
+    <a:defPPr lvl="0" marR="0" rtl="0" algn="l">
       <a:lnSpc>
         <a:spcPct val="100000"/>
       </a:lnSpc>
@@ -34,7 +35,7 @@
         <a:spcPts val="0"/>
       </a:spcAft>
     </a:defPPr>
-    <a:lvl1pPr marR="0" lvl="0" algn="l" rtl="0">
+    <a:lvl1pPr lvl="0" marR="0" rtl="0" algn="l">
       <a:lnSpc>
         <a:spcPct val="100000"/>
       </a:lnSpc>
@@ -48,7 +49,7 @@
         <a:srgbClr val="000000"/>
       </a:buClr>
       <a:buFont typeface="Arial"/>
-      <a:defRPr sz="1400" b="0" i="0" u="none" strike="noStrike" cap="none">
+      <a:defRPr b="0" i="0" sz="1400" u="none" cap="none" strike="noStrike">
         <a:solidFill>
           <a:srgbClr val="000000"/>
         </a:solidFill>
@@ -58,7 +59,7 @@
         <a:sym typeface="Arial"/>
       </a:defRPr>
     </a:lvl1pPr>
-    <a:lvl2pPr marR="0" lvl="1" algn="l" rtl="0">
+    <a:lvl2pPr lvl="1" marR="0" rtl="0" algn="l">
       <a:lnSpc>
         <a:spcPct val="100000"/>
       </a:lnSpc>
@@ -72,7 +73,7 @@
         <a:srgbClr val="000000"/>
       </a:buClr>
       <a:buFont typeface="Arial"/>
-      <a:defRPr sz="1400" b="0" i="0" u="none" strike="noStrike" cap="none">
+      <a:defRPr b="0" i="0" sz="1400" u="none" cap="none" strike="noStrike">
         <a:solidFill>
           <a:srgbClr val="000000"/>
         </a:solidFill>
@@ -82,7 +83,7 @@
         <a:sym typeface="Arial"/>
       </a:defRPr>
     </a:lvl2pPr>
-    <a:lvl3pPr marR="0" lvl="2" algn="l" rtl="0">
+    <a:lvl3pPr lvl="2" marR="0" rtl="0" algn="l">
       <a:lnSpc>
         <a:spcPct val="100000"/>
       </a:lnSpc>
@@ -96,7 +97,7 @@
         <a:srgbClr val="000000"/>
       </a:buClr>
       <a:buFont typeface="Arial"/>
-      <a:defRPr sz="1400" b="0" i="0" u="none" strike="noStrike" cap="none">
+      <a:defRPr b="0" i="0" sz="1400" u="none" cap="none" strike="noStrike">
         <a:solidFill>
           <a:srgbClr val="000000"/>
         </a:solidFill>
@@ -106,7 +107,7 @@
         <a:sym typeface="Arial"/>
       </a:defRPr>
     </a:lvl3pPr>
-    <a:lvl4pPr marR="0" lvl="3" algn="l" rtl="0">
+    <a:lvl4pPr lvl="3" marR="0" rtl="0" algn="l">
       <a:lnSpc>
         <a:spcPct val="100000"/>
       </a:lnSpc>
@@ -120,7 +121,7 @@
         <a:srgbClr val="000000"/>
       </a:buClr>
       <a:buFont typeface="Arial"/>
-      <a:defRPr sz="1400" b="0" i="0" u="none" strike="noStrike" cap="none">
+      <a:defRPr b="0" i="0" sz="1400" u="none" cap="none" strike="noStrike">
         <a:solidFill>
           <a:srgbClr val="000000"/>
         </a:solidFill>
@@ -130,7 +131,7 @@
         <a:sym typeface="Arial"/>
       </a:defRPr>
     </a:lvl4pPr>
-    <a:lvl5pPr marR="0" lvl="4" algn="l" rtl="0">
+    <a:lvl5pPr lvl="4" marR="0" rtl="0" algn="l">
       <a:lnSpc>
         <a:spcPct val="100000"/>
       </a:lnSpc>
@@ -144,7 +145,7 @@
         <a:srgbClr val="000000"/>
       </a:buClr>
       <a:buFont typeface="Arial"/>
-      <a:defRPr sz="1400" b="0" i="0" u="none" strike="noStrike" cap="none">
+      <a:defRPr b="0" i="0" sz="1400" u="none" cap="none" strike="noStrike">
         <a:solidFill>
           <a:srgbClr val="000000"/>
         </a:solidFill>
@@ -154,7 +155,7 @@
         <a:sym typeface="Arial"/>
       </a:defRPr>
     </a:lvl5pPr>
-    <a:lvl6pPr marR="0" lvl="5" algn="l" rtl="0">
+    <a:lvl6pPr lvl="5" marR="0" rtl="0" algn="l">
       <a:lnSpc>
         <a:spcPct val="100000"/>
       </a:lnSpc>
@@ -168,7 +169,7 @@
         <a:srgbClr val="000000"/>
       </a:buClr>
       <a:buFont typeface="Arial"/>
-      <a:defRPr sz="1400" b="0" i="0" u="none" strike="noStrike" cap="none">
+      <a:defRPr b="0" i="0" sz="1400" u="none" cap="none" strike="noStrike">
         <a:solidFill>
           <a:srgbClr val="000000"/>
         </a:solidFill>
@@ -178,7 +179,7 @@
         <a:sym typeface="Arial"/>
       </a:defRPr>
     </a:lvl6pPr>
-    <a:lvl7pPr marR="0" lvl="6" algn="l" rtl="0">
+    <a:lvl7pPr lvl="6" marR="0" rtl="0" algn="l">
       <a:lnSpc>
         <a:spcPct val="100000"/>
       </a:lnSpc>
@@ -192,7 +193,7 @@
         <a:srgbClr val="000000"/>
       </a:buClr>
       <a:buFont typeface="Arial"/>
-      <a:defRPr sz="1400" b="0" i="0" u="none" strike="noStrike" cap="none">
+      <a:defRPr b="0" i="0" sz="1400" u="none" cap="none" strike="noStrike">
         <a:solidFill>
           <a:srgbClr val="000000"/>
         </a:solidFill>
@@ -202,7 +203,7 @@
         <a:sym typeface="Arial"/>
       </a:defRPr>
     </a:lvl7pPr>
-    <a:lvl8pPr marR="0" lvl="7" algn="l" rtl="0">
+    <a:lvl8pPr lvl="7" marR="0" rtl="0" algn="l">
       <a:lnSpc>
         <a:spcPct val="100000"/>
       </a:lnSpc>
@@ -216,7 +217,7 @@
         <a:srgbClr val="000000"/>
       </a:buClr>
       <a:buFont typeface="Arial"/>
-      <a:defRPr sz="1400" b="0" i="0" u="none" strike="noStrike" cap="none">
+      <a:defRPr b="0" i="0" sz="1400" u="none" cap="none" strike="noStrike">
         <a:solidFill>
           <a:srgbClr val="000000"/>
         </a:solidFill>
@@ -226,7 +227,7 @@
         <a:sym typeface="Arial"/>
       </a:defRPr>
     </a:lvl8pPr>
-    <a:lvl9pPr marR="0" lvl="8" algn="l" rtl="0">
+    <a:lvl9pPr lvl="8" marR="0" rtl="0" algn="l">
       <a:lnSpc>
         <a:spcPct val="100000"/>
       </a:lnSpc>
@@ -240,7 +241,7 @@
         <a:srgbClr val="000000"/>
       </a:buClr>
       <a:buFont typeface="Arial"/>
-      <a:defRPr sz="1400" b="0" i="0" u="none" strike="noStrike" cap="none">
+      <a:defRPr b="0" i="0" sz="1400" u="none" cap="none" strike="noStrike">
         <a:solidFill>
           <a:srgbClr val="000000"/>
         </a:solidFill>
@@ -253,7 +254,7 @@
   </p:defaultTextStyle>
   <p:extLst>
     <p:ext uri="{EFAFB233-063F-42B5-8137-9DF3F51BA10A}">
-      <p15:sldGuideLst xmlns:p15="http://schemas.microsoft.com/office/powerpoint/2012/main">
+      <p15:sldGuideLst>
         <p15:guide id="1" orient="horz" pos="2160">
           <p15:clr>
             <a:srgbClr val="A4A3A4"/>
@@ -271,19 +272,18 @@
 </file>
 
 <file path=ppt/notesMasters/notesMaster1.xml><?xml version="1.0" encoding="utf-8"?>
-<p:notesMaster xmlns:a="http://schemas.openxmlformats.org/drawingml/2006/main" xmlns:r="http://schemas.openxmlformats.org/officeDocument/2006/relationships" xmlns:p="http://schemas.openxmlformats.org/presentationml/2006/main">
+<p:notesMaster xmlns:a="http://schemas.openxmlformats.org/drawingml/2006/main" xmlns:r="http://schemas.openxmlformats.org/officeDocument/2006/relationships" xmlns:mc="http://schemas.openxmlformats.org/markup-compatibility/2006" xmlns:mv="urn:schemas-microsoft-com:mac:vml" xmlns:p="http://schemas.openxmlformats.org/presentationml/2006/main" xmlns:c="http://schemas.openxmlformats.org/drawingml/2006/chart" xmlns:dgm="http://schemas.openxmlformats.org/drawingml/2006/diagram" xmlns:o="urn:schemas-microsoft-com:office:office" xmlns:v="urn:schemas-microsoft-com:vml" xmlns:pvml="urn:schemas-microsoft-com:office:powerpoint" xmlns:com="http://schemas.openxmlformats.org/drawingml/2006/compatibility" xmlns:p14="http://schemas.microsoft.com/office/powerpoint/2010/main" xmlns:p15="http://schemas.microsoft.com/office/powerpoint/2012/main" xmlns:ahyp="http://schemas.microsoft.com/office/drawing/2018/hyperlinkcolor">
   <p:cSld>
     <p:bg>
       <p:bgPr>
         <a:solidFill>
           <a:schemeClr val="lt1"/>
         </a:solidFill>
-        <a:effectLst/>
       </p:bgPr>
     </p:bg>
     <p:spTree>
       <p:nvGrpSpPr>
-        <p:cNvPr id="1" name="Shape 2"/>
+        <p:cNvPr id="2" name="Shape 2"/>
         <p:cNvGrpSpPr/>
         <p:nvPr/>
       </p:nvGrpSpPr>
@@ -298,11 +298,9 @@
       <p:sp>
         <p:nvSpPr>
           <p:cNvPr id="3" name="Google Shape;3;n"/>
-          <p:cNvSpPr txBox="1">
-            <a:spLocks noGrp="1"/>
-          </p:cNvSpPr>
+          <p:cNvSpPr txBox="1"/>
           <p:nvPr>
-            <p:ph type="hdr" idx="2"/>
+            <p:ph idx="2" type="hdr"/>
           </p:nvPr>
         </p:nvSpPr>
         <p:spPr>
@@ -319,11 +317,11 @@
           </a:ln>
         </p:spPr>
         <p:txBody>
-          <a:bodyPr spcFirstLastPara="1" wrap="square" lIns="91425" tIns="45700" rIns="91425" bIns="45700" anchor="t" anchorCtr="0">
+          <a:bodyPr anchorCtr="0" anchor="t" bIns="45700" lIns="91425" spcFirstLastPara="1" rIns="91425" wrap="square" tIns="45700">
             <a:noAutofit/>
           </a:bodyPr>
           <a:lstStyle>
-            <a:lvl1pPr marR="0" lvl="0" algn="l" rtl="0">
+            <a:lvl1pPr lvl="0" marR="0" rtl="0" algn="l">
               <a:spcBef>
                 <a:spcPts val="0"/>
               </a:spcBef>
@@ -332,7 +330,7 @@
               </a:spcAft>
               <a:buSzPts val="1400"/>
               <a:buNone/>
-              <a:defRPr sz="1200" b="0" i="0" u="none" strike="noStrike" cap="none">
+              <a:defRPr b="0" i="0" sz="1200" u="none" cap="none" strike="noStrike">
                 <a:solidFill>
                   <a:schemeClr val="dk1"/>
                 </a:solidFill>
@@ -342,7 +340,7 @@
                 <a:sym typeface="Calibri"/>
               </a:defRPr>
             </a:lvl1pPr>
-            <a:lvl2pPr marR="0" lvl="1" algn="l" rtl="0">
+            <a:lvl2pPr lvl="1" marR="0" rtl="0" algn="l">
               <a:spcBef>
                 <a:spcPts val="0"/>
               </a:spcBef>
@@ -351,7 +349,7 @@
               </a:spcAft>
               <a:buSzPts val="1400"/>
               <a:buNone/>
-              <a:defRPr sz="1800" b="0" i="0" u="none" strike="noStrike" cap="none">
+              <a:defRPr b="0" i="0" sz="1800" u="none" cap="none" strike="noStrike">
                 <a:solidFill>
                   <a:schemeClr val="dk1"/>
                 </a:solidFill>
@@ -361,7 +359,7 @@
                 <a:sym typeface="Calibri"/>
               </a:defRPr>
             </a:lvl2pPr>
-            <a:lvl3pPr marR="0" lvl="2" algn="l" rtl="0">
+            <a:lvl3pPr lvl="2" marR="0" rtl="0" algn="l">
               <a:spcBef>
                 <a:spcPts val="0"/>
               </a:spcBef>
@@ -370,7 +368,7 @@
               </a:spcAft>
               <a:buSzPts val="1400"/>
               <a:buNone/>
-              <a:defRPr sz="1800" b="0" i="0" u="none" strike="noStrike" cap="none">
+              <a:defRPr b="0" i="0" sz="1800" u="none" cap="none" strike="noStrike">
                 <a:solidFill>
                   <a:schemeClr val="dk1"/>
                 </a:solidFill>
@@ -380,7 +378,7 @@
                 <a:sym typeface="Calibri"/>
               </a:defRPr>
             </a:lvl3pPr>
-            <a:lvl4pPr marR="0" lvl="3" algn="l" rtl="0">
+            <a:lvl4pPr lvl="3" marR="0" rtl="0" algn="l">
               <a:spcBef>
                 <a:spcPts val="0"/>
               </a:spcBef>
@@ -389,7 +387,7 @@
               </a:spcAft>
               <a:buSzPts val="1400"/>
               <a:buNone/>
-              <a:defRPr sz="1800" b="0" i="0" u="none" strike="noStrike" cap="none">
+              <a:defRPr b="0" i="0" sz="1800" u="none" cap="none" strike="noStrike">
                 <a:solidFill>
                   <a:schemeClr val="dk1"/>
                 </a:solidFill>
@@ -399,7 +397,7 @@
                 <a:sym typeface="Calibri"/>
               </a:defRPr>
             </a:lvl4pPr>
-            <a:lvl5pPr marR="0" lvl="4" algn="l" rtl="0">
+            <a:lvl5pPr lvl="4" marR="0" rtl="0" algn="l">
               <a:spcBef>
                 <a:spcPts val="0"/>
               </a:spcBef>
@@ -408,7 +406,7 @@
               </a:spcAft>
               <a:buSzPts val="1400"/>
               <a:buNone/>
-              <a:defRPr sz="1800" b="0" i="0" u="none" strike="noStrike" cap="none">
+              <a:defRPr b="0" i="0" sz="1800" u="none" cap="none" strike="noStrike">
                 <a:solidFill>
                   <a:schemeClr val="dk1"/>
                 </a:solidFill>
@@ -418,7 +416,7 @@
                 <a:sym typeface="Calibri"/>
               </a:defRPr>
             </a:lvl5pPr>
-            <a:lvl6pPr marR="0" lvl="5" algn="l" rtl="0">
+            <a:lvl6pPr lvl="5" marR="0" rtl="0" algn="l">
               <a:spcBef>
                 <a:spcPts val="0"/>
               </a:spcBef>
@@ -427,7 +425,7 @@
               </a:spcAft>
               <a:buSzPts val="1400"/>
               <a:buNone/>
-              <a:defRPr sz="1800" b="0" i="0" u="none" strike="noStrike" cap="none">
+              <a:defRPr b="0" i="0" sz="1800" u="none" cap="none" strike="noStrike">
                 <a:solidFill>
                   <a:schemeClr val="dk1"/>
                 </a:solidFill>
@@ -437,7 +435,7 @@
                 <a:sym typeface="Calibri"/>
               </a:defRPr>
             </a:lvl6pPr>
-            <a:lvl7pPr marR="0" lvl="6" algn="l" rtl="0">
+            <a:lvl7pPr lvl="6" marR="0" rtl="0" algn="l">
               <a:spcBef>
                 <a:spcPts val="0"/>
               </a:spcBef>
@@ -446,7 +444,7 @@
               </a:spcAft>
               <a:buSzPts val="1400"/>
               <a:buNone/>
-              <a:defRPr sz="1800" b="0" i="0" u="none" strike="noStrike" cap="none">
+              <a:defRPr b="0" i="0" sz="1800" u="none" cap="none" strike="noStrike">
                 <a:solidFill>
                   <a:schemeClr val="dk1"/>
                 </a:solidFill>
@@ -456,7 +454,7 @@
                 <a:sym typeface="Calibri"/>
               </a:defRPr>
             </a:lvl7pPr>
-            <a:lvl8pPr marR="0" lvl="7" algn="l" rtl="0">
+            <a:lvl8pPr lvl="7" marR="0" rtl="0" algn="l">
               <a:spcBef>
                 <a:spcPts val="0"/>
               </a:spcBef>
@@ -465,7 +463,7 @@
               </a:spcAft>
               <a:buSzPts val="1400"/>
               <a:buNone/>
-              <a:defRPr sz="1800" b="0" i="0" u="none" strike="noStrike" cap="none">
+              <a:defRPr b="0" i="0" sz="1800" u="none" cap="none" strike="noStrike">
                 <a:solidFill>
                   <a:schemeClr val="dk1"/>
                 </a:solidFill>
@@ -475,7 +473,7 @@
                 <a:sym typeface="Calibri"/>
               </a:defRPr>
             </a:lvl8pPr>
-            <a:lvl9pPr marR="0" lvl="8" algn="l" rtl="0">
+            <a:lvl9pPr lvl="8" marR="0" rtl="0" algn="l">
               <a:spcBef>
                 <a:spcPts val="0"/>
               </a:spcBef>
@@ -484,7 +482,7 @@
               </a:spcAft>
               <a:buSzPts val="1400"/>
               <a:buNone/>
-              <a:defRPr sz="1800" b="0" i="0" u="none" strike="noStrike" cap="none">
+              <a:defRPr b="0" i="0" sz="1800" u="none" cap="none" strike="noStrike">
                 <a:solidFill>
                   <a:schemeClr val="dk1"/>
                 </a:solidFill>
@@ -495,19 +493,15 @@
               </a:defRPr>
             </a:lvl9pPr>
           </a:lstStyle>
-          <a:p>
-            <a:endParaRPr/>
-          </a:p>
+          <a:p/>
         </p:txBody>
       </p:sp>
       <p:sp>
         <p:nvSpPr>
           <p:cNvPr id="4" name="Google Shape;4;n"/>
-          <p:cNvSpPr txBox="1">
-            <a:spLocks noGrp="1"/>
-          </p:cNvSpPr>
+          <p:cNvSpPr txBox="1"/>
           <p:nvPr>
-            <p:ph type="dt" idx="10"/>
+            <p:ph idx="10" type="dt"/>
           </p:nvPr>
         </p:nvSpPr>
         <p:spPr>
@@ -524,11 +518,11 @@
           </a:ln>
         </p:spPr>
         <p:txBody>
-          <a:bodyPr spcFirstLastPara="1" wrap="square" lIns="91425" tIns="45700" rIns="91425" bIns="45700" anchor="t" anchorCtr="0">
+          <a:bodyPr anchorCtr="0" anchor="t" bIns="45700" lIns="91425" spcFirstLastPara="1" rIns="91425" wrap="square" tIns="45700">
             <a:noAutofit/>
           </a:bodyPr>
           <a:lstStyle>
-            <a:lvl1pPr marR="0" lvl="0" algn="r" rtl="0">
+            <a:lvl1pPr lvl="0" marR="0" rtl="0" algn="r">
               <a:spcBef>
                 <a:spcPts val="0"/>
               </a:spcBef>
@@ -537,7 +531,7 @@
               </a:spcAft>
               <a:buSzPts val="1400"/>
               <a:buNone/>
-              <a:defRPr sz="1200" b="0" i="0" u="none" strike="noStrike" cap="none">
+              <a:defRPr b="0" i="0" sz="1200" u="none" cap="none" strike="noStrike">
                 <a:solidFill>
                   <a:schemeClr val="dk1"/>
                 </a:solidFill>
@@ -547,7 +541,7 @@
                 <a:sym typeface="Calibri"/>
               </a:defRPr>
             </a:lvl1pPr>
-            <a:lvl2pPr marR="0" lvl="1" algn="l" rtl="0">
+            <a:lvl2pPr lvl="1" marR="0" rtl="0" algn="l">
               <a:spcBef>
                 <a:spcPts val="0"/>
               </a:spcBef>
@@ -556,7 +550,7 @@
               </a:spcAft>
               <a:buSzPts val="1400"/>
               <a:buNone/>
-              <a:defRPr sz="1800" b="0" i="0" u="none" strike="noStrike" cap="none">
+              <a:defRPr b="0" i="0" sz="1800" u="none" cap="none" strike="noStrike">
                 <a:solidFill>
                   <a:schemeClr val="dk1"/>
                 </a:solidFill>
@@ -566,7 +560,7 @@
                 <a:sym typeface="Calibri"/>
               </a:defRPr>
             </a:lvl2pPr>
-            <a:lvl3pPr marR="0" lvl="2" algn="l" rtl="0">
+            <a:lvl3pPr lvl="2" marR="0" rtl="0" algn="l">
               <a:spcBef>
                 <a:spcPts val="0"/>
               </a:spcBef>
@@ -575,7 +569,7 @@
               </a:spcAft>
               <a:buSzPts val="1400"/>
               <a:buNone/>
-              <a:defRPr sz="1800" b="0" i="0" u="none" strike="noStrike" cap="none">
+              <a:defRPr b="0" i="0" sz="1800" u="none" cap="none" strike="noStrike">
                 <a:solidFill>
                   <a:schemeClr val="dk1"/>
                 </a:solidFill>
@@ -585,7 +579,7 @@
                 <a:sym typeface="Calibri"/>
               </a:defRPr>
             </a:lvl3pPr>
-            <a:lvl4pPr marR="0" lvl="3" algn="l" rtl="0">
+            <a:lvl4pPr lvl="3" marR="0" rtl="0" algn="l">
               <a:spcBef>
                 <a:spcPts val="0"/>
               </a:spcBef>
@@ -594,7 +588,7 @@
               </a:spcAft>
               <a:buSzPts val="1400"/>
               <a:buNone/>
-              <a:defRPr sz="1800" b="0" i="0" u="none" strike="noStrike" cap="none">
+              <a:defRPr b="0" i="0" sz="1800" u="none" cap="none" strike="noStrike">
                 <a:solidFill>
                   <a:schemeClr val="dk1"/>
                 </a:solidFill>
@@ -604,7 +598,7 @@
                 <a:sym typeface="Calibri"/>
               </a:defRPr>
             </a:lvl4pPr>
-            <a:lvl5pPr marR="0" lvl="4" algn="l" rtl="0">
+            <a:lvl5pPr lvl="4" marR="0" rtl="0" algn="l">
               <a:spcBef>
                 <a:spcPts val="0"/>
               </a:spcBef>
@@ -613,7 +607,7 @@
               </a:spcAft>
               <a:buSzPts val="1400"/>
               <a:buNone/>
-              <a:defRPr sz="1800" b="0" i="0" u="none" strike="noStrike" cap="none">
+              <a:defRPr b="0" i="0" sz="1800" u="none" cap="none" strike="noStrike">
                 <a:solidFill>
                   <a:schemeClr val="dk1"/>
                 </a:solidFill>
@@ -623,7 +617,7 @@
                 <a:sym typeface="Calibri"/>
               </a:defRPr>
             </a:lvl5pPr>
-            <a:lvl6pPr marR="0" lvl="5" algn="l" rtl="0">
+            <a:lvl6pPr lvl="5" marR="0" rtl="0" algn="l">
               <a:spcBef>
                 <a:spcPts val="0"/>
               </a:spcBef>
@@ -632,7 +626,7 @@
               </a:spcAft>
               <a:buSzPts val="1400"/>
               <a:buNone/>
-              <a:defRPr sz="1800" b="0" i="0" u="none" strike="noStrike" cap="none">
+              <a:defRPr b="0" i="0" sz="1800" u="none" cap="none" strike="noStrike">
                 <a:solidFill>
                   <a:schemeClr val="dk1"/>
                 </a:solidFill>
@@ -642,7 +636,7 @@
                 <a:sym typeface="Calibri"/>
               </a:defRPr>
             </a:lvl6pPr>
-            <a:lvl7pPr marR="0" lvl="6" algn="l" rtl="0">
+            <a:lvl7pPr lvl="6" marR="0" rtl="0" algn="l">
               <a:spcBef>
                 <a:spcPts val="0"/>
               </a:spcBef>
@@ -651,7 +645,7 @@
               </a:spcAft>
               <a:buSzPts val="1400"/>
               <a:buNone/>
-              <a:defRPr sz="1800" b="0" i="0" u="none" strike="noStrike" cap="none">
+              <a:defRPr b="0" i="0" sz="1800" u="none" cap="none" strike="noStrike">
                 <a:solidFill>
                   <a:schemeClr val="dk1"/>
                 </a:solidFill>
@@ -661,7 +655,7 @@
                 <a:sym typeface="Calibri"/>
               </a:defRPr>
             </a:lvl7pPr>
-            <a:lvl8pPr marR="0" lvl="7" algn="l" rtl="0">
+            <a:lvl8pPr lvl="7" marR="0" rtl="0" algn="l">
               <a:spcBef>
                 <a:spcPts val="0"/>
               </a:spcBef>
@@ -670,7 +664,7 @@
               </a:spcAft>
               <a:buSzPts val="1400"/>
               <a:buNone/>
-              <a:defRPr sz="1800" b="0" i="0" u="none" strike="noStrike" cap="none">
+              <a:defRPr b="0" i="0" sz="1800" u="none" cap="none" strike="noStrike">
                 <a:solidFill>
                   <a:schemeClr val="dk1"/>
                 </a:solidFill>
@@ -680,7 +674,7 @@
                 <a:sym typeface="Calibri"/>
               </a:defRPr>
             </a:lvl8pPr>
-            <a:lvl9pPr marR="0" lvl="8" algn="l" rtl="0">
+            <a:lvl9pPr lvl="8" marR="0" rtl="0" algn="l">
               <a:spcBef>
                 <a:spcPts val="0"/>
               </a:spcBef>
@@ -689,7 +683,7 @@
               </a:spcAft>
               <a:buSzPts val="1400"/>
               <a:buNone/>
-              <a:defRPr sz="1800" b="0" i="0" u="none" strike="noStrike" cap="none">
+              <a:defRPr b="0" i="0" sz="1800" u="none" cap="none" strike="noStrike">
                 <a:solidFill>
                   <a:schemeClr val="dk1"/>
                 </a:solidFill>
@@ -700,19 +694,15 @@
               </a:defRPr>
             </a:lvl9pPr>
           </a:lstStyle>
-          <a:p>
-            <a:endParaRPr/>
-          </a:p>
+          <a:p/>
         </p:txBody>
       </p:sp>
       <p:sp>
         <p:nvSpPr>
           <p:cNvPr id="5" name="Google Shape;5;n"/>
-          <p:cNvSpPr>
-            <a:spLocks noGrp="1" noRot="1" noChangeAspect="1"/>
-          </p:cNvSpPr>
+          <p:cNvSpPr/>
           <p:nvPr>
-            <p:ph type="sldImg" idx="3"/>
+            <p:ph idx="3" type="sldImg"/>
           </p:nvPr>
         </p:nvSpPr>
         <p:spPr>
@@ -721,13 +711,9 @@
             <a:ext cx="5486400" cy="3086100"/>
           </a:xfrm>
           <a:custGeom>
-            <a:avLst/>
-            <a:gdLst/>
-            <a:ahLst/>
-            <a:cxnLst/>
-            <a:rect l="l" t="t" r="r" b="b"/>
+            <a:rect b="b" l="l" r="r" t="t"/>
             <a:pathLst>
-              <a:path w="120000" h="120000" extrusionOk="0">
+              <a:path extrusionOk="0" h="120000" w="120000">
                 <a:moveTo>
                   <a:pt x="0" y="0"/>
                 </a:moveTo>
@@ -745,25 +731,23 @@
             </a:pathLst>
           </a:custGeom>
           <a:noFill/>
-          <a:ln w="12700" cap="flat" cmpd="sng">
+          <a:ln cap="flat" cmpd="sng" w="12700">
             <a:solidFill>
               <a:srgbClr val="000000"/>
             </a:solidFill>
             <a:prstDash val="solid"/>
             <a:round/>
-            <a:headEnd type="none" w="sm" len="sm"/>
-            <a:tailEnd type="none" w="sm" len="sm"/>
+            <a:headEnd len="sm" w="sm" type="none"/>
+            <a:tailEnd len="sm" w="sm" type="none"/>
           </a:ln>
         </p:spPr>
       </p:sp>
       <p:sp>
         <p:nvSpPr>
           <p:cNvPr id="6" name="Google Shape;6;n"/>
-          <p:cNvSpPr txBox="1">
-            <a:spLocks noGrp="1"/>
-          </p:cNvSpPr>
+          <p:cNvSpPr txBox="1"/>
           <p:nvPr>
-            <p:ph type="body" idx="1"/>
+            <p:ph idx="1" type="body"/>
           </p:nvPr>
         </p:nvSpPr>
         <p:spPr>
@@ -780,11 +764,11 @@
           </a:ln>
         </p:spPr>
         <p:txBody>
-          <a:bodyPr spcFirstLastPara="1" wrap="square" lIns="91425" tIns="45700" rIns="91425" bIns="45700" anchor="t" anchorCtr="0">
+          <a:bodyPr anchorCtr="0" anchor="t" bIns="45700" lIns="91425" spcFirstLastPara="1" rIns="91425" wrap="square" tIns="45700">
             <a:noAutofit/>
           </a:bodyPr>
           <a:lstStyle>
-            <a:lvl1pPr marL="457200" marR="0" lvl="0" indent="-228600" algn="l" rtl="0">
+            <a:lvl1pPr indent="-228600" lvl="0" marL="457200" marR="0" rtl="0" algn="l">
               <a:spcBef>
                 <a:spcPts val="0"/>
               </a:spcBef>
@@ -793,7 +777,7 @@
               </a:spcAft>
               <a:buSzPts val="1400"/>
               <a:buNone/>
-              <a:defRPr sz="1200" b="0" i="0" u="none" strike="noStrike" cap="none">
+              <a:defRPr b="0" i="0" sz="1200" u="none" cap="none" strike="noStrike">
                 <a:solidFill>
                   <a:schemeClr val="dk1"/>
                 </a:solidFill>
@@ -803,7 +787,7 @@
                 <a:sym typeface="Calibri"/>
               </a:defRPr>
             </a:lvl1pPr>
-            <a:lvl2pPr marL="914400" marR="0" lvl="1" indent="-228600" algn="l" rtl="0">
+            <a:lvl2pPr indent="-228600" lvl="1" marL="914400" marR="0" rtl="0" algn="l">
               <a:spcBef>
                 <a:spcPts val="0"/>
               </a:spcBef>
@@ -812,7 +796,7 @@
               </a:spcAft>
               <a:buSzPts val="1400"/>
               <a:buNone/>
-              <a:defRPr sz="1200" b="0" i="0" u="none" strike="noStrike" cap="none">
+              <a:defRPr b="0" i="0" sz="1200" u="none" cap="none" strike="noStrike">
                 <a:solidFill>
                   <a:schemeClr val="dk1"/>
                 </a:solidFill>
@@ -822,7 +806,7 @@
                 <a:sym typeface="Calibri"/>
               </a:defRPr>
             </a:lvl2pPr>
-            <a:lvl3pPr marL="1371600" marR="0" lvl="2" indent="-228600" algn="l" rtl="0">
+            <a:lvl3pPr indent="-228600" lvl="2" marL="1371600" marR="0" rtl="0" algn="l">
               <a:spcBef>
                 <a:spcPts val="0"/>
               </a:spcBef>
@@ -831,7 +815,7 @@
               </a:spcAft>
               <a:buSzPts val="1400"/>
               <a:buNone/>
-              <a:defRPr sz="1200" b="0" i="0" u="none" strike="noStrike" cap="none">
+              <a:defRPr b="0" i="0" sz="1200" u="none" cap="none" strike="noStrike">
                 <a:solidFill>
                   <a:schemeClr val="dk1"/>
                 </a:solidFill>
@@ -841,7 +825,7 @@
                 <a:sym typeface="Calibri"/>
               </a:defRPr>
             </a:lvl3pPr>
-            <a:lvl4pPr marL="1828800" marR="0" lvl="3" indent="-228600" algn="l" rtl="0">
+            <a:lvl4pPr indent="-228600" lvl="3" marL="1828800" marR="0" rtl="0" algn="l">
               <a:spcBef>
                 <a:spcPts val="0"/>
               </a:spcBef>
@@ -850,7 +834,7 @@
               </a:spcAft>
               <a:buSzPts val="1400"/>
               <a:buNone/>
-              <a:defRPr sz="1200" b="0" i="0" u="none" strike="noStrike" cap="none">
+              <a:defRPr b="0" i="0" sz="1200" u="none" cap="none" strike="noStrike">
                 <a:solidFill>
                   <a:schemeClr val="dk1"/>
                 </a:solidFill>
@@ -860,7 +844,7 @@
                 <a:sym typeface="Calibri"/>
               </a:defRPr>
             </a:lvl4pPr>
-            <a:lvl5pPr marL="2286000" marR="0" lvl="4" indent="-228600" algn="l" rtl="0">
+            <a:lvl5pPr indent="-228600" lvl="4" marL="2286000" marR="0" rtl="0" algn="l">
               <a:spcBef>
                 <a:spcPts val="0"/>
               </a:spcBef>
@@ -869,7 +853,7 @@
               </a:spcAft>
               <a:buSzPts val="1400"/>
               <a:buNone/>
-              <a:defRPr sz="1200" b="0" i="0" u="none" strike="noStrike" cap="none">
+              <a:defRPr b="0" i="0" sz="1200" u="none" cap="none" strike="noStrike">
                 <a:solidFill>
                   <a:schemeClr val="dk1"/>
                 </a:solidFill>
@@ -879,7 +863,7 @@
                 <a:sym typeface="Calibri"/>
               </a:defRPr>
             </a:lvl5pPr>
-            <a:lvl6pPr marL="2743200" marR="0" lvl="5" indent="-228600" algn="l" rtl="0">
+            <a:lvl6pPr indent="-228600" lvl="5" marL="2743200" marR="0" rtl="0" algn="l">
               <a:spcBef>
                 <a:spcPts val="0"/>
               </a:spcBef>
@@ -888,7 +872,7 @@
               </a:spcAft>
               <a:buSzPts val="1400"/>
               <a:buNone/>
-              <a:defRPr sz="1200" b="0" i="0" u="none" strike="noStrike" cap="none">
+              <a:defRPr b="0" i="0" sz="1200" u="none" cap="none" strike="noStrike">
                 <a:solidFill>
                   <a:schemeClr val="dk1"/>
                 </a:solidFill>
@@ -898,7 +882,7 @@
                 <a:sym typeface="Calibri"/>
               </a:defRPr>
             </a:lvl6pPr>
-            <a:lvl7pPr marL="3200400" marR="0" lvl="6" indent="-228600" algn="l" rtl="0">
+            <a:lvl7pPr indent="-228600" lvl="6" marL="3200400" marR="0" rtl="0" algn="l">
               <a:spcBef>
                 <a:spcPts val="0"/>
               </a:spcBef>
@@ -907,7 +891,7 @@
               </a:spcAft>
               <a:buSzPts val="1400"/>
               <a:buNone/>
-              <a:defRPr sz="1200" b="0" i="0" u="none" strike="noStrike" cap="none">
+              <a:defRPr b="0" i="0" sz="1200" u="none" cap="none" strike="noStrike">
                 <a:solidFill>
                   <a:schemeClr val="dk1"/>
                 </a:solidFill>
@@ -917,7 +901,7 @@
                 <a:sym typeface="Calibri"/>
               </a:defRPr>
             </a:lvl7pPr>
-            <a:lvl8pPr marL="3657600" marR="0" lvl="7" indent="-228600" algn="l" rtl="0">
+            <a:lvl8pPr indent="-228600" lvl="7" marL="3657600" marR="0" rtl="0" algn="l">
               <a:spcBef>
                 <a:spcPts val="0"/>
               </a:spcBef>
@@ -926,7 +910,7 @@
               </a:spcAft>
               <a:buSzPts val="1400"/>
               <a:buNone/>
-              <a:defRPr sz="1200" b="0" i="0" u="none" strike="noStrike" cap="none">
+              <a:defRPr b="0" i="0" sz="1200" u="none" cap="none" strike="noStrike">
                 <a:solidFill>
                   <a:schemeClr val="dk1"/>
                 </a:solidFill>
@@ -936,7 +920,7 @@
                 <a:sym typeface="Calibri"/>
               </a:defRPr>
             </a:lvl8pPr>
-            <a:lvl9pPr marL="4114800" marR="0" lvl="8" indent="-228600" algn="l" rtl="0">
+            <a:lvl9pPr indent="-228600" lvl="8" marL="4114800" marR="0" rtl="0" algn="l">
               <a:spcBef>
                 <a:spcPts val="0"/>
               </a:spcBef>
@@ -945,7 +929,7 @@
               </a:spcAft>
               <a:buSzPts val="1400"/>
               <a:buNone/>
-              <a:defRPr sz="1200" b="0" i="0" u="none" strike="noStrike" cap="none">
+              <a:defRPr b="0" i="0" sz="1200" u="none" cap="none" strike="noStrike">
                 <a:solidFill>
                   <a:schemeClr val="dk1"/>
                 </a:solidFill>
@@ -956,19 +940,15 @@
               </a:defRPr>
             </a:lvl9pPr>
           </a:lstStyle>
-          <a:p>
-            <a:endParaRPr/>
-          </a:p>
+          <a:p/>
         </p:txBody>
       </p:sp>
       <p:sp>
         <p:nvSpPr>
           <p:cNvPr id="7" name="Google Shape;7;n"/>
-          <p:cNvSpPr txBox="1">
-            <a:spLocks noGrp="1"/>
-          </p:cNvSpPr>
+          <p:cNvSpPr txBox="1"/>
           <p:nvPr>
-            <p:ph type="ftr" idx="11"/>
+            <p:ph idx="11" type="ftr"/>
           </p:nvPr>
         </p:nvSpPr>
         <p:spPr>
@@ -985,11 +965,11 @@
           </a:ln>
         </p:spPr>
         <p:txBody>
-          <a:bodyPr spcFirstLastPara="1" wrap="square" lIns="91425" tIns="45700" rIns="91425" bIns="45700" anchor="b" anchorCtr="0">
+          <a:bodyPr anchorCtr="0" anchor="b" bIns="45700" lIns="91425" spcFirstLastPara="1" rIns="91425" wrap="square" tIns="45700">
             <a:noAutofit/>
           </a:bodyPr>
           <a:lstStyle>
-            <a:lvl1pPr marR="0" lvl="0" algn="l" rtl="0">
+            <a:lvl1pPr lvl="0" marR="0" rtl="0" algn="l">
               <a:spcBef>
                 <a:spcPts val="0"/>
               </a:spcBef>
@@ -998,7 +978,7 @@
               </a:spcAft>
               <a:buSzPts val="1400"/>
               <a:buNone/>
-              <a:defRPr sz="1200" b="0" i="0" u="none" strike="noStrike" cap="none">
+              <a:defRPr b="0" i="0" sz="1200" u="none" cap="none" strike="noStrike">
                 <a:solidFill>
                   <a:schemeClr val="dk1"/>
                 </a:solidFill>
@@ -1008,7 +988,7 @@
                 <a:sym typeface="Calibri"/>
               </a:defRPr>
             </a:lvl1pPr>
-            <a:lvl2pPr marR="0" lvl="1" algn="l" rtl="0">
+            <a:lvl2pPr lvl="1" marR="0" rtl="0" algn="l">
               <a:spcBef>
                 <a:spcPts val="0"/>
               </a:spcBef>
@@ -1017,7 +997,7 @@
               </a:spcAft>
               <a:buSzPts val="1400"/>
               <a:buNone/>
-              <a:defRPr sz="1800" b="0" i="0" u="none" strike="noStrike" cap="none">
+              <a:defRPr b="0" i="0" sz="1800" u="none" cap="none" strike="noStrike">
                 <a:solidFill>
                   <a:schemeClr val="dk1"/>
                 </a:solidFill>
@@ -1027,7 +1007,7 @@
                 <a:sym typeface="Calibri"/>
               </a:defRPr>
             </a:lvl2pPr>
-            <a:lvl3pPr marR="0" lvl="2" algn="l" rtl="0">
+            <a:lvl3pPr lvl="2" marR="0" rtl="0" algn="l">
               <a:spcBef>
                 <a:spcPts val="0"/>
               </a:spcBef>
@@ -1036,7 +1016,7 @@
               </a:spcAft>
               <a:buSzPts val="1400"/>
               <a:buNone/>
-              <a:defRPr sz="1800" b="0" i="0" u="none" strike="noStrike" cap="none">
+              <a:defRPr b="0" i="0" sz="1800" u="none" cap="none" strike="noStrike">
                 <a:solidFill>
                   <a:schemeClr val="dk1"/>
                 </a:solidFill>
@@ -1046,7 +1026,7 @@
                 <a:sym typeface="Calibri"/>
               </a:defRPr>
             </a:lvl3pPr>
-            <a:lvl4pPr marR="0" lvl="3" algn="l" rtl="0">
+            <a:lvl4pPr lvl="3" marR="0" rtl="0" algn="l">
               <a:spcBef>
                 <a:spcPts val="0"/>
               </a:spcBef>
@@ -1055,7 +1035,7 @@
               </a:spcAft>
               <a:buSzPts val="1400"/>
               <a:buNone/>
-              <a:defRPr sz="1800" b="0" i="0" u="none" strike="noStrike" cap="none">
+              <a:defRPr b="0" i="0" sz="1800" u="none" cap="none" strike="noStrike">
                 <a:solidFill>
                   <a:schemeClr val="dk1"/>
                 </a:solidFill>
@@ -1065,7 +1045,7 @@
                 <a:sym typeface="Calibri"/>
               </a:defRPr>
             </a:lvl4pPr>
-            <a:lvl5pPr marR="0" lvl="4" algn="l" rtl="0">
+            <a:lvl5pPr lvl="4" marR="0" rtl="0" algn="l">
               <a:spcBef>
                 <a:spcPts val="0"/>
               </a:spcBef>
@@ -1074,7 +1054,7 @@
               </a:spcAft>
               <a:buSzPts val="1400"/>
               <a:buNone/>
-              <a:defRPr sz="1800" b="0" i="0" u="none" strike="noStrike" cap="none">
+              <a:defRPr b="0" i="0" sz="1800" u="none" cap="none" strike="noStrike">
                 <a:solidFill>
                   <a:schemeClr val="dk1"/>
                 </a:solidFill>
@@ -1084,7 +1064,7 @@
                 <a:sym typeface="Calibri"/>
               </a:defRPr>
             </a:lvl5pPr>
-            <a:lvl6pPr marR="0" lvl="5" algn="l" rtl="0">
+            <a:lvl6pPr lvl="5" marR="0" rtl="0" algn="l">
               <a:spcBef>
                 <a:spcPts val="0"/>
               </a:spcBef>
@@ -1093,7 +1073,7 @@
               </a:spcAft>
               <a:buSzPts val="1400"/>
               <a:buNone/>
-              <a:defRPr sz="1800" b="0" i="0" u="none" strike="noStrike" cap="none">
+              <a:defRPr b="0" i="0" sz="1800" u="none" cap="none" strike="noStrike">
                 <a:solidFill>
                   <a:schemeClr val="dk1"/>
                 </a:solidFill>
@@ -1103,7 +1083,7 @@
                 <a:sym typeface="Calibri"/>
               </a:defRPr>
             </a:lvl6pPr>
-            <a:lvl7pPr marR="0" lvl="6" algn="l" rtl="0">
+            <a:lvl7pPr lvl="6" marR="0" rtl="0" algn="l">
               <a:spcBef>
                 <a:spcPts val="0"/>
               </a:spcBef>
@@ -1112,7 +1092,7 @@
               </a:spcAft>
               <a:buSzPts val="1400"/>
               <a:buNone/>
-              <a:defRPr sz="1800" b="0" i="0" u="none" strike="noStrike" cap="none">
+              <a:defRPr b="0" i="0" sz="1800" u="none" cap="none" strike="noStrike">
                 <a:solidFill>
                   <a:schemeClr val="dk1"/>
                 </a:solidFill>
@@ -1122,7 +1102,7 @@
                 <a:sym typeface="Calibri"/>
               </a:defRPr>
             </a:lvl7pPr>
-            <a:lvl8pPr marR="0" lvl="7" algn="l" rtl="0">
+            <a:lvl8pPr lvl="7" marR="0" rtl="0" algn="l">
               <a:spcBef>
                 <a:spcPts val="0"/>
               </a:spcBef>
@@ -1131,7 +1111,7 @@
               </a:spcAft>
               <a:buSzPts val="1400"/>
               <a:buNone/>
-              <a:defRPr sz="1800" b="0" i="0" u="none" strike="noStrike" cap="none">
+              <a:defRPr b="0" i="0" sz="1800" u="none" cap="none" strike="noStrike">
                 <a:solidFill>
                   <a:schemeClr val="dk1"/>
                 </a:solidFill>
@@ -1141,7 +1121,7 @@
                 <a:sym typeface="Calibri"/>
               </a:defRPr>
             </a:lvl8pPr>
-            <a:lvl9pPr marR="0" lvl="8" algn="l" rtl="0">
+            <a:lvl9pPr lvl="8" marR="0" rtl="0" algn="l">
               <a:spcBef>
                 <a:spcPts val="0"/>
               </a:spcBef>
@@ -1150,7 +1130,7 @@
               </a:spcAft>
               <a:buSzPts val="1400"/>
               <a:buNone/>
-              <a:defRPr sz="1800" b="0" i="0" u="none" strike="noStrike" cap="none">
+              <a:defRPr b="0" i="0" sz="1800" u="none" cap="none" strike="noStrike">
                 <a:solidFill>
                   <a:schemeClr val="dk1"/>
                 </a:solidFill>
@@ -1161,19 +1141,15 @@
               </a:defRPr>
             </a:lvl9pPr>
           </a:lstStyle>
-          <a:p>
-            <a:endParaRPr/>
-          </a:p>
+          <a:p/>
         </p:txBody>
       </p:sp>
       <p:sp>
         <p:nvSpPr>
           <p:cNvPr id="8" name="Google Shape;8;n"/>
-          <p:cNvSpPr txBox="1">
-            <a:spLocks noGrp="1"/>
-          </p:cNvSpPr>
+          <p:cNvSpPr txBox="1"/>
           <p:nvPr>
-            <p:ph type="sldNum" idx="12"/>
+            <p:ph idx="12" type="sldNum"/>
           </p:nvPr>
         </p:nvSpPr>
         <p:spPr>
@@ -1190,12 +1166,12 @@
           </a:ln>
         </p:spPr>
         <p:txBody>
-          <a:bodyPr spcFirstLastPara="1" wrap="square" lIns="91425" tIns="45700" rIns="91425" bIns="45700" anchor="b" anchorCtr="0">
+          <a:bodyPr anchorCtr="0" anchor="b" bIns="45700" lIns="91425" spcFirstLastPara="1" rIns="91425" wrap="square" tIns="45700">
             <a:noAutofit/>
           </a:bodyPr>
           <a:lstStyle/>
           <a:p>
-            <a:pPr marL="0" marR="0" lvl="0" indent="0" algn="r" rtl="0">
+            <a:pPr indent="0" lvl="0" marL="0" marR="0" rtl="0" algn="r">
               <a:spcBef>
                 <a:spcPts val="0"/>
               </a:spcBef>
@@ -1205,7 +1181,7 @@
               <a:buNone/>
             </a:pPr>
             <a:fld id="{00000000-1234-1234-1234-123412341234}" type="slidenum">
-              <a:rPr lang="en-US" sz="1200" b="0" i="0" u="none" strike="noStrike" cap="none">
+              <a:rPr b="0" i="0" lang="en-US" sz="1200" u="none" cap="none" strike="noStrike">
                 <a:solidFill>
                   <a:schemeClr val="dk1"/>
                 </a:solidFill>
@@ -1216,7 +1192,7 @@
               </a:rPr>
               <a:t>‹#›</a:t>
             </a:fld>
-            <a:endParaRPr sz="1200" b="0" i="0" u="none" strike="noStrike" cap="none">
+            <a:endParaRPr b="0" i="0" sz="1200" u="none" cap="none" strike="noStrike">
               <a:solidFill>
                 <a:schemeClr val="dk1"/>
               </a:solidFill>
@@ -1230,9 +1206,9 @@
       </p:sp>
     </p:spTree>
   </p:cSld>
-  <p:clrMap bg1="lt1" tx1="dk1" bg2="dk2" tx2="lt2" accent1="accent1" accent2="accent2" accent3="accent3" accent4="accent4" accent5="accent5" accent6="accent6" hlink="hlink" folHlink="folHlink"/>
+  <p:clrMap accent1="accent1" accent2="accent2" accent3="accent3" accent4="accent4" accent5="accent5" accent6="accent6" bg1="lt1" bg2="dk2" tx1="dk1" tx2="lt2" folHlink="folHlink" hlink="hlink"/>
   <p:notesStyle>
-    <a:defPPr marR="0" lvl="0" algn="l" rtl="0">
+    <a:defPPr lvl="0" marR="0" rtl="0" algn="l">
       <a:lnSpc>
         <a:spcPct val="100000"/>
       </a:lnSpc>
@@ -1243,7 +1219,7 @@
         <a:spcPts val="0"/>
       </a:spcAft>
     </a:defPPr>
-    <a:lvl1pPr marR="0" lvl="0" algn="l" rtl="0">
+    <a:lvl1pPr lvl="0" marR="0" rtl="0" algn="l">
       <a:lnSpc>
         <a:spcPct val="100000"/>
       </a:lnSpc>
@@ -1257,7 +1233,7 @@
         <a:srgbClr val="000000"/>
       </a:buClr>
       <a:buFont typeface="Arial"/>
-      <a:defRPr sz="1400" b="0" i="0" u="none" strike="noStrike" cap="none">
+      <a:defRPr b="0" i="0" sz="1400" u="none" cap="none" strike="noStrike">
         <a:solidFill>
           <a:srgbClr val="000000"/>
         </a:solidFill>
@@ -1267,7 +1243,7 @@
         <a:sym typeface="Arial"/>
       </a:defRPr>
     </a:lvl1pPr>
-    <a:lvl2pPr marR="0" lvl="1" algn="l" rtl="0">
+    <a:lvl2pPr lvl="1" marR="0" rtl="0" algn="l">
       <a:lnSpc>
         <a:spcPct val="100000"/>
       </a:lnSpc>
@@ -1281,7 +1257,7 @@
         <a:srgbClr val="000000"/>
       </a:buClr>
       <a:buFont typeface="Arial"/>
-      <a:defRPr sz="1400" b="0" i="0" u="none" strike="noStrike" cap="none">
+      <a:defRPr b="0" i="0" sz="1400" u="none" cap="none" strike="noStrike">
         <a:solidFill>
           <a:srgbClr val="000000"/>
         </a:solidFill>
@@ -1291,7 +1267,7 @@
         <a:sym typeface="Arial"/>
       </a:defRPr>
     </a:lvl2pPr>
-    <a:lvl3pPr marR="0" lvl="2" algn="l" rtl="0">
+    <a:lvl3pPr lvl="2" marR="0" rtl="0" algn="l">
       <a:lnSpc>
         <a:spcPct val="100000"/>
       </a:lnSpc>
@@ -1305,7 +1281,7 @@
         <a:srgbClr val="000000"/>
       </a:buClr>
       <a:buFont typeface="Arial"/>
-      <a:defRPr sz="1400" b="0" i="0" u="none" strike="noStrike" cap="none">
+      <a:defRPr b="0" i="0" sz="1400" u="none" cap="none" strike="noStrike">
         <a:solidFill>
           <a:srgbClr val="000000"/>
         </a:solidFill>
@@ -1315,7 +1291,7 @@
         <a:sym typeface="Arial"/>
       </a:defRPr>
     </a:lvl3pPr>
-    <a:lvl4pPr marR="0" lvl="3" algn="l" rtl="0">
+    <a:lvl4pPr lvl="3" marR="0" rtl="0" algn="l">
       <a:lnSpc>
         <a:spcPct val="100000"/>
       </a:lnSpc>
@@ -1329,7 +1305,7 @@
         <a:srgbClr val="000000"/>
       </a:buClr>
       <a:buFont typeface="Arial"/>
-      <a:defRPr sz="1400" b="0" i="0" u="none" strike="noStrike" cap="none">
+      <a:defRPr b="0" i="0" sz="1400" u="none" cap="none" strike="noStrike">
         <a:solidFill>
           <a:srgbClr val="000000"/>
         </a:solidFill>
@@ -1339,7 +1315,7 @@
         <a:sym typeface="Arial"/>
       </a:defRPr>
     </a:lvl4pPr>
-    <a:lvl5pPr marR="0" lvl="4" algn="l" rtl="0">
+    <a:lvl5pPr lvl="4" marR="0" rtl="0" algn="l">
       <a:lnSpc>
         <a:spcPct val="100000"/>
       </a:lnSpc>
@@ -1353,7 +1329,7 @@
         <a:srgbClr val="000000"/>
       </a:buClr>
       <a:buFont typeface="Arial"/>
-      <a:defRPr sz="1400" b="0" i="0" u="none" strike="noStrike" cap="none">
+      <a:defRPr b="0" i="0" sz="1400" u="none" cap="none" strike="noStrike">
         <a:solidFill>
           <a:srgbClr val="000000"/>
         </a:solidFill>
@@ -1363,7 +1339,7 @@
         <a:sym typeface="Arial"/>
       </a:defRPr>
     </a:lvl5pPr>
-    <a:lvl6pPr marR="0" lvl="5" algn="l" rtl="0">
+    <a:lvl6pPr lvl="5" marR="0" rtl="0" algn="l">
       <a:lnSpc>
         <a:spcPct val="100000"/>
       </a:lnSpc>
@@ -1377,7 +1353,7 @@
         <a:srgbClr val="000000"/>
       </a:buClr>
       <a:buFont typeface="Arial"/>
-      <a:defRPr sz="1400" b="0" i="0" u="none" strike="noStrike" cap="none">
+      <a:defRPr b="0" i="0" sz="1400" u="none" cap="none" strike="noStrike">
         <a:solidFill>
           <a:srgbClr val="000000"/>
         </a:solidFill>
@@ -1387,7 +1363,7 @@
         <a:sym typeface="Arial"/>
       </a:defRPr>
     </a:lvl6pPr>
-    <a:lvl7pPr marR="0" lvl="6" algn="l" rtl="0">
+    <a:lvl7pPr lvl="6" marR="0" rtl="0" algn="l">
       <a:lnSpc>
         <a:spcPct val="100000"/>
       </a:lnSpc>
@@ -1401,7 +1377,7 @@
         <a:srgbClr val="000000"/>
       </a:buClr>
       <a:buFont typeface="Arial"/>
-      <a:defRPr sz="1400" b="0" i="0" u="none" strike="noStrike" cap="none">
+      <a:defRPr b="0" i="0" sz="1400" u="none" cap="none" strike="noStrike">
         <a:solidFill>
           <a:srgbClr val="000000"/>
         </a:solidFill>
@@ -1411,7 +1387,7 @@
         <a:sym typeface="Arial"/>
       </a:defRPr>
     </a:lvl7pPr>
-    <a:lvl8pPr marR="0" lvl="7" algn="l" rtl="0">
+    <a:lvl8pPr lvl="7" marR="0" rtl="0" algn="l">
       <a:lnSpc>
         <a:spcPct val="100000"/>
       </a:lnSpc>
@@ -1425,7 +1401,7 @@
         <a:srgbClr val="000000"/>
       </a:buClr>
       <a:buFont typeface="Arial"/>
-      <a:defRPr sz="1400" b="0" i="0" u="none" strike="noStrike" cap="none">
+      <a:defRPr b="0" i="0" sz="1400" u="none" cap="none" strike="noStrike">
         <a:solidFill>
           <a:srgbClr val="000000"/>
         </a:solidFill>
@@ -1435,7 +1411,7 @@
         <a:sym typeface="Arial"/>
       </a:defRPr>
     </a:lvl8pPr>
-    <a:lvl9pPr marR="0" lvl="8" algn="l" rtl="0">
+    <a:lvl9pPr lvl="8" marR="0" rtl="0" algn="l">
       <a:lnSpc>
         <a:spcPct val="100000"/>
       </a:lnSpc>
@@ -1449,7 +1425,7 @@
         <a:srgbClr val="000000"/>
       </a:buClr>
       <a:buFont typeface="Arial"/>
-      <a:defRPr sz="1400" b="0" i="0" u="none" strike="noStrike" cap="none">
+      <a:defRPr b="0" i="0" sz="1400" u="none" cap="none" strike="noStrike">
         <a:solidFill>
           <a:srgbClr val="000000"/>
         </a:solidFill>
@@ -1464,11 +1440,11 @@
 </file>
 
 <file path=ppt/notesSlides/notesSlide1.xml><?xml version="1.0" encoding="utf-8"?>
-<p:notes xmlns:a="http://schemas.openxmlformats.org/drawingml/2006/main" xmlns:r="http://schemas.openxmlformats.org/officeDocument/2006/relationships" xmlns:p="http://schemas.openxmlformats.org/presentationml/2006/main" showMasterSp="0" showMasterPhAnim="0">
+<p:notes xmlns:a="http://schemas.openxmlformats.org/drawingml/2006/main" xmlns:r="http://schemas.openxmlformats.org/officeDocument/2006/relationships" xmlns:mc="http://schemas.openxmlformats.org/markup-compatibility/2006" xmlns:mv="urn:schemas-microsoft-com:mac:vml" xmlns:p="http://schemas.openxmlformats.org/presentationml/2006/main" xmlns:c="http://schemas.openxmlformats.org/drawingml/2006/chart" xmlns:dgm="http://schemas.openxmlformats.org/drawingml/2006/diagram" xmlns:o="urn:schemas-microsoft-com:office:office" xmlns:v="urn:schemas-microsoft-com:vml" xmlns:pvml="urn:schemas-microsoft-com:office:powerpoint" xmlns:com="http://schemas.openxmlformats.org/drawingml/2006/compatibility" xmlns:p14="http://schemas.microsoft.com/office/powerpoint/2010/main" xmlns:p15="http://schemas.microsoft.com/office/powerpoint/2012/main" xmlns:ahyp="http://schemas.microsoft.com/office/drawing/2018/hyperlinkcolor" showMasterPhAnim="0" showMasterSp="0">
   <p:cSld>
     <p:spTree>
       <p:nvGrpSpPr>
-        <p:cNvPr id="1" name="Shape 23"/>
+        <p:cNvPr id="23" name="Shape 23"/>
         <p:cNvGrpSpPr/>
         <p:nvPr/>
       </p:nvGrpSpPr>
@@ -1483,11 +1459,9 @@
       <p:sp>
         <p:nvSpPr>
           <p:cNvPr id="24" name="Google Shape;24;p1:notes"/>
-          <p:cNvSpPr txBox="1">
-            <a:spLocks noGrp="1"/>
-          </p:cNvSpPr>
+          <p:cNvSpPr txBox="1"/>
           <p:nvPr>
-            <p:ph type="body" idx="1"/>
+            <p:ph idx="1" type="body"/>
           </p:nvPr>
         </p:nvSpPr>
         <p:spPr>
@@ -1500,12 +1474,12 @@
           </a:prstGeom>
         </p:spPr>
         <p:txBody>
-          <a:bodyPr spcFirstLastPara="1" wrap="square" lIns="91425" tIns="45700" rIns="91425" bIns="45700" anchor="t" anchorCtr="0">
+          <a:bodyPr anchorCtr="0" anchor="t" bIns="45700" lIns="91425" spcFirstLastPara="1" rIns="91425" wrap="square" tIns="45700">
             <a:noAutofit/>
           </a:bodyPr>
           <a:lstStyle/>
           <a:p>
-            <a:pPr marL="0" lvl="0" indent="0" algn="l" rtl="0">
+            <a:pPr indent="0" lvl="0" marL="0" rtl="0" algn="l">
               <a:spcBef>
                 <a:spcPts val="0"/>
               </a:spcBef>
@@ -1514,6 +1488,9 @@
               </a:spcAft>
               <a:buNone/>
             </a:pPr>
+            <a:r>
+              <a:t/>
+            </a:r>
             <a:endParaRPr/>
           </a:p>
         </p:txBody>
@@ -1521,11 +1498,9 @@
       <p:sp>
         <p:nvSpPr>
           <p:cNvPr id="25" name="Google Shape;25;p1:notes"/>
-          <p:cNvSpPr>
-            <a:spLocks noGrp="1" noRot="1" noChangeAspect="1"/>
-          </p:cNvSpPr>
+          <p:cNvSpPr/>
           <p:nvPr>
-            <p:ph type="sldImg" idx="2"/>
+            <p:ph idx="2" type="sldImg"/>
           </p:nvPr>
         </p:nvSpPr>
         <p:spPr>
@@ -1534,13 +1509,9 @@
             <a:ext cx="5486400" cy="3086100"/>
           </a:xfrm>
           <a:custGeom>
-            <a:avLst/>
-            <a:gdLst/>
-            <a:ahLst/>
-            <a:cxnLst/>
-            <a:rect l="l" t="t" r="r" b="b"/>
+            <a:rect b="b" l="l" r="r" t="t"/>
             <a:pathLst>
-              <a:path w="120000" h="120000" extrusionOk="0">
+              <a:path extrusionOk="0" h="120000" w="120000">
                 <a:moveTo>
                   <a:pt x="0" y="0"/>
                 </a:moveTo>
@@ -1568,11 +1539,11 @@
 </file>
 
 <file path=ppt/notesSlides/notesSlide10.xml><?xml version="1.0" encoding="utf-8"?>
-<p:notes xmlns:a="http://schemas.openxmlformats.org/drawingml/2006/main" xmlns:r="http://schemas.openxmlformats.org/officeDocument/2006/relationships" xmlns:p="http://schemas.openxmlformats.org/presentationml/2006/main" showMasterSp="0" showMasterPhAnim="0">
+<p:notes xmlns:a="http://schemas.openxmlformats.org/drawingml/2006/main" xmlns:r="http://schemas.openxmlformats.org/officeDocument/2006/relationships" xmlns:mc="http://schemas.openxmlformats.org/markup-compatibility/2006" xmlns:mv="urn:schemas-microsoft-com:mac:vml" xmlns:p="http://schemas.openxmlformats.org/presentationml/2006/main" xmlns:c="http://schemas.openxmlformats.org/drawingml/2006/chart" xmlns:dgm="http://schemas.openxmlformats.org/drawingml/2006/diagram" xmlns:o="urn:schemas-microsoft-com:office:office" xmlns:v="urn:schemas-microsoft-com:vml" xmlns:pvml="urn:schemas-microsoft-com:office:powerpoint" xmlns:com="http://schemas.openxmlformats.org/drawingml/2006/compatibility" xmlns:p14="http://schemas.microsoft.com/office/powerpoint/2010/main" xmlns:p15="http://schemas.microsoft.com/office/powerpoint/2012/main" xmlns:ahyp="http://schemas.microsoft.com/office/drawing/2018/hyperlinkcolor" showMasterPhAnim="0" showMasterSp="0">
   <p:cSld>
     <p:spTree>
       <p:nvGrpSpPr>
-        <p:cNvPr id="1" name="Shape 87"/>
+        <p:cNvPr id="86" name="Shape 86"/>
         <p:cNvGrpSpPr/>
         <p:nvPr/>
       </p:nvGrpSpPr>
@@ -1586,12 +1557,10 @@
       </p:grpSpPr>
       <p:sp>
         <p:nvSpPr>
-          <p:cNvPr id="88" name="Google Shape;88;p10:notes"/>
-          <p:cNvSpPr txBox="1">
-            <a:spLocks noGrp="1"/>
-          </p:cNvSpPr>
+          <p:cNvPr id="87" name="Google Shape;87;p9:notes"/>
+          <p:cNvSpPr txBox="1"/>
           <p:nvPr>
-            <p:ph type="body" idx="1"/>
+            <p:ph idx="1" type="body"/>
           </p:nvPr>
         </p:nvSpPr>
         <p:spPr>
@@ -1604,12 +1573,12 @@
           </a:prstGeom>
         </p:spPr>
         <p:txBody>
-          <a:bodyPr spcFirstLastPara="1" wrap="square" lIns="91425" tIns="45700" rIns="91425" bIns="45700" anchor="t" anchorCtr="0">
+          <a:bodyPr anchorCtr="0" anchor="t" bIns="45700" lIns="91425" spcFirstLastPara="1" rIns="91425" wrap="square" tIns="45700">
             <a:noAutofit/>
           </a:bodyPr>
           <a:lstStyle/>
           <a:p>
-            <a:pPr marL="0" lvl="0" indent="0" algn="l" rtl="0">
+            <a:pPr indent="0" lvl="0" marL="0" rtl="0" algn="l">
               <a:spcBef>
                 <a:spcPts val="0"/>
               </a:spcBef>
@@ -1618,18 +1587,19 @@
               </a:spcAft>
               <a:buNone/>
             </a:pPr>
+            <a:r>
+              <a:t/>
+            </a:r>
             <a:endParaRPr/>
           </a:p>
         </p:txBody>
       </p:sp>
       <p:sp>
         <p:nvSpPr>
-          <p:cNvPr id="89" name="Google Shape;89;p10:notes"/>
-          <p:cNvSpPr>
-            <a:spLocks noGrp="1" noRot="1" noChangeAspect="1"/>
-          </p:cNvSpPr>
+          <p:cNvPr id="88" name="Google Shape;88;p9:notes"/>
+          <p:cNvSpPr/>
           <p:nvPr>
-            <p:ph type="sldImg" idx="2"/>
+            <p:ph idx="2" type="sldImg"/>
           </p:nvPr>
         </p:nvSpPr>
         <p:spPr>
@@ -1638,13 +1608,9 @@
             <a:ext cx="5486400" cy="3086100"/>
           </a:xfrm>
           <a:custGeom>
-            <a:avLst/>
-            <a:gdLst/>
-            <a:ahLst/>
-            <a:cxnLst/>
-            <a:rect l="l" t="t" r="r" b="b"/>
+            <a:rect b="b" l="l" r="r" t="t"/>
             <a:pathLst>
-              <a:path w="120000" h="120000" extrusionOk="0">
+              <a:path extrusionOk="0" h="120000" w="120000">
                 <a:moveTo>
                   <a:pt x="0" y="0"/>
                 </a:moveTo>
@@ -1672,11 +1638,11 @@
 </file>
 
 <file path=ppt/notesSlides/notesSlide11.xml><?xml version="1.0" encoding="utf-8"?>
-<p:notes xmlns:a="http://schemas.openxmlformats.org/drawingml/2006/main" xmlns:r="http://schemas.openxmlformats.org/officeDocument/2006/relationships" xmlns:p="http://schemas.openxmlformats.org/presentationml/2006/main" showMasterSp="0" showMasterPhAnim="0">
+<p:notes xmlns:a="http://schemas.openxmlformats.org/drawingml/2006/main" xmlns:r="http://schemas.openxmlformats.org/officeDocument/2006/relationships" xmlns:mc="http://schemas.openxmlformats.org/markup-compatibility/2006" xmlns:mv="urn:schemas-microsoft-com:mac:vml" xmlns:p="http://schemas.openxmlformats.org/presentationml/2006/main" xmlns:c="http://schemas.openxmlformats.org/drawingml/2006/chart" xmlns:dgm="http://schemas.openxmlformats.org/drawingml/2006/diagram" xmlns:o="urn:schemas-microsoft-com:office:office" xmlns:v="urn:schemas-microsoft-com:vml" xmlns:pvml="urn:schemas-microsoft-com:office:powerpoint" xmlns:com="http://schemas.openxmlformats.org/drawingml/2006/compatibility" xmlns:p14="http://schemas.microsoft.com/office/powerpoint/2010/main" xmlns:p15="http://schemas.microsoft.com/office/powerpoint/2012/main" xmlns:ahyp="http://schemas.microsoft.com/office/drawing/2018/hyperlinkcolor" showMasterPhAnim="0" showMasterSp="0">
   <p:cSld>
     <p:spTree>
       <p:nvGrpSpPr>
-        <p:cNvPr id="1" name="Shape 93"/>
+        <p:cNvPr id="93" name="Shape 93"/>
         <p:cNvGrpSpPr/>
         <p:nvPr/>
       </p:nvGrpSpPr>
@@ -1690,12 +1656,10 @@
       </p:grpSpPr>
       <p:sp>
         <p:nvSpPr>
-          <p:cNvPr id="94" name="Google Shape;94;p11:notes"/>
-          <p:cNvSpPr txBox="1">
-            <a:spLocks noGrp="1"/>
-          </p:cNvSpPr>
+          <p:cNvPr id="94" name="Google Shape;94;p10:notes"/>
+          <p:cNvSpPr txBox="1"/>
           <p:nvPr>
-            <p:ph type="body" idx="1"/>
+            <p:ph idx="1" type="body"/>
           </p:nvPr>
         </p:nvSpPr>
         <p:spPr>
@@ -1708,12 +1672,12 @@
           </a:prstGeom>
         </p:spPr>
         <p:txBody>
-          <a:bodyPr spcFirstLastPara="1" wrap="square" lIns="91425" tIns="45700" rIns="91425" bIns="45700" anchor="t" anchorCtr="0">
+          <a:bodyPr anchorCtr="0" anchor="t" bIns="45700" lIns="91425" spcFirstLastPara="1" rIns="91425" wrap="square" tIns="45700">
             <a:noAutofit/>
           </a:bodyPr>
           <a:lstStyle/>
           <a:p>
-            <a:pPr marL="0" lvl="0" indent="0" algn="l" rtl="0">
+            <a:pPr indent="0" lvl="0" marL="0" rtl="0" algn="l">
               <a:spcBef>
                 <a:spcPts val="0"/>
               </a:spcBef>
@@ -1722,18 +1686,19 @@
               </a:spcAft>
               <a:buNone/>
             </a:pPr>
+            <a:r>
+              <a:t/>
+            </a:r>
             <a:endParaRPr/>
           </a:p>
         </p:txBody>
       </p:sp>
       <p:sp>
         <p:nvSpPr>
-          <p:cNvPr id="95" name="Google Shape;95;p11:notes"/>
-          <p:cNvSpPr>
-            <a:spLocks noGrp="1" noRot="1" noChangeAspect="1"/>
-          </p:cNvSpPr>
+          <p:cNvPr id="95" name="Google Shape;95;p10:notes"/>
+          <p:cNvSpPr/>
           <p:nvPr>
-            <p:ph type="sldImg" idx="2"/>
+            <p:ph idx="2" type="sldImg"/>
           </p:nvPr>
         </p:nvSpPr>
         <p:spPr>
@@ -1742,13 +1707,108 @@
             <a:ext cx="5486400" cy="3086100"/>
           </a:xfrm>
           <a:custGeom>
+            <a:rect b="b" l="l" r="r" t="t"/>
+            <a:pathLst>
+              <a:path extrusionOk="0" h="120000" w="120000">
+                <a:moveTo>
+                  <a:pt x="0" y="0"/>
+                </a:moveTo>
+                <a:lnTo>
+                  <a:pt x="120000" y="0"/>
+                </a:lnTo>
+                <a:lnTo>
+                  <a:pt x="120000" y="120000"/>
+                </a:lnTo>
+                <a:lnTo>
+                  <a:pt x="0" y="120000"/>
+                </a:lnTo>
+                <a:close/>
+              </a:path>
+            </a:pathLst>
+          </a:custGeom>
+        </p:spPr>
+      </p:sp>
+    </p:spTree>
+  </p:cSld>
+  <p:clrMapOvr>
+    <a:masterClrMapping/>
+  </p:clrMapOvr>
+</p:notes>
+</file>
+
+<file path=ppt/notesSlides/notesSlide12.xml><?xml version="1.0" encoding="utf-8"?>
+<p:notes xmlns:a="http://schemas.openxmlformats.org/drawingml/2006/main" xmlns:r="http://schemas.openxmlformats.org/officeDocument/2006/relationships" xmlns:mc="http://schemas.openxmlformats.org/markup-compatibility/2006" xmlns:mv="urn:schemas-microsoft-com:mac:vml" xmlns:p="http://schemas.openxmlformats.org/presentationml/2006/main" xmlns:c="http://schemas.openxmlformats.org/drawingml/2006/chart" xmlns:dgm="http://schemas.openxmlformats.org/drawingml/2006/diagram" xmlns:o="urn:schemas-microsoft-com:office:office" xmlns:v="urn:schemas-microsoft-com:vml" xmlns:pvml="urn:schemas-microsoft-com:office:powerpoint" xmlns:com="http://schemas.openxmlformats.org/drawingml/2006/compatibility" xmlns:p14="http://schemas.microsoft.com/office/powerpoint/2010/main" xmlns:p15="http://schemas.microsoft.com/office/powerpoint/2012/main" xmlns:ahyp="http://schemas.microsoft.com/office/drawing/2018/hyperlinkcolor" showMasterPhAnim="0" showMasterSp="0">
+  <p:cSld>
+    <p:spTree>
+      <p:nvGrpSpPr>
+        <p:cNvPr id="99" name="Shape 99"/>
+        <p:cNvGrpSpPr/>
+        <p:nvPr/>
+      </p:nvGrpSpPr>
+      <p:grpSpPr>
+        <a:xfrm>
+          <a:off x="0" y="0"/>
+          <a:ext cx="0" cy="0"/>
+          <a:chOff x="0" y="0"/>
+          <a:chExt cx="0" cy="0"/>
+        </a:xfrm>
+      </p:grpSpPr>
+      <p:sp>
+        <p:nvSpPr>
+          <p:cNvPr id="100" name="Google Shape;100;p11:notes"/>
+          <p:cNvSpPr txBox="1"/>
+          <p:nvPr>
+            <p:ph idx="1" type="body"/>
+          </p:nvPr>
+        </p:nvSpPr>
+        <p:spPr>
+          <a:xfrm>
+            <a:off x="685800" y="4400550"/>
+            <a:ext cx="5486400" cy="3600450"/>
+          </a:xfrm>
+          <a:prstGeom prst="rect">
             <a:avLst/>
-            <a:gdLst/>
-            <a:ahLst/>
-            <a:cxnLst/>
-            <a:rect l="l" t="t" r="r" b="b"/>
+          </a:prstGeom>
+        </p:spPr>
+        <p:txBody>
+          <a:bodyPr anchorCtr="0" anchor="t" bIns="45700" lIns="91425" spcFirstLastPara="1" rIns="91425" wrap="square" tIns="45700">
+            <a:noAutofit/>
+          </a:bodyPr>
+          <a:lstStyle/>
+          <a:p>
+            <a:pPr indent="0" lvl="0" marL="0" rtl="0" algn="l">
+              <a:spcBef>
+                <a:spcPts val="0"/>
+              </a:spcBef>
+              <a:spcAft>
+                <a:spcPts val="0"/>
+              </a:spcAft>
+              <a:buNone/>
+            </a:pPr>
+            <a:r>
+              <a:t/>
+            </a:r>
+            <a:endParaRPr/>
+          </a:p>
+        </p:txBody>
+      </p:sp>
+      <p:sp>
+        <p:nvSpPr>
+          <p:cNvPr id="101" name="Google Shape;101;p11:notes"/>
+          <p:cNvSpPr/>
+          <p:nvPr>
+            <p:ph idx="2" type="sldImg"/>
+          </p:nvPr>
+        </p:nvSpPr>
+        <p:spPr>
+          <a:xfrm>
+            <a:off x="685800" y="1143000"/>
+            <a:ext cx="5486400" cy="3086100"/>
+          </a:xfrm>
+          <a:custGeom>
+            <a:rect b="b" l="l" r="r" t="t"/>
             <a:pathLst>
-              <a:path w="120000" h="120000" extrusionOk="0">
+              <a:path extrusionOk="0" h="120000" w="120000">
                 <a:moveTo>
                   <a:pt x="0" y="0"/>
                 </a:moveTo>
@@ -1776,11 +1836,11 @@
 </file>
 
 <file path=ppt/notesSlides/notesSlide2.xml><?xml version="1.0" encoding="utf-8"?>
-<p:notes xmlns:a="http://schemas.openxmlformats.org/drawingml/2006/main" xmlns:r="http://schemas.openxmlformats.org/officeDocument/2006/relationships" xmlns:p="http://schemas.openxmlformats.org/presentationml/2006/main" showMasterSp="0" showMasterPhAnim="0">
+<p:notes xmlns:a="http://schemas.openxmlformats.org/drawingml/2006/main" xmlns:r="http://schemas.openxmlformats.org/officeDocument/2006/relationships" xmlns:mc="http://schemas.openxmlformats.org/markup-compatibility/2006" xmlns:mv="urn:schemas-microsoft-com:mac:vml" xmlns:p="http://schemas.openxmlformats.org/presentationml/2006/main" xmlns:c="http://schemas.openxmlformats.org/drawingml/2006/chart" xmlns:dgm="http://schemas.openxmlformats.org/drawingml/2006/diagram" xmlns:o="urn:schemas-microsoft-com:office:office" xmlns:v="urn:schemas-microsoft-com:vml" xmlns:pvml="urn:schemas-microsoft-com:office:powerpoint" xmlns:com="http://schemas.openxmlformats.org/drawingml/2006/compatibility" xmlns:p14="http://schemas.microsoft.com/office/powerpoint/2010/main" xmlns:p15="http://schemas.microsoft.com/office/powerpoint/2012/main" xmlns:ahyp="http://schemas.microsoft.com/office/drawing/2018/hyperlinkcolor" showMasterPhAnim="0" showMasterSp="0">
   <p:cSld>
     <p:spTree>
       <p:nvGrpSpPr>
-        <p:cNvPr id="1" name="Shape 34"/>
+        <p:cNvPr id="34" name="Shape 34"/>
         <p:cNvGrpSpPr/>
         <p:nvPr/>
       </p:nvGrpSpPr>
@@ -1795,11 +1855,9 @@
       <p:sp>
         <p:nvSpPr>
           <p:cNvPr id="35" name="Google Shape;35;p2:notes"/>
-          <p:cNvSpPr txBox="1">
-            <a:spLocks noGrp="1"/>
-          </p:cNvSpPr>
+          <p:cNvSpPr txBox="1"/>
           <p:nvPr>
-            <p:ph type="body" idx="1"/>
+            <p:ph idx="1" type="body"/>
           </p:nvPr>
         </p:nvSpPr>
         <p:spPr>
@@ -1812,12 +1870,12 @@
           </a:prstGeom>
         </p:spPr>
         <p:txBody>
-          <a:bodyPr spcFirstLastPara="1" wrap="square" lIns="91425" tIns="45700" rIns="91425" bIns="45700" anchor="t" anchorCtr="0">
+          <a:bodyPr anchorCtr="0" anchor="t" bIns="45700" lIns="91425" spcFirstLastPara="1" rIns="91425" wrap="square" tIns="45700">
             <a:noAutofit/>
           </a:bodyPr>
           <a:lstStyle/>
           <a:p>
-            <a:pPr marL="0" lvl="0" indent="0" algn="l" rtl="0">
+            <a:pPr indent="0" lvl="0" marL="0" rtl="0" algn="l">
               <a:spcBef>
                 <a:spcPts val="0"/>
               </a:spcBef>
@@ -1826,6 +1884,9 @@
               </a:spcAft>
               <a:buNone/>
             </a:pPr>
+            <a:r>
+              <a:t/>
+            </a:r>
             <a:endParaRPr/>
           </a:p>
         </p:txBody>
@@ -1833,11 +1894,9 @@
       <p:sp>
         <p:nvSpPr>
           <p:cNvPr id="36" name="Google Shape;36;p2:notes"/>
-          <p:cNvSpPr>
-            <a:spLocks noGrp="1" noRot="1" noChangeAspect="1"/>
-          </p:cNvSpPr>
+          <p:cNvSpPr/>
           <p:nvPr>
-            <p:ph type="sldImg" idx="2"/>
+            <p:ph idx="2" type="sldImg"/>
           </p:nvPr>
         </p:nvSpPr>
         <p:spPr>
@@ -1846,13 +1905,9 @@
             <a:ext cx="5486400" cy="3086100"/>
           </a:xfrm>
           <a:custGeom>
-            <a:avLst/>
-            <a:gdLst/>
-            <a:ahLst/>
-            <a:cxnLst/>
-            <a:rect l="l" t="t" r="r" b="b"/>
+            <a:rect b="b" l="l" r="r" t="t"/>
             <a:pathLst>
-              <a:path w="120000" h="120000" extrusionOk="0">
+              <a:path extrusionOk="0" h="120000" w="120000">
                 <a:moveTo>
                   <a:pt x="0" y="0"/>
                 </a:moveTo>
@@ -1880,11 +1935,11 @@
 </file>
 
 <file path=ppt/notesSlides/notesSlide3.xml><?xml version="1.0" encoding="utf-8"?>
-<p:notes xmlns:a="http://schemas.openxmlformats.org/drawingml/2006/main" xmlns:r="http://schemas.openxmlformats.org/officeDocument/2006/relationships" xmlns:p="http://schemas.openxmlformats.org/presentationml/2006/main" showMasterSp="0" showMasterPhAnim="0">
+<p:notes xmlns:a="http://schemas.openxmlformats.org/drawingml/2006/main" xmlns:r="http://schemas.openxmlformats.org/officeDocument/2006/relationships" xmlns:mc="http://schemas.openxmlformats.org/markup-compatibility/2006" xmlns:mv="urn:schemas-microsoft-com:mac:vml" xmlns:p="http://schemas.openxmlformats.org/presentationml/2006/main" xmlns:c="http://schemas.openxmlformats.org/drawingml/2006/chart" xmlns:dgm="http://schemas.openxmlformats.org/drawingml/2006/diagram" xmlns:o="urn:schemas-microsoft-com:office:office" xmlns:v="urn:schemas-microsoft-com:vml" xmlns:pvml="urn:schemas-microsoft-com:office:powerpoint" xmlns:com="http://schemas.openxmlformats.org/drawingml/2006/compatibility" xmlns:p14="http://schemas.microsoft.com/office/powerpoint/2010/main" xmlns:p15="http://schemas.microsoft.com/office/powerpoint/2012/main" xmlns:ahyp="http://schemas.microsoft.com/office/drawing/2018/hyperlinkcolor" showMasterPhAnim="0" showMasterSp="0">
   <p:cSld>
     <p:spTree>
       <p:nvGrpSpPr>
-        <p:cNvPr id="1" name="Shape 40"/>
+        <p:cNvPr id="40" name="Shape 40"/>
         <p:cNvGrpSpPr/>
         <p:nvPr/>
       </p:nvGrpSpPr>
@@ -1899,11 +1954,9 @@
       <p:sp>
         <p:nvSpPr>
           <p:cNvPr id="41" name="Google Shape;41;p3:notes"/>
-          <p:cNvSpPr txBox="1">
-            <a:spLocks noGrp="1"/>
-          </p:cNvSpPr>
+          <p:cNvSpPr txBox="1"/>
           <p:nvPr>
-            <p:ph type="body" idx="1"/>
+            <p:ph idx="1" type="body"/>
           </p:nvPr>
         </p:nvSpPr>
         <p:spPr>
@@ -1916,12 +1969,12 @@
           </a:prstGeom>
         </p:spPr>
         <p:txBody>
-          <a:bodyPr spcFirstLastPara="1" wrap="square" lIns="91425" tIns="45700" rIns="91425" bIns="45700" anchor="t" anchorCtr="0">
+          <a:bodyPr anchorCtr="0" anchor="t" bIns="45700" lIns="91425" spcFirstLastPara="1" rIns="91425" wrap="square" tIns="45700">
             <a:noAutofit/>
           </a:bodyPr>
           <a:lstStyle/>
           <a:p>
-            <a:pPr marL="0" lvl="0" indent="0" algn="l" rtl="0">
+            <a:pPr indent="0" lvl="0" marL="0" rtl="0" algn="l">
               <a:spcBef>
                 <a:spcPts val="0"/>
               </a:spcBef>
@@ -1930,6 +1983,9 @@
               </a:spcAft>
               <a:buNone/>
             </a:pPr>
+            <a:r>
+              <a:t/>
+            </a:r>
             <a:endParaRPr/>
           </a:p>
         </p:txBody>
@@ -1937,11 +1993,9 @@
       <p:sp>
         <p:nvSpPr>
           <p:cNvPr id="42" name="Google Shape;42;p3:notes"/>
-          <p:cNvSpPr>
-            <a:spLocks noGrp="1" noRot="1" noChangeAspect="1"/>
-          </p:cNvSpPr>
+          <p:cNvSpPr/>
           <p:nvPr>
-            <p:ph type="sldImg" idx="2"/>
+            <p:ph idx="2" type="sldImg"/>
           </p:nvPr>
         </p:nvSpPr>
         <p:spPr>
@@ -1950,13 +2004,9 @@
             <a:ext cx="5486400" cy="3086100"/>
           </a:xfrm>
           <a:custGeom>
-            <a:avLst/>
-            <a:gdLst/>
-            <a:ahLst/>
-            <a:cxnLst/>
-            <a:rect l="l" t="t" r="r" b="b"/>
+            <a:rect b="b" l="l" r="r" t="t"/>
             <a:pathLst>
-              <a:path w="120000" h="120000" extrusionOk="0">
+              <a:path extrusionOk="0" h="120000" w="120000">
                 <a:moveTo>
                   <a:pt x="0" y="0"/>
                 </a:moveTo>
@@ -1984,11 +2034,11 @@
 </file>
 
 <file path=ppt/notesSlides/notesSlide4.xml><?xml version="1.0" encoding="utf-8"?>
-<p:notes xmlns:a="http://schemas.openxmlformats.org/drawingml/2006/main" xmlns:r="http://schemas.openxmlformats.org/officeDocument/2006/relationships" xmlns:p="http://schemas.openxmlformats.org/presentationml/2006/main" showMasterSp="0" showMasterPhAnim="0">
+<p:notes xmlns:a="http://schemas.openxmlformats.org/drawingml/2006/main" xmlns:r="http://schemas.openxmlformats.org/officeDocument/2006/relationships" xmlns:mc="http://schemas.openxmlformats.org/markup-compatibility/2006" xmlns:mv="urn:schemas-microsoft-com:mac:vml" xmlns:p="http://schemas.openxmlformats.org/presentationml/2006/main" xmlns:c="http://schemas.openxmlformats.org/drawingml/2006/chart" xmlns:dgm="http://schemas.openxmlformats.org/drawingml/2006/diagram" xmlns:o="urn:schemas-microsoft-com:office:office" xmlns:v="urn:schemas-microsoft-com:vml" xmlns:pvml="urn:schemas-microsoft-com:office:powerpoint" xmlns:com="http://schemas.openxmlformats.org/drawingml/2006/compatibility" xmlns:p14="http://schemas.microsoft.com/office/powerpoint/2010/main" xmlns:p15="http://schemas.microsoft.com/office/powerpoint/2012/main" xmlns:ahyp="http://schemas.microsoft.com/office/drawing/2018/hyperlinkcolor" showMasterPhAnim="0" showMasterSp="0">
   <p:cSld>
     <p:spTree>
       <p:nvGrpSpPr>
-        <p:cNvPr id="1" name="Shape 46"/>
+        <p:cNvPr id="46" name="Shape 46"/>
         <p:cNvGrpSpPr/>
         <p:nvPr/>
       </p:nvGrpSpPr>
@@ -2002,30 +2052,28 @@
       </p:grpSpPr>
       <p:sp>
         <p:nvSpPr>
-          <p:cNvPr id="47" name="Google Shape;47;p4:notes"/>
-          <p:cNvSpPr txBox="1">
-            <a:spLocks noGrp="1"/>
-          </p:cNvSpPr>
+          <p:cNvPr id="47" name="Google Shape;47;g282034e2cb9_0_273:notes"/>
+          <p:cNvSpPr txBox="1"/>
           <p:nvPr>
-            <p:ph type="body" idx="1"/>
+            <p:ph idx="1" type="body"/>
           </p:nvPr>
         </p:nvSpPr>
         <p:spPr>
           <a:xfrm>
             <a:off x="685800" y="4400550"/>
-            <a:ext cx="5486400" cy="3600450"/>
+            <a:ext cx="5486400" cy="3600600"/>
           </a:xfrm>
           <a:prstGeom prst="rect">
             <a:avLst/>
           </a:prstGeom>
         </p:spPr>
         <p:txBody>
-          <a:bodyPr spcFirstLastPara="1" wrap="square" lIns="91425" tIns="45700" rIns="91425" bIns="45700" anchor="t" anchorCtr="0">
+          <a:bodyPr anchorCtr="0" anchor="t" bIns="45700" lIns="91425" spcFirstLastPara="1" rIns="91425" wrap="square" tIns="45700">
             <a:noAutofit/>
           </a:bodyPr>
           <a:lstStyle/>
           <a:p>
-            <a:pPr marL="0" lvl="0" indent="0" algn="l" rtl="0">
+            <a:pPr indent="0" lvl="0" marL="0" rtl="0" algn="l">
               <a:spcBef>
                 <a:spcPts val="0"/>
               </a:spcBef>
@@ -2034,18 +2082,19 @@
               </a:spcAft>
               <a:buNone/>
             </a:pPr>
+            <a:r>
+              <a:t/>
+            </a:r>
             <a:endParaRPr/>
           </a:p>
         </p:txBody>
       </p:sp>
       <p:sp>
         <p:nvSpPr>
-          <p:cNvPr id="48" name="Google Shape;48;p4:notes"/>
-          <p:cNvSpPr>
-            <a:spLocks noGrp="1" noRot="1" noChangeAspect="1"/>
-          </p:cNvSpPr>
+          <p:cNvPr id="48" name="Google Shape;48;g282034e2cb9_0_273:notes"/>
+          <p:cNvSpPr/>
           <p:nvPr>
-            <p:ph type="sldImg" idx="2"/>
+            <p:ph idx="2" type="sldImg"/>
           </p:nvPr>
         </p:nvSpPr>
         <p:spPr>
@@ -2054,13 +2103,9 @@
             <a:ext cx="5486400" cy="3086100"/>
           </a:xfrm>
           <a:custGeom>
-            <a:avLst/>
-            <a:gdLst/>
-            <a:ahLst/>
-            <a:cxnLst/>
-            <a:rect l="l" t="t" r="r" b="b"/>
+            <a:rect b="b" l="l" r="r" t="t"/>
             <a:pathLst>
-              <a:path w="120000" h="120000" extrusionOk="0">
+              <a:path extrusionOk="0" h="120000" w="120000">
                 <a:moveTo>
                   <a:pt x="0" y="0"/>
                 </a:moveTo>
@@ -2088,11 +2133,11 @@
 </file>
 
 <file path=ppt/notesSlides/notesSlide5.xml><?xml version="1.0" encoding="utf-8"?>
-<p:notes xmlns:a="http://schemas.openxmlformats.org/drawingml/2006/main" xmlns:r="http://schemas.openxmlformats.org/officeDocument/2006/relationships" xmlns:p="http://schemas.openxmlformats.org/presentationml/2006/main" showMasterSp="0" showMasterPhAnim="0">
+<p:notes xmlns:a="http://schemas.openxmlformats.org/drawingml/2006/main" xmlns:r="http://schemas.openxmlformats.org/officeDocument/2006/relationships" xmlns:mc="http://schemas.openxmlformats.org/markup-compatibility/2006" xmlns:mv="urn:schemas-microsoft-com:mac:vml" xmlns:p="http://schemas.openxmlformats.org/presentationml/2006/main" xmlns:c="http://schemas.openxmlformats.org/drawingml/2006/chart" xmlns:dgm="http://schemas.openxmlformats.org/drawingml/2006/diagram" xmlns:o="urn:schemas-microsoft-com:office:office" xmlns:v="urn:schemas-microsoft-com:vml" xmlns:pvml="urn:schemas-microsoft-com:office:powerpoint" xmlns:com="http://schemas.openxmlformats.org/drawingml/2006/compatibility" xmlns:p14="http://schemas.microsoft.com/office/powerpoint/2010/main" xmlns:p15="http://schemas.microsoft.com/office/powerpoint/2012/main" xmlns:ahyp="http://schemas.microsoft.com/office/drawing/2018/hyperlinkcolor" showMasterPhAnim="0" showMasterSp="0">
   <p:cSld>
     <p:spTree>
       <p:nvGrpSpPr>
-        <p:cNvPr id="1" name="Shape 53"/>
+        <p:cNvPr id="52" name="Shape 52"/>
         <p:cNvGrpSpPr/>
         <p:nvPr/>
       </p:nvGrpSpPr>
@@ -2106,12 +2151,10 @@
       </p:grpSpPr>
       <p:sp>
         <p:nvSpPr>
-          <p:cNvPr id="54" name="Google Shape;54;p5:notes"/>
-          <p:cNvSpPr txBox="1">
-            <a:spLocks noGrp="1"/>
-          </p:cNvSpPr>
+          <p:cNvPr id="53" name="Google Shape;53;p4:notes"/>
+          <p:cNvSpPr txBox="1"/>
           <p:nvPr>
-            <p:ph type="body" idx="1"/>
+            <p:ph idx="1" type="body"/>
           </p:nvPr>
         </p:nvSpPr>
         <p:spPr>
@@ -2124,12 +2167,12 @@
           </a:prstGeom>
         </p:spPr>
         <p:txBody>
-          <a:bodyPr spcFirstLastPara="1" wrap="square" lIns="91425" tIns="45700" rIns="91425" bIns="45700" anchor="t" anchorCtr="0">
+          <a:bodyPr anchorCtr="0" anchor="t" bIns="45700" lIns="91425" spcFirstLastPara="1" rIns="91425" wrap="square" tIns="45700">
             <a:noAutofit/>
           </a:bodyPr>
           <a:lstStyle/>
           <a:p>
-            <a:pPr marL="0" lvl="0" indent="0" algn="l" rtl="0">
+            <a:pPr indent="0" lvl="0" marL="0" rtl="0" algn="l">
               <a:spcBef>
                 <a:spcPts val="0"/>
               </a:spcBef>
@@ -2138,18 +2181,19 @@
               </a:spcAft>
               <a:buNone/>
             </a:pPr>
+            <a:r>
+              <a:t/>
+            </a:r>
             <a:endParaRPr/>
           </a:p>
         </p:txBody>
       </p:sp>
       <p:sp>
         <p:nvSpPr>
-          <p:cNvPr id="55" name="Google Shape;55;p5:notes"/>
-          <p:cNvSpPr>
-            <a:spLocks noGrp="1" noRot="1" noChangeAspect="1"/>
-          </p:cNvSpPr>
+          <p:cNvPr id="54" name="Google Shape;54;p4:notes"/>
+          <p:cNvSpPr/>
           <p:nvPr>
-            <p:ph type="sldImg" idx="2"/>
+            <p:ph idx="2" type="sldImg"/>
           </p:nvPr>
         </p:nvSpPr>
         <p:spPr>
@@ -2158,13 +2202,9 @@
             <a:ext cx="5486400" cy="3086100"/>
           </a:xfrm>
           <a:custGeom>
-            <a:avLst/>
-            <a:gdLst/>
-            <a:ahLst/>
-            <a:cxnLst/>
-            <a:rect l="l" t="t" r="r" b="b"/>
+            <a:rect b="b" l="l" r="r" t="t"/>
             <a:pathLst>
-              <a:path w="120000" h="120000" extrusionOk="0">
+              <a:path extrusionOk="0" h="120000" w="120000">
                 <a:moveTo>
                   <a:pt x="0" y="0"/>
                 </a:moveTo>
@@ -2192,11 +2232,11 @@
 </file>
 
 <file path=ppt/notesSlides/notesSlide6.xml><?xml version="1.0" encoding="utf-8"?>
-<p:notes xmlns:a="http://schemas.openxmlformats.org/drawingml/2006/main" xmlns:r="http://schemas.openxmlformats.org/officeDocument/2006/relationships" xmlns:p="http://schemas.openxmlformats.org/presentationml/2006/main" showMasterSp="0" showMasterPhAnim="0">
+<p:notes xmlns:a="http://schemas.openxmlformats.org/drawingml/2006/main" xmlns:r="http://schemas.openxmlformats.org/officeDocument/2006/relationships" xmlns:mc="http://schemas.openxmlformats.org/markup-compatibility/2006" xmlns:mv="urn:schemas-microsoft-com:mac:vml" xmlns:p="http://schemas.openxmlformats.org/presentationml/2006/main" xmlns:c="http://schemas.openxmlformats.org/drawingml/2006/chart" xmlns:dgm="http://schemas.openxmlformats.org/drawingml/2006/diagram" xmlns:o="urn:schemas-microsoft-com:office:office" xmlns:v="urn:schemas-microsoft-com:vml" xmlns:pvml="urn:schemas-microsoft-com:office:powerpoint" xmlns:com="http://schemas.openxmlformats.org/drawingml/2006/compatibility" xmlns:p14="http://schemas.microsoft.com/office/powerpoint/2010/main" xmlns:p15="http://schemas.microsoft.com/office/powerpoint/2012/main" xmlns:ahyp="http://schemas.microsoft.com/office/drawing/2018/hyperlinkcolor" showMasterPhAnim="0" showMasterSp="0">
   <p:cSld>
     <p:spTree>
       <p:nvGrpSpPr>
-        <p:cNvPr id="1" name="Shape 61"/>
+        <p:cNvPr id="58" name="Shape 58"/>
         <p:cNvGrpSpPr/>
         <p:nvPr/>
       </p:nvGrpSpPr>
@@ -2210,30 +2250,28 @@
       </p:grpSpPr>
       <p:sp>
         <p:nvSpPr>
-          <p:cNvPr id="62" name="Google Shape;62;p6:notes"/>
-          <p:cNvSpPr txBox="1">
-            <a:spLocks noGrp="1"/>
-          </p:cNvSpPr>
+          <p:cNvPr id="59" name="Google Shape;59;p5:notes"/>
+          <p:cNvSpPr txBox="1"/>
           <p:nvPr>
-            <p:ph type="body" idx="1"/>
+            <p:ph idx="1" type="body"/>
           </p:nvPr>
         </p:nvSpPr>
         <p:spPr>
           <a:xfrm>
             <a:off x="685800" y="4400550"/>
-            <a:ext cx="5486400" cy="3600600"/>
+            <a:ext cx="5486400" cy="3600450"/>
           </a:xfrm>
           <a:prstGeom prst="rect">
             <a:avLst/>
           </a:prstGeom>
         </p:spPr>
         <p:txBody>
-          <a:bodyPr spcFirstLastPara="1" wrap="square" lIns="91425" tIns="45700" rIns="91425" bIns="45700" anchor="t" anchorCtr="0">
+          <a:bodyPr anchorCtr="0" anchor="t" bIns="45700" lIns="91425" spcFirstLastPara="1" rIns="91425" wrap="square" tIns="45700">
             <a:noAutofit/>
           </a:bodyPr>
           <a:lstStyle/>
           <a:p>
-            <a:pPr marL="0" lvl="0" indent="0" algn="l" rtl="0">
+            <a:pPr indent="0" lvl="0" marL="0" rtl="0" algn="l">
               <a:spcBef>
                 <a:spcPts val="0"/>
               </a:spcBef>
@@ -2242,18 +2280,19 @@
               </a:spcAft>
               <a:buNone/>
             </a:pPr>
+            <a:r>
+              <a:t/>
+            </a:r>
             <a:endParaRPr/>
           </a:p>
         </p:txBody>
       </p:sp>
       <p:sp>
         <p:nvSpPr>
-          <p:cNvPr id="63" name="Google Shape;63;p6:notes"/>
-          <p:cNvSpPr>
-            <a:spLocks noGrp="1" noRot="1" noChangeAspect="1"/>
-          </p:cNvSpPr>
+          <p:cNvPr id="60" name="Google Shape;60;p5:notes"/>
+          <p:cNvSpPr/>
           <p:nvPr>
-            <p:ph type="sldImg" idx="2"/>
+            <p:ph idx="2" type="sldImg"/>
           </p:nvPr>
         </p:nvSpPr>
         <p:spPr>
@@ -2262,13 +2301,9 @@
             <a:ext cx="5486400" cy="3086100"/>
           </a:xfrm>
           <a:custGeom>
-            <a:avLst/>
-            <a:gdLst/>
-            <a:ahLst/>
-            <a:cxnLst/>
-            <a:rect l="l" t="t" r="r" b="b"/>
+            <a:rect b="b" l="l" r="r" t="t"/>
             <a:pathLst>
-              <a:path w="120000" h="120000" extrusionOk="0">
+              <a:path extrusionOk="0" h="120000" w="120000">
                 <a:moveTo>
                   <a:pt x="0" y="0"/>
                 </a:moveTo>
@@ -2296,11 +2331,11 @@
 </file>
 
 <file path=ppt/notesSlides/notesSlide7.xml><?xml version="1.0" encoding="utf-8"?>
-<p:notes xmlns:a="http://schemas.openxmlformats.org/drawingml/2006/main" xmlns:r="http://schemas.openxmlformats.org/officeDocument/2006/relationships" xmlns:p="http://schemas.openxmlformats.org/presentationml/2006/main" showMasterSp="0" showMasterPhAnim="0">
+<p:notes xmlns:a="http://schemas.openxmlformats.org/drawingml/2006/main" xmlns:r="http://schemas.openxmlformats.org/officeDocument/2006/relationships" xmlns:mc="http://schemas.openxmlformats.org/markup-compatibility/2006" xmlns:mv="urn:schemas-microsoft-com:mac:vml" xmlns:p="http://schemas.openxmlformats.org/presentationml/2006/main" xmlns:c="http://schemas.openxmlformats.org/drawingml/2006/chart" xmlns:dgm="http://schemas.openxmlformats.org/drawingml/2006/diagram" xmlns:o="urn:schemas-microsoft-com:office:office" xmlns:v="urn:schemas-microsoft-com:vml" xmlns:pvml="urn:schemas-microsoft-com:office:powerpoint" xmlns:com="http://schemas.openxmlformats.org/drawingml/2006/compatibility" xmlns:p14="http://schemas.microsoft.com/office/powerpoint/2010/main" xmlns:p15="http://schemas.microsoft.com/office/powerpoint/2012/main" xmlns:ahyp="http://schemas.microsoft.com/office/drawing/2018/hyperlinkcolor" showMasterPhAnim="0" showMasterSp="0">
   <p:cSld>
     <p:spTree>
       <p:nvGrpSpPr>
-        <p:cNvPr id="1" name="Shape 67"/>
+        <p:cNvPr id="66" name="Shape 66"/>
         <p:cNvGrpSpPr/>
         <p:nvPr/>
       </p:nvGrpSpPr>
@@ -2314,30 +2349,28 @@
       </p:grpSpPr>
       <p:sp>
         <p:nvSpPr>
-          <p:cNvPr id="68" name="Google Shape;68;p7:notes"/>
-          <p:cNvSpPr txBox="1">
-            <a:spLocks noGrp="1"/>
-          </p:cNvSpPr>
+          <p:cNvPr id="67" name="Google Shape;67;p6:notes"/>
+          <p:cNvSpPr txBox="1"/>
           <p:nvPr>
-            <p:ph type="body" idx="1"/>
+            <p:ph idx="1" type="body"/>
           </p:nvPr>
         </p:nvSpPr>
         <p:spPr>
           <a:xfrm>
             <a:off x="685800" y="4400550"/>
-            <a:ext cx="5486400" cy="3600450"/>
+            <a:ext cx="5486400" cy="3600600"/>
           </a:xfrm>
           <a:prstGeom prst="rect">
             <a:avLst/>
           </a:prstGeom>
         </p:spPr>
         <p:txBody>
-          <a:bodyPr spcFirstLastPara="1" wrap="square" lIns="91425" tIns="45700" rIns="91425" bIns="45700" anchor="t" anchorCtr="0">
+          <a:bodyPr anchorCtr="0" anchor="t" bIns="45700" lIns="91425" spcFirstLastPara="1" rIns="91425" wrap="square" tIns="45700">
             <a:noAutofit/>
           </a:bodyPr>
           <a:lstStyle/>
           <a:p>
-            <a:pPr marL="0" lvl="0" indent="0" algn="l" rtl="0">
+            <a:pPr indent="0" lvl="0" marL="0" rtl="0" algn="l">
               <a:spcBef>
                 <a:spcPts val="0"/>
               </a:spcBef>
@@ -2346,18 +2379,19 @@
               </a:spcAft>
               <a:buNone/>
             </a:pPr>
+            <a:r>
+              <a:t/>
+            </a:r>
             <a:endParaRPr/>
           </a:p>
         </p:txBody>
       </p:sp>
       <p:sp>
         <p:nvSpPr>
-          <p:cNvPr id="69" name="Google Shape;69;p7:notes"/>
-          <p:cNvSpPr>
-            <a:spLocks noGrp="1" noRot="1" noChangeAspect="1"/>
-          </p:cNvSpPr>
+          <p:cNvPr id="68" name="Google Shape;68;p6:notes"/>
+          <p:cNvSpPr/>
           <p:nvPr>
-            <p:ph type="sldImg" idx="2"/>
+            <p:ph idx="2" type="sldImg"/>
           </p:nvPr>
         </p:nvSpPr>
         <p:spPr>
@@ -2366,13 +2400,9 @@
             <a:ext cx="5486400" cy="3086100"/>
           </a:xfrm>
           <a:custGeom>
-            <a:avLst/>
-            <a:gdLst/>
-            <a:ahLst/>
-            <a:cxnLst/>
-            <a:rect l="l" t="t" r="r" b="b"/>
+            <a:rect b="b" l="l" r="r" t="t"/>
             <a:pathLst>
-              <a:path w="120000" h="120000" extrusionOk="0">
+              <a:path extrusionOk="0" h="120000" w="120000">
                 <a:moveTo>
                   <a:pt x="0" y="0"/>
                 </a:moveTo>
@@ -2400,11 +2430,11 @@
 </file>
 
 <file path=ppt/notesSlides/notesSlide8.xml><?xml version="1.0" encoding="utf-8"?>
-<p:notes xmlns:a="http://schemas.openxmlformats.org/drawingml/2006/main" xmlns:r="http://schemas.openxmlformats.org/officeDocument/2006/relationships" xmlns:p="http://schemas.openxmlformats.org/presentationml/2006/main" showMasterSp="0" showMasterPhAnim="0">
+<p:notes xmlns:a="http://schemas.openxmlformats.org/drawingml/2006/main" xmlns:r="http://schemas.openxmlformats.org/officeDocument/2006/relationships" xmlns:mc="http://schemas.openxmlformats.org/markup-compatibility/2006" xmlns:mv="urn:schemas-microsoft-com:mac:vml" xmlns:p="http://schemas.openxmlformats.org/presentationml/2006/main" xmlns:c="http://schemas.openxmlformats.org/drawingml/2006/chart" xmlns:dgm="http://schemas.openxmlformats.org/drawingml/2006/diagram" xmlns:o="urn:schemas-microsoft-com:office:office" xmlns:v="urn:schemas-microsoft-com:vml" xmlns:pvml="urn:schemas-microsoft-com:office:powerpoint" xmlns:com="http://schemas.openxmlformats.org/drawingml/2006/compatibility" xmlns:p14="http://schemas.microsoft.com/office/powerpoint/2010/main" xmlns:p15="http://schemas.microsoft.com/office/powerpoint/2012/main" xmlns:ahyp="http://schemas.microsoft.com/office/drawing/2018/hyperlinkcolor" showMasterPhAnim="0" showMasterSp="0">
   <p:cSld>
     <p:spTree>
       <p:nvGrpSpPr>
-        <p:cNvPr id="1" name="Shape 74"/>
+        <p:cNvPr id="72" name="Shape 72"/>
         <p:cNvGrpSpPr/>
         <p:nvPr/>
       </p:nvGrpSpPr>
@@ -2418,12 +2448,10 @@
       </p:grpSpPr>
       <p:sp>
         <p:nvSpPr>
-          <p:cNvPr id="75" name="Google Shape;75;p8:notes"/>
-          <p:cNvSpPr txBox="1">
-            <a:spLocks noGrp="1"/>
-          </p:cNvSpPr>
+          <p:cNvPr id="73" name="Google Shape;73;p7:notes"/>
+          <p:cNvSpPr txBox="1"/>
           <p:nvPr>
-            <p:ph type="body" idx="1"/>
+            <p:ph idx="1" type="body"/>
           </p:nvPr>
         </p:nvSpPr>
         <p:spPr>
@@ -2436,12 +2464,12 @@
           </a:prstGeom>
         </p:spPr>
         <p:txBody>
-          <a:bodyPr spcFirstLastPara="1" wrap="square" lIns="91425" tIns="45700" rIns="91425" bIns="45700" anchor="t" anchorCtr="0">
+          <a:bodyPr anchorCtr="0" anchor="t" bIns="45700" lIns="91425" spcFirstLastPara="1" rIns="91425" wrap="square" tIns="45700">
             <a:noAutofit/>
           </a:bodyPr>
           <a:lstStyle/>
           <a:p>
-            <a:pPr marL="0" lvl="0" indent="0" algn="l" rtl="0">
+            <a:pPr indent="0" lvl="0" marL="0" rtl="0" algn="l">
               <a:spcBef>
                 <a:spcPts val="0"/>
               </a:spcBef>
@@ -2450,18 +2478,19 @@
               </a:spcAft>
               <a:buNone/>
             </a:pPr>
+            <a:r>
+              <a:t/>
+            </a:r>
             <a:endParaRPr/>
           </a:p>
         </p:txBody>
       </p:sp>
       <p:sp>
         <p:nvSpPr>
-          <p:cNvPr id="76" name="Google Shape;76;p8:notes"/>
-          <p:cNvSpPr>
-            <a:spLocks noGrp="1" noRot="1" noChangeAspect="1"/>
-          </p:cNvSpPr>
+          <p:cNvPr id="74" name="Google Shape;74;p7:notes"/>
+          <p:cNvSpPr/>
           <p:nvPr>
-            <p:ph type="sldImg" idx="2"/>
+            <p:ph idx="2" type="sldImg"/>
           </p:nvPr>
         </p:nvSpPr>
         <p:spPr>
@@ -2470,13 +2499,9 @@
             <a:ext cx="5486400" cy="3086100"/>
           </a:xfrm>
           <a:custGeom>
-            <a:avLst/>
-            <a:gdLst/>
-            <a:ahLst/>
-            <a:cxnLst/>
-            <a:rect l="l" t="t" r="r" b="b"/>
+            <a:rect b="b" l="l" r="r" t="t"/>
             <a:pathLst>
-              <a:path w="120000" h="120000" extrusionOk="0">
+              <a:path extrusionOk="0" h="120000" w="120000">
                 <a:moveTo>
                   <a:pt x="0" y="0"/>
                 </a:moveTo>
@@ -2504,11 +2529,11 @@
 </file>
 
 <file path=ppt/notesSlides/notesSlide9.xml><?xml version="1.0" encoding="utf-8"?>
-<p:notes xmlns:a="http://schemas.openxmlformats.org/drawingml/2006/main" xmlns:r="http://schemas.openxmlformats.org/officeDocument/2006/relationships" xmlns:p="http://schemas.openxmlformats.org/presentationml/2006/main" showMasterSp="0" showMasterPhAnim="0">
+<p:notes xmlns:a="http://schemas.openxmlformats.org/drawingml/2006/main" xmlns:r="http://schemas.openxmlformats.org/officeDocument/2006/relationships" xmlns:mc="http://schemas.openxmlformats.org/markup-compatibility/2006" xmlns:mv="urn:schemas-microsoft-com:mac:vml" xmlns:p="http://schemas.openxmlformats.org/presentationml/2006/main" xmlns:c="http://schemas.openxmlformats.org/drawingml/2006/chart" xmlns:dgm="http://schemas.openxmlformats.org/drawingml/2006/diagram" xmlns:o="urn:schemas-microsoft-com:office:office" xmlns:v="urn:schemas-microsoft-com:vml" xmlns:pvml="urn:schemas-microsoft-com:office:powerpoint" xmlns:com="http://schemas.openxmlformats.org/drawingml/2006/compatibility" xmlns:p14="http://schemas.microsoft.com/office/powerpoint/2010/main" xmlns:p15="http://schemas.microsoft.com/office/powerpoint/2012/main" xmlns:ahyp="http://schemas.microsoft.com/office/drawing/2018/hyperlinkcolor" showMasterPhAnim="0" showMasterSp="0">
   <p:cSld>
     <p:spTree>
       <p:nvGrpSpPr>
-        <p:cNvPr id="1" name="Shape 80"/>
+        <p:cNvPr id="79" name="Shape 79"/>
         <p:cNvGrpSpPr/>
         <p:nvPr/>
       </p:nvGrpSpPr>
@@ -2522,12 +2547,10 @@
       </p:grpSpPr>
       <p:sp>
         <p:nvSpPr>
-          <p:cNvPr id="81" name="Google Shape;81;p9:notes"/>
-          <p:cNvSpPr txBox="1">
-            <a:spLocks noGrp="1"/>
-          </p:cNvSpPr>
+          <p:cNvPr id="80" name="Google Shape;80;p8:notes"/>
+          <p:cNvSpPr txBox="1"/>
           <p:nvPr>
-            <p:ph type="body" idx="1"/>
+            <p:ph idx="1" type="body"/>
           </p:nvPr>
         </p:nvSpPr>
         <p:spPr>
@@ -2540,12 +2563,12 @@
           </a:prstGeom>
         </p:spPr>
         <p:txBody>
-          <a:bodyPr spcFirstLastPara="1" wrap="square" lIns="91425" tIns="45700" rIns="91425" bIns="45700" anchor="t" anchorCtr="0">
+          <a:bodyPr anchorCtr="0" anchor="t" bIns="45700" lIns="91425" spcFirstLastPara="1" rIns="91425" wrap="square" tIns="45700">
             <a:noAutofit/>
           </a:bodyPr>
           <a:lstStyle/>
           <a:p>
-            <a:pPr marL="0" lvl="0" indent="0" algn="l" rtl="0">
+            <a:pPr indent="0" lvl="0" marL="0" rtl="0" algn="l">
               <a:spcBef>
                 <a:spcPts val="0"/>
               </a:spcBef>
@@ -2554,18 +2577,19 @@
               </a:spcAft>
               <a:buNone/>
             </a:pPr>
+            <a:r>
+              <a:t/>
+            </a:r>
             <a:endParaRPr/>
           </a:p>
         </p:txBody>
       </p:sp>
       <p:sp>
         <p:nvSpPr>
-          <p:cNvPr id="82" name="Google Shape;82;p9:notes"/>
-          <p:cNvSpPr>
-            <a:spLocks noGrp="1" noRot="1" noChangeAspect="1"/>
-          </p:cNvSpPr>
+          <p:cNvPr id="81" name="Google Shape;81;p8:notes"/>
+          <p:cNvSpPr/>
           <p:nvPr>
-            <p:ph type="sldImg" idx="2"/>
+            <p:ph idx="2" type="sldImg"/>
           </p:nvPr>
         </p:nvSpPr>
         <p:spPr>
@@ -2574,13 +2598,9 @@
             <a:ext cx="5486400" cy="3086100"/>
           </a:xfrm>
           <a:custGeom>
-            <a:avLst/>
-            <a:gdLst/>
-            <a:ahLst/>
-            <a:cxnLst/>
-            <a:rect l="l" t="t" r="r" b="b"/>
+            <a:rect b="b" l="l" r="r" t="t"/>
             <a:pathLst>
-              <a:path w="120000" h="120000" extrusionOk="0">
+              <a:path extrusionOk="0" h="120000" w="120000">
                 <a:moveTo>
                   <a:pt x="0" y="0"/>
                 </a:moveTo>
@@ -2608,11 +2628,11 @@
 </file>
 
 <file path=ppt/slideLayouts/slideLayout1.xml><?xml version="1.0" encoding="utf-8"?>
-<p:sldLayout xmlns:a="http://schemas.openxmlformats.org/drawingml/2006/main" xmlns:r="http://schemas.openxmlformats.org/officeDocument/2006/relationships" xmlns:p="http://schemas.openxmlformats.org/presentationml/2006/main" matchingName="Blank" type="blank">
+<p:sldLayout xmlns:a="http://schemas.openxmlformats.org/drawingml/2006/main" xmlns:r="http://schemas.openxmlformats.org/officeDocument/2006/relationships" xmlns:mc="http://schemas.openxmlformats.org/markup-compatibility/2006" xmlns:mv="urn:schemas-microsoft-com:mac:vml" xmlns:p="http://schemas.openxmlformats.org/presentationml/2006/main" xmlns:c="http://schemas.openxmlformats.org/drawingml/2006/chart" xmlns:dgm="http://schemas.openxmlformats.org/drawingml/2006/diagram" xmlns:o="urn:schemas-microsoft-com:office:office" xmlns:v="urn:schemas-microsoft-com:vml" xmlns:pvml="urn:schemas-microsoft-com:office:powerpoint" xmlns:com="http://schemas.openxmlformats.org/drawingml/2006/compatibility" xmlns:p14="http://schemas.microsoft.com/office/powerpoint/2010/main" xmlns:p15="http://schemas.microsoft.com/office/powerpoint/2012/main" xmlns:ahyp="http://schemas.microsoft.com/office/drawing/2018/hyperlinkcolor" matchingName="Blank" type="blank">
   <p:cSld name="BLANK">
     <p:spTree>
       <p:nvGrpSpPr>
-        <p:cNvPr id="1" name="Shape 12"/>
+        <p:cNvPr id="12" name="Shape 12"/>
         <p:cNvGrpSpPr/>
         <p:nvPr/>
       </p:nvGrpSpPr>
@@ -2627,17 +2647,15 @@
       <p:sp>
         <p:nvSpPr>
           <p:cNvPr id="13" name="Google Shape;13;p2"/>
-          <p:cNvSpPr txBox="1">
-            <a:spLocks noGrp="1"/>
-          </p:cNvSpPr>
+          <p:cNvSpPr txBox="1"/>
           <p:nvPr>
-            <p:ph type="dt" idx="10"/>
+            <p:ph idx="10" type="dt"/>
           </p:nvPr>
         </p:nvSpPr>
         <p:spPr>
           <a:xfrm>
             <a:off x="838200" y="6356350"/>
-            <a:ext cx="2743200" cy="365125"/>
+            <a:ext cx="2743200" cy="365100"/>
           </a:xfrm>
           <a:prstGeom prst="rect">
             <a:avLst/>
@@ -2648,11 +2666,11 @@
           </a:ln>
         </p:spPr>
         <p:txBody>
-          <a:bodyPr spcFirstLastPara="1" wrap="square" lIns="91425" tIns="45700" rIns="91425" bIns="45700" anchor="t" anchorCtr="0">
+          <a:bodyPr anchorCtr="0" anchor="t" bIns="45700" lIns="91425" spcFirstLastPara="1" rIns="91425" wrap="square" tIns="45700">
             <a:noAutofit/>
           </a:bodyPr>
           <a:lstStyle>
-            <a:lvl1pPr marR="0" lvl="0" algn="l" rtl="0">
+            <a:lvl1pPr lvl="0" marR="0" rtl="0" algn="l">
               <a:spcBef>
                 <a:spcPts val="0"/>
               </a:spcBef>
@@ -2661,7 +2679,7 @@
               </a:spcAft>
               <a:buSzPts val="1400"/>
               <a:buNone/>
-              <a:defRPr sz="1800" b="0" i="0" u="none" strike="noStrike" cap="none">
+              <a:defRPr b="0" i="0" sz="1800" u="none" cap="none" strike="noStrike">
                 <a:solidFill>
                   <a:schemeClr val="dk1"/>
                 </a:solidFill>
@@ -2671,7 +2689,7 @@
                 <a:sym typeface="Calibri"/>
               </a:defRPr>
             </a:lvl1pPr>
-            <a:lvl2pPr marR="0" lvl="1" algn="l" rtl="0">
+            <a:lvl2pPr lvl="1" marR="0" rtl="0" algn="l">
               <a:spcBef>
                 <a:spcPts val="0"/>
               </a:spcBef>
@@ -2680,7 +2698,7 @@
               </a:spcAft>
               <a:buSzPts val="1400"/>
               <a:buNone/>
-              <a:defRPr sz="1800" b="0" i="0" u="none" strike="noStrike" cap="none">
+              <a:defRPr b="0" i="0" sz="1800" u="none" cap="none" strike="noStrike">
                 <a:solidFill>
                   <a:schemeClr val="dk1"/>
                 </a:solidFill>
@@ -2690,7 +2708,7 @@
                 <a:sym typeface="Calibri"/>
               </a:defRPr>
             </a:lvl2pPr>
-            <a:lvl3pPr marR="0" lvl="2" algn="l" rtl="0">
+            <a:lvl3pPr lvl="2" marR="0" rtl="0" algn="l">
               <a:spcBef>
                 <a:spcPts val="0"/>
               </a:spcBef>
@@ -2699,7 +2717,7 @@
               </a:spcAft>
               <a:buSzPts val="1400"/>
               <a:buNone/>
-              <a:defRPr sz="1800" b="0" i="0" u="none" strike="noStrike" cap="none">
+              <a:defRPr b="0" i="0" sz="1800" u="none" cap="none" strike="noStrike">
                 <a:solidFill>
                   <a:schemeClr val="dk1"/>
                 </a:solidFill>
@@ -2709,7 +2727,7 @@
                 <a:sym typeface="Calibri"/>
               </a:defRPr>
             </a:lvl3pPr>
-            <a:lvl4pPr marR="0" lvl="3" algn="l" rtl="0">
+            <a:lvl4pPr lvl="3" marR="0" rtl="0" algn="l">
               <a:spcBef>
                 <a:spcPts val="0"/>
               </a:spcBef>
@@ -2718,7 +2736,7 @@
               </a:spcAft>
               <a:buSzPts val="1400"/>
               <a:buNone/>
-              <a:defRPr sz="1800" b="0" i="0" u="none" strike="noStrike" cap="none">
+              <a:defRPr b="0" i="0" sz="1800" u="none" cap="none" strike="noStrike">
                 <a:solidFill>
                   <a:schemeClr val="dk1"/>
                 </a:solidFill>
@@ -2728,7 +2746,7 @@
                 <a:sym typeface="Calibri"/>
               </a:defRPr>
             </a:lvl4pPr>
-            <a:lvl5pPr marR="0" lvl="4" algn="l" rtl="0">
+            <a:lvl5pPr lvl="4" marR="0" rtl="0" algn="l">
               <a:spcBef>
                 <a:spcPts val="0"/>
               </a:spcBef>
@@ -2737,7 +2755,7 @@
               </a:spcAft>
               <a:buSzPts val="1400"/>
               <a:buNone/>
-              <a:defRPr sz="1800" b="0" i="0" u="none" strike="noStrike" cap="none">
+              <a:defRPr b="0" i="0" sz="1800" u="none" cap="none" strike="noStrike">
                 <a:solidFill>
                   <a:schemeClr val="dk1"/>
                 </a:solidFill>
@@ -2747,7 +2765,7 @@
                 <a:sym typeface="Calibri"/>
               </a:defRPr>
             </a:lvl5pPr>
-            <a:lvl6pPr marR="0" lvl="5" algn="l" rtl="0">
+            <a:lvl6pPr lvl="5" marR="0" rtl="0" algn="l">
               <a:spcBef>
                 <a:spcPts val="0"/>
               </a:spcBef>
@@ -2756,7 +2774,7 @@
               </a:spcAft>
               <a:buSzPts val="1400"/>
               <a:buNone/>
-              <a:defRPr sz="1800" b="0" i="0" u="none" strike="noStrike" cap="none">
+              <a:defRPr b="0" i="0" sz="1800" u="none" cap="none" strike="noStrike">
                 <a:solidFill>
                   <a:schemeClr val="dk1"/>
                 </a:solidFill>
@@ -2766,7 +2784,7 @@
                 <a:sym typeface="Calibri"/>
               </a:defRPr>
             </a:lvl6pPr>
-            <a:lvl7pPr marR="0" lvl="6" algn="l" rtl="0">
+            <a:lvl7pPr lvl="6" marR="0" rtl="0" algn="l">
               <a:spcBef>
                 <a:spcPts val="0"/>
               </a:spcBef>
@@ -2775,7 +2793,7 @@
               </a:spcAft>
               <a:buSzPts val="1400"/>
               <a:buNone/>
-              <a:defRPr sz="1800" b="0" i="0" u="none" strike="noStrike" cap="none">
+              <a:defRPr b="0" i="0" sz="1800" u="none" cap="none" strike="noStrike">
                 <a:solidFill>
                   <a:schemeClr val="dk1"/>
                 </a:solidFill>
@@ -2785,7 +2803,7 @@
                 <a:sym typeface="Calibri"/>
               </a:defRPr>
             </a:lvl7pPr>
-            <a:lvl8pPr marR="0" lvl="7" algn="l" rtl="0">
+            <a:lvl8pPr lvl="7" marR="0" rtl="0" algn="l">
               <a:spcBef>
                 <a:spcPts val="0"/>
               </a:spcBef>
@@ -2794,7 +2812,7 @@
               </a:spcAft>
               <a:buSzPts val="1400"/>
               <a:buNone/>
-              <a:defRPr sz="1800" b="0" i="0" u="none" strike="noStrike" cap="none">
+              <a:defRPr b="0" i="0" sz="1800" u="none" cap="none" strike="noStrike">
                 <a:solidFill>
                   <a:schemeClr val="dk1"/>
                 </a:solidFill>
@@ -2804,7 +2822,7 @@
                 <a:sym typeface="Calibri"/>
               </a:defRPr>
             </a:lvl8pPr>
-            <a:lvl9pPr marR="0" lvl="8" algn="l" rtl="0">
+            <a:lvl9pPr lvl="8" marR="0" rtl="0" algn="l">
               <a:spcBef>
                 <a:spcPts val="0"/>
               </a:spcBef>
@@ -2813,7 +2831,7 @@
               </a:spcAft>
               <a:buSzPts val="1400"/>
               <a:buNone/>
-              <a:defRPr sz="1800" b="0" i="0" u="none" strike="noStrike" cap="none">
+              <a:defRPr b="0" i="0" sz="1800" u="none" cap="none" strike="noStrike">
                 <a:solidFill>
                   <a:schemeClr val="dk1"/>
                 </a:solidFill>
@@ -2824,25 +2842,21 @@
               </a:defRPr>
             </a:lvl9pPr>
           </a:lstStyle>
-          <a:p>
-            <a:endParaRPr/>
-          </a:p>
+          <a:p/>
         </p:txBody>
       </p:sp>
       <p:sp>
         <p:nvSpPr>
           <p:cNvPr id="14" name="Google Shape;14;p2"/>
-          <p:cNvSpPr txBox="1">
-            <a:spLocks noGrp="1"/>
-          </p:cNvSpPr>
+          <p:cNvSpPr txBox="1"/>
           <p:nvPr>
-            <p:ph type="ftr" idx="11"/>
+            <p:ph idx="11" type="ftr"/>
           </p:nvPr>
         </p:nvSpPr>
         <p:spPr>
           <a:xfrm>
             <a:off x="4038600" y="6356350"/>
-            <a:ext cx="4114800" cy="365125"/>
+            <a:ext cx="4114800" cy="365100"/>
           </a:xfrm>
           <a:prstGeom prst="rect">
             <a:avLst/>
@@ -2853,11 +2867,11 @@
           </a:ln>
         </p:spPr>
         <p:txBody>
-          <a:bodyPr spcFirstLastPara="1" wrap="square" lIns="91425" tIns="45700" rIns="91425" bIns="45700" anchor="t" anchorCtr="0">
+          <a:bodyPr anchorCtr="0" anchor="t" bIns="45700" lIns="91425" spcFirstLastPara="1" rIns="91425" wrap="square" tIns="45700">
             <a:noAutofit/>
           </a:bodyPr>
           <a:lstStyle>
-            <a:lvl1pPr marR="0" lvl="0" algn="l" rtl="0">
+            <a:lvl1pPr lvl="0" marR="0" rtl="0" algn="l">
               <a:spcBef>
                 <a:spcPts val="0"/>
               </a:spcBef>
@@ -2866,7 +2880,7 @@
               </a:spcAft>
               <a:buSzPts val="1400"/>
               <a:buNone/>
-              <a:defRPr sz="1800" b="0" i="0" u="none" strike="noStrike" cap="none">
+              <a:defRPr b="0" i="0" sz="1800" u="none" cap="none" strike="noStrike">
                 <a:solidFill>
                   <a:schemeClr val="dk1"/>
                 </a:solidFill>
@@ -2876,7 +2890,7 @@
                 <a:sym typeface="Calibri"/>
               </a:defRPr>
             </a:lvl1pPr>
-            <a:lvl2pPr marR="0" lvl="1" algn="l" rtl="0">
+            <a:lvl2pPr lvl="1" marR="0" rtl="0" algn="l">
               <a:spcBef>
                 <a:spcPts val="0"/>
               </a:spcBef>
@@ -2885,7 +2899,7 @@
               </a:spcAft>
               <a:buSzPts val="1400"/>
               <a:buNone/>
-              <a:defRPr sz="1800" b="0" i="0" u="none" strike="noStrike" cap="none">
+              <a:defRPr b="0" i="0" sz="1800" u="none" cap="none" strike="noStrike">
                 <a:solidFill>
                   <a:schemeClr val="dk1"/>
                 </a:solidFill>
@@ -2895,7 +2909,7 @@
                 <a:sym typeface="Calibri"/>
               </a:defRPr>
             </a:lvl2pPr>
-            <a:lvl3pPr marR="0" lvl="2" algn="l" rtl="0">
+            <a:lvl3pPr lvl="2" marR="0" rtl="0" algn="l">
               <a:spcBef>
                 <a:spcPts val="0"/>
               </a:spcBef>
@@ -2904,7 +2918,7 @@
               </a:spcAft>
               <a:buSzPts val="1400"/>
               <a:buNone/>
-              <a:defRPr sz="1800" b="0" i="0" u="none" strike="noStrike" cap="none">
+              <a:defRPr b="0" i="0" sz="1800" u="none" cap="none" strike="noStrike">
                 <a:solidFill>
                   <a:schemeClr val="dk1"/>
                 </a:solidFill>
@@ -2914,7 +2928,7 @@
                 <a:sym typeface="Calibri"/>
               </a:defRPr>
             </a:lvl3pPr>
-            <a:lvl4pPr marR="0" lvl="3" algn="l" rtl="0">
+            <a:lvl4pPr lvl="3" marR="0" rtl="0" algn="l">
               <a:spcBef>
                 <a:spcPts val="0"/>
               </a:spcBef>
@@ -2923,7 +2937,7 @@
               </a:spcAft>
               <a:buSzPts val="1400"/>
               <a:buNone/>
-              <a:defRPr sz="1800" b="0" i="0" u="none" strike="noStrike" cap="none">
+              <a:defRPr b="0" i="0" sz="1800" u="none" cap="none" strike="noStrike">
                 <a:solidFill>
                   <a:schemeClr val="dk1"/>
                 </a:solidFill>
@@ -2933,7 +2947,7 @@
                 <a:sym typeface="Calibri"/>
               </a:defRPr>
             </a:lvl4pPr>
-            <a:lvl5pPr marR="0" lvl="4" algn="l" rtl="0">
+            <a:lvl5pPr lvl="4" marR="0" rtl="0" algn="l">
               <a:spcBef>
                 <a:spcPts val="0"/>
               </a:spcBef>
@@ -2942,7 +2956,7 @@
               </a:spcAft>
               <a:buSzPts val="1400"/>
               <a:buNone/>
-              <a:defRPr sz="1800" b="0" i="0" u="none" strike="noStrike" cap="none">
+              <a:defRPr b="0" i="0" sz="1800" u="none" cap="none" strike="noStrike">
                 <a:solidFill>
                   <a:schemeClr val="dk1"/>
                 </a:solidFill>
@@ -2952,7 +2966,7 @@
                 <a:sym typeface="Calibri"/>
               </a:defRPr>
             </a:lvl5pPr>
-            <a:lvl6pPr marR="0" lvl="5" algn="l" rtl="0">
+            <a:lvl6pPr lvl="5" marR="0" rtl="0" algn="l">
               <a:spcBef>
                 <a:spcPts val="0"/>
               </a:spcBef>
@@ -2961,7 +2975,7 @@
               </a:spcAft>
               <a:buSzPts val="1400"/>
               <a:buNone/>
-              <a:defRPr sz="1800" b="0" i="0" u="none" strike="noStrike" cap="none">
+              <a:defRPr b="0" i="0" sz="1800" u="none" cap="none" strike="noStrike">
                 <a:solidFill>
                   <a:schemeClr val="dk1"/>
                 </a:solidFill>
@@ -2971,7 +2985,7 @@
                 <a:sym typeface="Calibri"/>
               </a:defRPr>
             </a:lvl6pPr>
-            <a:lvl7pPr marR="0" lvl="6" algn="l" rtl="0">
+            <a:lvl7pPr lvl="6" marR="0" rtl="0" algn="l">
               <a:spcBef>
                 <a:spcPts val="0"/>
               </a:spcBef>
@@ -2980,7 +2994,7 @@
               </a:spcAft>
               <a:buSzPts val="1400"/>
               <a:buNone/>
-              <a:defRPr sz="1800" b="0" i="0" u="none" strike="noStrike" cap="none">
+              <a:defRPr b="0" i="0" sz="1800" u="none" cap="none" strike="noStrike">
                 <a:solidFill>
                   <a:schemeClr val="dk1"/>
                 </a:solidFill>
@@ -2990,7 +3004,7 @@
                 <a:sym typeface="Calibri"/>
               </a:defRPr>
             </a:lvl7pPr>
-            <a:lvl8pPr marR="0" lvl="7" algn="l" rtl="0">
+            <a:lvl8pPr lvl="7" marR="0" rtl="0" algn="l">
               <a:spcBef>
                 <a:spcPts val="0"/>
               </a:spcBef>
@@ -2999,7 +3013,7 @@
               </a:spcAft>
               <a:buSzPts val="1400"/>
               <a:buNone/>
-              <a:defRPr sz="1800" b="0" i="0" u="none" strike="noStrike" cap="none">
+              <a:defRPr b="0" i="0" sz="1800" u="none" cap="none" strike="noStrike">
                 <a:solidFill>
                   <a:schemeClr val="dk1"/>
                 </a:solidFill>
@@ -3009,7 +3023,7 @@
                 <a:sym typeface="Calibri"/>
               </a:defRPr>
             </a:lvl8pPr>
-            <a:lvl9pPr marR="0" lvl="8" algn="l" rtl="0">
+            <a:lvl9pPr lvl="8" marR="0" rtl="0" algn="l">
               <a:spcBef>
                 <a:spcPts val="0"/>
               </a:spcBef>
@@ -3018,7 +3032,7 @@
               </a:spcAft>
               <a:buSzPts val="1400"/>
               <a:buNone/>
-              <a:defRPr sz="1800" b="0" i="0" u="none" strike="noStrike" cap="none">
+              <a:defRPr b="0" i="0" sz="1800" u="none" cap="none" strike="noStrike">
                 <a:solidFill>
                   <a:schemeClr val="dk1"/>
                 </a:solidFill>
@@ -3029,25 +3043,21 @@
               </a:defRPr>
             </a:lvl9pPr>
           </a:lstStyle>
-          <a:p>
-            <a:endParaRPr/>
-          </a:p>
+          <a:p/>
         </p:txBody>
       </p:sp>
       <p:sp>
         <p:nvSpPr>
           <p:cNvPr id="15" name="Google Shape;15;p2"/>
-          <p:cNvSpPr txBox="1">
-            <a:spLocks noGrp="1"/>
-          </p:cNvSpPr>
+          <p:cNvSpPr txBox="1"/>
           <p:nvPr>
-            <p:ph type="sldNum" idx="12"/>
+            <p:ph idx="12" type="sldNum"/>
           </p:nvPr>
         </p:nvSpPr>
         <p:spPr>
           <a:xfrm>
             <a:off x="8610600" y="6356350"/>
-            <a:ext cx="2743200" cy="365125"/>
+            <a:ext cx="2743200" cy="365100"/>
           </a:xfrm>
           <a:prstGeom prst="rect">
             <a:avLst/>
@@ -3058,16 +3068,16 @@
           </a:ln>
         </p:spPr>
         <p:txBody>
-          <a:bodyPr spcFirstLastPara="1" wrap="square" lIns="91425" tIns="45700" rIns="91425" bIns="45700" anchor="t" anchorCtr="0">
+          <a:bodyPr anchorCtr="0" anchor="t" bIns="45700" lIns="91425" spcFirstLastPara="1" rIns="91425" wrap="square" tIns="45700">
             <a:noAutofit/>
           </a:bodyPr>
           <a:lstStyle>
-            <a:lvl1pPr marL="0" marR="0" lvl="0" indent="0" algn="l" rtl="0">
-              <a:spcBef>
-                <a:spcPts val="0"/>
-              </a:spcBef>
-              <a:buNone/>
-              <a:defRPr sz="1800" b="0" i="0" u="none" strike="noStrike" cap="none">
+            <a:lvl1pPr indent="0" lvl="0" marL="0" marR="0" rtl="0" algn="l">
+              <a:spcBef>
+                <a:spcPts val="0"/>
+              </a:spcBef>
+              <a:buNone/>
+              <a:defRPr b="0" i="0" sz="1800" u="none" cap="none" strike="noStrike">
                 <a:solidFill>
                   <a:schemeClr val="dk1"/>
                 </a:solidFill>
@@ -3077,12 +3087,12 @@
                 <a:sym typeface="Calibri"/>
               </a:defRPr>
             </a:lvl1pPr>
-            <a:lvl2pPr marL="0" marR="0" lvl="1" indent="0" algn="l" rtl="0">
-              <a:spcBef>
-                <a:spcPts val="0"/>
-              </a:spcBef>
-              <a:buNone/>
-              <a:defRPr sz="1800" b="0" i="0" u="none" strike="noStrike" cap="none">
+            <a:lvl2pPr indent="0" lvl="1" marL="0" marR="0" rtl="0" algn="l">
+              <a:spcBef>
+                <a:spcPts val="0"/>
+              </a:spcBef>
+              <a:buNone/>
+              <a:defRPr b="0" i="0" sz="1800" u="none" cap="none" strike="noStrike">
                 <a:solidFill>
                   <a:schemeClr val="dk1"/>
                 </a:solidFill>
@@ -3092,12 +3102,12 @@
                 <a:sym typeface="Calibri"/>
               </a:defRPr>
             </a:lvl2pPr>
-            <a:lvl3pPr marL="0" marR="0" lvl="2" indent="0" algn="l" rtl="0">
-              <a:spcBef>
-                <a:spcPts val="0"/>
-              </a:spcBef>
-              <a:buNone/>
-              <a:defRPr sz="1800" b="0" i="0" u="none" strike="noStrike" cap="none">
+            <a:lvl3pPr indent="0" lvl="2" marL="0" marR="0" rtl="0" algn="l">
+              <a:spcBef>
+                <a:spcPts val="0"/>
+              </a:spcBef>
+              <a:buNone/>
+              <a:defRPr b="0" i="0" sz="1800" u="none" cap="none" strike="noStrike">
                 <a:solidFill>
                   <a:schemeClr val="dk1"/>
                 </a:solidFill>
@@ -3107,12 +3117,12 @@
                 <a:sym typeface="Calibri"/>
               </a:defRPr>
             </a:lvl3pPr>
-            <a:lvl4pPr marL="0" marR="0" lvl="3" indent="0" algn="l" rtl="0">
-              <a:spcBef>
-                <a:spcPts val="0"/>
-              </a:spcBef>
-              <a:buNone/>
-              <a:defRPr sz="1800" b="0" i="0" u="none" strike="noStrike" cap="none">
+            <a:lvl4pPr indent="0" lvl="3" marL="0" marR="0" rtl="0" algn="l">
+              <a:spcBef>
+                <a:spcPts val="0"/>
+              </a:spcBef>
+              <a:buNone/>
+              <a:defRPr b="0" i="0" sz="1800" u="none" cap="none" strike="noStrike">
                 <a:solidFill>
                   <a:schemeClr val="dk1"/>
                 </a:solidFill>
@@ -3122,12 +3132,12 @@
                 <a:sym typeface="Calibri"/>
               </a:defRPr>
             </a:lvl4pPr>
-            <a:lvl5pPr marL="0" marR="0" lvl="4" indent="0" algn="l" rtl="0">
-              <a:spcBef>
-                <a:spcPts val="0"/>
-              </a:spcBef>
-              <a:buNone/>
-              <a:defRPr sz="1800" b="0" i="0" u="none" strike="noStrike" cap="none">
+            <a:lvl5pPr indent="0" lvl="4" marL="0" marR="0" rtl="0" algn="l">
+              <a:spcBef>
+                <a:spcPts val="0"/>
+              </a:spcBef>
+              <a:buNone/>
+              <a:defRPr b="0" i="0" sz="1800" u="none" cap="none" strike="noStrike">
                 <a:solidFill>
                   <a:schemeClr val="dk1"/>
                 </a:solidFill>
@@ -3137,12 +3147,12 @@
                 <a:sym typeface="Calibri"/>
               </a:defRPr>
             </a:lvl5pPr>
-            <a:lvl6pPr marL="0" marR="0" lvl="5" indent="0" algn="l" rtl="0">
-              <a:spcBef>
-                <a:spcPts val="0"/>
-              </a:spcBef>
-              <a:buNone/>
-              <a:defRPr sz="1800" b="0" i="0" u="none" strike="noStrike" cap="none">
+            <a:lvl6pPr indent="0" lvl="5" marL="0" marR="0" rtl="0" algn="l">
+              <a:spcBef>
+                <a:spcPts val="0"/>
+              </a:spcBef>
+              <a:buNone/>
+              <a:defRPr b="0" i="0" sz="1800" u="none" cap="none" strike="noStrike">
                 <a:solidFill>
                   <a:schemeClr val="dk1"/>
                 </a:solidFill>
@@ -3152,12 +3162,12 @@
                 <a:sym typeface="Calibri"/>
               </a:defRPr>
             </a:lvl6pPr>
-            <a:lvl7pPr marL="0" marR="0" lvl="6" indent="0" algn="l" rtl="0">
-              <a:spcBef>
-                <a:spcPts val="0"/>
-              </a:spcBef>
-              <a:buNone/>
-              <a:defRPr sz="1800" b="0" i="0" u="none" strike="noStrike" cap="none">
+            <a:lvl7pPr indent="0" lvl="6" marL="0" marR="0" rtl="0" algn="l">
+              <a:spcBef>
+                <a:spcPts val="0"/>
+              </a:spcBef>
+              <a:buNone/>
+              <a:defRPr b="0" i="0" sz="1800" u="none" cap="none" strike="noStrike">
                 <a:solidFill>
                   <a:schemeClr val="dk1"/>
                 </a:solidFill>
@@ -3167,12 +3177,12 @@
                 <a:sym typeface="Calibri"/>
               </a:defRPr>
             </a:lvl7pPr>
-            <a:lvl8pPr marL="0" marR="0" lvl="7" indent="0" algn="l" rtl="0">
-              <a:spcBef>
-                <a:spcPts val="0"/>
-              </a:spcBef>
-              <a:buNone/>
-              <a:defRPr sz="1800" b="0" i="0" u="none" strike="noStrike" cap="none">
+            <a:lvl8pPr indent="0" lvl="7" marL="0" marR="0" rtl="0" algn="l">
+              <a:spcBef>
+                <a:spcPts val="0"/>
+              </a:spcBef>
+              <a:buNone/>
+              <a:defRPr b="0" i="0" sz="1800" u="none" cap="none" strike="noStrike">
                 <a:solidFill>
                   <a:schemeClr val="dk1"/>
                 </a:solidFill>
@@ -3182,12 +3192,12 @@
                 <a:sym typeface="Calibri"/>
               </a:defRPr>
             </a:lvl8pPr>
-            <a:lvl9pPr marL="0" marR="0" lvl="8" indent="0" algn="l" rtl="0">
-              <a:spcBef>
-                <a:spcPts val="0"/>
-              </a:spcBef>
-              <a:buNone/>
-              <a:defRPr sz="1800" b="0" i="0" u="none" strike="noStrike" cap="none">
+            <a:lvl9pPr indent="0" lvl="8" marL="0" marR="0" rtl="0" algn="l">
+              <a:spcBef>
+                <a:spcPts val="0"/>
+              </a:spcBef>
+              <a:buNone/>
+              <a:defRPr b="0" i="0" sz="1800" u="none" cap="none" strike="noStrike">
                 <a:solidFill>
                   <a:schemeClr val="dk1"/>
                 </a:solidFill>
@@ -3199,7 +3209,7 @@
             </a:lvl9pPr>
           </a:lstStyle>
           <a:p>
-            <a:pPr marL="0" lvl="0" indent="0" algn="l" rtl="0">
+            <a:pPr indent="0" lvl="0" marL="0" rtl="0" algn="l">
               <a:spcBef>
                 <a:spcPts val="0"/>
               </a:spcBef>
@@ -3225,11 +3235,11 @@
 </file>
 
 <file path=ppt/slideLayouts/slideLayout2.xml><?xml version="1.0" encoding="utf-8"?>
-<p:sldLayout xmlns:a="http://schemas.openxmlformats.org/drawingml/2006/main" xmlns:r="http://schemas.openxmlformats.org/officeDocument/2006/relationships" xmlns:p="http://schemas.openxmlformats.org/presentationml/2006/main" matchingName="Title and Content">
+<p:sldLayout xmlns:a="http://schemas.openxmlformats.org/drawingml/2006/main" xmlns:r="http://schemas.openxmlformats.org/officeDocument/2006/relationships" xmlns:mc="http://schemas.openxmlformats.org/markup-compatibility/2006" xmlns:mv="urn:schemas-microsoft-com:mac:vml" xmlns:p="http://schemas.openxmlformats.org/presentationml/2006/main" xmlns:c="http://schemas.openxmlformats.org/drawingml/2006/chart" xmlns:dgm="http://schemas.openxmlformats.org/drawingml/2006/diagram" xmlns:o="urn:schemas-microsoft-com:office:office" xmlns:v="urn:schemas-microsoft-com:vml" xmlns:pvml="urn:schemas-microsoft-com:office:powerpoint" xmlns:com="http://schemas.openxmlformats.org/drawingml/2006/compatibility" xmlns:p14="http://schemas.microsoft.com/office/powerpoint/2010/main" xmlns:p15="http://schemas.microsoft.com/office/powerpoint/2012/main" xmlns:ahyp="http://schemas.microsoft.com/office/drawing/2018/hyperlinkcolor" matchingName="Title and Content">
   <p:cSld name="Title and Content">
     <p:spTree>
       <p:nvGrpSpPr>
-        <p:cNvPr id="1" name="Shape 16"/>
+        <p:cNvPr id="16" name="Shape 16"/>
         <p:cNvGrpSpPr/>
         <p:nvPr/>
       </p:nvGrpSpPr>
@@ -3250,11 +3260,11 @@
 </file>
 
 <file path=ppt/slideLayouts/slideLayout3.xml><?xml version="1.0" encoding="utf-8"?>
-<p:sldLayout xmlns:a="http://schemas.openxmlformats.org/drawingml/2006/main" xmlns:r="http://schemas.openxmlformats.org/officeDocument/2006/relationships" xmlns:p="http://schemas.openxmlformats.org/presentationml/2006/main" matchingName="Title Slide" type="title">
+<p:sldLayout xmlns:a="http://schemas.openxmlformats.org/drawingml/2006/main" xmlns:r="http://schemas.openxmlformats.org/officeDocument/2006/relationships" xmlns:mc="http://schemas.openxmlformats.org/markup-compatibility/2006" xmlns:mv="urn:schemas-microsoft-com:mac:vml" xmlns:p="http://schemas.openxmlformats.org/presentationml/2006/main" xmlns:c="http://schemas.openxmlformats.org/drawingml/2006/chart" xmlns:dgm="http://schemas.openxmlformats.org/drawingml/2006/diagram" xmlns:o="urn:schemas-microsoft-com:office:office" xmlns:v="urn:schemas-microsoft-com:vml" xmlns:pvml="urn:schemas-microsoft-com:office:powerpoint" xmlns:com="http://schemas.openxmlformats.org/drawingml/2006/compatibility" xmlns:p14="http://schemas.microsoft.com/office/powerpoint/2010/main" xmlns:p15="http://schemas.microsoft.com/office/powerpoint/2012/main" xmlns:ahyp="http://schemas.microsoft.com/office/drawing/2018/hyperlinkcolor" matchingName="Title Slide" type="title">
   <p:cSld name="TITLE">
     <p:spTree>
       <p:nvGrpSpPr>
-        <p:cNvPr id="1" name="Shape 17"/>
+        <p:cNvPr id="17" name="Shape 17"/>
         <p:cNvGrpSpPr/>
         <p:nvPr/>
       </p:nvGrpSpPr>
@@ -3269,9 +3279,7 @@
       <p:sp>
         <p:nvSpPr>
           <p:cNvPr id="18" name="Google Shape;18;p4"/>
-          <p:cNvSpPr txBox="1">
-            <a:spLocks noGrp="1"/>
-          </p:cNvSpPr>
+          <p:cNvSpPr txBox="1"/>
           <p:nvPr>
             <p:ph type="ctrTitle"/>
           </p:nvPr>
@@ -3279,7 +3287,7 @@
         <p:spPr>
           <a:xfrm>
             <a:off x="1524000" y="1122363"/>
-            <a:ext cx="9144000" cy="2387600"/>
+            <a:ext cx="9144000" cy="2387700"/>
           </a:xfrm>
           <a:prstGeom prst="rect">
             <a:avLst/>
@@ -3290,11 +3298,11 @@
           </a:ln>
         </p:spPr>
         <p:txBody>
-          <a:bodyPr spcFirstLastPara="1" wrap="square" lIns="91425" tIns="45700" rIns="91425" bIns="45700" anchor="b" anchorCtr="0">
+          <a:bodyPr anchorCtr="0" anchor="b" bIns="45700" lIns="91425" spcFirstLastPara="1" rIns="91425" wrap="square" tIns="45700">
             <a:noAutofit/>
           </a:bodyPr>
           <a:lstStyle>
-            <a:lvl1pPr marR="0" lvl="0" algn="ctr" rtl="0">
+            <a:lvl1pPr lvl="0" marR="0" rtl="0" algn="ctr">
               <a:lnSpc>
                 <a:spcPct val="90000"/>
               </a:lnSpc>
@@ -3310,7 +3318,7 @@
               <a:buSzPts val="6000"/>
               <a:buFont typeface="Calibri"/>
               <a:buNone/>
-              <a:defRPr sz="6000" b="0" i="0" u="none" strike="noStrike" cap="none">
+              <a:defRPr b="0" i="0" sz="6000" u="none" cap="none" strike="noStrike">
                 <a:solidFill>
                   <a:schemeClr val="dk1"/>
                 </a:solidFill>
@@ -3320,7 +3328,7 @@
                 <a:sym typeface="Calibri"/>
               </a:defRPr>
             </a:lvl1pPr>
-            <a:lvl2pPr lvl="1">
+            <a:lvl2pPr lvl="1" rtl="0">
               <a:spcBef>
                 <a:spcPts val="0"/>
               </a:spcBef>
@@ -3331,7 +3339,7 @@
               <a:buNone/>
               <a:defRPr sz="1800"/>
             </a:lvl2pPr>
-            <a:lvl3pPr lvl="2">
+            <a:lvl3pPr lvl="2" rtl="0">
               <a:spcBef>
                 <a:spcPts val="0"/>
               </a:spcBef>
@@ -3342,7 +3350,7 @@
               <a:buNone/>
               <a:defRPr sz="1800"/>
             </a:lvl3pPr>
-            <a:lvl4pPr lvl="3">
+            <a:lvl4pPr lvl="3" rtl="0">
               <a:spcBef>
                 <a:spcPts val="0"/>
               </a:spcBef>
@@ -3353,7 +3361,7 @@
               <a:buNone/>
               <a:defRPr sz="1800"/>
             </a:lvl4pPr>
-            <a:lvl5pPr lvl="4">
+            <a:lvl5pPr lvl="4" rtl="0">
               <a:spcBef>
                 <a:spcPts val="0"/>
               </a:spcBef>
@@ -3364,7 +3372,7 @@
               <a:buNone/>
               <a:defRPr sz="1800"/>
             </a:lvl5pPr>
-            <a:lvl6pPr lvl="5">
+            <a:lvl6pPr lvl="5" rtl="0">
               <a:spcBef>
                 <a:spcPts val="0"/>
               </a:spcBef>
@@ -3375,7 +3383,7 @@
               <a:buNone/>
               <a:defRPr sz="1800"/>
             </a:lvl6pPr>
-            <a:lvl7pPr lvl="6">
+            <a:lvl7pPr lvl="6" rtl="0">
               <a:spcBef>
                 <a:spcPts val="0"/>
               </a:spcBef>
@@ -3386,7 +3394,7 @@
               <a:buNone/>
               <a:defRPr sz="1800"/>
             </a:lvl7pPr>
-            <a:lvl8pPr lvl="7">
+            <a:lvl8pPr lvl="7" rtl="0">
               <a:spcBef>
                 <a:spcPts val="0"/>
               </a:spcBef>
@@ -3397,7 +3405,7 @@
               <a:buNone/>
               <a:defRPr sz="1800"/>
             </a:lvl8pPr>
-            <a:lvl9pPr lvl="8">
+            <a:lvl9pPr lvl="8" rtl="0">
               <a:spcBef>
                 <a:spcPts val="0"/>
               </a:spcBef>
@@ -3409,25 +3417,21 @@
               <a:defRPr sz="1800"/>
             </a:lvl9pPr>
           </a:lstStyle>
-          <a:p>
-            <a:endParaRPr/>
-          </a:p>
+          <a:p/>
         </p:txBody>
       </p:sp>
       <p:sp>
         <p:nvSpPr>
           <p:cNvPr id="19" name="Google Shape;19;p4"/>
-          <p:cNvSpPr txBox="1">
-            <a:spLocks noGrp="1"/>
-          </p:cNvSpPr>
+          <p:cNvSpPr txBox="1"/>
           <p:nvPr>
-            <p:ph type="subTitle" idx="1"/>
+            <p:ph idx="1" type="subTitle"/>
           </p:nvPr>
         </p:nvSpPr>
         <p:spPr>
           <a:xfrm>
             <a:off x="1524000" y="3602038"/>
-            <a:ext cx="9144000" cy="1655762"/>
+            <a:ext cx="9144000" cy="1655700"/>
           </a:xfrm>
           <a:prstGeom prst="rect">
             <a:avLst/>
@@ -3438,11 +3442,11 @@
           </a:ln>
         </p:spPr>
         <p:txBody>
-          <a:bodyPr spcFirstLastPara="1" wrap="square" lIns="91425" tIns="45700" rIns="91425" bIns="45700" anchor="t" anchorCtr="0">
+          <a:bodyPr anchorCtr="0" anchor="t" bIns="45700" lIns="91425" spcFirstLastPara="1" rIns="91425" wrap="square" tIns="45700">
             <a:noAutofit/>
           </a:bodyPr>
           <a:lstStyle>
-            <a:lvl1pPr marR="0" lvl="0" algn="ctr" rtl="0">
+            <a:lvl1pPr lvl="0" marR="0" rtl="0" algn="ctr">
               <a:lnSpc>
                 <a:spcPct val="90000"/>
               </a:lnSpc>
@@ -3458,7 +3462,7 @@
               <a:buSzPts val="2400"/>
               <a:buFont typeface="Arial"/>
               <a:buNone/>
-              <a:defRPr sz="2400" b="0" i="0" u="none" strike="noStrike" cap="none">
+              <a:defRPr b="0" i="0" sz="2400" u="none" cap="none" strike="noStrike">
                 <a:solidFill>
                   <a:schemeClr val="dk1"/>
                 </a:solidFill>
@@ -3468,7 +3472,7 @@
                 <a:sym typeface="Calibri"/>
               </a:defRPr>
             </a:lvl1pPr>
-            <a:lvl2pPr marR="0" lvl="1" algn="ctr" rtl="0">
+            <a:lvl2pPr lvl="1" marR="0" rtl="0" algn="ctr">
               <a:lnSpc>
                 <a:spcPct val="90000"/>
               </a:lnSpc>
@@ -3484,7 +3488,7 @@
               <a:buSzPts val="2000"/>
               <a:buFont typeface="Arial"/>
               <a:buNone/>
-              <a:defRPr sz="2000" b="0" i="0" u="none" strike="noStrike" cap="none">
+              <a:defRPr b="0" i="0" sz="2000" u="none" cap="none" strike="noStrike">
                 <a:solidFill>
                   <a:schemeClr val="dk1"/>
                 </a:solidFill>
@@ -3494,7 +3498,7 @@
                 <a:sym typeface="Calibri"/>
               </a:defRPr>
             </a:lvl2pPr>
-            <a:lvl3pPr marR="0" lvl="2" algn="ctr" rtl="0">
+            <a:lvl3pPr lvl="2" marR="0" rtl="0" algn="ctr">
               <a:lnSpc>
                 <a:spcPct val="90000"/>
               </a:lnSpc>
@@ -3510,7 +3514,7 @@
               <a:buSzPts val="1800"/>
               <a:buFont typeface="Arial"/>
               <a:buNone/>
-              <a:defRPr sz="1800" b="0" i="0" u="none" strike="noStrike" cap="none">
+              <a:defRPr b="0" i="0" sz="1800" u="none" cap="none" strike="noStrike">
                 <a:solidFill>
                   <a:schemeClr val="dk1"/>
                 </a:solidFill>
@@ -3520,7 +3524,7 @@
                 <a:sym typeface="Calibri"/>
               </a:defRPr>
             </a:lvl3pPr>
-            <a:lvl4pPr marR="0" lvl="3" algn="ctr" rtl="0">
+            <a:lvl4pPr lvl="3" marR="0" rtl="0" algn="ctr">
               <a:lnSpc>
                 <a:spcPct val="90000"/>
               </a:lnSpc>
@@ -3536,7 +3540,7 @@
               <a:buSzPts val="1600"/>
               <a:buFont typeface="Arial"/>
               <a:buNone/>
-              <a:defRPr sz="1600" b="0" i="0" u="none" strike="noStrike" cap="none">
+              <a:defRPr b="0" i="0" sz="1600" u="none" cap="none" strike="noStrike">
                 <a:solidFill>
                   <a:schemeClr val="dk1"/>
                 </a:solidFill>
@@ -3546,7 +3550,7 @@
                 <a:sym typeface="Calibri"/>
               </a:defRPr>
             </a:lvl4pPr>
-            <a:lvl5pPr marR="0" lvl="4" algn="ctr" rtl="0">
+            <a:lvl5pPr lvl="4" marR="0" rtl="0" algn="ctr">
               <a:lnSpc>
                 <a:spcPct val="90000"/>
               </a:lnSpc>
@@ -3562,7 +3566,7 @@
               <a:buSzPts val="1600"/>
               <a:buFont typeface="Arial"/>
               <a:buNone/>
-              <a:defRPr sz="1600" b="0" i="0" u="none" strike="noStrike" cap="none">
+              <a:defRPr b="0" i="0" sz="1600" u="none" cap="none" strike="noStrike">
                 <a:solidFill>
                   <a:schemeClr val="dk1"/>
                 </a:solidFill>
@@ -3572,7 +3576,7 @@
                 <a:sym typeface="Calibri"/>
               </a:defRPr>
             </a:lvl5pPr>
-            <a:lvl6pPr marR="0" lvl="5" algn="ctr" rtl="0">
+            <a:lvl6pPr lvl="5" marR="0" rtl="0" algn="ctr">
               <a:lnSpc>
                 <a:spcPct val="90000"/>
               </a:lnSpc>
@@ -3588,7 +3592,7 @@
               <a:buSzPts val="1600"/>
               <a:buFont typeface="Arial"/>
               <a:buNone/>
-              <a:defRPr sz="1600" b="0" i="0" u="none" strike="noStrike" cap="none">
+              <a:defRPr b="0" i="0" sz="1600" u="none" cap="none" strike="noStrike">
                 <a:solidFill>
                   <a:schemeClr val="dk1"/>
                 </a:solidFill>
@@ -3598,7 +3602,7 @@
                 <a:sym typeface="Calibri"/>
               </a:defRPr>
             </a:lvl6pPr>
-            <a:lvl7pPr marR="0" lvl="6" algn="ctr" rtl="0">
+            <a:lvl7pPr lvl="6" marR="0" rtl="0" algn="ctr">
               <a:lnSpc>
                 <a:spcPct val="90000"/>
               </a:lnSpc>
@@ -3614,7 +3618,7 @@
               <a:buSzPts val="1600"/>
               <a:buFont typeface="Arial"/>
               <a:buNone/>
-              <a:defRPr sz="1600" b="0" i="0" u="none" strike="noStrike" cap="none">
+              <a:defRPr b="0" i="0" sz="1600" u="none" cap="none" strike="noStrike">
                 <a:solidFill>
                   <a:schemeClr val="dk1"/>
                 </a:solidFill>
@@ -3624,7 +3628,7 @@
                 <a:sym typeface="Calibri"/>
               </a:defRPr>
             </a:lvl7pPr>
-            <a:lvl8pPr marR="0" lvl="7" algn="ctr" rtl="0">
+            <a:lvl8pPr lvl="7" marR="0" rtl="0" algn="ctr">
               <a:lnSpc>
                 <a:spcPct val="90000"/>
               </a:lnSpc>
@@ -3640,7 +3644,7 @@
               <a:buSzPts val="1600"/>
               <a:buFont typeface="Arial"/>
               <a:buNone/>
-              <a:defRPr sz="1600" b="0" i="0" u="none" strike="noStrike" cap="none">
+              <a:defRPr b="0" i="0" sz="1600" u="none" cap="none" strike="noStrike">
                 <a:solidFill>
                   <a:schemeClr val="dk1"/>
                 </a:solidFill>
@@ -3650,7 +3654,7 @@
                 <a:sym typeface="Calibri"/>
               </a:defRPr>
             </a:lvl8pPr>
-            <a:lvl9pPr marR="0" lvl="8" algn="ctr" rtl="0">
+            <a:lvl9pPr lvl="8" marR="0" rtl="0" algn="ctr">
               <a:lnSpc>
                 <a:spcPct val="90000"/>
               </a:lnSpc>
@@ -3666,7 +3670,7 @@
               <a:buSzPts val="1600"/>
               <a:buFont typeface="Arial"/>
               <a:buNone/>
-              <a:defRPr sz="1600" b="0" i="0" u="none" strike="noStrike" cap="none">
+              <a:defRPr b="0" i="0" sz="1600" u="none" cap="none" strike="noStrike">
                 <a:solidFill>
                   <a:schemeClr val="dk1"/>
                 </a:solidFill>
@@ -3677,25 +3681,21 @@
               </a:defRPr>
             </a:lvl9pPr>
           </a:lstStyle>
-          <a:p>
-            <a:endParaRPr/>
-          </a:p>
+          <a:p/>
         </p:txBody>
       </p:sp>
       <p:sp>
         <p:nvSpPr>
           <p:cNvPr id="20" name="Google Shape;20;p4"/>
-          <p:cNvSpPr txBox="1">
-            <a:spLocks noGrp="1"/>
-          </p:cNvSpPr>
+          <p:cNvSpPr txBox="1"/>
           <p:nvPr>
-            <p:ph type="dt" idx="10"/>
+            <p:ph idx="10" type="dt"/>
           </p:nvPr>
         </p:nvSpPr>
         <p:spPr>
           <a:xfrm>
             <a:off x="838200" y="6356350"/>
-            <a:ext cx="2743200" cy="365125"/>
+            <a:ext cx="2743200" cy="365100"/>
           </a:xfrm>
           <a:prstGeom prst="rect">
             <a:avLst/>
@@ -3706,11 +3706,11 @@
           </a:ln>
         </p:spPr>
         <p:txBody>
-          <a:bodyPr spcFirstLastPara="1" wrap="square" lIns="91425" tIns="45700" rIns="91425" bIns="45700" anchor="t" anchorCtr="0">
+          <a:bodyPr anchorCtr="0" anchor="t" bIns="45700" lIns="91425" spcFirstLastPara="1" rIns="91425" wrap="square" tIns="45700">
             <a:noAutofit/>
           </a:bodyPr>
           <a:lstStyle>
-            <a:lvl1pPr marR="0" lvl="0" algn="l" rtl="0">
+            <a:lvl1pPr lvl="0" marR="0" rtl="0" algn="l">
               <a:spcBef>
                 <a:spcPts val="0"/>
               </a:spcBef>
@@ -3729,7 +3729,7 @@
                 <a:sym typeface="Calibri"/>
               </a:defRPr>
             </a:lvl1pPr>
-            <a:lvl2pPr marR="0" lvl="1" algn="l" rtl="0">
+            <a:lvl2pPr lvl="1" marR="0" rtl="0" algn="l">
               <a:spcBef>
                 <a:spcPts val="0"/>
               </a:spcBef>
@@ -3738,7 +3738,7 @@
               </a:spcAft>
               <a:buSzPts val="1400"/>
               <a:buNone/>
-              <a:defRPr sz="1800" b="0" i="0" u="none" strike="noStrike" cap="none">
+              <a:defRPr b="0" i="0" sz="1800" u="none" cap="none" strike="noStrike">
                 <a:solidFill>
                   <a:schemeClr val="dk1"/>
                 </a:solidFill>
@@ -3748,7 +3748,7 @@
                 <a:sym typeface="Calibri"/>
               </a:defRPr>
             </a:lvl2pPr>
-            <a:lvl3pPr marR="0" lvl="2" algn="l" rtl="0">
+            <a:lvl3pPr lvl="2" marR="0" rtl="0" algn="l">
               <a:spcBef>
                 <a:spcPts val="0"/>
               </a:spcBef>
@@ -3757,7 +3757,7 @@
               </a:spcAft>
               <a:buSzPts val="1400"/>
               <a:buNone/>
-              <a:defRPr sz="1800" b="0" i="0" u="none" strike="noStrike" cap="none">
+              <a:defRPr b="0" i="0" sz="1800" u="none" cap="none" strike="noStrike">
                 <a:solidFill>
                   <a:schemeClr val="dk1"/>
                 </a:solidFill>
@@ -3767,7 +3767,7 @@
                 <a:sym typeface="Calibri"/>
               </a:defRPr>
             </a:lvl3pPr>
-            <a:lvl4pPr marR="0" lvl="3" algn="l" rtl="0">
+            <a:lvl4pPr lvl="3" marR="0" rtl="0" algn="l">
               <a:spcBef>
                 <a:spcPts val="0"/>
               </a:spcBef>
@@ -3776,7 +3776,7 @@
               </a:spcAft>
               <a:buSzPts val="1400"/>
               <a:buNone/>
-              <a:defRPr sz="1800" b="0" i="0" u="none" strike="noStrike" cap="none">
+              <a:defRPr b="0" i="0" sz="1800" u="none" cap="none" strike="noStrike">
                 <a:solidFill>
                   <a:schemeClr val="dk1"/>
                 </a:solidFill>
@@ -3786,7 +3786,7 @@
                 <a:sym typeface="Calibri"/>
               </a:defRPr>
             </a:lvl4pPr>
-            <a:lvl5pPr marR="0" lvl="4" algn="l" rtl="0">
+            <a:lvl5pPr lvl="4" marR="0" rtl="0" algn="l">
               <a:spcBef>
                 <a:spcPts val="0"/>
               </a:spcBef>
@@ -3795,7 +3795,7 @@
               </a:spcAft>
               <a:buSzPts val="1400"/>
               <a:buNone/>
-              <a:defRPr sz="1800" b="0" i="0" u="none" strike="noStrike" cap="none">
+              <a:defRPr b="0" i="0" sz="1800" u="none" cap="none" strike="noStrike">
                 <a:solidFill>
                   <a:schemeClr val="dk1"/>
                 </a:solidFill>
@@ -3805,7 +3805,7 @@
                 <a:sym typeface="Calibri"/>
               </a:defRPr>
             </a:lvl5pPr>
-            <a:lvl6pPr marR="0" lvl="5" algn="l" rtl="0">
+            <a:lvl6pPr lvl="5" marR="0" rtl="0" algn="l">
               <a:spcBef>
                 <a:spcPts val="0"/>
               </a:spcBef>
@@ -3814,7 +3814,7 @@
               </a:spcAft>
               <a:buSzPts val="1400"/>
               <a:buNone/>
-              <a:defRPr sz="1800" b="0" i="0" u="none" strike="noStrike" cap="none">
+              <a:defRPr b="0" i="0" sz="1800" u="none" cap="none" strike="noStrike">
                 <a:solidFill>
                   <a:schemeClr val="dk1"/>
                 </a:solidFill>
@@ -3824,7 +3824,7 @@
                 <a:sym typeface="Calibri"/>
               </a:defRPr>
             </a:lvl6pPr>
-            <a:lvl7pPr marR="0" lvl="6" algn="l" rtl="0">
+            <a:lvl7pPr lvl="6" marR="0" rtl="0" algn="l">
               <a:spcBef>
                 <a:spcPts val="0"/>
               </a:spcBef>
@@ -3833,7 +3833,7 @@
               </a:spcAft>
               <a:buSzPts val="1400"/>
               <a:buNone/>
-              <a:defRPr sz="1800" b="0" i="0" u="none" strike="noStrike" cap="none">
+              <a:defRPr b="0" i="0" sz="1800" u="none" cap="none" strike="noStrike">
                 <a:solidFill>
                   <a:schemeClr val="dk1"/>
                 </a:solidFill>
@@ -3843,7 +3843,7 @@
                 <a:sym typeface="Calibri"/>
               </a:defRPr>
             </a:lvl7pPr>
-            <a:lvl8pPr marR="0" lvl="7" algn="l" rtl="0">
+            <a:lvl8pPr lvl="7" marR="0" rtl="0" algn="l">
               <a:spcBef>
                 <a:spcPts val="0"/>
               </a:spcBef>
@@ -3852,7 +3852,7 @@
               </a:spcAft>
               <a:buSzPts val="1400"/>
               <a:buNone/>
-              <a:defRPr sz="1800" b="0" i="0" u="none" strike="noStrike" cap="none">
+              <a:defRPr b="0" i="0" sz="1800" u="none" cap="none" strike="noStrike">
                 <a:solidFill>
                   <a:schemeClr val="dk1"/>
                 </a:solidFill>
@@ -3862,7 +3862,7 @@
                 <a:sym typeface="Calibri"/>
               </a:defRPr>
             </a:lvl8pPr>
-            <a:lvl9pPr marR="0" lvl="8" algn="l" rtl="0">
+            <a:lvl9pPr lvl="8" marR="0" rtl="0" algn="l">
               <a:spcBef>
                 <a:spcPts val="0"/>
               </a:spcBef>
@@ -3871,7 +3871,7 @@
               </a:spcAft>
               <a:buSzPts val="1400"/>
               <a:buNone/>
-              <a:defRPr sz="1800" b="0" i="0" u="none" strike="noStrike" cap="none">
+              <a:defRPr b="0" i="0" sz="1800" u="none" cap="none" strike="noStrike">
                 <a:solidFill>
                   <a:schemeClr val="dk1"/>
                 </a:solidFill>
@@ -3882,25 +3882,21 @@
               </a:defRPr>
             </a:lvl9pPr>
           </a:lstStyle>
-          <a:p>
-            <a:endParaRPr/>
-          </a:p>
+          <a:p/>
         </p:txBody>
       </p:sp>
       <p:sp>
         <p:nvSpPr>
           <p:cNvPr id="21" name="Google Shape;21;p4"/>
-          <p:cNvSpPr txBox="1">
-            <a:spLocks noGrp="1"/>
-          </p:cNvSpPr>
+          <p:cNvSpPr txBox="1"/>
           <p:nvPr>
-            <p:ph type="ftr" idx="11"/>
+            <p:ph idx="11" type="ftr"/>
           </p:nvPr>
         </p:nvSpPr>
         <p:spPr>
           <a:xfrm>
             <a:off x="4038600" y="6356350"/>
-            <a:ext cx="4114800" cy="365125"/>
+            <a:ext cx="4114800" cy="365100"/>
           </a:xfrm>
           <a:prstGeom prst="rect">
             <a:avLst/>
@@ -3911,11 +3907,11 @@
           </a:ln>
         </p:spPr>
         <p:txBody>
-          <a:bodyPr spcFirstLastPara="1" wrap="square" lIns="91425" tIns="45700" rIns="91425" bIns="45700" anchor="t" anchorCtr="0">
+          <a:bodyPr anchorCtr="0" anchor="t" bIns="45700" lIns="91425" spcFirstLastPara="1" rIns="91425" wrap="square" tIns="45700">
             <a:noAutofit/>
           </a:bodyPr>
           <a:lstStyle>
-            <a:lvl1pPr marR="0" lvl="0" algn="l" rtl="0">
+            <a:lvl1pPr lvl="0" marR="0" rtl="0" algn="l">
               <a:spcBef>
                 <a:spcPts val="0"/>
               </a:spcBef>
@@ -3934,7 +3930,7 @@
                 <a:sym typeface="Calibri"/>
               </a:defRPr>
             </a:lvl1pPr>
-            <a:lvl2pPr marR="0" lvl="1" algn="l" rtl="0">
+            <a:lvl2pPr lvl="1" marR="0" rtl="0" algn="l">
               <a:spcBef>
                 <a:spcPts val="0"/>
               </a:spcBef>
@@ -3943,7 +3939,7 @@
               </a:spcAft>
               <a:buSzPts val="1400"/>
               <a:buNone/>
-              <a:defRPr sz="1800" b="0" i="0" u="none" strike="noStrike" cap="none">
+              <a:defRPr b="0" i="0" sz="1800" u="none" cap="none" strike="noStrike">
                 <a:solidFill>
                   <a:schemeClr val="dk1"/>
                 </a:solidFill>
@@ -3953,7 +3949,7 @@
                 <a:sym typeface="Calibri"/>
               </a:defRPr>
             </a:lvl2pPr>
-            <a:lvl3pPr marR="0" lvl="2" algn="l" rtl="0">
+            <a:lvl3pPr lvl="2" marR="0" rtl="0" algn="l">
               <a:spcBef>
                 <a:spcPts val="0"/>
               </a:spcBef>
@@ -3962,7 +3958,7 @@
               </a:spcAft>
               <a:buSzPts val="1400"/>
               <a:buNone/>
-              <a:defRPr sz="1800" b="0" i="0" u="none" strike="noStrike" cap="none">
+              <a:defRPr b="0" i="0" sz="1800" u="none" cap="none" strike="noStrike">
                 <a:solidFill>
                   <a:schemeClr val="dk1"/>
                 </a:solidFill>
@@ -3972,7 +3968,7 @@
                 <a:sym typeface="Calibri"/>
               </a:defRPr>
             </a:lvl3pPr>
-            <a:lvl4pPr marR="0" lvl="3" algn="l" rtl="0">
+            <a:lvl4pPr lvl="3" marR="0" rtl="0" algn="l">
               <a:spcBef>
                 <a:spcPts val="0"/>
               </a:spcBef>
@@ -3981,7 +3977,7 @@
               </a:spcAft>
               <a:buSzPts val="1400"/>
               <a:buNone/>
-              <a:defRPr sz="1800" b="0" i="0" u="none" strike="noStrike" cap="none">
+              <a:defRPr b="0" i="0" sz="1800" u="none" cap="none" strike="noStrike">
                 <a:solidFill>
                   <a:schemeClr val="dk1"/>
                 </a:solidFill>
@@ -3991,7 +3987,7 @@
                 <a:sym typeface="Calibri"/>
               </a:defRPr>
             </a:lvl4pPr>
-            <a:lvl5pPr marR="0" lvl="4" algn="l" rtl="0">
+            <a:lvl5pPr lvl="4" marR="0" rtl="0" algn="l">
               <a:spcBef>
                 <a:spcPts val="0"/>
               </a:spcBef>
@@ -4000,7 +3996,7 @@
               </a:spcAft>
               <a:buSzPts val="1400"/>
               <a:buNone/>
-              <a:defRPr sz="1800" b="0" i="0" u="none" strike="noStrike" cap="none">
+              <a:defRPr b="0" i="0" sz="1800" u="none" cap="none" strike="noStrike">
                 <a:solidFill>
                   <a:schemeClr val="dk1"/>
                 </a:solidFill>
@@ -4010,7 +4006,7 @@
                 <a:sym typeface="Calibri"/>
               </a:defRPr>
             </a:lvl5pPr>
-            <a:lvl6pPr marR="0" lvl="5" algn="l" rtl="0">
+            <a:lvl6pPr lvl="5" marR="0" rtl="0" algn="l">
               <a:spcBef>
                 <a:spcPts val="0"/>
               </a:spcBef>
@@ -4019,7 +4015,7 @@
               </a:spcAft>
               <a:buSzPts val="1400"/>
               <a:buNone/>
-              <a:defRPr sz="1800" b="0" i="0" u="none" strike="noStrike" cap="none">
+              <a:defRPr b="0" i="0" sz="1800" u="none" cap="none" strike="noStrike">
                 <a:solidFill>
                   <a:schemeClr val="dk1"/>
                 </a:solidFill>
@@ -4029,7 +4025,7 @@
                 <a:sym typeface="Calibri"/>
               </a:defRPr>
             </a:lvl6pPr>
-            <a:lvl7pPr marR="0" lvl="6" algn="l" rtl="0">
+            <a:lvl7pPr lvl="6" marR="0" rtl="0" algn="l">
               <a:spcBef>
                 <a:spcPts val="0"/>
               </a:spcBef>
@@ -4038,7 +4034,7 @@
               </a:spcAft>
               <a:buSzPts val="1400"/>
               <a:buNone/>
-              <a:defRPr sz="1800" b="0" i="0" u="none" strike="noStrike" cap="none">
+              <a:defRPr b="0" i="0" sz="1800" u="none" cap="none" strike="noStrike">
                 <a:solidFill>
                   <a:schemeClr val="dk1"/>
                 </a:solidFill>
@@ -4048,7 +4044,7 @@
                 <a:sym typeface="Calibri"/>
               </a:defRPr>
             </a:lvl7pPr>
-            <a:lvl8pPr marR="0" lvl="7" algn="l" rtl="0">
+            <a:lvl8pPr lvl="7" marR="0" rtl="0" algn="l">
               <a:spcBef>
                 <a:spcPts val="0"/>
               </a:spcBef>
@@ -4057,7 +4053,7 @@
               </a:spcAft>
               <a:buSzPts val="1400"/>
               <a:buNone/>
-              <a:defRPr sz="1800" b="0" i="0" u="none" strike="noStrike" cap="none">
+              <a:defRPr b="0" i="0" sz="1800" u="none" cap="none" strike="noStrike">
                 <a:solidFill>
                   <a:schemeClr val="dk1"/>
                 </a:solidFill>
@@ -4067,7 +4063,7 @@
                 <a:sym typeface="Calibri"/>
               </a:defRPr>
             </a:lvl8pPr>
-            <a:lvl9pPr marR="0" lvl="8" algn="l" rtl="0">
+            <a:lvl9pPr lvl="8" marR="0" rtl="0" algn="l">
               <a:spcBef>
                 <a:spcPts val="0"/>
               </a:spcBef>
@@ -4076,7 +4072,7 @@
               </a:spcAft>
               <a:buSzPts val="1400"/>
               <a:buNone/>
-              <a:defRPr sz="1800" b="0" i="0" u="none" strike="noStrike" cap="none">
+              <a:defRPr b="0" i="0" sz="1800" u="none" cap="none" strike="noStrike">
                 <a:solidFill>
                   <a:schemeClr val="dk1"/>
                 </a:solidFill>
@@ -4087,25 +4083,21 @@
               </a:defRPr>
             </a:lvl9pPr>
           </a:lstStyle>
-          <a:p>
-            <a:endParaRPr/>
-          </a:p>
+          <a:p/>
         </p:txBody>
       </p:sp>
       <p:sp>
         <p:nvSpPr>
           <p:cNvPr id="22" name="Google Shape;22;p4"/>
-          <p:cNvSpPr txBox="1">
-            <a:spLocks noGrp="1"/>
-          </p:cNvSpPr>
+          <p:cNvSpPr txBox="1"/>
           <p:nvPr>
-            <p:ph type="sldNum" idx="12"/>
+            <p:ph idx="12" type="sldNum"/>
           </p:nvPr>
         </p:nvSpPr>
         <p:spPr>
           <a:xfrm>
             <a:off x="8610600" y="6356350"/>
-            <a:ext cx="2743200" cy="365125"/>
+            <a:ext cx="2743200" cy="365100"/>
           </a:xfrm>
           <a:prstGeom prst="rect">
             <a:avLst/>
@@ -4116,11 +4108,11 @@
           </a:ln>
         </p:spPr>
         <p:txBody>
-          <a:bodyPr spcFirstLastPara="1" wrap="square" lIns="91425" tIns="45700" rIns="91425" bIns="45700" anchor="t" anchorCtr="0">
+          <a:bodyPr anchorCtr="0" anchor="t" bIns="45700" lIns="91425" spcFirstLastPara="1" rIns="91425" wrap="square" tIns="45700">
             <a:noAutofit/>
           </a:bodyPr>
           <a:lstStyle>
-            <a:lvl1pPr marL="0" marR="0" lvl="0" indent="0" algn="l" rtl="0">
+            <a:lvl1pPr indent="0" lvl="0" marL="0" marR="0" rtl="0" algn="l">
               <a:spcBef>
                 <a:spcPts val="0"/>
               </a:spcBef>
@@ -4135,7 +4127,7 @@
                 <a:sym typeface="Calibri"/>
               </a:defRPr>
             </a:lvl1pPr>
-            <a:lvl2pPr marL="0" marR="0" lvl="1" indent="0" algn="l" rtl="0">
+            <a:lvl2pPr indent="0" lvl="1" marL="0" marR="0" rtl="0" algn="l">
               <a:spcBef>
                 <a:spcPts val="0"/>
               </a:spcBef>
@@ -4150,7 +4142,7 @@
                 <a:sym typeface="Calibri"/>
               </a:defRPr>
             </a:lvl2pPr>
-            <a:lvl3pPr marL="0" marR="0" lvl="2" indent="0" algn="l" rtl="0">
+            <a:lvl3pPr indent="0" lvl="2" marL="0" marR="0" rtl="0" algn="l">
               <a:spcBef>
                 <a:spcPts val="0"/>
               </a:spcBef>
@@ -4165,7 +4157,7 @@
                 <a:sym typeface="Calibri"/>
               </a:defRPr>
             </a:lvl3pPr>
-            <a:lvl4pPr marL="0" marR="0" lvl="3" indent="0" algn="l" rtl="0">
+            <a:lvl4pPr indent="0" lvl="3" marL="0" marR="0" rtl="0" algn="l">
               <a:spcBef>
                 <a:spcPts val="0"/>
               </a:spcBef>
@@ -4180,7 +4172,7 @@
                 <a:sym typeface="Calibri"/>
               </a:defRPr>
             </a:lvl4pPr>
-            <a:lvl5pPr marL="0" marR="0" lvl="4" indent="0" algn="l" rtl="0">
+            <a:lvl5pPr indent="0" lvl="4" marL="0" marR="0" rtl="0" algn="l">
               <a:spcBef>
                 <a:spcPts val="0"/>
               </a:spcBef>
@@ -4195,7 +4187,7 @@
                 <a:sym typeface="Calibri"/>
               </a:defRPr>
             </a:lvl5pPr>
-            <a:lvl6pPr marL="0" marR="0" lvl="5" indent="0" algn="l" rtl="0">
+            <a:lvl6pPr indent="0" lvl="5" marL="0" marR="0" rtl="0" algn="l">
               <a:spcBef>
                 <a:spcPts val="0"/>
               </a:spcBef>
@@ -4210,7 +4202,7 @@
                 <a:sym typeface="Calibri"/>
               </a:defRPr>
             </a:lvl6pPr>
-            <a:lvl7pPr marL="0" marR="0" lvl="6" indent="0" algn="l" rtl="0">
+            <a:lvl7pPr indent="0" lvl="6" marL="0" marR="0" rtl="0" algn="l">
               <a:spcBef>
                 <a:spcPts val="0"/>
               </a:spcBef>
@@ -4225,7 +4217,7 @@
                 <a:sym typeface="Calibri"/>
               </a:defRPr>
             </a:lvl7pPr>
-            <a:lvl8pPr marL="0" marR="0" lvl="7" indent="0" algn="l" rtl="0">
+            <a:lvl8pPr indent="0" lvl="7" marL="0" marR="0" rtl="0" algn="l">
               <a:spcBef>
                 <a:spcPts val="0"/>
               </a:spcBef>
@@ -4240,7 +4232,7 @@
                 <a:sym typeface="Calibri"/>
               </a:defRPr>
             </a:lvl8pPr>
-            <a:lvl9pPr marL="0" marR="0" lvl="8" indent="0" algn="l" rtl="0">
+            <a:lvl9pPr indent="0" lvl="8" marL="0" marR="0" rtl="0" algn="l">
               <a:spcBef>
                 <a:spcPts val="0"/>
               </a:spcBef>
@@ -4257,7 +4249,7 @@
             </a:lvl9pPr>
           </a:lstStyle>
           <a:p>
-            <a:pPr marL="0" lvl="0" indent="0" algn="l" rtl="0">
+            <a:pPr indent="0" lvl="0" marL="0" rtl="0" algn="l">
               <a:spcBef>
                 <a:spcPts val="0"/>
               </a:spcBef>
@@ -4283,19 +4275,16 @@
 </file>
 
 <file path=ppt/slideMasters/slideMaster1.xml><?xml version="1.0" encoding="utf-8"?>
-<p:sldMaster xmlns:a="http://schemas.openxmlformats.org/drawingml/2006/main" xmlns:r="http://schemas.openxmlformats.org/officeDocument/2006/relationships" xmlns:p="http://schemas.openxmlformats.org/presentationml/2006/main">
+<p:sldMaster xmlns:a="http://schemas.openxmlformats.org/drawingml/2006/main" xmlns:r="http://schemas.openxmlformats.org/officeDocument/2006/relationships" xmlns:mc="http://schemas.openxmlformats.org/markup-compatibility/2006" xmlns:mv="urn:schemas-microsoft-com:mac:vml" xmlns:p="http://schemas.openxmlformats.org/presentationml/2006/main" xmlns:c="http://schemas.openxmlformats.org/drawingml/2006/chart" xmlns:dgm="http://schemas.openxmlformats.org/drawingml/2006/diagram" xmlns:o="urn:schemas-microsoft-com:office:office" xmlns:v="urn:schemas-microsoft-com:vml" xmlns:pvml="urn:schemas-microsoft-com:office:powerpoint" xmlns:com="http://schemas.openxmlformats.org/drawingml/2006/compatibility" xmlns:p14="http://schemas.microsoft.com/office/powerpoint/2010/main" xmlns:p15="http://schemas.microsoft.com/office/powerpoint/2012/main" xmlns:ahyp="http://schemas.microsoft.com/office/drawing/2018/hyperlinkcolor">
   <p:cSld>
     <p:bg>
       <p:bgPr>
-        <a:solidFill>
-          <a:schemeClr val="lt1"/>
-        </a:solidFill>
-        <a:effectLst/>
+        <a:noFill/>
       </p:bgPr>
     </p:bg>
     <p:spTree>
       <p:nvGrpSpPr>
-        <p:cNvPr id="1" name="Shape 9"/>
+        <p:cNvPr id="9" name="Shape 9"/>
         <p:cNvGrpSpPr/>
         <p:nvPr/>
       </p:nvGrpSpPr>
@@ -4316,29 +4305,29 @@
         <p:spPr>
           <a:xfrm>
             <a:off x="98853" y="86497"/>
-            <a:ext cx="11998411" cy="6685005"/>
+            <a:ext cx="11998500" cy="6684900"/>
           </a:xfrm>
           <a:prstGeom prst="rect">
             <a:avLst/>
           </a:prstGeom>
           <a:noFill/>
-          <a:ln w="28575" cap="flat" cmpd="sng">
+          <a:ln cap="flat" cmpd="sng" w="28575">
             <a:solidFill>
               <a:srgbClr val="46B0F9"/>
             </a:solidFill>
             <a:prstDash val="solid"/>
             <a:miter lim="800000"/>
-            <a:headEnd type="none" w="sm" len="sm"/>
-            <a:tailEnd type="none" w="sm" len="sm"/>
+            <a:headEnd len="sm" w="sm" type="none"/>
+            <a:tailEnd len="sm" w="sm" type="none"/>
           </a:ln>
         </p:spPr>
         <p:txBody>
-          <a:bodyPr spcFirstLastPara="1" wrap="square" lIns="91425" tIns="45700" rIns="91425" bIns="45700" anchor="ctr" anchorCtr="0">
+          <a:bodyPr anchorCtr="0" anchor="ctr" bIns="45700" lIns="91425" spcFirstLastPara="1" rIns="91425" wrap="square" tIns="45700">
             <a:noAutofit/>
           </a:bodyPr>
           <a:lstStyle/>
           <a:p>
-            <a:pPr marL="0" marR="0" lvl="0" indent="0" algn="ctr" rtl="0">
+            <a:pPr indent="0" lvl="0" marL="0" marR="0" rtl="0" algn="ctr">
               <a:spcBef>
                 <a:spcPts val="0"/>
               </a:spcBef>
@@ -4347,7 +4336,10 @@
               </a:spcAft>
               <a:buNone/>
             </a:pPr>
-            <a:endParaRPr sz="1800" b="0" i="0" u="none" strike="noStrike" cap="none">
+            <a:r>
+              <a:t/>
+            </a:r>
+            <a:endParaRPr b="0" i="0" sz="1800" u="none" cap="none" strike="noStrike">
               <a:solidFill>
                 <a:schemeClr val="lt1"/>
               </a:solidFill>
@@ -4361,15 +4353,15 @@
       </p:sp>
       <p:pic>
         <p:nvPicPr>
-          <p:cNvPr id="11" name="Google Shape;11;p1" descr="A picture containing text, clipart&#10;&#10;Description automatically generated"/>
+          <p:cNvPr descr="A picture containing text, clipart&#10;&#10;Description automatically generated" id="11" name="Google Shape;11;p1"/>
           <p:cNvPicPr preferRelativeResize="0"/>
           <p:nvPr/>
         </p:nvPicPr>
         <p:blipFill rotWithShape="1">
-          <a:blip r:embed="rId5">
+          <a:blip r:embed="rId1">
             <a:alphaModFix/>
           </a:blip>
-          <a:srcRect t="12813" r="7454"/>
+          <a:srcRect b="0" l="0" r="7450" t="12816"/>
           <a:stretch/>
         </p:blipFill>
         <p:spPr>
@@ -4388,16 +4380,16 @@
       </p:pic>
     </p:spTree>
   </p:cSld>
-  <p:clrMap bg1="lt1" tx1="dk1" bg2="dk2" tx2="lt2" accent1="accent1" accent2="accent2" accent3="accent3" accent4="accent4" accent5="accent5" accent6="accent6" hlink="hlink" folHlink="folHlink"/>
+  <p:clrMap accent1="accent1" accent2="accent2" accent3="accent3" accent4="accent4" accent5="accent5" accent6="accent6" bg1="lt1" bg2="dk2" tx1="dk1" tx2="lt2" folHlink="folHlink" hlink="hlink"/>
   <p:sldLayoutIdLst>
-    <p:sldLayoutId id="2147483648" r:id="rId1"/>
-    <p:sldLayoutId id="2147483649" r:id="rId2"/>
-    <p:sldLayoutId id="2147483650" r:id="rId3"/>
+    <p:sldLayoutId id="2147483648" r:id="rId2"/>
+    <p:sldLayoutId id="2147483649" r:id="rId3"/>
+    <p:sldLayoutId id="2147483650" r:id="rId4"/>
   </p:sldLayoutIdLst>
-  <p:hf sldNum="0" hdr="0" ftr="0" dt="0"/>
+  <p:hf dt="0" ftr="0" hdr="0" sldNum="0"/>
   <p:txStyles>
     <p:titleStyle>
-      <a:defPPr marR="0" lvl="0" algn="l" rtl="0">
+      <a:defPPr lvl="0" marR="0" rtl="0" algn="l">
         <a:lnSpc>
           <a:spcPct val="100000"/>
         </a:lnSpc>
@@ -4408,7 +4400,7 @@
           <a:spcPts val="0"/>
         </a:spcAft>
       </a:defPPr>
-      <a:lvl1pPr marR="0" lvl="0" algn="l" rtl="0">
+      <a:lvl1pPr lvl="0" marR="0" rtl="0" algn="l">
         <a:lnSpc>
           <a:spcPct val="100000"/>
         </a:lnSpc>
@@ -4422,7 +4414,7 @@
           <a:srgbClr val="000000"/>
         </a:buClr>
         <a:buFont typeface="Arial"/>
-        <a:defRPr sz="1400" b="0" i="0" u="none" strike="noStrike" cap="none">
+        <a:defRPr b="0" i="0" sz="1400" u="none" cap="none" strike="noStrike">
           <a:solidFill>
             <a:srgbClr val="000000"/>
           </a:solidFill>
@@ -4432,7 +4424,7 @@
           <a:sym typeface="Arial"/>
         </a:defRPr>
       </a:lvl1pPr>
-      <a:lvl2pPr marR="0" lvl="1" algn="l" rtl="0">
+      <a:lvl2pPr lvl="1" marR="0" rtl="0" algn="l">
         <a:lnSpc>
           <a:spcPct val="100000"/>
         </a:lnSpc>
@@ -4446,7 +4438,7 @@
           <a:srgbClr val="000000"/>
         </a:buClr>
         <a:buFont typeface="Arial"/>
-        <a:defRPr sz="1400" b="0" i="0" u="none" strike="noStrike" cap="none">
+        <a:defRPr b="0" i="0" sz="1400" u="none" cap="none" strike="noStrike">
           <a:solidFill>
             <a:srgbClr val="000000"/>
           </a:solidFill>
@@ -4456,7 +4448,7 @@
           <a:sym typeface="Arial"/>
         </a:defRPr>
       </a:lvl2pPr>
-      <a:lvl3pPr marR="0" lvl="2" algn="l" rtl="0">
+      <a:lvl3pPr lvl="2" marR="0" rtl="0" algn="l">
         <a:lnSpc>
           <a:spcPct val="100000"/>
         </a:lnSpc>
@@ -4470,7 +4462,7 @@
           <a:srgbClr val="000000"/>
         </a:buClr>
         <a:buFont typeface="Arial"/>
-        <a:defRPr sz="1400" b="0" i="0" u="none" strike="noStrike" cap="none">
+        <a:defRPr b="0" i="0" sz="1400" u="none" cap="none" strike="noStrike">
           <a:solidFill>
             <a:srgbClr val="000000"/>
           </a:solidFill>
@@ -4480,7 +4472,7 @@
           <a:sym typeface="Arial"/>
         </a:defRPr>
       </a:lvl3pPr>
-      <a:lvl4pPr marR="0" lvl="3" algn="l" rtl="0">
+      <a:lvl4pPr lvl="3" marR="0" rtl="0" algn="l">
         <a:lnSpc>
           <a:spcPct val="100000"/>
         </a:lnSpc>
@@ -4494,7 +4486,7 @@
           <a:srgbClr val="000000"/>
         </a:buClr>
         <a:buFont typeface="Arial"/>
-        <a:defRPr sz="1400" b="0" i="0" u="none" strike="noStrike" cap="none">
+        <a:defRPr b="0" i="0" sz="1400" u="none" cap="none" strike="noStrike">
           <a:solidFill>
             <a:srgbClr val="000000"/>
           </a:solidFill>
@@ -4504,7 +4496,7 @@
           <a:sym typeface="Arial"/>
         </a:defRPr>
       </a:lvl4pPr>
-      <a:lvl5pPr marR="0" lvl="4" algn="l" rtl="0">
+      <a:lvl5pPr lvl="4" marR="0" rtl="0" algn="l">
         <a:lnSpc>
           <a:spcPct val="100000"/>
         </a:lnSpc>
@@ -4518,7 +4510,7 @@
           <a:srgbClr val="000000"/>
         </a:buClr>
         <a:buFont typeface="Arial"/>
-        <a:defRPr sz="1400" b="0" i="0" u="none" strike="noStrike" cap="none">
+        <a:defRPr b="0" i="0" sz="1400" u="none" cap="none" strike="noStrike">
           <a:solidFill>
             <a:srgbClr val="000000"/>
           </a:solidFill>
@@ -4528,7 +4520,7 @@
           <a:sym typeface="Arial"/>
         </a:defRPr>
       </a:lvl5pPr>
-      <a:lvl6pPr marR="0" lvl="5" algn="l" rtl="0">
+      <a:lvl6pPr lvl="5" marR="0" rtl="0" algn="l">
         <a:lnSpc>
           <a:spcPct val="100000"/>
         </a:lnSpc>
@@ -4542,7 +4534,7 @@
           <a:srgbClr val="000000"/>
         </a:buClr>
         <a:buFont typeface="Arial"/>
-        <a:defRPr sz="1400" b="0" i="0" u="none" strike="noStrike" cap="none">
+        <a:defRPr b="0" i="0" sz="1400" u="none" cap="none" strike="noStrike">
           <a:solidFill>
             <a:srgbClr val="000000"/>
           </a:solidFill>
@@ -4552,7 +4544,7 @@
           <a:sym typeface="Arial"/>
         </a:defRPr>
       </a:lvl6pPr>
-      <a:lvl7pPr marR="0" lvl="6" algn="l" rtl="0">
+      <a:lvl7pPr lvl="6" marR="0" rtl="0" algn="l">
         <a:lnSpc>
           <a:spcPct val="100000"/>
         </a:lnSpc>
@@ -4566,7 +4558,7 @@
           <a:srgbClr val="000000"/>
         </a:buClr>
         <a:buFont typeface="Arial"/>
-        <a:defRPr sz="1400" b="0" i="0" u="none" strike="noStrike" cap="none">
+        <a:defRPr b="0" i="0" sz="1400" u="none" cap="none" strike="noStrike">
           <a:solidFill>
             <a:srgbClr val="000000"/>
           </a:solidFill>
@@ -4576,7 +4568,7 @@
           <a:sym typeface="Arial"/>
         </a:defRPr>
       </a:lvl7pPr>
-      <a:lvl8pPr marR="0" lvl="7" algn="l" rtl="0">
+      <a:lvl8pPr lvl="7" marR="0" rtl="0" algn="l">
         <a:lnSpc>
           <a:spcPct val="100000"/>
         </a:lnSpc>
@@ -4590,7 +4582,7 @@
           <a:srgbClr val="000000"/>
         </a:buClr>
         <a:buFont typeface="Arial"/>
-        <a:defRPr sz="1400" b="0" i="0" u="none" strike="noStrike" cap="none">
+        <a:defRPr b="0" i="0" sz="1400" u="none" cap="none" strike="noStrike">
           <a:solidFill>
             <a:srgbClr val="000000"/>
           </a:solidFill>
@@ -4600,7 +4592,7 @@
           <a:sym typeface="Arial"/>
         </a:defRPr>
       </a:lvl8pPr>
-      <a:lvl9pPr marR="0" lvl="8" algn="l" rtl="0">
+      <a:lvl9pPr lvl="8" marR="0" rtl="0" algn="l">
         <a:lnSpc>
           <a:spcPct val="100000"/>
         </a:lnSpc>
@@ -4614,7 +4606,7 @@
           <a:srgbClr val="000000"/>
         </a:buClr>
         <a:buFont typeface="Arial"/>
-        <a:defRPr sz="1400" b="0" i="0" u="none" strike="noStrike" cap="none">
+        <a:defRPr b="0" i="0" sz="1400" u="none" cap="none" strike="noStrike">
           <a:solidFill>
             <a:srgbClr val="000000"/>
           </a:solidFill>
@@ -4626,7 +4618,7 @@
       </a:lvl9pPr>
     </p:titleStyle>
     <p:bodyStyle>
-      <a:defPPr marR="0" lvl="0" algn="l" rtl="0">
+      <a:defPPr lvl="0" marR="0" rtl="0" algn="l">
         <a:lnSpc>
           <a:spcPct val="100000"/>
         </a:lnSpc>
@@ -4637,7 +4629,7 @@
           <a:spcPts val="0"/>
         </a:spcAft>
       </a:defPPr>
-      <a:lvl1pPr marR="0" lvl="0" algn="l" rtl="0">
+      <a:lvl1pPr lvl="0" marR="0" rtl="0" algn="l">
         <a:lnSpc>
           <a:spcPct val="100000"/>
         </a:lnSpc>
@@ -4651,7 +4643,7 @@
           <a:srgbClr val="000000"/>
         </a:buClr>
         <a:buFont typeface="Arial"/>
-        <a:defRPr sz="1400" b="0" i="0" u="none" strike="noStrike" cap="none">
+        <a:defRPr b="0" i="0" sz="1400" u="none" cap="none" strike="noStrike">
           <a:solidFill>
             <a:srgbClr val="000000"/>
           </a:solidFill>
@@ -4661,7 +4653,7 @@
           <a:sym typeface="Arial"/>
         </a:defRPr>
       </a:lvl1pPr>
-      <a:lvl2pPr marR="0" lvl="1" algn="l" rtl="0">
+      <a:lvl2pPr lvl="1" marR="0" rtl="0" algn="l">
         <a:lnSpc>
           <a:spcPct val="100000"/>
         </a:lnSpc>
@@ -4675,7 +4667,7 @@
           <a:srgbClr val="000000"/>
         </a:buClr>
         <a:buFont typeface="Arial"/>
-        <a:defRPr sz="1400" b="0" i="0" u="none" strike="noStrike" cap="none">
+        <a:defRPr b="0" i="0" sz="1400" u="none" cap="none" strike="noStrike">
           <a:solidFill>
             <a:srgbClr val="000000"/>
           </a:solidFill>
@@ -4685,7 +4677,7 @@
           <a:sym typeface="Arial"/>
         </a:defRPr>
       </a:lvl2pPr>
-      <a:lvl3pPr marR="0" lvl="2" algn="l" rtl="0">
+      <a:lvl3pPr lvl="2" marR="0" rtl="0" algn="l">
         <a:lnSpc>
           <a:spcPct val="100000"/>
         </a:lnSpc>
@@ -4699,7 +4691,7 @@
           <a:srgbClr val="000000"/>
         </a:buClr>
         <a:buFont typeface="Arial"/>
-        <a:defRPr sz="1400" b="0" i="0" u="none" strike="noStrike" cap="none">
+        <a:defRPr b="0" i="0" sz="1400" u="none" cap="none" strike="noStrike">
           <a:solidFill>
             <a:srgbClr val="000000"/>
           </a:solidFill>
@@ -4709,7 +4701,7 @@
           <a:sym typeface="Arial"/>
         </a:defRPr>
       </a:lvl3pPr>
-      <a:lvl4pPr marR="0" lvl="3" algn="l" rtl="0">
+      <a:lvl4pPr lvl="3" marR="0" rtl="0" algn="l">
         <a:lnSpc>
           <a:spcPct val="100000"/>
         </a:lnSpc>
@@ -4723,7 +4715,7 @@
           <a:srgbClr val="000000"/>
         </a:buClr>
         <a:buFont typeface="Arial"/>
-        <a:defRPr sz="1400" b="0" i="0" u="none" strike="noStrike" cap="none">
+        <a:defRPr b="0" i="0" sz="1400" u="none" cap="none" strike="noStrike">
           <a:solidFill>
             <a:srgbClr val="000000"/>
           </a:solidFill>
@@ -4733,7 +4725,7 @@
           <a:sym typeface="Arial"/>
         </a:defRPr>
       </a:lvl4pPr>
-      <a:lvl5pPr marR="0" lvl="4" algn="l" rtl="0">
+      <a:lvl5pPr lvl="4" marR="0" rtl="0" algn="l">
         <a:lnSpc>
           <a:spcPct val="100000"/>
         </a:lnSpc>
@@ -4747,7 +4739,7 @@
           <a:srgbClr val="000000"/>
         </a:buClr>
         <a:buFont typeface="Arial"/>
-        <a:defRPr sz="1400" b="0" i="0" u="none" strike="noStrike" cap="none">
+        <a:defRPr b="0" i="0" sz="1400" u="none" cap="none" strike="noStrike">
           <a:solidFill>
             <a:srgbClr val="000000"/>
           </a:solidFill>
@@ -4757,7 +4749,7 @@
           <a:sym typeface="Arial"/>
         </a:defRPr>
       </a:lvl5pPr>
-      <a:lvl6pPr marR="0" lvl="5" algn="l" rtl="0">
+      <a:lvl6pPr lvl="5" marR="0" rtl="0" algn="l">
         <a:lnSpc>
           <a:spcPct val="100000"/>
         </a:lnSpc>
@@ -4771,7 +4763,7 @@
           <a:srgbClr val="000000"/>
         </a:buClr>
         <a:buFont typeface="Arial"/>
-        <a:defRPr sz="1400" b="0" i="0" u="none" strike="noStrike" cap="none">
+        <a:defRPr b="0" i="0" sz="1400" u="none" cap="none" strike="noStrike">
           <a:solidFill>
             <a:srgbClr val="000000"/>
           </a:solidFill>
@@ -4781,7 +4773,7 @@
           <a:sym typeface="Arial"/>
         </a:defRPr>
       </a:lvl6pPr>
-      <a:lvl7pPr marR="0" lvl="6" algn="l" rtl="0">
+      <a:lvl7pPr lvl="6" marR="0" rtl="0" algn="l">
         <a:lnSpc>
           <a:spcPct val="100000"/>
         </a:lnSpc>
@@ -4795,7 +4787,7 @@
           <a:srgbClr val="000000"/>
         </a:buClr>
         <a:buFont typeface="Arial"/>
-        <a:defRPr sz="1400" b="0" i="0" u="none" strike="noStrike" cap="none">
+        <a:defRPr b="0" i="0" sz="1400" u="none" cap="none" strike="noStrike">
           <a:solidFill>
             <a:srgbClr val="000000"/>
           </a:solidFill>
@@ -4805,7 +4797,7 @@
           <a:sym typeface="Arial"/>
         </a:defRPr>
       </a:lvl7pPr>
-      <a:lvl8pPr marR="0" lvl="7" algn="l" rtl="0">
+      <a:lvl8pPr lvl="7" marR="0" rtl="0" algn="l">
         <a:lnSpc>
           <a:spcPct val="100000"/>
         </a:lnSpc>
@@ -4819,7 +4811,7 @@
           <a:srgbClr val="000000"/>
         </a:buClr>
         <a:buFont typeface="Arial"/>
-        <a:defRPr sz="1400" b="0" i="0" u="none" strike="noStrike" cap="none">
+        <a:defRPr b="0" i="0" sz="1400" u="none" cap="none" strike="noStrike">
           <a:solidFill>
             <a:srgbClr val="000000"/>
           </a:solidFill>
@@ -4829,7 +4821,7 @@
           <a:sym typeface="Arial"/>
         </a:defRPr>
       </a:lvl8pPr>
-      <a:lvl9pPr marR="0" lvl="8" algn="l" rtl="0">
+      <a:lvl9pPr lvl="8" marR="0" rtl="0" algn="l">
         <a:lnSpc>
           <a:spcPct val="100000"/>
         </a:lnSpc>
@@ -4843,7 +4835,7 @@
           <a:srgbClr val="000000"/>
         </a:buClr>
         <a:buFont typeface="Arial"/>
-        <a:defRPr sz="1400" b="0" i="0" u="none" strike="noStrike" cap="none">
+        <a:defRPr b="0" i="0" sz="1400" u="none" cap="none" strike="noStrike">
           <a:solidFill>
             <a:srgbClr val="000000"/>
           </a:solidFill>
@@ -4855,7 +4847,7 @@
       </a:lvl9pPr>
     </p:bodyStyle>
     <p:otherStyle>
-      <a:defPPr marR="0" lvl="0" algn="l" rtl="0">
+      <a:defPPr lvl="0" marR="0" rtl="0" algn="l">
         <a:lnSpc>
           <a:spcPct val="100000"/>
         </a:lnSpc>
@@ -4866,7 +4858,7 @@
           <a:spcPts val="0"/>
         </a:spcAft>
       </a:defPPr>
-      <a:lvl1pPr marR="0" lvl="0" algn="l" rtl="0">
+      <a:lvl1pPr lvl="0" marR="0" rtl="0" algn="l">
         <a:lnSpc>
           <a:spcPct val="100000"/>
         </a:lnSpc>
@@ -4880,7 +4872,7 @@
           <a:srgbClr val="000000"/>
         </a:buClr>
         <a:buFont typeface="Arial"/>
-        <a:defRPr sz="1400" b="0" i="0" u="none" strike="noStrike" cap="none">
+        <a:defRPr b="0" i="0" sz="1400" u="none" cap="none" strike="noStrike">
           <a:solidFill>
             <a:srgbClr val="000000"/>
           </a:solidFill>
@@ -4890,7 +4882,7 @@
           <a:sym typeface="Arial"/>
         </a:defRPr>
       </a:lvl1pPr>
-      <a:lvl2pPr marR="0" lvl="1" algn="l" rtl="0">
+      <a:lvl2pPr lvl="1" marR="0" rtl="0" algn="l">
         <a:lnSpc>
           <a:spcPct val="100000"/>
         </a:lnSpc>
@@ -4904,7 +4896,7 @@
           <a:srgbClr val="000000"/>
         </a:buClr>
         <a:buFont typeface="Arial"/>
-        <a:defRPr sz="1400" b="0" i="0" u="none" strike="noStrike" cap="none">
+        <a:defRPr b="0" i="0" sz="1400" u="none" cap="none" strike="noStrike">
           <a:solidFill>
             <a:srgbClr val="000000"/>
           </a:solidFill>
@@ -4914,7 +4906,7 @@
           <a:sym typeface="Arial"/>
         </a:defRPr>
       </a:lvl2pPr>
-      <a:lvl3pPr marR="0" lvl="2" algn="l" rtl="0">
+      <a:lvl3pPr lvl="2" marR="0" rtl="0" algn="l">
         <a:lnSpc>
           <a:spcPct val="100000"/>
         </a:lnSpc>
@@ -4928,7 +4920,7 @@
           <a:srgbClr val="000000"/>
         </a:buClr>
         <a:buFont typeface="Arial"/>
-        <a:defRPr sz="1400" b="0" i="0" u="none" strike="noStrike" cap="none">
+        <a:defRPr b="0" i="0" sz="1400" u="none" cap="none" strike="noStrike">
           <a:solidFill>
             <a:srgbClr val="000000"/>
           </a:solidFill>
@@ -4938,7 +4930,7 @@
           <a:sym typeface="Arial"/>
         </a:defRPr>
       </a:lvl3pPr>
-      <a:lvl4pPr marR="0" lvl="3" algn="l" rtl="0">
+      <a:lvl4pPr lvl="3" marR="0" rtl="0" algn="l">
         <a:lnSpc>
           <a:spcPct val="100000"/>
         </a:lnSpc>
@@ -4952,7 +4944,7 @@
           <a:srgbClr val="000000"/>
         </a:buClr>
         <a:buFont typeface="Arial"/>
-        <a:defRPr sz="1400" b="0" i="0" u="none" strike="noStrike" cap="none">
+        <a:defRPr b="0" i="0" sz="1400" u="none" cap="none" strike="noStrike">
           <a:solidFill>
             <a:srgbClr val="000000"/>
           </a:solidFill>
@@ -4962,7 +4954,7 @@
           <a:sym typeface="Arial"/>
         </a:defRPr>
       </a:lvl4pPr>
-      <a:lvl5pPr marR="0" lvl="4" algn="l" rtl="0">
+      <a:lvl5pPr lvl="4" marR="0" rtl="0" algn="l">
         <a:lnSpc>
           <a:spcPct val="100000"/>
         </a:lnSpc>
@@ -4976,7 +4968,7 @@
           <a:srgbClr val="000000"/>
         </a:buClr>
         <a:buFont typeface="Arial"/>
-        <a:defRPr sz="1400" b="0" i="0" u="none" strike="noStrike" cap="none">
+        <a:defRPr b="0" i="0" sz="1400" u="none" cap="none" strike="noStrike">
           <a:solidFill>
             <a:srgbClr val="000000"/>
           </a:solidFill>
@@ -4986,7 +4978,7 @@
           <a:sym typeface="Arial"/>
         </a:defRPr>
       </a:lvl5pPr>
-      <a:lvl6pPr marR="0" lvl="5" algn="l" rtl="0">
+      <a:lvl6pPr lvl="5" marR="0" rtl="0" algn="l">
         <a:lnSpc>
           <a:spcPct val="100000"/>
         </a:lnSpc>
@@ -5000,7 +4992,7 @@
           <a:srgbClr val="000000"/>
         </a:buClr>
         <a:buFont typeface="Arial"/>
-        <a:defRPr sz="1400" b="0" i="0" u="none" strike="noStrike" cap="none">
+        <a:defRPr b="0" i="0" sz="1400" u="none" cap="none" strike="noStrike">
           <a:solidFill>
             <a:srgbClr val="000000"/>
           </a:solidFill>
@@ -5010,7 +5002,7 @@
           <a:sym typeface="Arial"/>
         </a:defRPr>
       </a:lvl6pPr>
-      <a:lvl7pPr marR="0" lvl="6" algn="l" rtl="0">
+      <a:lvl7pPr lvl="6" marR="0" rtl="0" algn="l">
         <a:lnSpc>
           <a:spcPct val="100000"/>
         </a:lnSpc>
@@ -5024,7 +5016,7 @@
           <a:srgbClr val="000000"/>
         </a:buClr>
         <a:buFont typeface="Arial"/>
-        <a:defRPr sz="1400" b="0" i="0" u="none" strike="noStrike" cap="none">
+        <a:defRPr b="0" i="0" sz="1400" u="none" cap="none" strike="noStrike">
           <a:solidFill>
             <a:srgbClr val="000000"/>
           </a:solidFill>
@@ -5034,7 +5026,7 @@
           <a:sym typeface="Arial"/>
         </a:defRPr>
       </a:lvl7pPr>
-      <a:lvl8pPr marR="0" lvl="7" algn="l" rtl="0">
+      <a:lvl8pPr lvl="7" marR="0" rtl="0" algn="l">
         <a:lnSpc>
           <a:spcPct val="100000"/>
         </a:lnSpc>
@@ -5048,7 +5040,7 @@
           <a:srgbClr val="000000"/>
         </a:buClr>
         <a:buFont typeface="Arial"/>
-        <a:defRPr sz="1400" b="0" i="0" u="none" strike="noStrike" cap="none">
+        <a:defRPr b="0" i="0" sz="1400" u="none" cap="none" strike="noStrike">
           <a:solidFill>
             <a:srgbClr val="000000"/>
           </a:solidFill>
@@ -5058,7 +5050,7 @@
           <a:sym typeface="Arial"/>
         </a:defRPr>
       </a:lvl8pPr>
-      <a:lvl9pPr marR="0" lvl="8" algn="l" rtl="0">
+      <a:lvl9pPr lvl="8" marR="0" rtl="0" algn="l">
         <a:lnSpc>
           <a:spcPct val="100000"/>
         </a:lnSpc>
@@ -5072,7 +5064,7 @@
           <a:srgbClr val="000000"/>
         </a:buClr>
         <a:buFont typeface="Arial"/>
-        <a:defRPr sz="1400" b="0" i="0" u="none" strike="noStrike" cap="none">
+        <a:defRPr b="0" i="0" sz="1400" u="none" cap="none" strike="noStrike">
           <a:solidFill>
             <a:srgbClr val="000000"/>
           </a:solidFill>
@@ -5088,11 +5080,11 @@
 </file>
 
 <file path=ppt/slides/slide1.xml><?xml version="1.0" encoding="utf-8"?>
-<p:sld xmlns:a="http://schemas.openxmlformats.org/drawingml/2006/main" xmlns:r="http://schemas.openxmlformats.org/officeDocument/2006/relationships" xmlns:p="http://schemas.openxmlformats.org/presentationml/2006/main">
+<p:sld xmlns:a="http://schemas.openxmlformats.org/drawingml/2006/main" xmlns:r="http://schemas.openxmlformats.org/officeDocument/2006/relationships" xmlns:mc="http://schemas.openxmlformats.org/markup-compatibility/2006" xmlns:mv="urn:schemas-microsoft-com:mac:vml" xmlns:p="http://schemas.openxmlformats.org/presentationml/2006/main" xmlns:c="http://schemas.openxmlformats.org/drawingml/2006/chart" xmlns:dgm="http://schemas.openxmlformats.org/drawingml/2006/diagram" xmlns:o="urn:schemas-microsoft-com:office:office" xmlns:v="urn:schemas-microsoft-com:vml" xmlns:pvml="urn:schemas-microsoft-com:office:powerpoint" xmlns:com="http://schemas.openxmlformats.org/drawingml/2006/compatibility" xmlns:p14="http://schemas.microsoft.com/office/powerpoint/2010/main" xmlns:p15="http://schemas.microsoft.com/office/powerpoint/2012/main" xmlns:ahyp="http://schemas.microsoft.com/office/drawing/2018/hyperlinkcolor">
   <p:cSld>
     <p:spTree>
       <p:nvGrpSpPr>
-        <p:cNvPr id="1" name="Shape 26"/>
+        <p:cNvPr id="26" name="Shape 26"/>
         <p:cNvGrpSpPr/>
         <p:nvPr/>
       </p:nvGrpSpPr>
@@ -5126,12 +5118,12 @@
           </a:ln>
         </p:spPr>
         <p:txBody>
-          <a:bodyPr spcFirstLastPara="1" wrap="square" lIns="91425" tIns="45700" rIns="91425" bIns="45700" anchor="ctr" anchorCtr="0">
+          <a:bodyPr anchorCtr="0" anchor="ctr" bIns="45700" lIns="91425" spcFirstLastPara="1" rIns="91425" wrap="square" tIns="45700">
             <a:noAutofit/>
           </a:bodyPr>
           <a:lstStyle/>
           <a:p>
-            <a:pPr marL="0" marR="0" lvl="0" indent="0" algn="ctr" rtl="0">
+            <a:pPr indent="0" lvl="0" marL="0" marR="0" rtl="0" algn="ctr">
               <a:spcBef>
                 <a:spcPts val="0"/>
               </a:spcBef>
@@ -5140,6 +5132,9 @@
               </a:spcAft>
               <a:buNone/>
             </a:pPr>
+            <a:r>
+              <a:t/>
+            </a:r>
             <a:endParaRPr sz="1800">
               <a:solidFill>
                 <a:schemeClr val="lt1"/>
@@ -5154,7 +5149,7 @@
       </p:sp>
       <p:pic>
         <p:nvPicPr>
-          <p:cNvPr id="28" name="Google Shape;28;p5" descr="A picture containing text, sign, outdoor&#10;&#10;Description automatically generated"/>
+          <p:cNvPr descr="A picture containing text, sign, outdoor&#10;&#10;Description automatically generated" id="28" name="Google Shape;28;p5"/>
           <p:cNvPicPr preferRelativeResize="0"/>
           <p:nvPr/>
         </p:nvPicPr>
@@ -5162,7 +5157,7 @@
           <a:blip r:embed="rId3">
             <a:alphaModFix/>
           </a:blip>
-          <a:srcRect/>
+          <a:srcRect b="0" l="0" r="0" t="0"/>
           <a:stretch/>
         </p:blipFill>
         <p:spPr>
@@ -5181,7 +5176,7 @@
       </p:pic>
       <p:pic>
         <p:nvPicPr>
-          <p:cNvPr id="29" name="Google Shape;29;p5" descr="A picture containing text, clipart&#10;&#10;Description automatically generated"/>
+          <p:cNvPr descr="A picture containing text, clipart&#10;&#10;Description automatically generated" id="29" name="Google Shape;29;p5"/>
           <p:cNvPicPr preferRelativeResize="0"/>
           <p:nvPr/>
         </p:nvPicPr>
@@ -5189,7 +5184,7 @@
           <a:blip r:embed="rId4">
             <a:alphaModFix/>
           </a:blip>
-          <a:srcRect/>
+          <a:srcRect b="0" l="0" r="0" t="0"/>
           <a:stretch/>
         </p:blipFill>
         <p:spPr>
@@ -5215,7 +5210,7 @@
         <p:spPr>
           <a:xfrm>
             <a:off x="2756262" y="1532487"/>
-            <a:ext cx="6701245" cy="923330"/>
+            <a:ext cx="6701100" cy="923400"/>
           </a:xfrm>
           <a:prstGeom prst="rect">
             <a:avLst/>
@@ -5226,12 +5221,12 @@
           </a:ln>
         </p:spPr>
         <p:txBody>
-          <a:bodyPr spcFirstLastPara="1" wrap="square" lIns="91425" tIns="45700" rIns="91425" bIns="45700" anchor="t" anchorCtr="0">
+          <a:bodyPr anchorCtr="0" anchor="t" bIns="45700" lIns="91425" spcFirstLastPara="1" rIns="91425" wrap="square" tIns="45700">
             <a:spAutoFit/>
           </a:bodyPr>
           <a:lstStyle/>
           <a:p>
-            <a:pPr marL="0" marR="0" lvl="0" indent="0" algn="l" rtl="0">
+            <a:pPr indent="0" lvl="0" marL="0" marR="0" rtl="0" algn="l">
               <a:spcBef>
                 <a:spcPts val="0"/>
               </a:spcBef>
@@ -5265,7 +5260,7 @@
         <p:spPr>
           <a:xfrm>
             <a:off x="1180999" y="2560320"/>
-            <a:ext cx="9948555" cy="584775"/>
+            <a:ext cx="9948600" cy="584700"/>
           </a:xfrm>
           <a:prstGeom prst="rect">
             <a:avLst/>
@@ -5276,12 +5271,12 @@
           </a:ln>
         </p:spPr>
         <p:txBody>
-          <a:bodyPr spcFirstLastPara="1" wrap="square" lIns="91425" tIns="45700" rIns="91425" bIns="45700" anchor="t" anchorCtr="0">
+          <a:bodyPr anchorCtr="0" anchor="t" bIns="45700" lIns="91425" spcFirstLastPara="1" rIns="91425" wrap="square" tIns="45700">
             <a:spAutoFit/>
           </a:bodyPr>
           <a:lstStyle/>
           <a:p>
-            <a:pPr marL="0" marR="0" lvl="0" indent="0" algn="ctr" rtl="0">
+            <a:pPr indent="0" lvl="0" marL="0" marR="0" rtl="0" algn="ctr">
               <a:spcBef>
                 <a:spcPts val="0"/>
               </a:spcBef>
@@ -5326,12 +5321,12 @@
           </a:ln>
         </p:spPr>
         <p:txBody>
-          <a:bodyPr spcFirstLastPara="1" wrap="square" lIns="91425" tIns="45700" rIns="91425" bIns="45700" anchor="t" anchorCtr="0">
+          <a:bodyPr anchorCtr="0" anchor="t" bIns="45700" lIns="91425" spcFirstLastPara="1" rIns="91425" wrap="square" tIns="45700">
             <a:spAutoFit/>
           </a:bodyPr>
           <a:lstStyle/>
           <a:p>
-            <a:pPr marL="0" marR="0" lvl="0" indent="0" algn="l" rtl="0">
+            <a:pPr indent="0" lvl="0" marL="0" marR="0" rtl="0" algn="l">
               <a:spcBef>
                 <a:spcPts val="0"/>
               </a:spcBef>
@@ -5355,7 +5350,7 @@
             <a:endParaRPr/>
           </a:p>
           <a:p>
-            <a:pPr marL="0" marR="0" lvl="0" indent="0" algn="l" rtl="0">
+            <a:pPr indent="0" lvl="0" marL="0" marR="0" rtl="0" algn="l">
               <a:spcBef>
                 <a:spcPts val="0"/>
               </a:spcBef>
@@ -5379,7 +5374,7 @@
             <a:endParaRPr/>
           </a:p>
           <a:p>
-            <a:pPr marL="0" marR="0" lvl="0" indent="0" algn="l" rtl="0">
+            <a:pPr indent="0" lvl="0" marL="0" marR="0" rtl="0" algn="l">
               <a:spcBef>
                 <a:spcPts val="0"/>
               </a:spcBef>
@@ -5424,12 +5419,12 @@
           </a:ln>
         </p:spPr>
         <p:txBody>
-          <a:bodyPr spcFirstLastPara="1" wrap="square" lIns="91425" tIns="45700" rIns="91425" bIns="45700" anchor="t" anchorCtr="0">
+          <a:bodyPr anchorCtr="0" anchor="t" bIns="45700" lIns="91425" spcFirstLastPara="1" rIns="91425" wrap="square" tIns="45700">
             <a:spAutoFit/>
           </a:bodyPr>
           <a:lstStyle/>
           <a:p>
-            <a:pPr marL="0" marR="0" lvl="0" indent="0" algn="l" rtl="0">
+            <a:pPr indent="0" lvl="0" marL="0" marR="0" rtl="0" algn="l">
               <a:spcBef>
                 <a:spcPts val="0"/>
               </a:spcBef>
@@ -5453,7 +5448,7 @@
             <a:endParaRPr/>
           </a:p>
           <a:p>
-            <a:pPr marL="0" marR="0" lvl="0" indent="0" algn="l" rtl="0">
+            <a:pPr indent="0" lvl="0" marL="0" marR="0" rtl="0" algn="l">
               <a:spcBef>
                 <a:spcPts val="0"/>
               </a:spcBef>
@@ -5487,11 +5482,11 @@
 </file>
 
 <file path=ppt/slides/slide10.xml><?xml version="1.0" encoding="utf-8"?>
-<p:sld xmlns:a="http://schemas.openxmlformats.org/drawingml/2006/main" xmlns:r="http://schemas.openxmlformats.org/officeDocument/2006/relationships" xmlns:p="http://schemas.openxmlformats.org/presentationml/2006/main">
+<p:sld xmlns:a="http://schemas.openxmlformats.org/drawingml/2006/main" xmlns:r="http://schemas.openxmlformats.org/officeDocument/2006/relationships" xmlns:mc="http://schemas.openxmlformats.org/markup-compatibility/2006" xmlns:mv="urn:schemas-microsoft-com:mac:vml" xmlns:p="http://schemas.openxmlformats.org/presentationml/2006/main" xmlns:c="http://schemas.openxmlformats.org/drawingml/2006/chart" xmlns:dgm="http://schemas.openxmlformats.org/drawingml/2006/diagram" xmlns:o="urn:schemas-microsoft-com:office:office" xmlns:v="urn:schemas-microsoft-com:vml" xmlns:pvml="urn:schemas-microsoft-com:office:powerpoint" xmlns:com="http://schemas.openxmlformats.org/drawingml/2006/compatibility" xmlns:p14="http://schemas.microsoft.com/office/powerpoint/2010/main" xmlns:p15="http://schemas.microsoft.com/office/powerpoint/2012/main" xmlns:ahyp="http://schemas.microsoft.com/office/drawing/2018/hyperlinkcolor">
   <p:cSld>
     <p:spTree>
       <p:nvGrpSpPr>
-        <p:cNvPr id="1" name="Shape 90"/>
+        <p:cNvPr id="89" name="Shape 89"/>
         <p:cNvGrpSpPr/>
         <p:nvPr/>
       </p:nvGrpSpPr>
@@ -5505,14 +5500,14 @@
       </p:grpSpPr>
       <p:sp>
         <p:nvSpPr>
-          <p:cNvPr id="91" name="Google Shape;91;p14"/>
+          <p:cNvPr id="90" name="Google Shape;90;p14"/>
           <p:cNvSpPr txBox="1"/>
           <p:nvPr/>
         </p:nvSpPr>
         <p:spPr>
           <a:xfrm>
-            <a:off x="325927" y="248626"/>
-            <a:ext cx="7530363" cy="584775"/>
+            <a:off x="4582627" y="248626"/>
+            <a:ext cx="7530300" cy="585000"/>
           </a:xfrm>
           <a:prstGeom prst="rect">
             <a:avLst/>
@@ -5523,12 +5518,12 @@
           </a:ln>
         </p:spPr>
         <p:txBody>
-          <a:bodyPr spcFirstLastPara="1" wrap="square" lIns="91425" tIns="45700" rIns="91425" bIns="45700" anchor="t" anchorCtr="0">
+          <a:bodyPr anchorCtr="0" anchor="t" bIns="45700" lIns="91425" spcFirstLastPara="1" rIns="91425" wrap="square" tIns="45700">
             <a:spAutoFit/>
           </a:bodyPr>
           <a:lstStyle/>
           <a:p>
-            <a:pPr marL="0" marR="0" lvl="0" indent="0" algn="l" rtl="0">
+            <a:pPr indent="0" lvl="0" marL="0" marR="0" rtl="0" algn="l">
               <a:spcBef>
                 <a:spcPts val="0"/>
               </a:spcBef>
@@ -5538,7 +5533,7 @@
               <a:buNone/>
             </a:pPr>
             <a:r>
-              <a:rPr lang="en-US" sz="3200" b="1">
+              <a:rPr b="1" lang="en-US" sz="3200">
                 <a:solidFill>
                   <a:srgbClr val="46B0FA"/>
                 </a:solidFill>
@@ -5547,22 +5542,30 @@
                 <a:cs typeface="Arial"/>
                 <a:sym typeface="Arial"/>
               </a:rPr>
-              <a:t>Reference</a:t>
+              <a:t>Methodology</a:t>
             </a:r>
-            <a:endParaRPr/>
+            <a:endParaRPr b="1" sz="3200">
+              <a:solidFill>
+                <a:srgbClr val="46B0FA"/>
+              </a:solidFill>
+              <a:latin typeface="Arial"/>
+              <a:ea typeface="Arial"/>
+              <a:cs typeface="Arial"/>
+              <a:sym typeface="Arial"/>
+            </a:endParaRPr>
           </a:p>
         </p:txBody>
       </p:sp>
       <p:sp>
         <p:nvSpPr>
-          <p:cNvPr id="92" name="Google Shape;92;p14"/>
+          <p:cNvPr id="91" name="Google Shape;91;p14"/>
           <p:cNvSpPr txBox="1"/>
           <p:nvPr/>
         </p:nvSpPr>
         <p:spPr>
           <a:xfrm>
-            <a:off x="822959" y="1312664"/>
-            <a:ext cx="9900900" cy="1951263"/>
+            <a:off x="1071154" y="1064470"/>
+            <a:ext cx="9900900" cy="523200"/>
           </a:xfrm>
           <a:prstGeom prst="rect">
             <a:avLst/>
@@ -5573,12 +5576,12 @@
           </a:ln>
         </p:spPr>
         <p:txBody>
-          <a:bodyPr spcFirstLastPara="1" wrap="square" lIns="91425" tIns="45700" rIns="91425" bIns="45700" anchor="t" anchorCtr="0">
+          <a:bodyPr anchorCtr="0" anchor="t" bIns="45700" lIns="91425" spcFirstLastPara="1" rIns="91425" wrap="square" tIns="45700">
             <a:spAutoFit/>
           </a:bodyPr>
           <a:lstStyle/>
           <a:p>
-            <a:pPr marL="0" marR="0" lvl="0" indent="0" algn="l" rtl="0">
+            <a:pPr indent="0" lvl="0" marL="0" marR="0" rtl="0" algn="l">
               <a:spcBef>
                 <a:spcPts val="0"/>
               </a:spcBef>
@@ -5588,7 +5591,7 @@
               <a:buNone/>
             </a:pPr>
             <a:r>
-              <a:rPr lang="en-US" sz="2000" dirty="0">
+              <a:rPr lang="en-US" sz="2800">
                 <a:solidFill>
                   <a:srgbClr val="FF0000"/>
                 </a:solidFill>
@@ -5597,151 +5600,48 @@
                 <a:cs typeface="Arial"/>
                 <a:sym typeface="Arial"/>
               </a:rPr>
-              <a:t>List of cited papers</a:t>
+              <a:t>Timeline</a:t>
             </a:r>
-            <a:endParaRPr dirty="0"/>
-          </a:p>
-          <a:p>
-            <a:pPr marL="0" marR="0" lvl="0" indent="457200" algn="l" rtl="0">
-              <a:lnSpc>
-                <a:spcPct val="115000"/>
-              </a:lnSpc>
-              <a:spcBef>
-                <a:spcPts val="0"/>
-              </a:spcBef>
-              <a:spcAft>
-                <a:spcPts val="0"/>
-              </a:spcAft>
-              <a:buNone/>
-            </a:pPr>
-            <a:endParaRPr lang="en-US" sz="1800" dirty="0"/>
-          </a:p>
-          <a:p>
-            <a:pPr marL="0" marR="0" lvl="0" indent="457200" algn="l" rtl="0">
-              <a:lnSpc>
-                <a:spcPct val="115000"/>
-              </a:lnSpc>
-              <a:spcBef>
-                <a:spcPts val="0"/>
-              </a:spcBef>
-              <a:spcAft>
-                <a:spcPts val="0"/>
-              </a:spcAft>
-              <a:buNone/>
-            </a:pPr>
-            <a:r>
-              <a:rPr lang="en-US" sz="1800" dirty="0"/>
-              <a:t>[1]</a:t>
-            </a:r>
-            <a:r>
-              <a:rPr lang="en-US" dirty="0"/>
-              <a:t>  </a:t>
-            </a:r>
-            <a:r>
-              <a:rPr lang="en-US" sz="1800" u="sng" dirty="0">
-                <a:solidFill>
-                  <a:schemeClr val="hlink"/>
-                </a:solidFill>
-                <a:hlinkClick r:id="rId3"/>
-              </a:rPr>
-              <a:t>Stock Price Prediction using Linear Regression in Machine Learning</a:t>
-            </a:r>
-            <a:endParaRPr sz="1800" dirty="0">
+            <a:endParaRPr sz="2800">
               <a:solidFill>
                 <a:schemeClr val="dk1"/>
               </a:solidFill>
-            </a:endParaRPr>
-          </a:p>
-          <a:p>
-            <a:pPr marL="0" marR="0" lvl="0" indent="457200" algn="l" rtl="0">
-              <a:lnSpc>
-                <a:spcPct val="115000"/>
-              </a:lnSpc>
-              <a:spcBef>
-                <a:spcPts val="0"/>
-              </a:spcBef>
-              <a:spcAft>
-                <a:spcPts val="0"/>
-              </a:spcAft>
-              <a:buNone/>
-            </a:pPr>
-            <a:r>
-              <a:rPr lang="en-US" sz="1800" dirty="0">
-                <a:solidFill>
-                  <a:schemeClr val="dk1"/>
-                </a:solidFill>
-              </a:rPr>
-              <a:t>[2] </a:t>
-            </a:r>
-            <a:r>
-              <a:rPr lang="en-US" sz="1800" u="sng" dirty="0">
-                <a:solidFill>
-                  <a:schemeClr val="hlink"/>
-                </a:solidFill>
-                <a:hlinkClick r:id="rId4"/>
-              </a:rPr>
-              <a:t>(PDF) Analysis of stock market predictor variables using linear regression</a:t>
-            </a:r>
-            <a:endParaRPr sz="1800" dirty="0">
-              <a:solidFill>
-                <a:schemeClr val="dk1"/>
-              </a:solidFill>
-            </a:endParaRPr>
-          </a:p>
-          <a:p>
-            <a:pPr marL="0" marR="0" lvl="0" indent="457200" algn="l" rtl="0">
-              <a:lnSpc>
-                <a:spcPct val="115000"/>
-              </a:lnSpc>
-              <a:spcBef>
-                <a:spcPts val="0"/>
-              </a:spcBef>
-              <a:spcAft>
-                <a:spcPts val="0"/>
-              </a:spcAft>
-              <a:buNone/>
-            </a:pPr>
-            <a:r>
-              <a:rPr lang="en-US" sz="1800" dirty="0">
-                <a:solidFill>
-                  <a:schemeClr val="dk1"/>
-                </a:solidFill>
-              </a:rPr>
-              <a:t>[3] </a:t>
-            </a:r>
-            <a:r>
-              <a:rPr lang="en-US" sz="1800" u="sng" dirty="0">
-                <a:solidFill>
-                  <a:schemeClr val="hlink"/>
-                </a:solidFill>
-                <a:hlinkClick r:id="rId5"/>
-              </a:rPr>
-              <a:t>(PDF) Stock Market Analysis Using Linear Regression and Decision Tree Regression</a:t>
-            </a:r>
-            <a:endParaRPr sz="1800" dirty="0">
-              <a:solidFill>
-                <a:schemeClr val="dk1"/>
-              </a:solidFill>
-            </a:endParaRPr>
-          </a:p>
-          <a:p>
-            <a:pPr marL="0" marR="0" lvl="0" indent="0" algn="l" rtl="0">
-              <a:spcBef>
-                <a:spcPts val="0"/>
-              </a:spcBef>
-              <a:spcAft>
-                <a:spcPts val="0"/>
-              </a:spcAft>
-              <a:buNone/>
-            </a:pPr>
-            <a:endParaRPr sz="1800" dirty="0">
-              <a:solidFill>
-                <a:schemeClr val="dk1"/>
-              </a:solidFill>
+              <a:latin typeface="Arial"/>
+              <a:ea typeface="Arial"/>
+              <a:cs typeface="Arial"/>
+              <a:sym typeface="Arial"/>
             </a:endParaRPr>
           </a:p>
         </p:txBody>
       </p:sp>
+      <p:pic>
+        <p:nvPicPr>
+          <p:cNvPr id="92" name="Google Shape;92;p14"/>
+          <p:cNvPicPr preferRelativeResize="0"/>
+          <p:nvPr/>
+        </p:nvPicPr>
+        <p:blipFill>
+          <a:blip r:embed="rId3">
+            <a:alphaModFix/>
+          </a:blip>
+          <a:stretch>
+            <a:fillRect/>
+          </a:stretch>
+        </p:blipFill>
+        <p:spPr>
+          <a:xfrm>
+            <a:off x="1705350" y="1587677"/>
+            <a:ext cx="8781300" cy="4859150"/>
+          </a:xfrm>
+          <a:prstGeom prst="rect">
+            <a:avLst/>
+          </a:prstGeom>
+          <a:noFill/>
+          <a:ln>
+            <a:noFill/>
+          </a:ln>
+        </p:spPr>
+      </p:pic>
     </p:spTree>
   </p:cSld>
   <p:clrMapOvr>
@@ -5751,11 +5651,11 @@
 </file>
 
 <file path=ppt/slides/slide11.xml><?xml version="1.0" encoding="utf-8"?>
-<p:sld xmlns:a="http://schemas.openxmlformats.org/drawingml/2006/main" xmlns:r="http://schemas.openxmlformats.org/officeDocument/2006/relationships" xmlns:p="http://schemas.openxmlformats.org/presentationml/2006/main">
+<p:sld xmlns:a="http://schemas.openxmlformats.org/drawingml/2006/main" xmlns:r="http://schemas.openxmlformats.org/officeDocument/2006/relationships" xmlns:mc="http://schemas.openxmlformats.org/markup-compatibility/2006" xmlns:mv="urn:schemas-microsoft-com:mac:vml" xmlns:p="http://schemas.openxmlformats.org/presentationml/2006/main" xmlns:c="http://schemas.openxmlformats.org/drawingml/2006/chart" xmlns:dgm="http://schemas.openxmlformats.org/drawingml/2006/diagram" xmlns:o="urn:schemas-microsoft-com:office:office" xmlns:v="urn:schemas-microsoft-com:vml" xmlns:pvml="urn:schemas-microsoft-com:office:powerpoint" xmlns:com="http://schemas.openxmlformats.org/drawingml/2006/compatibility" xmlns:p14="http://schemas.microsoft.com/office/powerpoint/2010/main" xmlns:p15="http://schemas.microsoft.com/office/powerpoint/2012/main" xmlns:ahyp="http://schemas.microsoft.com/office/drawing/2018/hyperlinkcolor">
   <p:cSld>
     <p:spTree>
       <p:nvGrpSpPr>
-        <p:cNvPr id="1" name="Shape 96"/>
+        <p:cNvPr id="96" name="Shape 96"/>
         <p:cNvGrpSpPr/>
         <p:nvPr/>
       </p:nvGrpSpPr>
@@ -5775,6 +5675,262 @@
         </p:nvSpPr>
         <p:spPr>
           <a:xfrm>
+            <a:off x="325927" y="248626"/>
+            <a:ext cx="7530363" cy="584775"/>
+          </a:xfrm>
+          <a:prstGeom prst="rect">
+            <a:avLst/>
+          </a:prstGeom>
+          <a:noFill/>
+          <a:ln>
+            <a:noFill/>
+          </a:ln>
+        </p:spPr>
+        <p:txBody>
+          <a:bodyPr anchorCtr="0" anchor="t" bIns="45700" lIns="91425" spcFirstLastPara="1" rIns="91425" wrap="square" tIns="45700">
+            <a:spAutoFit/>
+          </a:bodyPr>
+          <a:lstStyle/>
+          <a:p>
+            <a:pPr indent="0" lvl="0" marL="0" marR="0" rtl="0" algn="l">
+              <a:spcBef>
+                <a:spcPts val="0"/>
+              </a:spcBef>
+              <a:spcAft>
+                <a:spcPts val="0"/>
+              </a:spcAft>
+              <a:buNone/>
+            </a:pPr>
+            <a:r>
+              <a:rPr b="1" lang="en-US" sz="3200">
+                <a:solidFill>
+                  <a:srgbClr val="46B0FA"/>
+                </a:solidFill>
+                <a:latin typeface="Arial"/>
+                <a:ea typeface="Arial"/>
+                <a:cs typeface="Arial"/>
+                <a:sym typeface="Arial"/>
+              </a:rPr>
+              <a:t>Reference</a:t>
+            </a:r>
+            <a:endParaRPr/>
+          </a:p>
+        </p:txBody>
+      </p:sp>
+      <p:sp>
+        <p:nvSpPr>
+          <p:cNvPr id="98" name="Google Shape;98;p15"/>
+          <p:cNvSpPr txBox="1"/>
+          <p:nvPr/>
+        </p:nvSpPr>
+        <p:spPr>
+          <a:xfrm>
+            <a:off x="921900" y="1816483"/>
+            <a:ext cx="10348200" cy="2918400"/>
+          </a:xfrm>
+          <a:prstGeom prst="rect">
+            <a:avLst/>
+          </a:prstGeom>
+          <a:noFill/>
+          <a:ln>
+            <a:noFill/>
+          </a:ln>
+        </p:spPr>
+        <p:txBody>
+          <a:bodyPr anchorCtr="0" anchor="t" bIns="45700" lIns="91425" spcFirstLastPara="1" rIns="91425" wrap="square" tIns="45700">
+            <a:spAutoFit/>
+          </a:bodyPr>
+          <a:lstStyle/>
+          <a:p>
+            <a:pPr indent="0" lvl="0" marL="0" marR="0" rtl="0" algn="l">
+              <a:lnSpc>
+                <a:spcPct val="115000"/>
+              </a:lnSpc>
+              <a:spcBef>
+                <a:spcPts val="0"/>
+              </a:spcBef>
+              <a:spcAft>
+                <a:spcPts val="0"/>
+              </a:spcAft>
+              <a:buNone/>
+            </a:pPr>
+            <a:r>
+              <a:rPr lang="en-US" sz="1800"/>
+              <a:t>[1] Amit Gupta, T.J.Nagalakshmi. (2019). Stock Price Prediction using Linear Regression in               </a:t>
+            </a:r>
+            <a:r>
+              <a:rPr lang="en-US" sz="1800">
+                <a:solidFill>
+                  <a:schemeClr val="dk1"/>
+                </a:solidFill>
+              </a:rPr>
+              <a:t>Machine </a:t>
+            </a:r>
+            <a:r>
+              <a:rPr lang="en-US" sz="1800"/>
+              <a:t>Learning. </a:t>
+            </a:r>
+            <a:endParaRPr sz="1800"/>
+          </a:p>
+          <a:p>
+            <a:pPr indent="0" lvl="0" marL="0" marR="0" rtl="0" algn="l">
+              <a:lnSpc>
+                <a:spcPct val="115000"/>
+              </a:lnSpc>
+              <a:spcBef>
+                <a:spcPts val="0"/>
+              </a:spcBef>
+              <a:spcAft>
+                <a:spcPts val="0"/>
+              </a:spcAft>
+              <a:buNone/>
+            </a:pPr>
+            <a:r>
+              <a:t/>
+            </a:r>
+            <a:endParaRPr sz="1800"/>
+          </a:p>
+          <a:p>
+            <a:pPr indent="0" lvl="0" marL="0" marR="0" rtl="0" algn="l">
+              <a:lnSpc>
+                <a:spcPct val="115000"/>
+              </a:lnSpc>
+              <a:spcBef>
+                <a:spcPts val="0"/>
+              </a:spcBef>
+              <a:spcAft>
+                <a:spcPts val="0"/>
+              </a:spcAft>
+              <a:buNone/>
+            </a:pPr>
+            <a:r>
+              <a:rPr lang="en-US" sz="1800">
+                <a:solidFill>
+                  <a:schemeClr val="dk1"/>
+                </a:solidFill>
+              </a:rPr>
+              <a:t>[2]</a:t>
+            </a:r>
+            <a:r>
+              <a:rPr lang="en-US" sz="1800">
+                <a:solidFill>
+                  <a:schemeClr val="dk1"/>
+                </a:solidFill>
+              </a:rPr>
+              <a:t>Seethalakshmi, Ramaswamy. (2018). Analysis of stock market predictor variables using linear regression. International Journal of Pure and Applied Mathematics. </a:t>
+            </a:r>
+            <a:endParaRPr sz="1800">
+              <a:solidFill>
+                <a:schemeClr val="dk1"/>
+              </a:solidFill>
+            </a:endParaRPr>
+          </a:p>
+          <a:p>
+            <a:pPr indent="0" lvl="0" marL="0" marR="0" rtl="0" algn="l">
+              <a:lnSpc>
+                <a:spcPct val="115000"/>
+              </a:lnSpc>
+              <a:spcBef>
+                <a:spcPts val="0"/>
+              </a:spcBef>
+              <a:spcAft>
+                <a:spcPts val="0"/>
+              </a:spcAft>
+              <a:buNone/>
+            </a:pPr>
+            <a:r>
+              <a:t/>
+            </a:r>
+            <a:endParaRPr sz="1800">
+              <a:solidFill>
+                <a:schemeClr val="dk1"/>
+              </a:solidFill>
+            </a:endParaRPr>
+          </a:p>
+          <a:p>
+            <a:pPr indent="0" lvl="0" marL="0" marR="0" rtl="0" algn="l">
+              <a:lnSpc>
+                <a:spcPct val="115000"/>
+              </a:lnSpc>
+              <a:spcBef>
+                <a:spcPts val="0"/>
+              </a:spcBef>
+              <a:spcAft>
+                <a:spcPts val="0"/>
+              </a:spcAft>
+              <a:buNone/>
+            </a:pPr>
+            <a:r>
+              <a:rPr lang="en-US" sz="1800">
+                <a:solidFill>
+                  <a:schemeClr val="dk1"/>
+                </a:solidFill>
+              </a:rPr>
+              <a:t>[3]Karim, Rezaul &amp; Alam, Md &amp; Hossain, Rezaul. (2021). Stock Market Analysis Using Linear Regression and Decision Tree Regression. </a:t>
+            </a:r>
+            <a:endParaRPr sz="1800">
+              <a:solidFill>
+                <a:schemeClr val="dk1"/>
+              </a:solidFill>
+            </a:endParaRPr>
+          </a:p>
+          <a:p>
+            <a:pPr indent="0" lvl="0" marL="0" marR="0" rtl="0" algn="l">
+              <a:lnSpc>
+                <a:spcPct val="115000"/>
+              </a:lnSpc>
+              <a:spcBef>
+                <a:spcPts val="0"/>
+              </a:spcBef>
+              <a:spcAft>
+                <a:spcPts val="0"/>
+              </a:spcAft>
+              <a:buNone/>
+            </a:pPr>
+            <a:r>
+              <a:t/>
+            </a:r>
+            <a:endParaRPr sz="1800">
+              <a:solidFill>
+                <a:schemeClr val="dk1"/>
+              </a:solidFill>
+            </a:endParaRPr>
+          </a:p>
+        </p:txBody>
+      </p:sp>
+    </p:spTree>
+  </p:cSld>
+  <p:clrMapOvr>
+    <a:masterClrMapping/>
+  </p:clrMapOvr>
+</p:sld>
+</file>
+
+<file path=ppt/slides/slide12.xml><?xml version="1.0" encoding="utf-8"?>
+<p:sld xmlns:a="http://schemas.openxmlformats.org/drawingml/2006/main" xmlns:r="http://schemas.openxmlformats.org/officeDocument/2006/relationships" xmlns:mc="http://schemas.openxmlformats.org/markup-compatibility/2006" xmlns:mv="urn:schemas-microsoft-com:mac:vml" xmlns:p="http://schemas.openxmlformats.org/presentationml/2006/main" xmlns:c="http://schemas.openxmlformats.org/drawingml/2006/chart" xmlns:dgm="http://schemas.openxmlformats.org/drawingml/2006/diagram" xmlns:o="urn:schemas-microsoft-com:office:office" xmlns:v="urn:schemas-microsoft-com:vml" xmlns:pvml="urn:schemas-microsoft-com:office:powerpoint" xmlns:com="http://schemas.openxmlformats.org/drawingml/2006/compatibility" xmlns:p14="http://schemas.microsoft.com/office/powerpoint/2010/main" xmlns:p15="http://schemas.microsoft.com/office/powerpoint/2012/main" xmlns:ahyp="http://schemas.microsoft.com/office/drawing/2018/hyperlinkcolor">
+  <p:cSld>
+    <p:spTree>
+      <p:nvGrpSpPr>
+        <p:cNvPr id="102" name="Shape 102"/>
+        <p:cNvGrpSpPr/>
+        <p:nvPr/>
+      </p:nvGrpSpPr>
+      <p:grpSpPr>
+        <a:xfrm>
+          <a:off x="0" y="0"/>
+          <a:ext cx="0" cy="0"/>
+          <a:chOff x="0" y="0"/>
+          <a:chExt cx="0" cy="0"/>
+        </a:xfrm>
+      </p:grpSpPr>
+      <p:sp>
+        <p:nvSpPr>
+          <p:cNvPr id="103" name="Google Shape;103;p16"/>
+          <p:cNvSpPr txBox="1"/>
+          <p:nvPr/>
+        </p:nvSpPr>
+        <p:spPr>
+          <a:xfrm>
             <a:off x="1895294" y="3601496"/>
             <a:ext cx="8401412" cy="1200329"/>
           </a:xfrm>
@@ -5787,12 +5943,12 @@
           </a:ln>
         </p:spPr>
         <p:txBody>
-          <a:bodyPr spcFirstLastPara="1" wrap="square" lIns="91425" tIns="45700" rIns="91425" bIns="45700" anchor="t" anchorCtr="0">
+          <a:bodyPr anchorCtr="0" anchor="t" bIns="45700" lIns="91425" spcFirstLastPara="1" rIns="91425" wrap="square" tIns="45700">
             <a:spAutoFit/>
           </a:bodyPr>
           <a:lstStyle/>
           <a:p>
-            <a:pPr marL="0" marR="0" lvl="0" indent="0" algn="ctr" rtl="0">
+            <a:pPr indent="0" lvl="0" marL="0" marR="0" rtl="0" algn="ctr">
               <a:spcBef>
                 <a:spcPts val="0"/>
               </a:spcBef>
@@ -5802,7 +5958,7 @@
               <a:buNone/>
             </a:pPr>
             <a:r>
-              <a:rPr lang="en-US" sz="7200" b="1">
+              <a:rPr b="1" lang="en-US" sz="7200">
                 <a:solidFill>
                   <a:srgbClr val="46B0FA"/>
                 </a:solidFill>
@@ -5813,7 +5969,7 @@
               </a:rPr>
               <a:t>Thank You</a:t>
             </a:r>
-            <a:endParaRPr sz="7200" b="1">
+            <a:endParaRPr b="1" sz="7200">
               <a:solidFill>
                 <a:srgbClr val="46B0FA"/>
               </a:solidFill>
@@ -5827,7 +5983,7 @@
       </p:sp>
       <p:sp>
         <p:nvSpPr>
-          <p:cNvPr id="98" name="Google Shape;98;p15"/>
+          <p:cNvPr id="104" name="Google Shape;104;p16"/>
           <p:cNvSpPr/>
           <p:nvPr/>
         </p:nvSpPr>
@@ -5847,12 +6003,12 @@
           </a:ln>
         </p:spPr>
         <p:txBody>
-          <a:bodyPr spcFirstLastPara="1" wrap="square" lIns="91425" tIns="45700" rIns="91425" bIns="45700" anchor="ctr" anchorCtr="0">
+          <a:bodyPr anchorCtr="0" anchor="ctr" bIns="45700" lIns="91425" spcFirstLastPara="1" rIns="91425" wrap="square" tIns="45700">
             <a:noAutofit/>
           </a:bodyPr>
           <a:lstStyle/>
           <a:p>
-            <a:pPr marL="0" marR="0" lvl="0" indent="0" algn="ctr" rtl="0">
+            <a:pPr indent="0" lvl="0" marL="0" marR="0" rtl="0" algn="ctr">
               <a:spcBef>
                 <a:spcPts val="0"/>
               </a:spcBef>
@@ -5861,6 +6017,9 @@
               </a:spcAft>
               <a:buNone/>
             </a:pPr>
+            <a:r>
+              <a:t/>
+            </a:r>
             <a:endParaRPr sz="1800">
               <a:solidFill>
                 <a:schemeClr val="lt1"/>
@@ -5875,7 +6034,7 @@
       </p:sp>
       <p:pic>
         <p:nvPicPr>
-          <p:cNvPr id="99" name="Google Shape;99;p15" descr="A picture containing text, clipart&#10;&#10;Description automatically generated"/>
+          <p:cNvPr descr="A picture containing text, clipart&#10;&#10;Description automatically generated" id="105" name="Google Shape;105;p16"/>
           <p:cNvPicPr preferRelativeResize="0"/>
           <p:nvPr/>
         </p:nvPicPr>
@@ -5883,7 +6042,7 @@
           <a:blip r:embed="rId3">
             <a:alphaModFix/>
           </a:blip>
-          <a:srcRect/>
+          <a:srcRect b="0" l="0" r="0" t="0"/>
           <a:stretch/>
         </p:blipFill>
         <p:spPr>
@@ -5909,11 +6068,11 @@
 </file>
 
 <file path=ppt/slides/slide2.xml><?xml version="1.0" encoding="utf-8"?>
-<p:sld xmlns:a="http://schemas.openxmlformats.org/drawingml/2006/main" xmlns:r="http://schemas.openxmlformats.org/officeDocument/2006/relationships" xmlns:p="http://schemas.openxmlformats.org/presentationml/2006/main">
+<p:sld xmlns:a="http://schemas.openxmlformats.org/drawingml/2006/main" xmlns:r="http://schemas.openxmlformats.org/officeDocument/2006/relationships" xmlns:mc="http://schemas.openxmlformats.org/markup-compatibility/2006" xmlns:mv="urn:schemas-microsoft-com:mac:vml" xmlns:p="http://schemas.openxmlformats.org/presentationml/2006/main" xmlns:c="http://schemas.openxmlformats.org/drawingml/2006/chart" xmlns:dgm="http://schemas.openxmlformats.org/drawingml/2006/diagram" xmlns:o="urn:schemas-microsoft-com:office:office" xmlns:v="urn:schemas-microsoft-com:vml" xmlns:pvml="urn:schemas-microsoft-com:office:powerpoint" xmlns:com="http://schemas.openxmlformats.org/drawingml/2006/compatibility" xmlns:p14="http://schemas.microsoft.com/office/powerpoint/2010/main" xmlns:p15="http://schemas.microsoft.com/office/powerpoint/2012/main" xmlns:ahyp="http://schemas.microsoft.com/office/drawing/2018/hyperlinkcolor">
   <p:cSld>
     <p:spTree>
       <p:nvGrpSpPr>
-        <p:cNvPr id="1" name="Shape 37"/>
+        <p:cNvPr id="37" name="Shape 37"/>
         <p:cNvGrpSpPr/>
         <p:nvPr/>
       </p:nvGrpSpPr>
@@ -5933,8 +6092,8 @@
         </p:nvSpPr>
         <p:spPr>
           <a:xfrm>
-            <a:off x="325927" y="248626"/>
-            <a:ext cx="7530363" cy="584775"/>
+            <a:off x="2177252" y="217926"/>
+            <a:ext cx="7530300" cy="585000"/>
           </a:xfrm>
           <a:prstGeom prst="rect">
             <a:avLst/>
@@ -5945,12 +6104,12 @@
           </a:ln>
         </p:spPr>
         <p:txBody>
-          <a:bodyPr spcFirstLastPara="1" wrap="square" lIns="91425" tIns="45700" rIns="91425" bIns="45700" anchor="t" anchorCtr="0">
-            <a:spAutoFit/>
+          <a:bodyPr anchorCtr="0" anchor="ctr" bIns="45700" lIns="91425" spcFirstLastPara="1" rIns="91425" wrap="square" tIns="45700">
+            <a:noAutofit/>
           </a:bodyPr>
           <a:lstStyle/>
           <a:p>
-            <a:pPr marL="0" marR="0" lvl="0" indent="0" algn="l" rtl="0">
+            <a:pPr indent="0" lvl="0" marL="0" marR="0" rtl="0" algn="ctr">
               <a:spcBef>
                 <a:spcPts val="0"/>
               </a:spcBef>
@@ -5960,7 +6119,7 @@
               <a:buNone/>
             </a:pPr>
             <a:r>
-              <a:rPr lang="en-US" sz="3200" b="1">
+              <a:rPr b="1" lang="en-US" sz="5100">
                 <a:solidFill>
                   <a:srgbClr val="46B0FA"/>
                 </a:solidFill>
@@ -5971,7 +6130,7 @@
               </a:rPr>
               <a:t>Content</a:t>
             </a:r>
-            <a:endParaRPr sz="3200" b="1">
+            <a:endParaRPr b="1" sz="5100">
               <a:solidFill>
                 <a:srgbClr val="46B0FA"/>
               </a:solidFill>
@@ -5991,8 +6150,8 @@
         </p:nvSpPr>
         <p:spPr>
           <a:xfrm>
-            <a:off x="1071154" y="1247350"/>
-            <a:ext cx="4650377" cy="3139321"/>
+            <a:off x="912300" y="1375250"/>
+            <a:ext cx="4650300" cy="5079600"/>
           </a:xfrm>
           <a:prstGeom prst="rect">
             <a:avLst/>
@@ -6003,22 +6162,27 @@
           </a:ln>
         </p:spPr>
         <p:txBody>
-          <a:bodyPr spcFirstLastPara="1" wrap="square" lIns="91425" tIns="45700" rIns="91425" bIns="45700" anchor="t" anchorCtr="0">
+          <a:bodyPr anchorCtr="0" anchor="t" bIns="45700" lIns="91425" spcFirstLastPara="1" rIns="91425" wrap="square" tIns="45700">
             <a:spAutoFit/>
           </a:bodyPr>
           <a:lstStyle/>
           <a:p>
-            <a:pPr marL="0" marR="0" lvl="0" indent="0" algn="l" rtl="0">
-              <a:spcBef>
-                <a:spcPts val="0"/>
-              </a:spcBef>
-              <a:spcAft>
-                <a:spcPts val="0"/>
-              </a:spcAft>
-              <a:buNone/>
+            <a:pPr indent="-444500" lvl="0" marL="457200" marR="0" rtl="0" algn="l">
+              <a:spcBef>
+                <a:spcPts val="0"/>
+              </a:spcBef>
+              <a:spcAft>
+                <a:spcPts val="0"/>
+              </a:spcAft>
+              <a:buClr>
+                <a:schemeClr val="dk1"/>
+              </a:buClr>
+              <a:buSzPts val="3400"/>
+              <a:buFont typeface="Arial"/>
+              <a:buAutoNum type="arabicPeriod"/>
             </a:pPr>
             <a:r>
-              <a:rPr lang="en-US" sz="2000">
+              <a:rPr lang="en-US" sz="3400">
                 <a:solidFill>
                   <a:schemeClr val="dk1"/>
                 </a:solidFill>
@@ -6029,10 +6193,10 @@
               </a:rPr>
               <a:t>Introduction</a:t>
             </a:r>
-            <a:endParaRPr/>
+            <a:endParaRPr sz="2800"/>
           </a:p>
           <a:p>
-            <a:pPr marL="0" marR="0" lvl="0" indent="0" algn="l" rtl="0">
+            <a:pPr indent="0" lvl="0" marL="457200" marR="0" rtl="0" algn="l">
               <a:spcBef>
                 <a:spcPts val="0"/>
               </a:spcBef>
@@ -6041,7 +6205,10 @@
               </a:spcAft>
               <a:buNone/>
             </a:pPr>
-            <a:endParaRPr sz="2000">
+            <a:r>
+              <a:t/>
+            </a:r>
+            <a:endParaRPr sz="3400">
               <a:solidFill>
                 <a:schemeClr val="dk1"/>
               </a:solidFill>
@@ -6052,17 +6219,22 @@
             </a:endParaRPr>
           </a:p>
           <a:p>
-            <a:pPr marL="0" marR="0" lvl="0" indent="0" algn="l" rtl="0">
-              <a:spcBef>
-                <a:spcPts val="0"/>
-              </a:spcBef>
-              <a:spcAft>
-                <a:spcPts val="0"/>
-              </a:spcAft>
-              <a:buNone/>
+            <a:pPr indent="-444500" lvl="0" marL="457200" marR="0" rtl="0" algn="l">
+              <a:spcBef>
+                <a:spcPts val="0"/>
+              </a:spcBef>
+              <a:spcAft>
+                <a:spcPts val="0"/>
+              </a:spcAft>
+              <a:buClr>
+                <a:schemeClr val="dk1"/>
+              </a:buClr>
+              <a:buSzPts val="3400"/>
+              <a:buFont typeface="Arial"/>
+              <a:buAutoNum type="arabicPeriod"/>
             </a:pPr>
             <a:r>
-              <a:rPr lang="en-US" sz="2000">
+              <a:rPr lang="en-US" sz="3400">
                 <a:solidFill>
                   <a:schemeClr val="dk1"/>
                 </a:solidFill>
@@ -6073,10 +6245,10 @@
               </a:rPr>
               <a:t>Literature Review</a:t>
             </a:r>
-            <a:endParaRPr/>
+            <a:endParaRPr sz="2800"/>
           </a:p>
           <a:p>
-            <a:pPr marL="0" marR="0" lvl="0" indent="0" algn="l" rtl="0">
+            <a:pPr indent="0" lvl="0" marL="457200" marR="0" rtl="0" algn="l">
               <a:spcBef>
                 <a:spcPts val="0"/>
               </a:spcBef>
@@ -6085,7 +6257,10 @@
               </a:spcAft>
               <a:buNone/>
             </a:pPr>
-            <a:endParaRPr sz="2000">
+            <a:r>
+              <a:t/>
+            </a:r>
+            <a:endParaRPr sz="3400">
               <a:solidFill>
                 <a:schemeClr val="dk1"/>
               </a:solidFill>
@@ -6096,17 +6271,22 @@
             </a:endParaRPr>
           </a:p>
           <a:p>
-            <a:pPr marL="0" marR="0" lvl="0" indent="0" algn="l" rtl="0">
-              <a:spcBef>
-                <a:spcPts val="0"/>
-              </a:spcBef>
-              <a:spcAft>
-                <a:spcPts val="0"/>
-              </a:spcAft>
-              <a:buNone/>
+            <a:pPr indent="-444500" lvl="0" marL="457200" marR="0" rtl="0" algn="l">
+              <a:spcBef>
+                <a:spcPts val="0"/>
+              </a:spcBef>
+              <a:spcAft>
+                <a:spcPts val="0"/>
+              </a:spcAft>
+              <a:buClr>
+                <a:schemeClr val="dk1"/>
+              </a:buClr>
+              <a:buSzPts val="3400"/>
+              <a:buFont typeface="Arial"/>
+              <a:buAutoNum type="arabicPeriod"/>
             </a:pPr>
             <a:r>
-              <a:rPr lang="en-US" sz="2000">
+              <a:rPr lang="en-US" sz="3400">
                 <a:solidFill>
                   <a:schemeClr val="dk1"/>
                 </a:solidFill>
@@ -6117,10 +6297,10 @@
               </a:rPr>
               <a:t>Objectives</a:t>
             </a:r>
-            <a:endParaRPr/>
+            <a:endParaRPr sz="2800"/>
           </a:p>
           <a:p>
-            <a:pPr marL="0" marR="0" lvl="0" indent="0" algn="l" rtl="0">
+            <a:pPr indent="0" lvl="0" marL="457200" marR="0" rtl="0" algn="l">
               <a:spcBef>
                 <a:spcPts val="0"/>
               </a:spcBef>
@@ -6129,7 +6309,10 @@
               </a:spcAft>
               <a:buNone/>
             </a:pPr>
-            <a:endParaRPr sz="2000">
+            <a:r>
+              <a:t/>
+            </a:r>
+            <a:endParaRPr sz="3400">
               <a:solidFill>
                 <a:schemeClr val="dk1"/>
               </a:solidFill>
@@ -6140,17 +6323,22 @@
             </a:endParaRPr>
           </a:p>
           <a:p>
-            <a:pPr marL="0" marR="0" lvl="0" indent="0" algn="l" rtl="0">
-              <a:spcBef>
-                <a:spcPts val="0"/>
-              </a:spcBef>
-              <a:spcAft>
-                <a:spcPts val="0"/>
-              </a:spcAft>
-              <a:buNone/>
+            <a:pPr indent="-444500" lvl="0" marL="457200" marR="0" rtl="0" algn="l">
+              <a:spcBef>
+                <a:spcPts val="0"/>
+              </a:spcBef>
+              <a:spcAft>
+                <a:spcPts val="0"/>
+              </a:spcAft>
+              <a:buClr>
+                <a:schemeClr val="dk1"/>
+              </a:buClr>
+              <a:buSzPts val="3400"/>
+              <a:buFont typeface="Arial"/>
+              <a:buAutoNum type="arabicPeriod"/>
             </a:pPr>
             <a:r>
-              <a:rPr lang="en-US" sz="2000">
+              <a:rPr lang="en-US" sz="3400">
                 <a:solidFill>
                   <a:schemeClr val="dk1"/>
                 </a:solidFill>
@@ -6161,10 +6349,10 @@
               </a:rPr>
               <a:t>Methodology</a:t>
             </a:r>
-            <a:endParaRPr/>
+            <a:endParaRPr sz="2800"/>
           </a:p>
           <a:p>
-            <a:pPr marL="0" marR="0" lvl="0" indent="0" algn="l" rtl="0">
+            <a:pPr indent="0" lvl="0" marL="457200" marR="0" rtl="0" algn="l">
               <a:spcBef>
                 <a:spcPts val="0"/>
               </a:spcBef>
@@ -6173,7 +6361,10 @@
               </a:spcAft>
               <a:buNone/>
             </a:pPr>
-            <a:endParaRPr sz="2000">
+            <a:r>
+              <a:t/>
+            </a:r>
+            <a:endParaRPr sz="3400">
               <a:solidFill>
                 <a:schemeClr val="dk1"/>
               </a:solidFill>
@@ -6184,17 +6375,22 @@
             </a:endParaRPr>
           </a:p>
           <a:p>
-            <a:pPr marL="0" marR="0" lvl="0" indent="0" algn="l" rtl="0">
-              <a:spcBef>
-                <a:spcPts val="0"/>
-              </a:spcBef>
-              <a:spcAft>
-                <a:spcPts val="0"/>
-              </a:spcAft>
-              <a:buNone/>
+            <a:pPr indent="-444500" lvl="0" marL="457200" marR="0" rtl="0" algn="l">
+              <a:spcBef>
+                <a:spcPts val="0"/>
+              </a:spcBef>
+              <a:spcAft>
+                <a:spcPts val="0"/>
+              </a:spcAft>
+              <a:buClr>
+                <a:schemeClr val="dk1"/>
+              </a:buClr>
+              <a:buSzPts val="3400"/>
+              <a:buFont typeface="Arial"/>
+              <a:buAutoNum type="arabicPeriod"/>
             </a:pPr>
             <a:r>
-              <a:rPr lang="en-US" sz="2000">
+              <a:rPr lang="en-US" sz="3400">
                 <a:solidFill>
                   <a:schemeClr val="dk1"/>
                 </a:solidFill>
@@ -6205,10 +6401,10 @@
               </a:rPr>
               <a:t>References </a:t>
             </a:r>
-            <a:endParaRPr/>
+            <a:endParaRPr sz="2800"/>
           </a:p>
           <a:p>
-            <a:pPr marL="0" marR="0" lvl="0" indent="0" algn="l" rtl="0">
+            <a:pPr indent="0" lvl="0" marL="0" marR="0" rtl="0" algn="l">
               <a:spcBef>
                 <a:spcPts val="0"/>
               </a:spcBef>
@@ -6217,6 +6413,9 @@
               </a:spcAft>
               <a:buNone/>
             </a:pPr>
+            <a:r>
+              <a:t/>
+            </a:r>
             <a:endParaRPr sz="1800">
               <a:solidFill>
                 <a:schemeClr val="dk1"/>
@@ -6238,11 +6437,11 @@
 </file>
 
 <file path=ppt/slides/slide3.xml><?xml version="1.0" encoding="utf-8"?>
-<p:sld xmlns:a="http://schemas.openxmlformats.org/drawingml/2006/main" xmlns:r="http://schemas.openxmlformats.org/officeDocument/2006/relationships" xmlns:p="http://schemas.openxmlformats.org/presentationml/2006/main">
+<p:sld xmlns:a="http://schemas.openxmlformats.org/drawingml/2006/main" xmlns:r="http://schemas.openxmlformats.org/officeDocument/2006/relationships" xmlns:mc="http://schemas.openxmlformats.org/markup-compatibility/2006" xmlns:mv="urn:schemas-microsoft-com:mac:vml" xmlns:p="http://schemas.openxmlformats.org/presentationml/2006/main" xmlns:c="http://schemas.openxmlformats.org/drawingml/2006/chart" xmlns:dgm="http://schemas.openxmlformats.org/drawingml/2006/diagram" xmlns:o="urn:schemas-microsoft-com:office:office" xmlns:v="urn:schemas-microsoft-com:vml" xmlns:pvml="urn:schemas-microsoft-com:office:powerpoint" xmlns:com="http://schemas.openxmlformats.org/drawingml/2006/compatibility" xmlns:p14="http://schemas.microsoft.com/office/powerpoint/2010/main" xmlns:p15="http://schemas.microsoft.com/office/powerpoint/2012/main" xmlns:ahyp="http://schemas.microsoft.com/office/drawing/2018/hyperlinkcolor">
   <p:cSld>
     <p:spTree>
       <p:nvGrpSpPr>
-        <p:cNvPr id="1" name="Shape 43"/>
+        <p:cNvPr id="43" name="Shape 43"/>
         <p:cNvGrpSpPr/>
         <p:nvPr/>
       </p:nvGrpSpPr>
@@ -6262,8 +6461,8 @@
         </p:nvSpPr>
         <p:spPr>
           <a:xfrm>
-            <a:off x="325927" y="222500"/>
-            <a:ext cx="7530363" cy="584775"/>
+            <a:off x="2046602" y="396625"/>
+            <a:ext cx="7530300" cy="585000"/>
           </a:xfrm>
           <a:prstGeom prst="rect">
             <a:avLst/>
@@ -6274,12 +6473,12 @@
           </a:ln>
         </p:spPr>
         <p:txBody>
-          <a:bodyPr spcFirstLastPara="1" wrap="square" lIns="91425" tIns="45700" rIns="91425" bIns="45700" anchor="t" anchorCtr="0">
+          <a:bodyPr anchorCtr="0" anchor="t" bIns="45700" lIns="91425" spcFirstLastPara="1" rIns="91425" wrap="square" tIns="45700">
             <a:spAutoFit/>
           </a:bodyPr>
           <a:lstStyle/>
           <a:p>
-            <a:pPr marL="0" marR="0" lvl="0" indent="0" algn="l" rtl="0">
+            <a:pPr indent="0" lvl="0" marL="0" marR="0" rtl="0" algn="ctr">
               <a:spcBef>
                 <a:spcPts val="0"/>
               </a:spcBef>
@@ -6289,7 +6488,7 @@
               <a:buNone/>
             </a:pPr>
             <a:r>
-              <a:rPr lang="en-US" sz="3200" b="1">
+              <a:rPr b="1" lang="en-US" sz="3200">
                 <a:solidFill>
                   <a:srgbClr val="46B0FA"/>
                 </a:solidFill>
@@ -6300,7 +6499,7 @@
               </a:rPr>
               <a:t>Introduction</a:t>
             </a:r>
-            <a:endParaRPr sz="3200" b="1">
+            <a:endParaRPr b="1" sz="3200">
               <a:solidFill>
                 <a:srgbClr val="46B0FA"/>
               </a:solidFill>
@@ -6320,8 +6519,8 @@
         </p:nvSpPr>
         <p:spPr>
           <a:xfrm>
-            <a:off x="325927" y="684557"/>
-            <a:ext cx="11582700" cy="6054300"/>
+            <a:off x="304652" y="1360532"/>
+            <a:ext cx="11582700" cy="4566300"/>
           </a:xfrm>
           <a:prstGeom prst="rect">
             <a:avLst/>
@@ -6332,12 +6531,12 @@
           </a:ln>
         </p:spPr>
         <p:txBody>
-          <a:bodyPr spcFirstLastPara="1" wrap="square" lIns="91425" tIns="45700" rIns="91425" bIns="45700" anchor="t" anchorCtr="0">
+          <a:bodyPr anchorCtr="0" anchor="t" bIns="45700" lIns="91425" spcFirstLastPara="1" rIns="91425" wrap="square" tIns="45700">
             <a:spAutoFit/>
           </a:bodyPr>
           <a:lstStyle/>
           <a:p>
-            <a:pPr marL="0" marR="0" lvl="0" indent="0" algn="l" rtl="0">
+            <a:pPr indent="0" lvl="0" marL="0" marR="0" rtl="0" algn="l">
               <a:spcBef>
                 <a:spcPts val="0"/>
               </a:spcBef>
@@ -6347,21 +6546,41 @@
               <a:buNone/>
             </a:pPr>
             <a:r>
-              <a:rPr lang="en-US" sz="2000" dirty="0">
-                <a:solidFill>
-                  <a:srgbClr val="AE36FF"/>
+              <a:rPr lang="en-US" sz="2800">
+                <a:solidFill>
+                  <a:srgbClr val="FF0000"/>
                 </a:solidFill>
                 <a:latin typeface="Arial"/>
                 <a:ea typeface="Arial"/>
                 <a:cs typeface="Arial"/>
                 <a:sym typeface="Arial"/>
               </a:rPr>
-              <a:t>Technical background of project</a:t>
+              <a:t>Technical Concepts</a:t>
             </a:r>
-            <a:endParaRPr dirty="0"/>
+            <a:r>
+              <a:rPr lang="en-US" sz="2800">
+                <a:solidFill>
+                  <a:srgbClr val="FF0000"/>
+                </a:solidFill>
+              </a:rPr>
+              <a:t> </a:t>
+            </a:r>
+            <a:r>
+              <a:rPr lang="en-US" sz="2800">
+                <a:solidFill>
+                  <a:srgbClr val="FF0000"/>
+                </a:solidFill>
+                <a:latin typeface="Arial"/>
+                <a:ea typeface="Arial"/>
+                <a:cs typeface="Arial"/>
+                <a:sym typeface="Arial"/>
+              </a:rPr>
+              <a:t>used</a:t>
+            </a:r>
+            <a:endParaRPr sz="2200"/>
           </a:p>
           <a:p>
-            <a:pPr marL="0" marR="0" lvl="0" indent="0" algn="l" rtl="0">
+            <a:pPr indent="0" lvl="0" marL="0" marR="0" rtl="0" algn="l">
               <a:spcBef>
                 <a:spcPts val="0"/>
               </a:spcBef>
@@ -6370,7 +6589,23 @@
               </a:spcAft>
               <a:buNone/>
             </a:pPr>
-            <a:endParaRPr sz="2000" dirty="0">
+            <a:r>
+              <a:rPr lang="en-US" sz="2200"/>
+              <a:t>Predict</a:t>
+            </a:r>
+            <a:r>
+              <a:rPr lang="en-US" sz="2400">
+                <a:solidFill>
+                  <a:schemeClr val="dk1"/>
+                </a:solidFill>
+                <a:latin typeface="Arial"/>
+                <a:ea typeface="Arial"/>
+                <a:cs typeface="Arial"/>
+                <a:sym typeface="Arial"/>
+              </a:rPr>
+              <a:t>ion model</a:t>
+            </a:r>
+            <a:endParaRPr sz="2400">
               <a:solidFill>
                 <a:schemeClr val="dk1"/>
               </a:solidFill>
@@ -6381,7 +6616,7 @@
             </a:endParaRPr>
           </a:p>
           <a:p>
-            <a:pPr marL="0" marR="0" lvl="0" indent="0" algn="l" rtl="0">
+            <a:pPr indent="0" lvl="0" marL="0" marR="0" rtl="0" algn="l">
               <a:spcBef>
                 <a:spcPts val="0"/>
               </a:spcBef>
@@ -6391,7 +6626,26 @@
               <a:buNone/>
             </a:pPr>
             <a:r>
-              <a:rPr lang="en-US" sz="2000" dirty="0">
+              <a:t/>
+            </a:r>
+            <a:endParaRPr sz="2400">
+              <a:solidFill>
+                <a:schemeClr val="dk1"/>
+              </a:solidFill>
+            </a:endParaRPr>
+          </a:p>
+          <a:p>
+            <a:pPr indent="0" lvl="0" marL="0" marR="0" rtl="0" algn="l">
+              <a:spcBef>
+                <a:spcPts val="1000"/>
+              </a:spcBef>
+              <a:spcAft>
+                <a:spcPts val="0"/>
+              </a:spcAft>
+              <a:buNone/>
+            </a:pPr>
+            <a:r>
+              <a:rPr lang="en-US" sz="2800">
                 <a:solidFill>
                   <a:srgbClr val="FF0000"/>
                 </a:solidFill>
@@ -6400,12 +6654,12 @@
                 <a:cs typeface="Arial"/>
                 <a:sym typeface="Arial"/>
               </a:rPr>
-              <a:t>Technical Concepts (Algorithms) used</a:t>
+              <a:t>Motivation</a:t>
             </a:r>
-            <a:endParaRPr dirty="0"/>
+            <a:endParaRPr sz="2200"/>
           </a:p>
           <a:p>
-            <a:pPr marL="0" marR="0" lvl="0" indent="0" algn="l" rtl="0">
+            <a:pPr indent="0" lvl="0" marL="0" marR="0" rtl="0" algn="l">
               <a:spcBef>
                 <a:spcPts val="0"/>
               </a:spcBef>
@@ -6415,7 +6669,15 @@
               <a:buNone/>
             </a:pPr>
             <a:r>
-              <a:rPr lang="en-US" sz="1600" dirty="0">
+              <a:rPr lang="en-US" sz="2400">
+                <a:solidFill>
+                  <a:schemeClr val="dk1"/>
+                </a:solidFill>
+              </a:rPr>
+              <a:t>TradeHelp project is inspired by the growing need for reliable stock market predictions and well-informed decision-making, which aims to have important consequences for monetary gain and risk management. In this project we will combine technical expertise with a strong interest in finance, and offer helpful instructional resources for anyone looking to grasp data analysis and machine learning in a real-world setting</a:t>
+            </a:r>
+            <a:r>
+              <a:rPr lang="en-US" sz="2400">
                 <a:solidFill>
                   <a:schemeClr val="dk1"/>
                 </a:solidFill>
@@ -6424,9 +6686,9 @@
                 <a:cs typeface="Arial"/>
                 <a:sym typeface="Arial"/>
               </a:rPr>
-              <a:t>Regression model</a:t>
+              <a:t>.</a:t>
             </a:r>
-            <a:endParaRPr sz="2000" dirty="0">
+            <a:endParaRPr sz="2800">
               <a:solidFill>
                 <a:srgbClr val="FF0000"/>
               </a:solidFill>
@@ -6437,7 +6699,7 @@
             </a:endParaRPr>
           </a:p>
           <a:p>
-            <a:pPr marL="0" marR="0" lvl="0" indent="0" algn="l" rtl="0">
+            <a:pPr indent="0" lvl="0" marL="0" marR="0" rtl="0" algn="l">
               <a:spcBef>
                 <a:spcPts val="1000"/>
               </a:spcBef>
@@ -6447,267 +6709,9 @@
               <a:buNone/>
             </a:pPr>
             <a:r>
-              <a:rPr lang="en-US" sz="2000" dirty="0">
-                <a:solidFill>
-                  <a:srgbClr val="FF0000"/>
-                </a:solidFill>
-                <a:latin typeface="Arial"/>
-                <a:ea typeface="Arial"/>
-                <a:cs typeface="Arial"/>
-                <a:sym typeface="Arial"/>
-              </a:rPr>
-              <a:t>Motivation</a:t>
+              <a:t/>
             </a:r>
-            <a:endParaRPr dirty="0"/>
-          </a:p>
-          <a:p>
-            <a:pPr marL="0" marR="0" lvl="0" indent="0" algn="l" rtl="0">
-              <a:spcBef>
-                <a:spcPts val="0"/>
-              </a:spcBef>
-              <a:spcAft>
-                <a:spcPts val="0"/>
-              </a:spcAft>
-              <a:buNone/>
-            </a:pPr>
-            <a:r>
-              <a:rPr lang="en-US" sz="1600" dirty="0">
-                <a:solidFill>
-                  <a:schemeClr val="dk1"/>
-                </a:solidFill>
-              </a:rPr>
-              <a:t>TradeHelp project is inspired by the growing need for reliable stock market predictions and well-informed decision-making, which aims to have important consequences for monetary gain and risk management. In this project we will combine technical expertise with a strong interest in finance, and offer helpful instructional resources for anyone looking to grasp data analysis and machine learning in a real-world setting</a:t>
-            </a:r>
-            <a:r>
-              <a:rPr lang="en-US" sz="1600" dirty="0">
-                <a:solidFill>
-                  <a:schemeClr val="dk1"/>
-                </a:solidFill>
-                <a:latin typeface="Arial"/>
-                <a:ea typeface="Arial"/>
-                <a:cs typeface="Arial"/>
-                <a:sym typeface="Arial"/>
-              </a:rPr>
-              <a:t>.</a:t>
-            </a:r>
-            <a:endParaRPr sz="2000" dirty="0">
-              <a:solidFill>
-                <a:srgbClr val="FF0000"/>
-              </a:solidFill>
-              <a:latin typeface="Arial"/>
-              <a:ea typeface="Arial"/>
-              <a:cs typeface="Arial"/>
-              <a:sym typeface="Arial"/>
-            </a:endParaRPr>
-          </a:p>
-          <a:p>
-            <a:pPr marL="0" marR="0" lvl="0" indent="0" algn="l" rtl="0">
-              <a:spcBef>
-                <a:spcPts val="1000"/>
-              </a:spcBef>
-              <a:spcAft>
-                <a:spcPts val="0"/>
-              </a:spcAft>
-              <a:buNone/>
-            </a:pPr>
-            <a:r>
-              <a:rPr lang="en-US" sz="2000" dirty="0">
-                <a:solidFill>
-                  <a:srgbClr val="FF0000"/>
-                </a:solidFill>
-                <a:latin typeface="Arial"/>
-                <a:ea typeface="Arial"/>
-                <a:cs typeface="Arial"/>
-                <a:sym typeface="Arial"/>
-              </a:rPr>
-              <a:t>Problem Statement</a:t>
-            </a:r>
-            <a:endParaRPr dirty="0"/>
-          </a:p>
-          <a:p>
-            <a:pPr marL="0" marR="0" lvl="0" indent="0" algn="l" rtl="0">
-              <a:spcBef>
-                <a:spcPts val="0"/>
-              </a:spcBef>
-              <a:spcAft>
-                <a:spcPts val="0"/>
-              </a:spcAft>
-              <a:buNone/>
-            </a:pPr>
-            <a:r>
-              <a:rPr lang="en-US" sz="1600" dirty="0">
-                <a:solidFill>
-                  <a:schemeClr val="dk1"/>
-                </a:solidFill>
-                <a:latin typeface="Arial"/>
-                <a:ea typeface="Arial"/>
-                <a:cs typeface="Arial"/>
-                <a:sym typeface="Arial"/>
-              </a:rPr>
-              <a:t>Developing an accurate stock market prediction system is essential due to the volatility and unpredictability of financial markets. Current methods often fall short, creating risks and missed opportunities for investors. This project aims to create a reliable predictive model to improve decision-making, managing risks, and gaining a competitive edge in the financial industry, while considering ethical and regulatory implications.</a:t>
-            </a:r>
-            <a:endParaRPr sz="2000" dirty="0">
-              <a:solidFill>
-                <a:srgbClr val="FF0000"/>
-              </a:solidFill>
-              <a:latin typeface="Arial"/>
-              <a:ea typeface="Arial"/>
-              <a:cs typeface="Arial"/>
-              <a:sym typeface="Arial"/>
-            </a:endParaRPr>
-          </a:p>
-          <a:p>
-            <a:pPr marL="0" marR="0" lvl="0" indent="0" algn="l" rtl="0">
-              <a:spcBef>
-                <a:spcPts val="1000"/>
-              </a:spcBef>
-              <a:spcAft>
-                <a:spcPts val="0"/>
-              </a:spcAft>
-              <a:buNone/>
-            </a:pPr>
-            <a:r>
-              <a:rPr lang="en-US" sz="2000" dirty="0">
-                <a:solidFill>
-                  <a:srgbClr val="FF0000"/>
-                </a:solidFill>
-                <a:latin typeface="Arial"/>
-                <a:ea typeface="Arial"/>
-                <a:cs typeface="Arial"/>
-                <a:sym typeface="Arial"/>
-              </a:rPr>
-              <a:t>Area of application</a:t>
-            </a:r>
-            <a:endParaRPr dirty="0"/>
-          </a:p>
-          <a:p>
-            <a:pPr marL="0" marR="0" lvl="0" indent="0" algn="l" rtl="0">
-              <a:spcBef>
-                <a:spcPts val="0"/>
-              </a:spcBef>
-              <a:spcAft>
-                <a:spcPts val="0"/>
-              </a:spcAft>
-              <a:buNone/>
-            </a:pPr>
-            <a:r>
-              <a:rPr lang="en-US" sz="1600" dirty="0">
-                <a:solidFill>
-                  <a:schemeClr val="dk1"/>
-                </a:solidFill>
-              </a:rPr>
-              <a:t>Stock Marke</a:t>
-            </a:r>
-            <a:r>
-              <a:rPr lang="en-US" sz="1600" dirty="0">
-                <a:solidFill>
-                  <a:schemeClr val="dk1"/>
-                </a:solidFill>
-                <a:latin typeface="Arial"/>
-                <a:ea typeface="Arial"/>
-                <a:cs typeface="Arial"/>
-                <a:sym typeface="Arial"/>
-              </a:rPr>
-              <a:t>t</a:t>
-            </a:r>
-            <a:endParaRPr sz="2200" dirty="0">
-              <a:solidFill>
-                <a:srgbClr val="FF0000"/>
-              </a:solidFill>
-              <a:latin typeface="Arial"/>
-              <a:ea typeface="Arial"/>
-              <a:cs typeface="Arial"/>
-              <a:sym typeface="Arial"/>
-            </a:endParaRPr>
-          </a:p>
-          <a:p>
-            <a:pPr marL="0" marR="0" lvl="0" indent="0" algn="l" rtl="0">
-              <a:spcBef>
-                <a:spcPts val="1000"/>
-              </a:spcBef>
-              <a:spcAft>
-                <a:spcPts val="0"/>
-              </a:spcAft>
-              <a:buNone/>
-            </a:pPr>
-            <a:r>
-              <a:rPr lang="en-US" sz="2000" dirty="0">
-                <a:solidFill>
-                  <a:srgbClr val="FF0000"/>
-                </a:solidFill>
-                <a:latin typeface="Arial"/>
-                <a:ea typeface="Arial"/>
-                <a:cs typeface="Arial"/>
-                <a:sym typeface="Arial"/>
-              </a:rPr>
-              <a:t>Dataset and input format</a:t>
-            </a:r>
-            <a:endParaRPr dirty="0"/>
-          </a:p>
-          <a:p>
-            <a:pPr marL="0" marR="0" lvl="0" indent="0" algn="l" rtl="0">
-              <a:spcBef>
-                <a:spcPts val="0"/>
-              </a:spcBef>
-              <a:spcAft>
-                <a:spcPts val="0"/>
-              </a:spcAft>
-              <a:buNone/>
-            </a:pPr>
-            <a:r>
-              <a:rPr lang="en-US" sz="1600" u="sng" dirty="0">
-                <a:solidFill>
-                  <a:schemeClr val="hlink"/>
-                </a:solidFill>
-                <a:latin typeface="Arial"/>
-                <a:ea typeface="Arial"/>
-                <a:cs typeface="Arial"/>
-                <a:sym typeface="Arial"/>
-                <a:hlinkClick r:id="rId3"/>
-              </a:rPr>
-              <a:t>Datasets</a:t>
-            </a:r>
-            <a:endParaRPr sz="1600" dirty="0">
-              <a:solidFill>
-                <a:srgbClr val="FF0000"/>
-              </a:solidFill>
-              <a:latin typeface="Arial"/>
-              <a:ea typeface="Arial"/>
-              <a:cs typeface="Arial"/>
-              <a:sym typeface="Arial"/>
-            </a:endParaRPr>
-          </a:p>
-          <a:p>
-            <a:pPr marL="0" marR="0" lvl="0" indent="0" algn="l" rtl="0">
-              <a:spcBef>
-                <a:spcPts val="0"/>
-              </a:spcBef>
-              <a:spcAft>
-                <a:spcPts val="0"/>
-              </a:spcAft>
-              <a:buNone/>
-            </a:pPr>
-            <a:r>
-              <a:rPr lang="en-US" sz="1600" dirty="0">
-                <a:solidFill>
-                  <a:schemeClr val="dk1"/>
-                </a:solidFill>
-              </a:rPr>
-              <a:t>Formats: .txt and .csv</a:t>
-            </a:r>
-            <a:endParaRPr dirty="0"/>
-          </a:p>
-          <a:p>
-            <a:pPr marL="0" marR="0" lvl="0" indent="0" algn="l" rtl="0">
-              <a:spcBef>
-                <a:spcPts val="0"/>
-              </a:spcBef>
-              <a:spcAft>
-                <a:spcPts val="0"/>
-              </a:spcAft>
-              <a:buNone/>
-            </a:pPr>
-            <a:endParaRPr sz="1800" dirty="0">
+            <a:endParaRPr sz="2600">
               <a:solidFill>
                 <a:schemeClr val="dk1"/>
               </a:solidFill>
@@ -6728,11 +6732,11 @@
 </file>
 
 <file path=ppt/slides/slide4.xml><?xml version="1.0" encoding="utf-8"?>
-<p:sld xmlns:a="http://schemas.openxmlformats.org/drawingml/2006/main" xmlns:r="http://schemas.openxmlformats.org/officeDocument/2006/relationships" xmlns:p="http://schemas.openxmlformats.org/presentationml/2006/main">
+<p:sld xmlns:a="http://schemas.openxmlformats.org/drawingml/2006/main" xmlns:r="http://schemas.openxmlformats.org/officeDocument/2006/relationships" xmlns:mc="http://schemas.openxmlformats.org/markup-compatibility/2006" xmlns:mv="urn:schemas-microsoft-com:mac:vml" xmlns:p="http://schemas.openxmlformats.org/presentationml/2006/main" xmlns:c="http://schemas.openxmlformats.org/drawingml/2006/chart" xmlns:dgm="http://schemas.openxmlformats.org/drawingml/2006/diagram" xmlns:o="urn:schemas-microsoft-com:office:office" xmlns:v="urn:schemas-microsoft-com:vml" xmlns:pvml="urn:schemas-microsoft-com:office:powerpoint" xmlns:com="http://schemas.openxmlformats.org/drawingml/2006/compatibility" xmlns:p14="http://schemas.microsoft.com/office/powerpoint/2010/main" xmlns:p15="http://schemas.microsoft.com/office/powerpoint/2012/main" xmlns:ahyp="http://schemas.microsoft.com/office/drawing/2018/hyperlinkcolor">
   <p:cSld>
     <p:spTree>
       <p:nvGrpSpPr>
-        <p:cNvPr id="1" name="Shape 49"/>
+        <p:cNvPr id="49" name="Shape 49"/>
         <p:cNvGrpSpPr/>
         <p:nvPr/>
       </p:nvGrpSpPr>
@@ -6752,8 +6756,8 @@
         </p:nvSpPr>
         <p:spPr>
           <a:xfrm>
-            <a:off x="234487" y="248626"/>
-            <a:ext cx="7530363" cy="584775"/>
+            <a:off x="2732777" y="181525"/>
+            <a:ext cx="7530300" cy="585000"/>
           </a:xfrm>
           <a:prstGeom prst="rect">
             <a:avLst/>
@@ -6764,12 +6768,12 @@
           </a:ln>
         </p:spPr>
         <p:txBody>
-          <a:bodyPr spcFirstLastPara="1" wrap="square" lIns="91425" tIns="45700" rIns="91425" bIns="45700" anchor="t" anchorCtr="0">
+          <a:bodyPr anchorCtr="0" anchor="t" bIns="45700" lIns="91425" spcFirstLastPara="1" rIns="91425" wrap="square" tIns="45700">
             <a:spAutoFit/>
           </a:bodyPr>
           <a:lstStyle/>
           <a:p>
-            <a:pPr marL="0" marR="0" lvl="0" indent="0" algn="l" rtl="0">
+            <a:pPr indent="0" lvl="0" marL="0" marR="0" rtl="0" algn="ctr">
               <a:spcBef>
                 <a:spcPts val="0"/>
               </a:spcBef>
@@ -6779,7 +6783,976 @@
               <a:buNone/>
             </a:pPr>
             <a:r>
-              <a:rPr lang="en-US" sz="3200" b="1">
+              <a:rPr b="1" lang="en-US" sz="3200">
+                <a:solidFill>
+                  <a:srgbClr val="46B0FA"/>
+                </a:solidFill>
+                <a:latin typeface="Arial"/>
+                <a:ea typeface="Arial"/>
+                <a:cs typeface="Arial"/>
+                <a:sym typeface="Arial"/>
+              </a:rPr>
+              <a:t>Introduction</a:t>
+            </a:r>
+            <a:endParaRPr b="1" sz="3200">
+              <a:solidFill>
+                <a:srgbClr val="46B0FA"/>
+              </a:solidFill>
+              <a:latin typeface="Arial"/>
+              <a:ea typeface="Arial"/>
+              <a:cs typeface="Arial"/>
+              <a:sym typeface="Arial"/>
+            </a:endParaRPr>
+          </a:p>
+        </p:txBody>
+      </p:sp>
+      <p:sp>
+        <p:nvSpPr>
+          <p:cNvPr id="51" name="Google Shape;51;p8"/>
+          <p:cNvSpPr txBox="1"/>
+          <p:nvPr/>
+        </p:nvSpPr>
+        <p:spPr>
+          <a:xfrm>
+            <a:off x="325927" y="684557"/>
+            <a:ext cx="11582700" cy="6239100"/>
+          </a:xfrm>
+          <a:prstGeom prst="rect">
+            <a:avLst/>
+          </a:prstGeom>
+          <a:noFill/>
+          <a:ln>
+            <a:noFill/>
+          </a:ln>
+        </p:spPr>
+        <p:txBody>
+          <a:bodyPr anchorCtr="0" anchor="t" bIns="45700" lIns="91425" spcFirstLastPara="1" rIns="91425" wrap="square" tIns="45700">
+            <a:spAutoFit/>
+          </a:bodyPr>
+          <a:lstStyle/>
+          <a:p>
+            <a:pPr indent="0" lvl="0" marL="0" marR="0" rtl="0" algn="l">
+              <a:spcBef>
+                <a:spcPts val="0"/>
+              </a:spcBef>
+              <a:spcAft>
+                <a:spcPts val="0"/>
+              </a:spcAft>
+              <a:buNone/>
+            </a:pPr>
+            <a:r>
+              <a:rPr lang="en-US" sz="2800">
+                <a:solidFill>
+                  <a:srgbClr val="FF0000"/>
+                </a:solidFill>
+                <a:latin typeface="Arial"/>
+                <a:ea typeface="Arial"/>
+                <a:cs typeface="Arial"/>
+                <a:sym typeface="Arial"/>
+              </a:rPr>
+              <a:t>Problem Statement</a:t>
+            </a:r>
+            <a:endParaRPr sz="2200"/>
+          </a:p>
+          <a:p>
+            <a:pPr indent="0" lvl="0" marL="0" marR="0" rtl="0" algn="l">
+              <a:spcBef>
+                <a:spcPts val="0"/>
+              </a:spcBef>
+              <a:spcAft>
+                <a:spcPts val="0"/>
+              </a:spcAft>
+              <a:buNone/>
+            </a:pPr>
+            <a:r>
+              <a:rPr lang="en-US" sz="2400">
+                <a:solidFill>
+                  <a:schemeClr val="dk1"/>
+                </a:solidFill>
+                <a:latin typeface="Arial"/>
+                <a:ea typeface="Arial"/>
+                <a:cs typeface="Arial"/>
+                <a:sym typeface="Arial"/>
+              </a:rPr>
+              <a:t>Developing an accurate stock market prediction system is essential due to the volatility and unpredictability of financial markets. Current methods often fall short, creating risks and missed opportunities for investors. This project aims to create a reliable predictive model to improve decision-making, managing risks, and gaining a competitive edge in the financial industry, while considering ethical and regulatory implications.</a:t>
+            </a:r>
+            <a:endParaRPr sz="2400">
+              <a:solidFill>
+                <a:schemeClr val="dk1"/>
+              </a:solidFill>
+              <a:latin typeface="Arial"/>
+              <a:ea typeface="Arial"/>
+              <a:cs typeface="Arial"/>
+              <a:sym typeface="Arial"/>
+            </a:endParaRPr>
+          </a:p>
+          <a:p>
+            <a:pPr indent="0" lvl="0" marL="0" marR="0" rtl="0" algn="l">
+              <a:spcBef>
+                <a:spcPts val="1000"/>
+              </a:spcBef>
+              <a:spcAft>
+                <a:spcPts val="0"/>
+              </a:spcAft>
+              <a:buNone/>
+            </a:pPr>
+            <a:r>
+              <a:t/>
+            </a:r>
+            <a:endParaRPr sz="2400">
+              <a:solidFill>
+                <a:schemeClr val="dk1"/>
+              </a:solidFill>
+            </a:endParaRPr>
+          </a:p>
+          <a:p>
+            <a:pPr indent="0" lvl="0" marL="0" marR="0" rtl="0" algn="l">
+              <a:spcBef>
+                <a:spcPts val="1000"/>
+              </a:spcBef>
+              <a:spcAft>
+                <a:spcPts val="0"/>
+              </a:spcAft>
+              <a:buNone/>
+            </a:pPr>
+            <a:r>
+              <a:rPr lang="en-US" sz="2800">
+                <a:solidFill>
+                  <a:srgbClr val="FF0000"/>
+                </a:solidFill>
+                <a:latin typeface="Arial"/>
+                <a:ea typeface="Arial"/>
+                <a:cs typeface="Arial"/>
+                <a:sym typeface="Arial"/>
+              </a:rPr>
+              <a:t>Area of application</a:t>
+            </a:r>
+            <a:endParaRPr sz="2200"/>
+          </a:p>
+          <a:p>
+            <a:pPr indent="0" lvl="0" marL="0" marR="0" rtl="0" algn="l">
+              <a:spcBef>
+                <a:spcPts val="0"/>
+              </a:spcBef>
+              <a:spcAft>
+                <a:spcPts val="0"/>
+              </a:spcAft>
+              <a:buNone/>
+            </a:pPr>
+            <a:r>
+              <a:rPr lang="en-US" sz="2400">
+                <a:solidFill>
+                  <a:schemeClr val="dk1"/>
+                </a:solidFill>
+              </a:rPr>
+              <a:t>Stock Marke</a:t>
+            </a:r>
+            <a:r>
+              <a:rPr lang="en-US" sz="2400">
+                <a:solidFill>
+                  <a:schemeClr val="dk1"/>
+                </a:solidFill>
+                <a:latin typeface="Arial"/>
+                <a:ea typeface="Arial"/>
+                <a:cs typeface="Arial"/>
+                <a:sym typeface="Arial"/>
+              </a:rPr>
+              <a:t>t</a:t>
+            </a:r>
+            <a:endParaRPr sz="2400">
+              <a:solidFill>
+                <a:schemeClr val="dk1"/>
+              </a:solidFill>
+            </a:endParaRPr>
+          </a:p>
+          <a:p>
+            <a:pPr indent="0" lvl="0" marL="0" marR="0" rtl="0" algn="l">
+              <a:spcBef>
+                <a:spcPts val="1000"/>
+              </a:spcBef>
+              <a:spcAft>
+                <a:spcPts val="0"/>
+              </a:spcAft>
+              <a:buNone/>
+            </a:pPr>
+            <a:r>
+              <a:t/>
+            </a:r>
+            <a:endParaRPr sz="2400">
+              <a:solidFill>
+                <a:schemeClr val="dk1"/>
+              </a:solidFill>
+            </a:endParaRPr>
+          </a:p>
+          <a:p>
+            <a:pPr indent="0" lvl="0" marL="0" marR="0" rtl="0" algn="l">
+              <a:spcBef>
+                <a:spcPts val="1000"/>
+              </a:spcBef>
+              <a:spcAft>
+                <a:spcPts val="0"/>
+              </a:spcAft>
+              <a:buNone/>
+            </a:pPr>
+            <a:r>
+              <a:rPr lang="en-US" sz="2800">
+                <a:solidFill>
+                  <a:srgbClr val="FF0000"/>
+                </a:solidFill>
+                <a:latin typeface="Arial"/>
+                <a:ea typeface="Arial"/>
+                <a:cs typeface="Arial"/>
+                <a:sym typeface="Arial"/>
+              </a:rPr>
+              <a:t>Dataset and input format</a:t>
+            </a:r>
+            <a:endParaRPr sz="2200"/>
+          </a:p>
+          <a:p>
+            <a:pPr indent="0" lvl="0" marL="0" marR="0" rtl="0" algn="l">
+              <a:spcBef>
+                <a:spcPts val="0"/>
+              </a:spcBef>
+              <a:spcAft>
+                <a:spcPts val="0"/>
+              </a:spcAft>
+              <a:buNone/>
+            </a:pPr>
+            <a:r>
+              <a:rPr lang="en-US" sz="2400" u="sng">
+                <a:solidFill>
+                  <a:schemeClr val="hlink"/>
+                </a:solidFill>
+                <a:latin typeface="Arial"/>
+                <a:ea typeface="Arial"/>
+                <a:cs typeface="Arial"/>
+                <a:sym typeface="Arial"/>
+                <a:hlinkClick r:id="rId3"/>
+              </a:rPr>
+              <a:t>Datasets</a:t>
+            </a:r>
+            <a:endParaRPr sz="2400">
+              <a:solidFill>
+                <a:srgbClr val="FF0000"/>
+              </a:solidFill>
+              <a:latin typeface="Arial"/>
+              <a:ea typeface="Arial"/>
+              <a:cs typeface="Arial"/>
+              <a:sym typeface="Arial"/>
+            </a:endParaRPr>
+          </a:p>
+          <a:p>
+            <a:pPr indent="0" lvl="0" marL="0" marR="0" rtl="0" algn="l">
+              <a:spcBef>
+                <a:spcPts val="0"/>
+              </a:spcBef>
+              <a:spcAft>
+                <a:spcPts val="0"/>
+              </a:spcAft>
+              <a:buNone/>
+            </a:pPr>
+            <a:r>
+              <a:rPr lang="en-US" sz="2400">
+                <a:solidFill>
+                  <a:schemeClr val="dk1"/>
+                </a:solidFill>
+              </a:rPr>
+              <a:t>Formats: .txt and .csv</a:t>
+            </a:r>
+            <a:endParaRPr sz="2200"/>
+          </a:p>
+          <a:p>
+            <a:pPr indent="0" lvl="0" marL="0" marR="0" rtl="0" algn="l">
+              <a:spcBef>
+                <a:spcPts val="0"/>
+              </a:spcBef>
+              <a:spcAft>
+                <a:spcPts val="0"/>
+              </a:spcAft>
+              <a:buNone/>
+            </a:pPr>
+            <a:r>
+              <a:t/>
+            </a:r>
+            <a:endParaRPr sz="1800">
+              <a:solidFill>
+                <a:schemeClr val="dk1"/>
+              </a:solidFill>
+              <a:latin typeface="Arial"/>
+              <a:ea typeface="Arial"/>
+              <a:cs typeface="Arial"/>
+              <a:sym typeface="Arial"/>
+            </a:endParaRPr>
+          </a:p>
+        </p:txBody>
+      </p:sp>
+    </p:spTree>
+  </p:cSld>
+  <p:clrMapOvr>
+    <a:masterClrMapping/>
+  </p:clrMapOvr>
+</p:sld>
+</file>
+
+<file path=ppt/slides/slide5.xml><?xml version="1.0" encoding="utf-8"?>
+<p:sld xmlns:a="http://schemas.openxmlformats.org/drawingml/2006/main" xmlns:r="http://schemas.openxmlformats.org/officeDocument/2006/relationships" xmlns:mc="http://schemas.openxmlformats.org/markup-compatibility/2006" xmlns:mv="urn:schemas-microsoft-com:mac:vml" xmlns:p="http://schemas.openxmlformats.org/presentationml/2006/main" xmlns:c="http://schemas.openxmlformats.org/drawingml/2006/chart" xmlns:dgm="http://schemas.openxmlformats.org/drawingml/2006/diagram" xmlns:o="urn:schemas-microsoft-com:office:office" xmlns:v="urn:schemas-microsoft-com:vml" xmlns:pvml="urn:schemas-microsoft-com:office:powerpoint" xmlns:com="http://schemas.openxmlformats.org/drawingml/2006/compatibility" xmlns:p14="http://schemas.microsoft.com/office/powerpoint/2010/main" xmlns:p15="http://schemas.microsoft.com/office/powerpoint/2012/main" xmlns:ahyp="http://schemas.microsoft.com/office/drawing/2018/hyperlinkcolor">
+  <p:cSld>
+    <p:spTree>
+      <p:nvGrpSpPr>
+        <p:cNvPr id="55" name="Shape 55"/>
+        <p:cNvGrpSpPr/>
+        <p:nvPr/>
+      </p:nvGrpSpPr>
+      <p:grpSpPr>
+        <a:xfrm>
+          <a:off x="0" y="0"/>
+          <a:ext cx="0" cy="0"/>
+          <a:chOff x="0" y="0"/>
+          <a:chExt cx="0" cy="0"/>
+        </a:xfrm>
+      </p:grpSpPr>
+      <p:sp>
+        <p:nvSpPr>
+          <p:cNvPr id="56" name="Google Shape;56;p9"/>
+          <p:cNvSpPr txBox="1"/>
+          <p:nvPr/>
+        </p:nvSpPr>
+        <p:spPr>
+          <a:xfrm>
+            <a:off x="2774087" y="248401"/>
+            <a:ext cx="7530300" cy="585000"/>
+          </a:xfrm>
+          <a:prstGeom prst="rect">
+            <a:avLst/>
+          </a:prstGeom>
+          <a:noFill/>
+          <a:ln>
+            <a:noFill/>
+          </a:ln>
+        </p:spPr>
+        <p:txBody>
+          <a:bodyPr anchorCtr="0" anchor="t" bIns="45700" lIns="91425" spcFirstLastPara="1" rIns="91425" wrap="square" tIns="45700">
+            <a:spAutoFit/>
+          </a:bodyPr>
+          <a:lstStyle/>
+          <a:p>
+            <a:pPr indent="0" lvl="0" marL="0" marR="0" rtl="0" algn="ctr">
+              <a:spcBef>
+                <a:spcPts val="0"/>
+              </a:spcBef>
+              <a:spcAft>
+                <a:spcPts val="0"/>
+              </a:spcAft>
+              <a:buNone/>
+            </a:pPr>
+            <a:r>
+              <a:rPr b="1" lang="en-US" sz="3200">
+                <a:solidFill>
+                  <a:srgbClr val="46B0FA"/>
+                </a:solidFill>
+                <a:latin typeface="Arial"/>
+                <a:ea typeface="Arial"/>
+                <a:cs typeface="Arial"/>
+                <a:sym typeface="Arial"/>
+              </a:rPr>
+              <a:t>Literature Review</a:t>
+            </a:r>
+            <a:endParaRPr/>
+          </a:p>
+        </p:txBody>
+      </p:sp>
+      <p:graphicFrame>
+        <p:nvGraphicFramePr>
+          <p:cNvPr id="57" name="Google Shape;57;p9"/>
+          <p:cNvGraphicFramePr/>
+          <p:nvPr/>
+        </p:nvGraphicFramePr>
+        <p:xfrm>
+          <a:off x="725500" y="833400"/>
+          <a:ext cx="3000000" cy="3000000"/>
+        </p:xfrm>
+        <a:graphic>
+          <a:graphicData uri="http://schemas.openxmlformats.org/drawingml/2006/table">
+            <a:tbl>
+              <a:tblPr>
+                <a:noFill/>
+                <a:tableStyleId>{E6B15BCC-905A-470D-B6B1-D08E4896F88D}</a:tableStyleId>
+              </a:tblPr>
+              <a:tblGrid>
+                <a:gridCol w="3778375"/>
+                <a:gridCol w="7123925"/>
+              </a:tblGrid>
+              <a:tr h="381000">
+                <a:tc>
+                  <a:txBody>
+                    <a:bodyPr/>
+                    <a:lstStyle/>
+                    <a:p>
+                      <a:pPr indent="0" lvl="0" marL="0" rtl="0" algn="ctr">
+                        <a:spcBef>
+                          <a:spcPts val="0"/>
+                        </a:spcBef>
+                        <a:spcAft>
+                          <a:spcPts val="0"/>
+                        </a:spcAft>
+                        <a:buNone/>
+                      </a:pPr>
+                      <a:r>
+                        <a:rPr b="1" lang="en-US"/>
+                        <a:t>TITLE</a:t>
+                      </a:r>
+                      <a:endParaRPr b="1"/>
+                    </a:p>
+                  </a:txBody>
+                  <a:tcPr marT="91425" marB="91425" marR="91425" marL="91425"/>
+                </a:tc>
+                <a:tc>
+                  <a:txBody>
+                    <a:bodyPr/>
+                    <a:lstStyle/>
+                    <a:p>
+                      <a:pPr indent="0" lvl="0" marL="0" rtl="0" algn="ctr">
+                        <a:spcBef>
+                          <a:spcPts val="0"/>
+                        </a:spcBef>
+                        <a:spcAft>
+                          <a:spcPts val="0"/>
+                        </a:spcAft>
+                        <a:buNone/>
+                      </a:pPr>
+                      <a:r>
+                        <a:rPr b="1" lang="en-US"/>
+                        <a:t>INFERENCE</a:t>
+                      </a:r>
+                      <a:endParaRPr b="1"/>
+                    </a:p>
+                  </a:txBody>
+                  <a:tcPr marT="91425" marB="91425" marR="91425" marL="91425"/>
+                </a:tc>
+              </a:tr>
+              <a:tr h="381000">
+                <a:tc>
+                  <a:txBody>
+                    <a:bodyPr/>
+                    <a:lstStyle/>
+                    <a:p>
+                      <a:pPr indent="0" lvl="0" marL="0" rtl="0" algn="l">
+                        <a:spcBef>
+                          <a:spcPts val="0"/>
+                        </a:spcBef>
+                        <a:spcAft>
+                          <a:spcPts val="0"/>
+                        </a:spcAft>
+                        <a:buClr>
+                          <a:schemeClr val="dk1"/>
+                        </a:buClr>
+                        <a:buSzPts val="1100"/>
+                        <a:buFont typeface="Arial"/>
+                        <a:buNone/>
+                      </a:pPr>
+                      <a:r>
+                        <a:rPr lang="en-US" u="sng">
+                          <a:solidFill>
+                            <a:schemeClr val="hlink"/>
+                          </a:solidFill>
+                          <a:hlinkClick r:id="rId3"/>
+                        </a:rPr>
+                        <a:t>Stock Market Analysis Using Linear Regression and Decision Tree Regression</a:t>
+                      </a:r>
+                      <a:r>
+                        <a:rPr lang="en-US"/>
+                        <a:t> [1]</a:t>
+                      </a:r>
+                      <a:endParaRPr/>
+                    </a:p>
+                  </a:txBody>
+                  <a:tcPr marT="91425" marB="91425" marR="91425" marL="91425"/>
+                </a:tc>
+                <a:tc>
+                  <a:txBody>
+                    <a:bodyPr/>
+                    <a:lstStyle/>
+                    <a:p>
+                      <a:pPr indent="0" lvl="0" marL="0" rtl="0" algn="l">
+                        <a:spcBef>
+                          <a:spcPts val="0"/>
+                        </a:spcBef>
+                        <a:spcAft>
+                          <a:spcPts val="0"/>
+                        </a:spcAft>
+                        <a:buNone/>
+                      </a:pPr>
+                      <a:r>
+                        <a:rPr lang="en-US"/>
+                        <a:t>In</a:t>
+                      </a:r>
+                      <a:r>
+                        <a:rPr lang="en-US"/>
+                        <a:t> this paper, two supervised regression machine learning algorithms are taken and a statistic formula is used to </a:t>
+                      </a:r>
+                      <a:r>
+                        <a:rPr lang="en-US">
+                          <a:solidFill>
+                            <a:schemeClr val="dk1"/>
+                          </a:solidFill>
+                        </a:rPr>
+                        <a:t> predict</a:t>
+                      </a:r>
+                      <a:r>
+                        <a:rPr lang="en-US"/>
+                        <a:t> the better accuracy of stock price and then comparing the performance based on the size of the dataset and algorithmically.</a:t>
+                      </a:r>
+                      <a:endParaRPr b="1"/>
+                    </a:p>
+                  </a:txBody>
+                  <a:tcPr marT="91425" marB="91425" marR="91425" marL="91425"/>
+                </a:tc>
+              </a:tr>
+              <a:tr h="381000">
+                <a:tc>
+                  <a:txBody>
+                    <a:bodyPr/>
+                    <a:lstStyle/>
+                    <a:p>
+                      <a:pPr indent="0" lvl="0" marL="0" rtl="0" algn="l">
+                        <a:spcBef>
+                          <a:spcPts val="0"/>
+                        </a:spcBef>
+                        <a:spcAft>
+                          <a:spcPts val="0"/>
+                        </a:spcAft>
+                        <a:buNone/>
+                      </a:pPr>
+                      <a:r>
+                        <a:rPr lang="en-US" u="sng">
+                          <a:solidFill>
+                            <a:schemeClr val="hlink"/>
+                          </a:solidFill>
+                          <a:hlinkClick r:id="rId4"/>
+                        </a:rPr>
+                        <a:t>Analysis of stock market predictor variables using linear regression </a:t>
+                      </a:r>
+                      <a:r>
+                        <a:rPr lang="en-US"/>
+                        <a:t> [2]</a:t>
+                      </a:r>
+                      <a:endParaRPr/>
+                    </a:p>
+                  </a:txBody>
+                  <a:tcPr marT="91425" marB="91425" marR="91425" marL="91425"/>
+                </a:tc>
+                <a:tc>
+                  <a:txBody>
+                    <a:bodyPr/>
+                    <a:lstStyle/>
+                    <a:p>
+                      <a:pPr indent="0" lvl="0" marL="0" rtl="0" algn="l">
+                        <a:spcBef>
+                          <a:spcPts val="0"/>
+                        </a:spcBef>
+                        <a:spcAft>
+                          <a:spcPts val="0"/>
+                        </a:spcAft>
+                        <a:buNone/>
+                      </a:pPr>
+                      <a:r>
+                        <a:rPr lang="en-US"/>
+                        <a:t>In this paper, there are two models having </a:t>
+                      </a:r>
+                      <a:r>
+                        <a:rPr lang="en-US"/>
+                        <a:t>different</a:t>
+                      </a:r>
+                      <a:r>
+                        <a:rPr lang="en-US"/>
+                        <a:t> features. One model having all the features and the other model with two features volume and adjusted close omitted. Based on these features various accuracy methods are used to analyse the performance.</a:t>
+                      </a:r>
+                      <a:endParaRPr/>
+                    </a:p>
+                  </a:txBody>
+                  <a:tcPr marT="91425" marB="91425" marR="91425" marL="91425"/>
+                </a:tc>
+              </a:tr>
+              <a:tr h="381000">
+                <a:tc>
+                  <a:txBody>
+                    <a:bodyPr/>
+                    <a:lstStyle/>
+                    <a:p>
+                      <a:pPr indent="0" lvl="0" marL="0" rtl="0" algn="l">
+                        <a:spcBef>
+                          <a:spcPts val="0"/>
+                        </a:spcBef>
+                        <a:spcAft>
+                          <a:spcPts val="0"/>
+                        </a:spcAft>
+                        <a:buClr>
+                          <a:schemeClr val="dk1"/>
+                        </a:buClr>
+                        <a:buSzPts val="1100"/>
+                        <a:buFont typeface="Arial"/>
+                        <a:buNone/>
+                      </a:pPr>
+                      <a:r>
+                        <a:rPr lang="en-US" u="sng">
+                          <a:solidFill>
+                            <a:schemeClr val="hlink"/>
+                          </a:solidFill>
+                          <a:hlinkClick r:id="rId5"/>
+                        </a:rPr>
+                        <a:t>Stock Price Prediction using Linear Regression in Machine Learning</a:t>
+                      </a:r>
+                      <a:r>
+                        <a:rPr lang="en-US"/>
+                        <a:t> [3]</a:t>
+                      </a:r>
+                      <a:endParaRPr/>
+                    </a:p>
+                  </a:txBody>
+                  <a:tcPr marT="91425" marB="91425" marR="91425" marL="91425"/>
+                </a:tc>
+                <a:tc>
+                  <a:txBody>
+                    <a:bodyPr/>
+                    <a:lstStyle/>
+                    <a:p>
+                      <a:pPr indent="0" lvl="0" marL="0" rtl="0" algn="l">
+                        <a:spcBef>
+                          <a:spcPts val="0"/>
+                        </a:spcBef>
+                        <a:spcAft>
+                          <a:spcPts val="0"/>
+                        </a:spcAft>
+                        <a:buNone/>
+                      </a:pPr>
+                      <a:r>
+                        <a:rPr lang="en-US"/>
+                        <a:t>The paper </a:t>
+                      </a:r>
+                      <a:r>
+                        <a:rPr lang="en-US"/>
+                        <a:t>anticipates the stock price of the organization on any day by utilizing straight relapse and polynomial relapse based on the exactness of the various models for regression.</a:t>
+                      </a:r>
+                      <a:endParaRPr/>
+                    </a:p>
+                  </a:txBody>
+                  <a:tcPr marT="91425" marB="91425" marR="91425" marL="91425"/>
+                </a:tc>
+              </a:tr>
+              <a:tr h="381000">
+                <a:tc>
+                  <a:txBody>
+                    <a:bodyPr/>
+                    <a:lstStyle/>
+                    <a:p>
+                      <a:pPr indent="0" lvl="0" marL="0" rtl="0" algn="l">
+                        <a:spcBef>
+                          <a:spcPts val="0"/>
+                        </a:spcBef>
+                        <a:spcAft>
+                          <a:spcPts val="0"/>
+                        </a:spcAft>
+                        <a:buClr>
+                          <a:schemeClr val="dk1"/>
+                        </a:buClr>
+                        <a:buSzPts val="1100"/>
+                        <a:buFont typeface="Arial"/>
+                        <a:buNone/>
+                      </a:pPr>
+                      <a:r>
+                        <a:rPr lang="en-US" u="sng">
+                          <a:solidFill>
+                            <a:schemeClr val="hlink"/>
+                          </a:solidFill>
+                          <a:hlinkClick r:id="rId6"/>
+                        </a:rPr>
+                        <a:t>stock market prediction using linear regression modeling</a:t>
+                      </a:r>
+                      <a:endParaRPr>
+                        <a:solidFill>
+                          <a:schemeClr val="dk1"/>
+                        </a:solidFill>
+                      </a:endParaRPr>
+                    </a:p>
+                    <a:p>
+                      <a:pPr indent="0" lvl="0" marL="0" rtl="0" algn="l">
+                        <a:spcBef>
+                          <a:spcPts val="0"/>
+                        </a:spcBef>
+                        <a:spcAft>
+                          <a:spcPts val="0"/>
+                        </a:spcAft>
+                        <a:buNone/>
+                      </a:pPr>
+                      <a:r>
+                        <a:t/>
+                      </a:r>
+                      <a:endParaRPr/>
+                    </a:p>
+                  </a:txBody>
+                  <a:tcPr marT="91425" marB="91425" marR="91425" marL="91425"/>
+                </a:tc>
+                <a:tc>
+                  <a:txBody>
+                    <a:bodyPr/>
+                    <a:lstStyle/>
+                    <a:p>
+                      <a:pPr indent="0" lvl="0" marL="0" rtl="0" algn="l">
+                        <a:spcBef>
+                          <a:spcPts val="0"/>
+                        </a:spcBef>
+                        <a:spcAft>
+                          <a:spcPts val="0"/>
+                        </a:spcAft>
+                        <a:buNone/>
+                      </a:pPr>
+                      <a:r>
+                        <a:rPr lang="en-US"/>
+                        <a:t>This site stated that l</a:t>
+                      </a:r>
+                      <a:r>
+                        <a:rPr lang="en-US"/>
+                        <a:t>inear regression models are gaining prominence in stock market prediction due to their potential to provide more accurate forecasts amidst the constantly changing stock prices.</a:t>
+                      </a:r>
+                      <a:endParaRPr/>
+                    </a:p>
+                  </a:txBody>
+                  <a:tcPr marT="91425" marB="91425" marR="91425" marL="91425"/>
+                </a:tc>
+              </a:tr>
+              <a:tr h="381000">
+                <a:tc>
+                  <a:txBody>
+                    <a:bodyPr/>
+                    <a:lstStyle/>
+                    <a:p>
+                      <a:pPr indent="0" lvl="0" marL="0" rtl="0" algn="l">
+                        <a:spcBef>
+                          <a:spcPts val="0"/>
+                        </a:spcBef>
+                        <a:spcAft>
+                          <a:spcPts val="0"/>
+                        </a:spcAft>
+                        <a:buNone/>
+                      </a:pPr>
+                      <a:r>
+                        <a:rPr lang="en-US" u="sng">
+                          <a:solidFill>
+                            <a:schemeClr val="hlink"/>
+                          </a:solidFill>
+                          <a:hlinkClick r:id="rId7"/>
+                        </a:rPr>
+                        <a:t>Machine Learning Regression</a:t>
+                      </a:r>
+                      <a:endParaRPr/>
+                    </a:p>
+                  </a:txBody>
+                  <a:tcPr marT="91425" marB="91425" marR="91425" marL="91425"/>
+                </a:tc>
+                <a:tc>
+                  <a:txBody>
+                    <a:bodyPr/>
+                    <a:lstStyle/>
+                    <a:p>
+                      <a:pPr indent="0" lvl="0" marL="0" rtl="0" algn="l">
+                        <a:spcBef>
+                          <a:spcPts val="0"/>
+                        </a:spcBef>
+                        <a:spcAft>
+                          <a:spcPts val="0"/>
+                        </a:spcAft>
+                        <a:buNone/>
+                      </a:pPr>
+                      <a:r>
+                        <a:rPr lang="en-US"/>
+                        <a:t>This site gives a basic introduction of Machine Learning and knowledge about linear regression from absolute basics.</a:t>
+                      </a:r>
+                      <a:endParaRPr/>
+                    </a:p>
+                  </a:txBody>
+                  <a:tcPr marT="91425" marB="91425" marR="91425" marL="91425"/>
+                </a:tc>
+              </a:tr>
+              <a:tr h="381000">
+                <a:tc>
+                  <a:txBody>
+                    <a:bodyPr/>
+                    <a:lstStyle/>
+                    <a:p>
+                      <a:pPr indent="0" lvl="0" marL="0" rtl="0" algn="l">
+                        <a:spcBef>
+                          <a:spcPts val="0"/>
+                        </a:spcBef>
+                        <a:spcAft>
+                          <a:spcPts val="0"/>
+                        </a:spcAft>
+                        <a:buNone/>
+                      </a:pPr>
+                      <a:r>
+                        <a:rPr lang="en-US" u="sng">
+                          <a:solidFill>
+                            <a:schemeClr val="hlink"/>
+                          </a:solidFill>
+                          <a:hlinkClick r:id="rId8"/>
+                        </a:rPr>
+                        <a:t>Regression Analysis and the Best Fitting Line using C++</a:t>
+                      </a:r>
+                      <a:endParaRPr/>
+                    </a:p>
+                  </a:txBody>
+                  <a:tcPr marT="91425" marB="91425" marR="91425" marL="91425"/>
+                </a:tc>
+                <a:tc>
+                  <a:txBody>
+                    <a:bodyPr/>
+                    <a:lstStyle/>
+                    <a:p>
+                      <a:pPr indent="0" lvl="0" marL="0" rtl="0" algn="l">
+                        <a:spcBef>
+                          <a:spcPts val="0"/>
+                        </a:spcBef>
+                        <a:spcAft>
+                          <a:spcPts val="0"/>
+                        </a:spcAft>
+                        <a:buClr>
+                          <a:schemeClr val="dk1"/>
+                        </a:buClr>
+                        <a:buSzPts val="1100"/>
+                        <a:buFont typeface="Arial"/>
+                        <a:buNone/>
+                      </a:pPr>
+                      <a:r>
+                        <a:rPr lang="en-US">
+                          <a:solidFill>
+                            <a:schemeClr val="dk1"/>
+                          </a:solidFill>
+                        </a:rPr>
+                        <a:t>This article discusses the basics of linear regression and its implementation in the C++ programming language. It also helps to find the best fit line for the data.</a:t>
+                      </a:r>
+                      <a:endParaRPr/>
+                    </a:p>
+                  </a:txBody>
+                  <a:tcPr marT="91425" marB="91425" marR="91425" marL="91425"/>
+                </a:tc>
+              </a:tr>
+              <a:tr h="381000">
+                <a:tc>
+                  <a:txBody>
+                    <a:bodyPr/>
+                    <a:lstStyle/>
+                    <a:p>
+                      <a:pPr indent="0" lvl="0" marL="0" rtl="0" algn="l">
+                        <a:spcBef>
+                          <a:spcPts val="0"/>
+                        </a:spcBef>
+                        <a:spcAft>
+                          <a:spcPts val="0"/>
+                        </a:spcAft>
+                        <a:buNone/>
+                      </a:pPr>
+                      <a:r>
+                        <a:rPr lang="en-US" u="sng">
+                          <a:solidFill>
+                            <a:schemeClr val="hlink"/>
+                          </a:solidFill>
+                          <a:hlinkClick r:id="rId9"/>
+                        </a:rPr>
+                        <a:t>Linear regression from scratch in c++</a:t>
+                      </a:r>
+                      <a:endParaRPr/>
+                    </a:p>
+                  </a:txBody>
+                  <a:tcPr marT="91425" marB="91425" marR="91425" marL="91425"/>
+                </a:tc>
+                <a:tc>
+                  <a:txBody>
+                    <a:bodyPr/>
+                    <a:lstStyle/>
+                    <a:p>
+                      <a:pPr indent="0" lvl="0" marL="0" rtl="0" algn="l">
+                        <a:spcBef>
+                          <a:spcPts val="0"/>
+                        </a:spcBef>
+                        <a:spcAft>
+                          <a:spcPts val="0"/>
+                        </a:spcAft>
+                        <a:buNone/>
+                      </a:pPr>
+                      <a:r>
+                        <a:rPr lang="en-US"/>
+                        <a:t>This videos helped us to see the implementation of linear regression in c++ and also visualize using graph. </a:t>
+                      </a:r>
+                      <a:endParaRPr/>
+                    </a:p>
+                  </a:txBody>
+                  <a:tcPr marT="91425" marB="91425" marR="91425" marL="91425"/>
+                </a:tc>
+              </a:tr>
+            </a:tbl>
+          </a:graphicData>
+        </a:graphic>
+      </p:graphicFrame>
+    </p:spTree>
+  </p:cSld>
+  <p:clrMapOvr>
+    <a:masterClrMapping/>
+  </p:clrMapOvr>
+</p:sld>
+</file>
+
+<file path=ppt/slides/slide6.xml><?xml version="1.0" encoding="utf-8"?>
+<p:sld xmlns:a="http://schemas.openxmlformats.org/drawingml/2006/main" xmlns:r="http://schemas.openxmlformats.org/officeDocument/2006/relationships" xmlns:mc="http://schemas.openxmlformats.org/markup-compatibility/2006" xmlns:mv="urn:schemas-microsoft-com:mac:vml" xmlns:p="http://schemas.openxmlformats.org/presentationml/2006/main" xmlns:c="http://schemas.openxmlformats.org/drawingml/2006/chart" xmlns:dgm="http://schemas.openxmlformats.org/drawingml/2006/diagram" xmlns:o="urn:schemas-microsoft-com:office:office" xmlns:v="urn:schemas-microsoft-com:vml" xmlns:pvml="urn:schemas-microsoft-com:office:powerpoint" xmlns:com="http://schemas.openxmlformats.org/drawingml/2006/compatibility" xmlns:p14="http://schemas.microsoft.com/office/powerpoint/2010/main" xmlns:p15="http://schemas.microsoft.com/office/powerpoint/2012/main" xmlns:ahyp="http://schemas.microsoft.com/office/drawing/2018/hyperlinkcolor">
+  <p:cSld>
+    <p:spTree>
+      <p:nvGrpSpPr>
+        <p:cNvPr id="61" name="Shape 61"/>
+        <p:cNvGrpSpPr/>
+        <p:nvPr/>
+      </p:nvGrpSpPr>
+      <p:grpSpPr>
+        <a:xfrm>
+          <a:off x="0" y="0"/>
+          <a:ext cx="0" cy="0"/>
+          <a:chOff x="0" y="0"/>
+          <a:chExt cx="0" cy="0"/>
+        </a:xfrm>
+      </p:grpSpPr>
+      <p:sp>
+        <p:nvSpPr>
+          <p:cNvPr id="62" name="Google Shape;62;p10"/>
+          <p:cNvSpPr txBox="1"/>
+          <p:nvPr/>
+        </p:nvSpPr>
+        <p:spPr>
+          <a:xfrm>
+            <a:off x="2167462" y="104676"/>
+            <a:ext cx="7530300" cy="585000"/>
+          </a:xfrm>
+          <a:prstGeom prst="rect">
+            <a:avLst/>
+          </a:prstGeom>
+          <a:noFill/>
+          <a:ln>
+            <a:noFill/>
+          </a:ln>
+        </p:spPr>
+        <p:txBody>
+          <a:bodyPr anchorCtr="0" anchor="ctr" bIns="45700" lIns="91425" spcFirstLastPara="1" rIns="91425" wrap="square" tIns="45700">
+            <a:noAutofit/>
+          </a:bodyPr>
+          <a:lstStyle/>
+          <a:p>
+            <a:pPr indent="0" lvl="0" marL="0" marR="0" rtl="0" algn="ctr">
+              <a:spcBef>
+                <a:spcPts val="0"/>
+              </a:spcBef>
+              <a:spcAft>
+                <a:spcPts val="0"/>
+              </a:spcAft>
+              <a:buNone/>
+            </a:pPr>
+            <a:r>
+              <a:rPr b="1" lang="en-US" sz="3200">
                 <a:solidFill>
                   <a:srgbClr val="46B0FA"/>
                 </a:solidFill>
@@ -6796,670 +7769,7 @@
       </p:sp>
       <p:sp>
         <p:nvSpPr>
-          <p:cNvPr id="51" name="Google Shape;51;p8"/>
-          <p:cNvSpPr txBox="1"/>
-          <p:nvPr/>
-        </p:nvSpPr>
-        <p:spPr>
-          <a:xfrm>
-            <a:off x="1123405" y="1374033"/>
-            <a:ext cx="9901002" cy="923330"/>
-          </a:xfrm>
-          <a:prstGeom prst="rect">
-            <a:avLst/>
-          </a:prstGeom>
-          <a:noFill/>
-          <a:ln>
-            <a:noFill/>
-          </a:ln>
-        </p:spPr>
-        <p:txBody>
-          <a:bodyPr spcFirstLastPara="1" wrap="square" lIns="91425" tIns="45700" rIns="91425" bIns="45700" anchor="t" anchorCtr="0">
-            <a:spAutoFit/>
-          </a:bodyPr>
-          <a:lstStyle/>
-          <a:p>
-            <a:pPr marL="0" marR="0" lvl="0" indent="0" algn="l" rtl="0">
-              <a:lnSpc>
-                <a:spcPct val="100000"/>
-              </a:lnSpc>
-              <a:spcBef>
-                <a:spcPts val="0"/>
-              </a:spcBef>
-              <a:spcAft>
-                <a:spcPts val="0"/>
-              </a:spcAft>
-              <a:buClr>
-                <a:srgbClr val="FF0000"/>
-              </a:buClr>
-              <a:buSzPts val="2000"/>
-              <a:buFont typeface="Arial"/>
-              <a:buNone/>
-            </a:pPr>
-            <a:r>
-              <a:rPr lang="en-US" sz="2000" b="0" i="0" u="none" strike="noStrike" cap="none">
-                <a:solidFill>
-                  <a:srgbClr val="FF0000"/>
-                </a:solidFill>
-                <a:latin typeface="Arial"/>
-                <a:ea typeface="Arial"/>
-                <a:cs typeface="Arial"/>
-                <a:sym typeface="Arial"/>
-              </a:rPr>
-              <a:t>Cite Related work</a:t>
-            </a:r>
-            <a:endParaRPr sz="1400" b="0" i="0" u="none" strike="noStrike" cap="none">
-              <a:solidFill>
-                <a:schemeClr val="dk1"/>
-              </a:solidFill>
-              <a:latin typeface="Arial"/>
-              <a:ea typeface="Arial"/>
-              <a:cs typeface="Arial"/>
-              <a:sym typeface="Arial"/>
-            </a:endParaRPr>
-          </a:p>
-          <a:p>
-            <a:pPr marL="0" marR="0" lvl="0" indent="0" algn="l" rtl="0">
-              <a:lnSpc>
-                <a:spcPct val="100000"/>
-              </a:lnSpc>
-              <a:spcBef>
-                <a:spcPts val="0"/>
-              </a:spcBef>
-              <a:spcAft>
-                <a:spcPts val="0"/>
-              </a:spcAft>
-              <a:buClr>
-                <a:schemeClr val="dk1"/>
-              </a:buClr>
-              <a:buSzPts val="1400"/>
-              <a:buFont typeface="Arial"/>
-              <a:buNone/>
-            </a:pPr>
-            <a:r>
-              <a:rPr lang="en-US" sz="1400" b="0" i="0" u="none" strike="noStrike" cap="none">
-                <a:solidFill>
-                  <a:schemeClr val="dk1"/>
-                </a:solidFill>
-                <a:latin typeface="Arial"/>
-                <a:ea typeface="Arial"/>
-                <a:cs typeface="Arial"/>
-                <a:sym typeface="Arial"/>
-              </a:rPr>
-              <a:t>S</a:t>
-            </a:r>
-            <a:endParaRPr sz="2000" b="0" i="0" u="none" strike="noStrike" cap="none">
-              <a:solidFill>
-                <a:srgbClr val="FF0000"/>
-              </a:solidFill>
-              <a:latin typeface="Arial"/>
-              <a:ea typeface="Arial"/>
-              <a:cs typeface="Arial"/>
-              <a:sym typeface="Arial"/>
-            </a:endParaRPr>
-          </a:p>
-          <a:p>
-            <a:pPr marL="0" marR="0" lvl="0" indent="0" algn="l" rtl="0">
-              <a:lnSpc>
-                <a:spcPct val="100000"/>
-              </a:lnSpc>
-              <a:spcBef>
-                <a:spcPts val="0"/>
-              </a:spcBef>
-              <a:spcAft>
-                <a:spcPts val="0"/>
-              </a:spcAft>
-              <a:buClr>
-                <a:srgbClr val="FF0000"/>
-              </a:buClr>
-              <a:buSzPts val="2000"/>
-              <a:buFont typeface="Arial"/>
-              <a:buNone/>
-            </a:pPr>
-            <a:r>
-              <a:rPr lang="en-US" sz="2000" b="0" i="0" u="none" strike="noStrike" cap="none">
-                <a:solidFill>
-                  <a:srgbClr val="FF0000"/>
-                </a:solidFill>
-                <a:latin typeface="Arial"/>
-                <a:ea typeface="Arial"/>
-                <a:cs typeface="Arial"/>
-                <a:sym typeface="Arial"/>
-              </a:rPr>
-              <a:t>Inference from Literature</a:t>
-            </a:r>
-            <a:endParaRPr/>
-          </a:p>
-        </p:txBody>
-      </p:sp>
-      <p:graphicFrame>
-        <p:nvGraphicFramePr>
-          <p:cNvPr id="52" name="Google Shape;52;p8"/>
-          <p:cNvGraphicFramePr/>
-          <p:nvPr/>
-        </p:nvGraphicFramePr>
-        <p:xfrm>
-          <a:off x="1123393" y="2776057"/>
-          <a:ext cx="10239375" cy="3697600"/>
-        </p:xfrm>
-        <a:graphic>
-          <a:graphicData uri="http://schemas.openxmlformats.org/drawingml/2006/table">
-            <a:tbl>
-              <a:tblPr firstRow="1" bandRow="1">
-                <a:noFill/>
-                <a:tableStyleId>{A02AA1C1-17C9-4CB9-8975-22F85BFEBCED}</a:tableStyleId>
-              </a:tblPr>
-              <a:tblGrid>
-                <a:gridCol w="2874050">
-                  <a:extLst>
-                    <a:ext uri="{9D8B030D-6E8A-4147-A177-3AD203B41FA5}">
-                      <a16:colId xmlns:a16="http://schemas.microsoft.com/office/drawing/2014/main" val="20000"/>
-                    </a:ext>
-                  </a:extLst>
-                </a:gridCol>
-                <a:gridCol w="7365325">
-                  <a:extLst>
-                    <a:ext uri="{9D8B030D-6E8A-4147-A177-3AD203B41FA5}">
-                      <a16:colId xmlns:a16="http://schemas.microsoft.com/office/drawing/2014/main" val="20001"/>
-                    </a:ext>
-                  </a:extLst>
-                </a:gridCol>
-              </a:tblGrid>
-              <a:tr h="405800">
-                <a:tc>
-                  <a:txBody>
-                    <a:bodyPr/>
-                    <a:lstStyle/>
-                    <a:p>
-                      <a:pPr marL="0" marR="0" lvl="0" indent="0" algn="l" rtl="0">
-                        <a:spcBef>
-                          <a:spcPts val="0"/>
-                        </a:spcBef>
-                        <a:spcAft>
-                          <a:spcPts val="0"/>
-                        </a:spcAft>
-                        <a:buNone/>
-                      </a:pPr>
-                      <a:r>
-                        <a:rPr lang="en-US" sz="1800"/>
-                        <a:t>Source</a:t>
-                      </a:r>
-                      <a:endParaRPr sz="1800"/>
-                    </a:p>
-                  </a:txBody>
-                  <a:tcPr marL="91450" marR="91450" marT="45725" marB="45725"/>
-                </a:tc>
-                <a:tc>
-                  <a:txBody>
-                    <a:bodyPr/>
-                    <a:lstStyle/>
-                    <a:p>
-                      <a:pPr marL="0" marR="0" lvl="0" indent="0" algn="l" rtl="0">
-                        <a:spcBef>
-                          <a:spcPts val="0"/>
-                        </a:spcBef>
-                        <a:spcAft>
-                          <a:spcPts val="0"/>
-                        </a:spcAft>
-                        <a:buNone/>
-                      </a:pPr>
-                      <a:r>
-                        <a:rPr lang="en-US" sz="1800"/>
-                        <a:t>Inference</a:t>
-                      </a:r>
-                      <a:endParaRPr sz="1800"/>
-                    </a:p>
-                  </a:txBody>
-                  <a:tcPr marL="91450" marR="91450" marT="45725" marB="45725"/>
-                </a:tc>
-                <a:extLst>
-                  <a:ext uri="{0D108BD9-81ED-4DB2-BD59-A6C34878D82A}">
-                    <a16:rowId xmlns:a16="http://schemas.microsoft.com/office/drawing/2014/main" val="10000"/>
-                  </a:ext>
-                </a:extLst>
-              </a:tr>
-              <a:tr h="411475">
-                <a:tc>
-                  <a:txBody>
-                    <a:bodyPr/>
-                    <a:lstStyle/>
-                    <a:p>
-                      <a:pPr marL="0" marR="0" lvl="0" indent="0" algn="l" rtl="0">
-                        <a:spcBef>
-                          <a:spcPts val="0"/>
-                        </a:spcBef>
-                        <a:spcAft>
-                          <a:spcPts val="0"/>
-                        </a:spcAft>
-                        <a:buNone/>
-                      </a:pPr>
-                      <a:endParaRPr sz="1800"/>
-                    </a:p>
-                  </a:txBody>
-                  <a:tcPr marL="91450" marR="91450" marT="45725" marB="45725"/>
-                </a:tc>
-                <a:tc>
-                  <a:txBody>
-                    <a:bodyPr/>
-                    <a:lstStyle/>
-                    <a:p>
-                      <a:pPr marL="0" marR="0" lvl="0" indent="0" algn="l" rtl="0">
-                        <a:spcBef>
-                          <a:spcPts val="0"/>
-                        </a:spcBef>
-                        <a:spcAft>
-                          <a:spcPts val="0"/>
-                        </a:spcAft>
-                        <a:buNone/>
-                      </a:pPr>
-                      <a:endParaRPr sz="1800"/>
-                    </a:p>
-                  </a:txBody>
-                  <a:tcPr marL="91450" marR="91450" marT="45725" marB="45725"/>
-                </a:tc>
-                <a:extLst>
-                  <a:ext uri="{0D108BD9-81ED-4DB2-BD59-A6C34878D82A}">
-                    <a16:rowId xmlns:a16="http://schemas.microsoft.com/office/drawing/2014/main" val="10001"/>
-                  </a:ext>
-                </a:extLst>
-              </a:tr>
-              <a:tr h="411475">
-                <a:tc>
-                  <a:txBody>
-                    <a:bodyPr/>
-                    <a:lstStyle/>
-                    <a:p>
-                      <a:pPr marL="0" marR="0" lvl="0" indent="0" algn="l" rtl="0">
-                        <a:spcBef>
-                          <a:spcPts val="0"/>
-                        </a:spcBef>
-                        <a:spcAft>
-                          <a:spcPts val="0"/>
-                        </a:spcAft>
-                        <a:buNone/>
-                      </a:pPr>
-                      <a:endParaRPr sz="1800"/>
-                    </a:p>
-                  </a:txBody>
-                  <a:tcPr marL="91450" marR="91450" marT="45725" marB="45725"/>
-                </a:tc>
-                <a:tc>
-                  <a:txBody>
-                    <a:bodyPr/>
-                    <a:lstStyle/>
-                    <a:p>
-                      <a:pPr marL="0" marR="0" lvl="0" indent="0" algn="l" rtl="0">
-                        <a:spcBef>
-                          <a:spcPts val="0"/>
-                        </a:spcBef>
-                        <a:spcAft>
-                          <a:spcPts val="0"/>
-                        </a:spcAft>
-                        <a:buNone/>
-                      </a:pPr>
-                      <a:endParaRPr sz="1800"/>
-                    </a:p>
-                  </a:txBody>
-                  <a:tcPr marL="91450" marR="91450" marT="45725" marB="45725"/>
-                </a:tc>
-                <a:extLst>
-                  <a:ext uri="{0D108BD9-81ED-4DB2-BD59-A6C34878D82A}">
-                    <a16:rowId xmlns:a16="http://schemas.microsoft.com/office/drawing/2014/main" val="10002"/>
-                  </a:ext>
-                </a:extLst>
-              </a:tr>
-              <a:tr h="411475">
-                <a:tc>
-                  <a:txBody>
-                    <a:bodyPr/>
-                    <a:lstStyle/>
-                    <a:p>
-                      <a:pPr marL="0" marR="0" lvl="0" indent="0" algn="l" rtl="0">
-                        <a:spcBef>
-                          <a:spcPts val="0"/>
-                        </a:spcBef>
-                        <a:spcAft>
-                          <a:spcPts val="0"/>
-                        </a:spcAft>
-                        <a:buNone/>
-                      </a:pPr>
-                      <a:endParaRPr sz="1800"/>
-                    </a:p>
-                  </a:txBody>
-                  <a:tcPr marL="91450" marR="91450" marT="45725" marB="45725"/>
-                </a:tc>
-                <a:tc>
-                  <a:txBody>
-                    <a:bodyPr/>
-                    <a:lstStyle/>
-                    <a:p>
-                      <a:pPr marL="0" marR="0" lvl="0" indent="0" algn="l" rtl="0">
-                        <a:spcBef>
-                          <a:spcPts val="0"/>
-                        </a:spcBef>
-                        <a:spcAft>
-                          <a:spcPts val="0"/>
-                        </a:spcAft>
-                        <a:buNone/>
-                      </a:pPr>
-                      <a:endParaRPr sz="1800"/>
-                    </a:p>
-                  </a:txBody>
-                  <a:tcPr marL="91450" marR="91450" marT="45725" marB="45725"/>
-                </a:tc>
-                <a:extLst>
-                  <a:ext uri="{0D108BD9-81ED-4DB2-BD59-A6C34878D82A}">
-                    <a16:rowId xmlns:a16="http://schemas.microsoft.com/office/drawing/2014/main" val="10003"/>
-                  </a:ext>
-                </a:extLst>
-              </a:tr>
-              <a:tr h="411475">
-                <a:tc>
-                  <a:txBody>
-                    <a:bodyPr/>
-                    <a:lstStyle/>
-                    <a:p>
-                      <a:pPr marL="0" marR="0" lvl="0" indent="0" algn="l" rtl="0">
-                        <a:spcBef>
-                          <a:spcPts val="0"/>
-                        </a:spcBef>
-                        <a:spcAft>
-                          <a:spcPts val="0"/>
-                        </a:spcAft>
-                        <a:buNone/>
-                      </a:pPr>
-                      <a:endParaRPr sz="1800"/>
-                    </a:p>
-                  </a:txBody>
-                  <a:tcPr marL="91450" marR="91450" marT="45725" marB="45725"/>
-                </a:tc>
-                <a:tc>
-                  <a:txBody>
-                    <a:bodyPr/>
-                    <a:lstStyle/>
-                    <a:p>
-                      <a:pPr marL="0" marR="0" lvl="0" indent="0" algn="l" rtl="0">
-                        <a:spcBef>
-                          <a:spcPts val="0"/>
-                        </a:spcBef>
-                        <a:spcAft>
-                          <a:spcPts val="0"/>
-                        </a:spcAft>
-                        <a:buNone/>
-                      </a:pPr>
-                      <a:endParaRPr sz="1800"/>
-                    </a:p>
-                  </a:txBody>
-                  <a:tcPr marL="91450" marR="91450" marT="45725" marB="45725"/>
-                </a:tc>
-                <a:extLst>
-                  <a:ext uri="{0D108BD9-81ED-4DB2-BD59-A6C34878D82A}">
-                    <a16:rowId xmlns:a16="http://schemas.microsoft.com/office/drawing/2014/main" val="10004"/>
-                  </a:ext>
-                </a:extLst>
-              </a:tr>
-              <a:tr h="411475">
-                <a:tc>
-                  <a:txBody>
-                    <a:bodyPr/>
-                    <a:lstStyle/>
-                    <a:p>
-                      <a:pPr marL="0" marR="0" lvl="0" indent="0" algn="l" rtl="0">
-                        <a:spcBef>
-                          <a:spcPts val="0"/>
-                        </a:spcBef>
-                        <a:spcAft>
-                          <a:spcPts val="0"/>
-                        </a:spcAft>
-                        <a:buNone/>
-                      </a:pPr>
-                      <a:endParaRPr sz="1800"/>
-                    </a:p>
-                  </a:txBody>
-                  <a:tcPr marL="91450" marR="91450" marT="45725" marB="45725"/>
-                </a:tc>
-                <a:tc>
-                  <a:txBody>
-                    <a:bodyPr/>
-                    <a:lstStyle/>
-                    <a:p>
-                      <a:pPr marL="0" marR="0" lvl="0" indent="0" algn="l" rtl="0">
-                        <a:spcBef>
-                          <a:spcPts val="0"/>
-                        </a:spcBef>
-                        <a:spcAft>
-                          <a:spcPts val="0"/>
-                        </a:spcAft>
-                        <a:buNone/>
-                      </a:pPr>
-                      <a:endParaRPr sz="1800"/>
-                    </a:p>
-                  </a:txBody>
-                  <a:tcPr marL="91450" marR="91450" marT="45725" marB="45725"/>
-                </a:tc>
-                <a:extLst>
-                  <a:ext uri="{0D108BD9-81ED-4DB2-BD59-A6C34878D82A}">
-                    <a16:rowId xmlns:a16="http://schemas.microsoft.com/office/drawing/2014/main" val="10005"/>
-                  </a:ext>
-                </a:extLst>
-              </a:tr>
-              <a:tr h="411475">
-                <a:tc>
-                  <a:txBody>
-                    <a:bodyPr/>
-                    <a:lstStyle/>
-                    <a:p>
-                      <a:pPr marL="0" marR="0" lvl="0" indent="0" algn="l" rtl="0">
-                        <a:spcBef>
-                          <a:spcPts val="0"/>
-                        </a:spcBef>
-                        <a:spcAft>
-                          <a:spcPts val="0"/>
-                        </a:spcAft>
-                        <a:buNone/>
-                      </a:pPr>
-                      <a:endParaRPr sz="1800"/>
-                    </a:p>
-                  </a:txBody>
-                  <a:tcPr marL="91450" marR="91450" marT="45725" marB="45725"/>
-                </a:tc>
-                <a:tc>
-                  <a:txBody>
-                    <a:bodyPr/>
-                    <a:lstStyle/>
-                    <a:p>
-                      <a:pPr marL="0" marR="0" lvl="0" indent="0" algn="l" rtl="0">
-                        <a:spcBef>
-                          <a:spcPts val="0"/>
-                        </a:spcBef>
-                        <a:spcAft>
-                          <a:spcPts val="0"/>
-                        </a:spcAft>
-                        <a:buNone/>
-                      </a:pPr>
-                      <a:endParaRPr sz="1800"/>
-                    </a:p>
-                  </a:txBody>
-                  <a:tcPr marL="91450" marR="91450" marT="45725" marB="45725"/>
-                </a:tc>
-                <a:extLst>
-                  <a:ext uri="{0D108BD9-81ED-4DB2-BD59-A6C34878D82A}">
-                    <a16:rowId xmlns:a16="http://schemas.microsoft.com/office/drawing/2014/main" val="10006"/>
-                  </a:ext>
-                </a:extLst>
-              </a:tr>
-              <a:tr h="411475">
-                <a:tc>
-                  <a:txBody>
-                    <a:bodyPr/>
-                    <a:lstStyle/>
-                    <a:p>
-                      <a:pPr marL="0" marR="0" lvl="0" indent="0" algn="l" rtl="0">
-                        <a:spcBef>
-                          <a:spcPts val="0"/>
-                        </a:spcBef>
-                        <a:spcAft>
-                          <a:spcPts val="0"/>
-                        </a:spcAft>
-                        <a:buNone/>
-                      </a:pPr>
-                      <a:endParaRPr sz="1800"/>
-                    </a:p>
-                  </a:txBody>
-                  <a:tcPr marL="91450" marR="91450" marT="45725" marB="45725"/>
-                </a:tc>
-                <a:tc>
-                  <a:txBody>
-                    <a:bodyPr/>
-                    <a:lstStyle/>
-                    <a:p>
-                      <a:pPr marL="0" marR="0" lvl="0" indent="0" algn="l" rtl="0">
-                        <a:spcBef>
-                          <a:spcPts val="0"/>
-                        </a:spcBef>
-                        <a:spcAft>
-                          <a:spcPts val="0"/>
-                        </a:spcAft>
-                        <a:buNone/>
-                      </a:pPr>
-                      <a:endParaRPr sz="1800"/>
-                    </a:p>
-                  </a:txBody>
-                  <a:tcPr marL="91450" marR="91450" marT="45725" marB="45725"/>
-                </a:tc>
-                <a:extLst>
-                  <a:ext uri="{0D108BD9-81ED-4DB2-BD59-A6C34878D82A}">
-                    <a16:rowId xmlns:a16="http://schemas.microsoft.com/office/drawing/2014/main" val="10007"/>
-                  </a:ext>
-                </a:extLst>
-              </a:tr>
-              <a:tr h="411475">
-                <a:tc>
-                  <a:txBody>
-                    <a:bodyPr/>
-                    <a:lstStyle/>
-                    <a:p>
-                      <a:pPr marL="0" marR="0" lvl="0" indent="0" algn="l" rtl="0">
-                        <a:spcBef>
-                          <a:spcPts val="0"/>
-                        </a:spcBef>
-                        <a:spcAft>
-                          <a:spcPts val="0"/>
-                        </a:spcAft>
-                        <a:buNone/>
-                      </a:pPr>
-                      <a:endParaRPr sz="1800"/>
-                    </a:p>
-                  </a:txBody>
-                  <a:tcPr marL="91450" marR="91450" marT="45725" marB="45725"/>
-                </a:tc>
-                <a:tc>
-                  <a:txBody>
-                    <a:bodyPr/>
-                    <a:lstStyle/>
-                    <a:p>
-                      <a:pPr marL="0" marR="0" lvl="0" indent="0" algn="l" rtl="0">
-                        <a:spcBef>
-                          <a:spcPts val="0"/>
-                        </a:spcBef>
-                        <a:spcAft>
-                          <a:spcPts val="0"/>
-                        </a:spcAft>
-                        <a:buNone/>
-                      </a:pPr>
-                      <a:endParaRPr sz="1800"/>
-                    </a:p>
-                  </a:txBody>
-                  <a:tcPr marL="91450" marR="91450" marT="45725" marB="45725"/>
-                </a:tc>
-                <a:extLst>
-                  <a:ext uri="{0D108BD9-81ED-4DB2-BD59-A6C34878D82A}">
-                    <a16:rowId xmlns:a16="http://schemas.microsoft.com/office/drawing/2014/main" val="10008"/>
-                  </a:ext>
-                </a:extLst>
-              </a:tr>
-            </a:tbl>
-          </a:graphicData>
-        </a:graphic>
-      </p:graphicFrame>
-    </p:spTree>
-  </p:cSld>
-  <p:clrMapOvr>
-    <a:masterClrMapping/>
-  </p:clrMapOvr>
-</p:sld>
-</file>
-
-<file path=ppt/slides/slide5.xml><?xml version="1.0" encoding="utf-8"?>
-<p:sld xmlns:a="http://schemas.openxmlformats.org/drawingml/2006/main" xmlns:r="http://schemas.openxmlformats.org/officeDocument/2006/relationships" xmlns:p="http://schemas.openxmlformats.org/presentationml/2006/main">
-  <p:cSld>
-    <p:spTree>
-      <p:nvGrpSpPr>
-        <p:cNvPr id="1" name="Shape 56"/>
-        <p:cNvGrpSpPr/>
-        <p:nvPr/>
-      </p:nvGrpSpPr>
-      <p:grpSpPr>
-        <a:xfrm>
-          <a:off x="0" y="0"/>
-          <a:ext cx="0" cy="0"/>
-          <a:chOff x="0" y="0"/>
-          <a:chExt cx="0" cy="0"/>
-        </a:xfrm>
-      </p:grpSpPr>
-      <p:sp>
-        <p:nvSpPr>
-          <p:cNvPr id="57" name="Google Shape;57;p9"/>
-          <p:cNvSpPr txBox="1"/>
-          <p:nvPr/>
-        </p:nvSpPr>
-        <p:spPr>
-          <a:xfrm>
-            <a:off x="234487" y="248626"/>
-            <a:ext cx="7530363" cy="584775"/>
-          </a:xfrm>
-          <a:prstGeom prst="rect">
-            <a:avLst/>
-          </a:prstGeom>
-          <a:noFill/>
-          <a:ln>
-            <a:noFill/>
-          </a:ln>
-        </p:spPr>
-        <p:txBody>
-          <a:bodyPr spcFirstLastPara="1" wrap="square" lIns="91425" tIns="45700" rIns="91425" bIns="45700" anchor="t" anchorCtr="0">
-            <a:spAutoFit/>
-          </a:bodyPr>
-          <a:lstStyle/>
-          <a:p>
-            <a:pPr marL="0" marR="0" lvl="0" indent="0" algn="l" rtl="0">
-              <a:spcBef>
-                <a:spcPts val="0"/>
-              </a:spcBef>
-              <a:spcAft>
-                <a:spcPts val="0"/>
-              </a:spcAft>
-              <a:buNone/>
-            </a:pPr>
-            <a:r>
-              <a:rPr lang="en-US" sz="3200" b="1">
-                <a:solidFill>
-                  <a:srgbClr val="46B0FA"/>
-                </a:solidFill>
-                <a:latin typeface="Arial"/>
-                <a:ea typeface="Arial"/>
-                <a:cs typeface="Arial"/>
-                <a:sym typeface="Arial"/>
-              </a:rPr>
-              <a:t>Literature Review</a:t>
-            </a:r>
-            <a:endParaRPr/>
-          </a:p>
-        </p:txBody>
-      </p:sp>
-      <p:sp>
-        <p:nvSpPr>
-          <p:cNvPr id="58" name="Google Shape;58;p9"/>
+          <p:cNvPr id="63" name="Google Shape;63;p10"/>
           <p:cNvSpPr txBox="1"/>
           <p:nvPr/>
         </p:nvSpPr>
@@ -7477,12 +7787,12 @@
           </a:ln>
         </p:spPr>
         <p:txBody>
-          <a:bodyPr spcFirstLastPara="1" wrap="square" lIns="91425" tIns="91425" rIns="91425" bIns="91425" anchor="t" anchorCtr="0">
+          <a:bodyPr anchorCtr="0" anchor="t" bIns="91425" lIns="91425" spcFirstLastPara="1" rIns="91425" wrap="square" tIns="91425">
             <a:spAutoFit/>
           </a:bodyPr>
           <a:lstStyle/>
           <a:p>
-            <a:pPr marL="0" lvl="0" indent="0" algn="l" rtl="0">
+            <a:pPr indent="0" lvl="0" marL="0" rtl="0" algn="l">
               <a:spcBef>
                 <a:spcPts val="0"/>
               </a:spcBef>
@@ -7491,6 +7801,9 @@
               </a:spcAft>
               <a:buNone/>
             </a:pPr>
+            <a:r>
+              <a:t/>
+            </a:r>
             <a:endParaRPr sz="2000">
               <a:solidFill>
                 <a:srgbClr val="FF0000"/>
@@ -7499,36 +7812,9 @@
           </a:p>
         </p:txBody>
       </p:sp>
-      <p:pic>
-        <p:nvPicPr>
-          <p:cNvPr id="59" name="Google Shape;59;p9"/>
-          <p:cNvPicPr preferRelativeResize="0"/>
-          <p:nvPr/>
-        </p:nvPicPr>
-        <p:blipFill rotWithShape="1">
-          <a:blip r:embed="rId3">
-            <a:alphaModFix/>
-          </a:blip>
-          <a:srcRect t="10270" b="16210"/>
-          <a:stretch/>
-        </p:blipFill>
-        <p:spPr>
-          <a:xfrm>
-            <a:off x="1490875" y="1059050"/>
-            <a:ext cx="9278075" cy="5593324"/>
-          </a:xfrm>
-          <a:prstGeom prst="rect">
-            <a:avLst/>
-          </a:prstGeom>
-          <a:noFill/>
-          <a:ln>
-            <a:noFill/>
-          </a:ln>
-        </p:spPr>
-      </p:pic>
       <p:sp>
         <p:nvSpPr>
-          <p:cNvPr id="60" name="Google Shape;60;p9"/>
+          <p:cNvPr id="64" name="Google Shape;64;p10"/>
           <p:cNvSpPr txBox="1"/>
           <p:nvPr/>
         </p:nvSpPr>
@@ -7546,12 +7832,12 @@
           </a:ln>
         </p:spPr>
         <p:txBody>
-          <a:bodyPr spcFirstLastPara="1" wrap="square" lIns="91425" tIns="91425" rIns="91425" bIns="91425" anchor="t" anchorCtr="0">
+          <a:bodyPr anchorCtr="0" anchor="t" bIns="91425" lIns="91425" spcFirstLastPara="1" rIns="91425" wrap="square" tIns="91425">
             <a:spAutoFit/>
           </a:bodyPr>
           <a:lstStyle/>
           <a:p>
-            <a:pPr marL="0" lvl="0" indent="0" algn="ctr" rtl="0">
+            <a:pPr indent="0" lvl="0" marL="0" rtl="0" algn="ctr">
               <a:spcBef>
                 <a:spcPts val="0"/>
               </a:spcBef>
@@ -7561,12 +7847,7 @@
               <a:buNone/>
             </a:pPr>
             <a:r>
-              <a:rPr lang="en-US" sz="2000">
-                <a:solidFill>
-                  <a:srgbClr val="FF0000"/>
-                </a:solidFill>
-              </a:rPr>
-              <a:t>SWOT Analysis</a:t>
+              <a:t/>
             </a:r>
             <a:endParaRPr sz="2000">
               <a:solidFill>
@@ -7576,6 +7857,34 @@
           </a:p>
         </p:txBody>
       </p:sp>
+      <p:pic>
+        <p:nvPicPr>
+          <p:cNvPr id="65" name="Google Shape;65;p10"/>
+          <p:cNvPicPr preferRelativeResize="0"/>
+          <p:nvPr/>
+        </p:nvPicPr>
+        <p:blipFill>
+          <a:blip r:embed="rId3">
+            <a:alphaModFix/>
+          </a:blip>
+          <a:stretch>
+            <a:fillRect/>
+          </a:stretch>
+        </p:blipFill>
+        <p:spPr>
+          <a:xfrm>
+            <a:off x="1154469" y="754225"/>
+            <a:ext cx="9556247" cy="5919051"/>
+          </a:xfrm>
+          <a:prstGeom prst="rect">
+            <a:avLst/>
+          </a:prstGeom>
+          <a:noFill/>
+          <a:ln>
+            <a:noFill/>
+          </a:ln>
+        </p:spPr>
+      </p:pic>
     </p:spTree>
   </p:cSld>
   <p:clrMapOvr>
@@ -7584,12 +7893,12 @@
 </p:sld>
 </file>
 
-<file path=ppt/slides/slide6.xml><?xml version="1.0" encoding="utf-8"?>
-<p:sld xmlns:a="http://schemas.openxmlformats.org/drawingml/2006/main" xmlns:r="http://schemas.openxmlformats.org/officeDocument/2006/relationships" xmlns:p="http://schemas.openxmlformats.org/presentationml/2006/main">
+<file path=ppt/slides/slide7.xml><?xml version="1.0" encoding="utf-8"?>
+<p:sld xmlns:a="http://schemas.openxmlformats.org/drawingml/2006/main" xmlns:r="http://schemas.openxmlformats.org/officeDocument/2006/relationships" xmlns:mc="http://schemas.openxmlformats.org/markup-compatibility/2006" xmlns:mv="urn:schemas-microsoft-com:mac:vml" xmlns:p="http://schemas.openxmlformats.org/presentationml/2006/main" xmlns:c="http://schemas.openxmlformats.org/drawingml/2006/chart" xmlns:dgm="http://schemas.openxmlformats.org/drawingml/2006/diagram" xmlns:o="urn:schemas-microsoft-com:office:office" xmlns:v="urn:schemas-microsoft-com:vml" xmlns:pvml="urn:schemas-microsoft-com:office:powerpoint" xmlns:com="http://schemas.openxmlformats.org/drawingml/2006/compatibility" xmlns:p14="http://schemas.microsoft.com/office/powerpoint/2010/main" xmlns:p15="http://schemas.microsoft.com/office/powerpoint/2012/main" xmlns:ahyp="http://schemas.microsoft.com/office/drawing/2018/hyperlinkcolor">
   <p:cSld>
     <p:spTree>
       <p:nvGrpSpPr>
-        <p:cNvPr id="1" name="Shape 64"/>
+        <p:cNvPr id="69" name="Shape 69"/>
         <p:cNvGrpSpPr/>
         <p:nvPr/>
       </p:nvGrpSpPr>
@@ -7603,14 +7912,14 @@
       </p:grpSpPr>
       <p:sp>
         <p:nvSpPr>
-          <p:cNvPr id="65" name="Google Shape;65;p10"/>
+          <p:cNvPr id="70" name="Google Shape;70;p11"/>
           <p:cNvSpPr txBox="1"/>
           <p:nvPr/>
         </p:nvSpPr>
         <p:spPr>
           <a:xfrm>
-            <a:off x="325927" y="248626"/>
-            <a:ext cx="7530300" cy="584700"/>
+            <a:off x="2599627" y="330576"/>
+            <a:ext cx="7530300" cy="585000"/>
           </a:xfrm>
           <a:prstGeom prst="rect">
             <a:avLst/>
@@ -7621,12 +7930,12 @@
           </a:ln>
         </p:spPr>
         <p:txBody>
-          <a:bodyPr spcFirstLastPara="1" wrap="square" lIns="91425" tIns="45700" rIns="91425" bIns="45700" anchor="t" anchorCtr="0">
+          <a:bodyPr anchorCtr="0" anchor="t" bIns="45700" lIns="91425" spcFirstLastPara="1" rIns="91425" wrap="square" tIns="45700">
             <a:spAutoFit/>
           </a:bodyPr>
           <a:lstStyle/>
           <a:p>
-            <a:pPr marL="0" marR="0" lvl="0" indent="0" algn="l" rtl="0">
+            <a:pPr indent="0" lvl="0" marL="0" marR="0" rtl="0" algn="ctr">
               <a:spcBef>
                 <a:spcPts val="0"/>
               </a:spcBef>
@@ -7636,7 +7945,7 @@
               <a:buNone/>
             </a:pPr>
             <a:r>
-              <a:rPr lang="en-US" sz="3200" b="1">
+              <a:rPr b="1" lang="en-US" sz="3200">
                 <a:solidFill>
                   <a:srgbClr val="46B0FA"/>
                 </a:solidFill>
@@ -7647,7 +7956,7 @@
               </a:rPr>
               <a:t>Objective</a:t>
             </a:r>
-            <a:endParaRPr sz="3200" b="1">
+            <a:endParaRPr b="1" sz="3200">
               <a:solidFill>
                 <a:srgbClr val="46B0FA"/>
               </a:solidFill>
@@ -7661,14 +7970,14 @@
       </p:sp>
       <p:sp>
         <p:nvSpPr>
-          <p:cNvPr id="66" name="Google Shape;66;p10"/>
+          <p:cNvPr id="71" name="Google Shape;71;p11"/>
           <p:cNvSpPr txBox="1"/>
           <p:nvPr/>
         </p:nvSpPr>
         <p:spPr>
           <a:xfrm>
             <a:off x="654425" y="1064477"/>
-            <a:ext cx="10317600" cy="4063500"/>
+            <a:ext cx="10317600" cy="5097900"/>
           </a:xfrm>
           <a:prstGeom prst="rect">
             <a:avLst/>
@@ -7679,12 +7988,12 @@
           </a:ln>
         </p:spPr>
         <p:txBody>
-          <a:bodyPr spcFirstLastPara="1" wrap="square" lIns="91425" tIns="45700" rIns="91425" bIns="45700" anchor="t" anchorCtr="0">
+          <a:bodyPr anchorCtr="0" anchor="t" bIns="45700" lIns="91425" spcFirstLastPara="1" rIns="91425" wrap="square" tIns="45700">
             <a:spAutoFit/>
           </a:bodyPr>
           <a:lstStyle/>
           <a:p>
-            <a:pPr marL="0" marR="0" lvl="0" indent="0" algn="l" rtl="0">
+            <a:pPr indent="0" lvl="0" marL="0" marR="0" rtl="0" algn="l">
               <a:spcBef>
                 <a:spcPts val="0"/>
               </a:spcBef>
@@ -7694,7 +8003,7 @@
               <a:buNone/>
             </a:pPr>
             <a:r>
-              <a:rPr lang="en-US" sz="2000">
+              <a:rPr lang="en-US" sz="2800">
                 <a:solidFill>
                   <a:srgbClr val="FF0000"/>
                 </a:solidFill>
@@ -7705,19 +8014,7 @@
               </a:rPr>
               <a:t>Main Objective</a:t>
             </a:r>
-            <a:endParaRPr/>
-          </a:p>
-          <a:p>
-            <a:pPr marL="0" marR="0" lvl="0" indent="0" algn="l" rtl="0">
-              <a:spcBef>
-                <a:spcPts val="0"/>
-              </a:spcBef>
-              <a:spcAft>
-                <a:spcPts val="0"/>
-              </a:spcAft>
-              <a:buNone/>
-            </a:pPr>
-            <a:endParaRPr sz="2000">
+            <a:endParaRPr sz="2800">
               <a:solidFill>
                 <a:srgbClr val="FF0000"/>
               </a:solidFill>
@@ -7728,7 +8025,7 @@
             </a:endParaRPr>
           </a:p>
           <a:p>
-            <a:pPr marL="0" marR="0" lvl="0" indent="0" algn="l" rtl="0">
+            <a:pPr indent="0" lvl="0" marL="0" marR="0" rtl="0" algn="l">
               <a:spcBef>
                 <a:spcPts val="0"/>
               </a:spcBef>
@@ -7738,7 +8035,7 @@
               <a:buNone/>
             </a:pPr>
             <a:r>
-              <a:rPr lang="en-US" sz="2000">
+              <a:rPr lang="en-US" sz="2800">
                 <a:solidFill>
                   <a:schemeClr val="dk1"/>
                 </a:solidFill>
@@ -7747,9 +8044,9 @@
                 <a:cs typeface="Calibri"/>
                 <a:sym typeface="Calibri"/>
               </a:rPr>
-              <a:t>The core objective of this endeavor is to help the user in increasing the profits in stock market trading.</a:t>
+              <a:t>The core objective of this endeavour is to help the user in increasing the profits in stock market trading.</a:t>
             </a:r>
-            <a:endParaRPr sz="2000">
+            <a:endParaRPr sz="2800">
               <a:solidFill>
                 <a:schemeClr val="dk1"/>
               </a:solidFill>
@@ -7760,7 +8057,7 @@
             </a:endParaRPr>
           </a:p>
           <a:p>
-            <a:pPr marL="0" marR="0" lvl="0" indent="0" algn="l" rtl="0">
+            <a:pPr indent="0" lvl="0" marL="0" marR="0" rtl="0" algn="l">
               <a:spcBef>
                 <a:spcPts val="0"/>
               </a:spcBef>
@@ -7769,7 +8066,10 @@
               </a:spcAft>
               <a:buNone/>
             </a:pPr>
-            <a:endParaRPr sz="2000">
+            <a:r>
+              <a:t/>
+            </a:r>
+            <a:endParaRPr sz="2800">
               <a:solidFill>
                 <a:schemeClr val="dk1"/>
               </a:solidFill>
@@ -7780,7 +8080,7 @@
             </a:endParaRPr>
           </a:p>
           <a:p>
-            <a:pPr marL="0" marR="0" lvl="0" indent="0" algn="l" rtl="0">
+            <a:pPr indent="0" lvl="0" marL="0" marR="0" rtl="0" algn="l">
               <a:lnSpc>
                 <a:spcPct val="115000"/>
               </a:lnSpc>
@@ -7793,7 +8093,7 @@
               <a:buNone/>
             </a:pPr>
             <a:r>
-              <a:rPr lang="en-US" sz="2000">
+              <a:rPr lang="en-US" sz="2800">
                 <a:solidFill>
                   <a:srgbClr val="FF0000"/>
                 </a:solidFill>
@@ -7804,14 +8104,14 @@
               </a:rPr>
               <a:t>Sub Objective</a:t>
             </a:r>
-            <a:endParaRPr sz="2000">
+            <a:endParaRPr sz="2800">
               <a:solidFill>
                 <a:srgbClr val="FF0000"/>
               </a:solidFill>
             </a:endParaRPr>
           </a:p>
           <a:p>
-            <a:pPr marL="457200" marR="0" lvl="0" indent="-342900" algn="l" rtl="0">
+            <a:pPr indent="-393700" lvl="0" marL="457200" marR="0" rtl="0" algn="l">
               <a:lnSpc>
                 <a:spcPct val="115000"/>
               </a:lnSpc>
@@ -7824,11 +8124,11 @@
               <a:buClr>
                 <a:schemeClr val="dk1"/>
               </a:buClr>
-              <a:buSzPts val="1800"/>
+              <a:buSzPts val="2600"/>
               <a:buChar char="●"/>
             </a:pPr>
             <a:r>
-              <a:rPr lang="en-US" sz="2000">
+              <a:rPr lang="en-US" sz="2800">
                 <a:solidFill>
                   <a:schemeClr val="dk1"/>
                 </a:solidFill>
@@ -7839,7 +8139,7 @@
               </a:rPr>
               <a:t>Finding applicable stock pricing datasets</a:t>
             </a:r>
-            <a:endParaRPr sz="2000">
+            <a:endParaRPr sz="2800">
               <a:solidFill>
                 <a:schemeClr val="dk1"/>
               </a:solidFill>
@@ -7850,7 +8150,7 @@
             </a:endParaRPr>
           </a:p>
           <a:p>
-            <a:pPr marL="457200" marR="0" lvl="0" indent="-342900" algn="l" rtl="0">
+            <a:pPr indent="-393700" lvl="0" marL="457200" marR="0" rtl="0" algn="l">
               <a:lnSpc>
                 <a:spcPct val="115000"/>
               </a:lnSpc>
@@ -7863,11 +8163,11 @@
               <a:buClr>
                 <a:schemeClr val="dk1"/>
               </a:buClr>
-              <a:buSzPts val="1800"/>
+              <a:buSzPts val="2600"/>
               <a:buChar char="●"/>
             </a:pPr>
             <a:r>
-              <a:rPr lang="en-US" sz="2000">
+              <a:rPr lang="en-US" sz="2800">
                 <a:solidFill>
                   <a:schemeClr val="dk1"/>
                 </a:solidFill>
@@ -7878,7 +8178,7 @@
               </a:rPr>
               <a:t>Preprocessing the dataset to filter out the input values</a:t>
             </a:r>
-            <a:endParaRPr sz="2000">
+            <a:endParaRPr sz="2800">
               <a:solidFill>
                 <a:schemeClr val="dk1"/>
               </a:solidFill>
@@ -7889,7 +8189,7 @@
             </a:endParaRPr>
           </a:p>
           <a:p>
-            <a:pPr marL="457200" marR="0" lvl="0" indent="-342900" algn="l" rtl="0">
+            <a:pPr indent="-393700" lvl="0" marL="457200" marR="0" rtl="0" algn="l">
               <a:lnSpc>
                 <a:spcPct val="115000"/>
               </a:lnSpc>
@@ -7902,11 +8202,11 @@
               <a:buClr>
                 <a:schemeClr val="dk1"/>
               </a:buClr>
-              <a:buSzPts val="1800"/>
+              <a:buSzPts val="2600"/>
               <a:buChar char="●"/>
             </a:pPr>
             <a:r>
-              <a:rPr lang="en-US" sz="2000">
+              <a:rPr lang="en-US" sz="2800">
                 <a:solidFill>
                   <a:schemeClr val="dk1"/>
                 </a:solidFill>
@@ -7917,7 +8217,7 @@
               </a:rPr>
               <a:t>Training the model </a:t>
             </a:r>
-            <a:endParaRPr sz="2000">
+            <a:endParaRPr sz="2800">
               <a:solidFill>
                 <a:schemeClr val="dk1"/>
               </a:solidFill>
@@ -7928,7 +8228,7 @@
             </a:endParaRPr>
           </a:p>
           <a:p>
-            <a:pPr marL="457200" marR="0" lvl="0" indent="-342900" algn="l" rtl="0">
+            <a:pPr indent="-393700" lvl="0" marL="457200" marR="0" rtl="0" algn="l">
               <a:lnSpc>
                 <a:spcPct val="115000"/>
               </a:lnSpc>
@@ -7941,11 +8241,11 @@
               <a:buClr>
                 <a:schemeClr val="dk1"/>
               </a:buClr>
-              <a:buSzPts val="1800"/>
+              <a:buSzPts val="2600"/>
               <a:buChar char="●"/>
             </a:pPr>
             <a:r>
-              <a:rPr lang="en-US" sz="2000">
+              <a:rPr lang="en-US" sz="2800">
                 <a:solidFill>
                   <a:schemeClr val="dk1"/>
                 </a:solidFill>
@@ -7956,7 +8256,7 @@
               </a:rPr>
               <a:t>Testing the model and checking accuracy</a:t>
             </a:r>
-            <a:endParaRPr sz="2000">
+            <a:endParaRPr sz="2800">
               <a:solidFill>
                 <a:schemeClr val="dk1"/>
               </a:solidFill>
@@ -7967,7 +8267,7 @@
             </a:endParaRPr>
           </a:p>
           <a:p>
-            <a:pPr marL="457200" marR="0" lvl="0" indent="-355600" algn="l" rtl="0">
+            <a:pPr indent="-406400" lvl="0" marL="457200" marR="0" rtl="0" algn="l">
               <a:lnSpc>
                 <a:spcPct val="115000"/>
               </a:lnSpc>
@@ -7980,12 +8280,12 @@
               <a:buClr>
                 <a:schemeClr val="dk1"/>
               </a:buClr>
-              <a:buSzPts val="2000"/>
+              <a:buSzPts val="2800"/>
               <a:buFont typeface="Calibri"/>
               <a:buChar char="●"/>
             </a:pPr>
             <a:r>
-              <a:rPr lang="en-US" sz="2000">
+              <a:rPr lang="en-US" sz="2800">
                 <a:solidFill>
                   <a:schemeClr val="dk1"/>
                 </a:solidFill>
@@ -7996,7 +8296,7 @@
               </a:rPr>
               <a:t>Improving the model accuracy based on the testing results</a:t>
             </a:r>
-            <a:endParaRPr sz="2000">
+            <a:endParaRPr sz="2800">
               <a:solidFill>
                 <a:schemeClr val="dk1"/>
               </a:solidFill>
@@ -8007,7 +8307,7 @@
             </a:endParaRPr>
           </a:p>
           <a:p>
-            <a:pPr marL="457200" marR="0" lvl="0" indent="0" algn="l" rtl="0">
+            <a:pPr indent="0" lvl="0" marL="457200" marR="0" rtl="0" algn="l">
               <a:spcBef>
                 <a:spcPts val="0"/>
               </a:spcBef>
@@ -8016,6 +8316,9 @@
               </a:spcAft>
               <a:buNone/>
             </a:pPr>
+            <a:r>
+              <a:t/>
+            </a:r>
             <a:endParaRPr sz="2000">
               <a:solidFill>
                 <a:schemeClr val="dk1"/>
@@ -8036,12 +8339,12 @@
 </p:sld>
 </file>
 
-<file path=ppt/slides/slide7.xml><?xml version="1.0" encoding="utf-8"?>
-<p:sld xmlns:a="http://schemas.openxmlformats.org/drawingml/2006/main" xmlns:r="http://schemas.openxmlformats.org/officeDocument/2006/relationships" xmlns:p="http://schemas.openxmlformats.org/presentationml/2006/main">
+<file path=ppt/slides/slide8.xml><?xml version="1.0" encoding="utf-8"?>
+<p:sld xmlns:a="http://schemas.openxmlformats.org/drawingml/2006/main" xmlns:r="http://schemas.openxmlformats.org/officeDocument/2006/relationships" xmlns:mc="http://schemas.openxmlformats.org/markup-compatibility/2006" xmlns:mv="urn:schemas-microsoft-com:mac:vml" xmlns:p="http://schemas.openxmlformats.org/presentationml/2006/main" xmlns:c="http://schemas.openxmlformats.org/drawingml/2006/chart" xmlns:dgm="http://schemas.openxmlformats.org/drawingml/2006/diagram" xmlns:o="urn:schemas-microsoft-com:office:office" xmlns:v="urn:schemas-microsoft-com:vml" xmlns:pvml="urn:schemas-microsoft-com:office:powerpoint" xmlns:com="http://schemas.openxmlformats.org/drawingml/2006/compatibility" xmlns:p14="http://schemas.microsoft.com/office/powerpoint/2010/main" xmlns:p15="http://schemas.microsoft.com/office/powerpoint/2012/main" xmlns:ahyp="http://schemas.microsoft.com/office/drawing/2018/hyperlinkcolor">
   <p:cSld>
     <p:spTree>
       <p:nvGrpSpPr>
-        <p:cNvPr id="1" name="Shape 70"/>
+        <p:cNvPr id="75" name="Shape 75"/>
         <p:cNvGrpSpPr/>
         <p:nvPr/>
       </p:nvGrpSpPr>
@@ -8055,14 +8358,14 @@
       </p:grpSpPr>
       <p:sp>
         <p:nvSpPr>
-          <p:cNvPr id="71" name="Google Shape;71;p11"/>
+          <p:cNvPr id="76" name="Google Shape;76;p12"/>
           <p:cNvSpPr txBox="1"/>
           <p:nvPr/>
         </p:nvSpPr>
         <p:spPr>
           <a:xfrm>
-            <a:off x="325927" y="248626"/>
-            <a:ext cx="7530363" cy="584775"/>
+            <a:off x="2670202" y="282401"/>
+            <a:ext cx="7530300" cy="585000"/>
           </a:xfrm>
           <a:prstGeom prst="rect">
             <a:avLst/>
@@ -8073,12 +8376,12 @@
           </a:ln>
         </p:spPr>
         <p:txBody>
-          <a:bodyPr spcFirstLastPara="1" wrap="square" lIns="91425" tIns="45700" rIns="91425" bIns="45700" anchor="t" anchorCtr="0">
+          <a:bodyPr anchorCtr="0" anchor="t" bIns="45700" lIns="91425" spcFirstLastPara="1" rIns="91425" wrap="square" tIns="45700">
             <a:spAutoFit/>
           </a:bodyPr>
           <a:lstStyle/>
           <a:p>
-            <a:pPr marL="0" marR="0" lvl="0" indent="0" algn="l" rtl="0">
+            <a:pPr indent="0" lvl="0" marL="0" marR="0" rtl="0" algn="ctr">
               <a:spcBef>
                 <a:spcPts val="0"/>
               </a:spcBef>
@@ -8088,7 +8391,7 @@
               <a:buNone/>
             </a:pPr>
             <a:r>
-              <a:rPr lang="en-US" sz="3200" b="1">
+              <a:rPr b="1" lang="en-US" sz="3200">
                 <a:solidFill>
                   <a:srgbClr val="46B0FA"/>
                 </a:solidFill>
@@ -8099,7 +8402,7 @@
               </a:rPr>
               <a:t>Methodology</a:t>
             </a:r>
-            <a:endParaRPr sz="3200" b="1">
+            <a:endParaRPr b="1" sz="3200">
               <a:solidFill>
                 <a:srgbClr val="46B0FA"/>
               </a:solidFill>
@@ -8113,14 +8416,14 @@
       </p:sp>
       <p:sp>
         <p:nvSpPr>
-          <p:cNvPr id="72" name="Google Shape;72;p11"/>
+          <p:cNvPr id="77" name="Google Shape;77;p12"/>
           <p:cNvSpPr txBox="1"/>
           <p:nvPr/>
         </p:nvSpPr>
         <p:spPr>
           <a:xfrm>
             <a:off x="1071154" y="1064470"/>
-            <a:ext cx="9901002" cy="1631216"/>
+            <a:ext cx="9900900" cy="1693200"/>
           </a:xfrm>
           <a:prstGeom prst="rect">
             <a:avLst/>
@@ -8131,12 +8434,12 @@
           </a:ln>
         </p:spPr>
         <p:txBody>
-          <a:bodyPr spcFirstLastPara="1" wrap="square" lIns="91425" tIns="45700" rIns="91425" bIns="45700" anchor="t" anchorCtr="0">
+          <a:bodyPr anchorCtr="0" anchor="t" bIns="45700" lIns="91425" spcFirstLastPara="1" rIns="91425" wrap="square" tIns="45700">
             <a:spAutoFit/>
           </a:bodyPr>
           <a:lstStyle/>
           <a:p>
-            <a:pPr marL="0" marR="0" lvl="0" indent="0" algn="l" rtl="0">
+            <a:pPr indent="0" lvl="0" marL="0" marR="0" rtl="0" algn="l">
               <a:spcBef>
                 <a:spcPts val="0"/>
               </a:spcBef>
@@ -8146,7 +8449,7 @@
               <a:buNone/>
             </a:pPr>
             <a:r>
-              <a:rPr lang="en-US" sz="2000">
+              <a:rPr lang="en-US" sz="2400">
                 <a:solidFill>
                   <a:srgbClr val="FF0000"/>
                 </a:solidFill>
@@ -8157,10 +8460,10 @@
               </a:rPr>
               <a:t>Reference Software model</a:t>
             </a:r>
-            <a:endParaRPr/>
+            <a:endParaRPr sz="1800"/>
           </a:p>
           <a:p>
-            <a:pPr marL="0" marR="0" lvl="0" indent="0" algn="l" rtl="0">
+            <a:pPr indent="0" lvl="0" marL="0" marR="0" rtl="0" algn="l">
               <a:spcBef>
                 <a:spcPts val="0"/>
               </a:spcBef>
@@ -8187,7 +8490,7 @@
       </p:sp>
       <p:pic>
         <p:nvPicPr>
-          <p:cNvPr id="73" name="Google Shape;73;p11"/>
+          <p:cNvPr id="78" name="Google Shape;78;p12"/>
           <p:cNvPicPr preferRelativeResize="0"/>
           <p:nvPr/>
         </p:nvPicPr>
@@ -8195,7 +8498,7 @@
           <a:blip r:embed="rId3">
             <a:alphaModFix/>
           </a:blip>
-          <a:srcRect/>
+          <a:srcRect b="0" l="0" r="0" t="0"/>
           <a:stretch/>
         </p:blipFill>
         <p:spPr>
@@ -8220,12 +8523,12 @@
 </p:sld>
 </file>
 
-<file path=ppt/slides/slide8.xml><?xml version="1.0" encoding="utf-8"?>
-<p:sld xmlns:a="http://schemas.openxmlformats.org/drawingml/2006/main" xmlns:r="http://schemas.openxmlformats.org/officeDocument/2006/relationships" xmlns:p="http://schemas.openxmlformats.org/presentationml/2006/main">
+<file path=ppt/slides/slide9.xml><?xml version="1.0" encoding="utf-8"?>
+<p:sld xmlns:a="http://schemas.openxmlformats.org/drawingml/2006/main" xmlns:r="http://schemas.openxmlformats.org/officeDocument/2006/relationships" xmlns:mc="http://schemas.openxmlformats.org/markup-compatibility/2006" xmlns:mv="urn:schemas-microsoft-com:mac:vml" xmlns:p="http://schemas.openxmlformats.org/presentationml/2006/main" xmlns:c="http://schemas.openxmlformats.org/drawingml/2006/chart" xmlns:dgm="http://schemas.openxmlformats.org/drawingml/2006/diagram" xmlns:o="urn:schemas-microsoft-com:office:office" xmlns:v="urn:schemas-microsoft-com:vml" xmlns:pvml="urn:schemas-microsoft-com:office:powerpoint" xmlns:com="http://schemas.openxmlformats.org/drawingml/2006/compatibility" xmlns:p14="http://schemas.microsoft.com/office/powerpoint/2010/main" xmlns:p15="http://schemas.microsoft.com/office/powerpoint/2012/main" xmlns:ahyp="http://schemas.microsoft.com/office/drawing/2018/hyperlinkcolor">
   <p:cSld>
     <p:spTree>
       <p:nvGrpSpPr>
-        <p:cNvPr id="1" name="Shape 77"/>
+        <p:cNvPr id="82" name="Shape 82"/>
         <p:cNvGrpSpPr/>
         <p:nvPr/>
       </p:nvGrpSpPr>
@@ -8239,14 +8542,14 @@
       </p:grpSpPr>
       <p:sp>
         <p:nvSpPr>
-          <p:cNvPr id="78" name="Google Shape;78;p12"/>
+          <p:cNvPr id="83" name="Google Shape;83;p13"/>
           <p:cNvSpPr txBox="1"/>
           <p:nvPr/>
         </p:nvSpPr>
         <p:spPr>
           <a:xfrm>
-            <a:off x="325927" y="248626"/>
-            <a:ext cx="7530363" cy="584775"/>
+            <a:off x="4777977" y="198401"/>
+            <a:ext cx="7530300" cy="585000"/>
           </a:xfrm>
           <a:prstGeom prst="rect">
             <a:avLst/>
@@ -8257,12 +8560,12 @@
           </a:ln>
         </p:spPr>
         <p:txBody>
-          <a:bodyPr spcFirstLastPara="1" wrap="square" lIns="91425" tIns="45700" rIns="91425" bIns="45700" anchor="t" anchorCtr="0">
+          <a:bodyPr anchorCtr="0" anchor="t" bIns="45700" lIns="91425" spcFirstLastPara="1" rIns="91425" wrap="square" tIns="45700">
             <a:spAutoFit/>
           </a:bodyPr>
           <a:lstStyle/>
           <a:p>
-            <a:pPr marL="0" marR="0" lvl="0" indent="0" algn="l" rtl="0">
+            <a:pPr indent="0" lvl="0" marL="0" marR="0" rtl="0" algn="l">
               <a:spcBef>
                 <a:spcPts val="0"/>
               </a:spcBef>
@@ -8272,7 +8575,7 @@
               <a:buNone/>
             </a:pPr>
             <a:r>
-              <a:rPr lang="en-US" sz="3200" b="1">
+              <a:rPr b="1" lang="en-US" sz="3200">
                 <a:solidFill>
                   <a:srgbClr val="46B0FA"/>
                 </a:solidFill>
@@ -8283,7 +8586,7 @@
               </a:rPr>
               <a:t>Methodology</a:t>
             </a:r>
-            <a:endParaRPr sz="3200" b="1">
+            <a:endParaRPr b="1" sz="3200">
               <a:solidFill>
                 <a:srgbClr val="46B0FA"/>
               </a:solidFill>
@@ -8297,14 +8600,14 @@
       </p:sp>
       <p:sp>
         <p:nvSpPr>
-          <p:cNvPr id="79" name="Google Shape;79;p12"/>
+          <p:cNvPr id="84" name="Google Shape;84;p13"/>
           <p:cNvSpPr txBox="1"/>
           <p:nvPr/>
         </p:nvSpPr>
         <p:spPr>
           <a:xfrm>
-            <a:off x="1071154" y="1064470"/>
-            <a:ext cx="9900900" cy="4915200"/>
+            <a:off x="935400" y="783400"/>
+            <a:ext cx="10321200" cy="461700"/>
           </a:xfrm>
           <a:prstGeom prst="rect">
             <a:avLst/>
@@ -8315,426 +8618,54 @@
           </a:ln>
         </p:spPr>
         <p:txBody>
-          <a:bodyPr spcFirstLastPara="1" wrap="square" lIns="91425" tIns="45700" rIns="91425" bIns="45700" anchor="t" anchorCtr="0">
+          <a:bodyPr anchorCtr="0" anchor="t" bIns="45700" lIns="91425" spcFirstLastPara="1" rIns="91425" wrap="square" tIns="45700">
             <a:spAutoFit/>
           </a:bodyPr>
           <a:lstStyle/>
           <a:p>
-            <a:pPr marL="0" marR="0" lvl="0" indent="0" algn="l" rtl="0">
-              <a:spcBef>
-                <a:spcPts val="0"/>
-              </a:spcBef>
-              <a:spcAft>
-                <a:spcPts val="0"/>
-              </a:spcAft>
+            <a:pPr indent="0" lvl="0" marL="0" rtl="0" algn="l">
+              <a:spcBef>
+                <a:spcPts val="0"/>
+              </a:spcBef>
+              <a:spcAft>
+                <a:spcPts val="0"/>
+              </a:spcAft>
+              <a:buClr>
+                <a:schemeClr val="dk1"/>
+              </a:buClr>
+              <a:buFont typeface="Arial"/>
               <a:buNone/>
             </a:pPr>
             <a:r>
-              <a:rPr lang="en-US" sz="2000">
+              <a:rPr lang="en-US" sz="2400">
                 <a:solidFill>
                   <a:srgbClr val="FF0000"/>
                 </a:solidFill>
-                <a:latin typeface="Arial"/>
-                <a:ea typeface="Arial"/>
-                <a:cs typeface="Arial"/>
-                <a:sym typeface="Arial"/>
               </a:rPr>
-              <a:t>Steps</a:t>
-            </a:r>
-            <a:endParaRPr sz="1200">
-              <a:solidFill>
-                <a:srgbClr val="FF0000"/>
-              </a:solidFill>
-              <a:latin typeface="Arial"/>
-              <a:ea typeface="Arial"/>
-              <a:cs typeface="Arial"/>
-              <a:sym typeface="Arial"/>
-            </a:endParaRPr>
-          </a:p>
-          <a:p>
-            <a:pPr marL="0" marR="0" lvl="0" indent="0" algn="just" rtl="0">
-              <a:spcBef>
-                <a:spcPts val="0"/>
-              </a:spcBef>
-              <a:spcAft>
-                <a:spcPts val="0"/>
-              </a:spcAft>
-              <a:buNone/>
-            </a:pPr>
-            <a:endParaRPr sz="2000">
-              <a:solidFill>
-                <a:schemeClr val="dk1"/>
-              </a:solidFill>
-              <a:latin typeface="Calibri"/>
-              <a:ea typeface="Calibri"/>
-              <a:cs typeface="Calibri"/>
-              <a:sym typeface="Calibri"/>
-            </a:endParaRPr>
-          </a:p>
-          <a:p>
-            <a:pPr marL="0" marR="0" lvl="0" indent="0" algn="just" rtl="0">
-              <a:spcBef>
-                <a:spcPts val="0"/>
-              </a:spcBef>
-              <a:spcAft>
-                <a:spcPts val="0"/>
-              </a:spcAft>
-              <a:buNone/>
-            </a:pPr>
-            <a:r>
-              <a:rPr lang="en-US" sz="2000">
-                <a:solidFill>
-                  <a:schemeClr val="dk1"/>
-                </a:solidFill>
-                <a:latin typeface="Calibri"/>
-                <a:ea typeface="Calibri"/>
-                <a:cs typeface="Calibri"/>
-                <a:sym typeface="Calibri"/>
-              </a:rPr>
-              <a:t>The methodology for our TradeHelp using deep learning techniques can be outlined as follows:</a:t>
-            </a:r>
-            <a:endParaRPr/>
-          </a:p>
-          <a:p>
-            <a:pPr marL="0" marR="0" lvl="0" indent="0" algn="just" rtl="0">
-              <a:spcBef>
-                <a:spcPts val="0"/>
-              </a:spcBef>
-              <a:spcAft>
-                <a:spcPts val="0"/>
-              </a:spcAft>
-              <a:buNone/>
-            </a:pPr>
-            <a:r>
-              <a:rPr lang="en-US" sz="2000" b="1">
-                <a:solidFill>
-                  <a:schemeClr val="dk1"/>
-                </a:solidFill>
-                <a:latin typeface="Calibri"/>
-                <a:ea typeface="Calibri"/>
-                <a:cs typeface="Calibri"/>
-                <a:sym typeface="Calibri"/>
-              </a:rPr>
-              <a:t>Dataset Collection:</a:t>
-            </a:r>
-            <a:r>
-              <a:rPr lang="en-US" sz="2000">
-                <a:solidFill>
-                  <a:schemeClr val="dk1"/>
-                </a:solidFill>
-                <a:latin typeface="Calibri"/>
-                <a:ea typeface="Calibri"/>
-                <a:cs typeface="Calibri"/>
-                <a:sym typeface="Calibri"/>
-              </a:rPr>
-              <a:t> Firstly, a large dataset of stock prices is collected for training the machine learning model. </a:t>
-            </a:r>
-            <a:endParaRPr/>
-          </a:p>
-          <a:p>
-            <a:pPr marL="0" marR="0" lvl="0" indent="0" algn="just" rtl="0">
-              <a:spcBef>
-                <a:spcPts val="1000"/>
-              </a:spcBef>
-              <a:spcAft>
-                <a:spcPts val="0"/>
-              </a:spcAft>
-              <a:buNone/>
-            </a:pPr>
-            <a:r>
-              <a:rPr lang="en-US" sz="2000" b="1">
-                <a:solidFill>
-                  <a:schemeClr val="dk1"/>
-                </a:solidFill>
-                <a:latin typeface="Calibri"/>
-                <a:ea typeface="Calibri"/>
-                <a:cs typeface="Calibri"/>
-                <a:sym typeface="Calibri"/>
-              </a:rPr>
-              <a:t>Model Selection:</a:t>
-            </a:r>
-            <a:r>
-              <a:rPr lang="en-US" sz="2000">
-                <a:solidFill>
-                  <a:schemeClr val="dk1"/>
-                </a:solidFill>
-                <a:latin typeface="Calibri"/>
-                <a:ea typeface="Calibri"/>
-                <a:cs typeface="Calibri"/>
-                <a:sym typeface="Calibri"/>
-              </a:rPr>
-              <a:t> The next step is to select the machine learning models that will be used for prediction. Several popular prediction models are Regression, Random Forest, etc.</a:t>
-            </a:r>
-            <a:endParaRPr/>
-          </a:p>
-          <a:p>
-            <a:pPr marL="0" marR="0" lvl="0" indent="0" algn="just" rtl="0">
-              <a:spcBef>
-                <a:spcPts val="1000"/>
-              </a:spcBef>
-              <a:spcAft>
-                <a:spcPts val="0"/>
-              </a:spcAft>
-              <a:buNone/>
-            </a:pPr>
-            <a:r>
-              <a:rPr lang="en-US" sz="2000" b="1">
-                <a:solidFill>
-                  <a:schemeClr val="dk1"/>
-                </a:solidFill>
-                <a:latin typeface="Calibri"/>
-                <a:ea typeface="Calibri"/>
-                <a:cs typeface="Calibri"/>
-                <a:sym typeface="Calibri"/>
-              </a:rPr>
-              <a:t>Model Training:</a:t>
-            </a:r>
-            <a:r>
-              <a:rPr lang="en-US" sz="2000">
-                <a:solidFill>
-                  <a:schemeClr val="dk1"/>
-                </a:solidFill>
-                <a:latin typeface="Calibri"/>
-                <a:ea typeface="Calibri"/>
-                <a:cs typeface="Calibri"/>
-                <a:sym typeface="Calibri"/>
-              </a:rPr>
-              <a:t> The ML model learns prediction from the training data and predicts future stock prices .</a:t>
-            </a:r>
-            <a:endParaRPr/>
-          </a:p>
-          <a:p>
-            <a:pPr marL="0" marR="0" lvl="0" indent="0" algn="just" rtl="0">
-              <a:spcBef>
-                <a:spcPts val="1000"/>
-              </a:spcBef>
-              <a:spcAft>
-                <a:spcPts val="0"/>
-              </a:spcAft>
-              <a:buNone/>
-            </a:pPr>
-            <a:r>
-              <a:rPr lang="en-US" sz="2000" b="1">
-                <a:solidFill>
-                  <a:schemeClr val="dk1"/>
-                </a:solidFill>
-                <a:latin typeface="Calibri"/>
-                <a:ea typeface="Calibri"/>
-                <a:cs typeface="Calibri"/>
-                <a:sym typeface="Calibri"/>
-              </a:rPr>
-              <a:t>Model Evaluation:</a:t>
-            </a:r>
-            <a:r>
-              <a:rPr lang="en-US" sz="2000">
-                <a:solidFill>
-                  <a:schemeClr val="dk1"/>
-                </a:solidFill>
-                <a:latin typeface="Calibri"/>
-                <a:ea typeface="Calibri"/>
-                <a:cs typeface="Calibri"/>
-                <a:sym typeface="Calibri"/>
-              </a:rPr>
-              <a:t> After training, the model needs to be evaluated on a separate validation dataset to assess its performance. </a:t>
-            </a:r>
-            <a:endParaRPr/>
-          </a:p>
-          <a:p>
-            <a:pPr marL="0" marR="0" lvl="0" indent="0" algn="just" rtl="0">
-              <a:spcBef>
-                <a:spcPts val="1000"/>
-              </a:spcBef>
-              <a:spcAft>
-                <a:spcPts val="1000"/>
-              </a:spcAft>
-              <a:buNone/>
-            </a:pPr>
-            <a:r>
-              <a:rPr lang="en-US" sz="2000" b="1">
-                <a:solidFill>
-                  <a:schemeClr val="dk1"/>
-                </a:solidFill>
-                <a:latin typeface="Calibri"/>
-                <a:ea typeface="Calibri"/>
-                <a:cs typeface="Calibri"/>
-                <a:sym typeface="Calibri"/>
-              </a:rPr>
-              <a:t>Model Optimization:</a:t>
-            </a:r>
-            <a:r>
-              <a:rPr lang="en-US" sz="2000">
-                <a:solidFill>
-                  <a:schemeClr val="dk1"/>
-                </a:solidFill>
-                <a:latin typeface="Calibri"/>
-                <a:ea typeface="Calibri"/>
-                <a:cs typeface="Calibri"/>
-                <a:sym typeface="Calibri"/>
-              </a:rPr>
-              <a:t> Based on the evaluation results, the model can be fine-tuned and optimized to improve its performance.  </a:t>
+              <a:t>Steps:</a:t>
             </a:r>
             <a:endParaRPr/>
           </a:p>
         </p:txBody>
       </p:sp>
-    </p:spTree>
-  </p:cSld>
-  <p:clrMapOvr>
-    <a:masterClrMapping/>
-  </p:clrMapOvr>
-</p:sld>
-</file>
-
-<file path=ppt/slides/slide9.xml><?xml version="1.0" encoding="utf-8"?>
-<p:sld xmlns:a="http://schemas.openxmlformats.org/drawingml/2006/main" xmlns:r="http://schemas.openxmlformats.org/officeDocument/2006/relationships" xmlns:p="http://schemas.openxmlformats.org/presentationml/2006/main">
-  <p:cSld>
-    <p:spTree>
-      <p:nvGrpSpPr>
-        <p:cNvPr id="1" name="Shape 83"/>
-        <p:cNvGrpSpPr/>
-        <p:nvPr/>
-      </p:nvGrpSpPr>
-      <p:grpSpPr>
-        <a:xfrm>
-          <a:off x="0" y="0"/>
-          <a:ext cx="0" cy="0"/>
-          <a:chOff x="0" y="0"/>
-          <a:chExt cx="0" cy="0"/>
-        </a:xfrm>
-      </p:grpSpPr>
-      <p:sp>
-        <p:nvSpPr>
-          <p:cNvPr id="84" name="Google Shape;84;p13"/>
-          <p:cNvSpPr txBox="1"/>
-          <p:nvPr/>
-        </p:nvSpPr>
-        <p:spPr>
-          <a:xfrm>
-            <a:off x="325927" y="248626"/>
-            <a:ext cx="7530363" cy="584775"/>
-          </a:xfrm>
-          <a:prstGeom prst="rect">
-            <a:avLst/>
-          </a:prstGeom>
-          <a:noFill/>
-          <a:ln>
-            <a:noFill/>
-          </a:ln>
-        </p:spPr>
-        <p:txBody>
-          <a:bodyPr spcFirstLastPara="1" wrap="square" lIns="91425" tIns="45700" rIns="91425" bIns="45700" anchor="t" anchorCtr="0">
-            <a:spAutoFit/>
-          </a:bodyPr>
-          <a:lstStyle/>
-          <a:p>
-            <a:pPr marL="0" marR="0" lvl="0" indent="0" algn="l" rtl="0">
-              <a:spcBef>
-                <a:spcPts val="0"/>
-              </a:spcBef>
-              <a:spcAft>
-                <a:spcPts val="0"/>
-              </a:spcAft>
-              <a:buNone/>
-            </a:pPr>
-            <a:r>
-              <a:rPr lang="en-US" sz="3200" b="1">
-                <a:solidFill>
-                  <a:srgbClr val="46B0FA"/>
-                </a:solidFill>
-                <a:latin typeface="Arial"/>
-                <a:ea typeface="Arial"/>
-                <a:cs typeface="Arial"/>
-                <a:sym typeface="Arial"/>
-              </a:rPr>
-              <a:t>Methodology</a:t>
-            </a:r>
-            <a:endParaRPr sz="3200" b="1">
-              <a:solidFill>
-                <a:srgbClr val="46B0FA"/>
-              </a:solidFill>
-              <a:latin typeface="Arial"/>
-              <a:ea typeface="Arial"/>
-              <a:cs typeface="Arial"/>
-              <a:sym typeface="Arial"/>
-            </a:endParaRPr>
-          </a:p>
-        </p:txBody>
-      </p:sp>
-      <p:sp>
-        <p:nvSpPr>
-          <p:cNvPr id="85" name="Google Shape;85;p13"/>
-          <p:cNvSpPr txBox="1"/>
-          <p:nvPr/>
-        </p:nvSpPr>
-        <p:spPr>
-          <a:xfrm>
-            <a:off x="1071154" y="1064470"/>
-            <a:ext cx="9900900" cy="400200"/>
-          </a:xfrm>
-          <a:prstGeom prst="rect">
-            <a:avLst/>
-          </a:prstGeom>
-          <a:noFill/>
-          <a:ln>
-            <a:noFill/>
-          </a:ln>
-        </p:spPr>
-        <p:txBody>
-          <a:bodyPr spcFirstLastPara="1" wrap="square" lIns="91425" tIns="45700" rIns="91425" bIns="45700" anchor="t" anchorCtr="0">
-            <a:spAutoFit/>
-          </a:bodyPr>
-          <a:lstStyle/>
-          <a:p>
-            <a:pPr marL="0" marR="0" lvl="0" indent="0" algn="l" rtl="0">
-              <a:spcBef>
-                <a:spcPts val="0"/>
-              </a:spcBef>
-              <a:spcAft>
-                <a:spcPts val="0"/>
-              </a:spcAft>
-              <a:buNone/>
-            </a:pPr>
-            <a:r>
-              <a:rPr lang="en-US" sz="2000">
-                <a:solidFill>
-                  <a:srgbClr val="FF0000"/>
-                </a:solidFill>
-                <a:latin typeface="Arial"/>
-                <a:ea typeface="Arial"/>
-                <a:cs typeface="Arial"/>
-                <a:sym typeface="Arial"/>
-              </a:rPr>
-              <a:t>Timeline</a:t>
-            </a:r>
-            <a:endParaRPr sz="2000">
-              <a:solidFill>
-                <a:schemeClr val="dk1"/>
-              </a:solidFill>
-              <a:latin typeface="Arial"/>
-              <a:ea typeface="Arial"/>
-              <a:cs typeface="Arial"/>
-              <a:sym typeface="Arial"/>
-            </a:endParaRPr>
-          </a:p>
-        </p:txBody>
-      </p:sp>
       <p:pic>
         <p:nvPicPr>
-          <p:cNvPr id="86" name="Google Shape;86;p13"/>
+          <p:cNvPr id="85" name="Google Shape;85;p13"/>
           <p:cNvPicPr preferRelativeResize="0"/>
           <p:nvPr/>
         </p:nvPicPr>
-        <p:blipFill rotWithShape="1">
+        <p:blipFill>
           <a:blip r:embed="rId3">
             <a:alphaModFix/>
           </a:blip>
-          <a:srcRect t="8541" b="17059"/>
-          <a:stretch/>
+          <a:stretch>
+            <a:fillRect/>
+          </a:stretch>
         </p:blipFill>
         <p:spPr>
           <a:xfrm>
-            <a:off x="993199" y="1622025"/>
-            <a:ext cx="10509276" cy="4834975"/>
+            <a:off x="1685088" y="1305800"/>
+            <a:ext cx="8821824" cy="5387700"/>
           </a:xfrm>
           <a:prstGeom prst="rect">
             <a:avLst/>
@@ -8754,7 +8685,7 @@
 </file>
 
 <file path=ppt/theme/theme1.xml><?xml version="1.0" encoding="utf-8"?>
-<a:theme xmlns:a="http://schemas.openxmlformats.org/drawingml/2006/main" name="Office Theme">
+<a:theme xmlns:a="http://schemas.openxmlformats.org/drawingml/2006/main" xmlns:r="http://schemas.openxmlformats.org/officeDocument/2006/relationships" name="Office Theme">
   <a:themeElements>
     <a:clrScheme name="Office">
       <a:dk1>
@@ -9029,13 +8960,11 @@
       </a:bgFillStyleLst>
     </a:fmtScheme>
   </a:themeElements>
-  <a:objectDefaults/>
-  <a:extraClrSchemeLst/>
 </a:theme>
 </file>
 
 <file path=ppt/theme/theme2.xml><?xml version="1.0" encoding="utf-8"?>
-<a:theme xmlns:a="http://schemas.openxmlformats.org/drawingml/2006/main" name="Office Theme">
+<a:theme xmlns:a="http://schemas.openxmlformats.org/drawingml/2006/main" xmlns:r="http://schemas.openxmlformats.org/officeDocument/2006/relationships" name="Office Theme">
   <a:themeElements>
     <a:clrScheme name="Office">
       <a:dk1>
@@ -9310,7 +9239,5 @@
       </a:bgFillStyleLst>
     </a:fmtScheme>
   </a:themeElements>
-  <a:objectDefaults/>
-  <a:extraClrSchemeLst/>
 </a:theme>
 </file>